--- a/slides/ShanghaiDataScience_201509.pptx
+++ b/slides/ShanghaiDataScience_201509.pptx
@@ -7,13 +7,16 @@
   <p:sldIdLst>
     <p:sldId id="256" r:id="rId2"/>
     <p:sldId id="257" r:id="rId3"/>
-    <p:sldId id="258" r:id="rId4"/>
-    <p:sldId id="259" r:id="rId5"/>
-    <p:sldId id="260" r:id="rId6"/>
-    <p:sldId id="261" r:id="rId7"/>
-    <p:sldId id="264" r:id="rId8"/>
-    <p:sldId id="262" r:id="rId9"/>
-    <p:sldId id="263" r:id="rId10"/>
+    <p:sldId id="266" r:id="rId4"/>
+    <p:sldId id="258" r:id="rId5"/>
+    <p:sldId id="265" r:id="rId6"/>
+    <p:sldId id="259" r:id="rId7"/>
+    <p:sldId id="267" r:id="rId8"/>
+    <p:sldId id="260" r:id="rId9"/>
+    <p:sldId id="261" r:id="rId10"/>
+    <p:sldId id="264" r:id="rId11"/>
+    <p:sldId id="262" r:id="rId12"/>
+    <p:sldId id="263" r:id="rId13"/>
   </p:sldIdLst>
   <p:sldSz cx="12192000" cy="6858000"/>
   <p:notesSz cx="6858000" cy="9144000"/>
@@ -112,6 +115,11 @@
       </a:defRPr>
     </a:lvl9pPr>
   </p:defaultTextStyle>
+  <p:extLst>
+    <p:ext uri="{EFAFB233-063F-42B5-8137-9DF3F51BA10A}">
+      <p15:sldGuideLst xmlns="" xmlns:p15="http://schemas.microsoft.com/office/powerpoint/2012/main"/>
+    </p:ext>
+  </p:extLst>
 </p:presentation>
 </file>
 
@@ -246,7 +254,7 @@
           <a:p>
             <a:fld id="{B8FAD6F8-AB09-434A-8A54-6BADA09CA10E}" type="datetimeFigureOut">
               <a:rPr lang="en-US" smtClean="0"/>
-              <a:t>9/11/2015</a:t>
+              <a:t>9/15/2015</a:t>
             </a:fld>
             <a:endParaRPr lang="en-US"/>
           </a:p>
@@ -288,7 +296,7 @@
           <a:p>
             <a:fld id="{F1A2D159-7083-48C9-88DE-3F666ED9E9A2}" type="slidenum">
               <a:rPr lang="en-US" smtClean="0"/>
-              <a:t>‹Nr.›</a:t>
+              <a:t>‹#›</a:t>
             </a:fld>
             <a:endParaRPr lang="en-US"/>
           </a:p>
@@ -416,7 +424,7 @@
           <a:p>
             <a:fld id="{B8FAD6F8-AB09-434A-8A54-6BADA09CA10E}" type="datetimeFigureOut">
               <a:rPr lang="en-US" smtClean="0"/>
-              <a:t>9/11/2015</a:t>
+              <a:t>9/15/2015</a:t>
             </a:fld>
             <a:endParaRPr lang="en-US"/>
           </a:p>
@@ -458,7 +466,7 @@
           <a:p>
             <a:fld id="{F1A2D159-7083-48C9-88DE-3F666ED9E9A2}" type="slidenum">
               <a:rPr lang="en-US" smtClean="0"/>
-              <a:t>‹Nr.›</a:t>
+              <a:t>‹#›</a:t>
             </a:fld>
             <a:endParaRPr lang="en-US"/>
           </a:p>
@@ -596,7 +604,7 @@
           <a:p>
             <a:fld id="{B8FAD6F8-AB09-434A-8A54-6BADA09CA10E}" type="datetimeFigureOut">
               <a:rPr lang="en-US" smtClean="0"/>
-              <a:t>9/11/2015</a:t>
+              <a:t>9/15/2015</a:t>
             </a:fld>
             <a:endParaRPr lang="en-US"/>
           </a:p>
@@ -638,7 +646,7 @@
           <a:p>
             <a:fld id="{F1A2D159-7083-48C9-88DE-3F666ED9E9A2}" type="slidenum">
               <a:rPr lang="en-US" smtClean="0"/>
-              <a:t>‹Nr.›</a:t>
+              <a:t>‹#›</a:t>
             </a:fld>
             <a:endParaRPr lang="en-US"/>
           </a:p>
@@ -766,7 +774,7 @@
           <a:p>
             <a:fld id="{B8FAD6F8-AB09-434A-8A54-6BADA09CA10E}" type="datetimeFigureOut">
               <a:rPr lang="en-US" smtClean="0"/>
-              <a:t>9/11/2015</a:t>
+              <a:t>9/15/2015</a:t>
             </a:fld>
             <a:endParaRPr lang="en-US"/>
           </a:p>
@@ -808,7 +816,7 @@
           <a:p>
             <a:fld id="{F1A2D159-7083-48C9-88DE-3F666ED9E9A2}" type="slidenum">
               <a:rPr lang="en-US" smtClean="0"/>
-              <a:t>‹Nr.›</a:t>
+              <a:t>‹#›</a:t>
             </a:fld>
             <a:endParaRPr lang="en-US"/>
           </a:p>
@@ -1012,7 +1020,7 @@
           <a:p>
             <a:fld id="{B8FAD6F8-AB09-434A-8A54-6BADA09CA10E}" type="datetimeFigureOut">
               <a:rPr lang="en-US" smtClean="0"/>
-              <a:t>9/11/2015</a:t>
+              <a:t>9/15/2015</a:t>
             </a:fld>
             <a:endParaRPr lang="en-US"/>
           </a:p>
@@ -1054,7 +1062,7 @@
           <a:p>
             <a:fld id="{F1A2D159-7083-48C9-88DE-3F666ED9E9A2}" type="slidenum">
               <a:rPr lang="en-US" smtClean="0"/>
-              <a:t>‹Nr.›</a:t>
+              <a:t>‹#›</a:t>
             </a:fld>
             <a:endParaRPr lang="en-US"/>
           </a:p>
@@ -1244,7 +1252,7 @@
           <a:p>
             <a:fld id="{B8FAD6F8-AB09-434A-8A54-6BADA09CA10E}" type="datetimeFigureOut">
               <a:rPr lang="en-US" smtClean="0"/>
-              <a:t>9/11/2015</a:t>
+              <a:t>9/15/2015</a:t>
             </a:fld>
             <a:endParaRPr lang="en-US"/>
           </a:p>
@@ -1286,7 +1294,7 @@
           <a:p>
             <a:fld id="{F1A2D159-7083-48C9-88DE-3F666ED9E9A2}" type="slidenum">
               <a:rPr lang="en-US" smtClean="0"/>
-              <a:t>‹Nr.›</a:t>
+              <a:t>‹#›</a:t>
             </a:fld>
             <a:endParaRPr lang="en-US"/>
           </a:p>
@@ -1611,7 +1619,7 @@
           <a:p>
             <a:fld id="{B8FAD6F8-AB09-434A-8A54-6BADA09CA10E}" type="datetimeFigureOut">
               <a:rPr lang="en-US" smtClean="0"/>
-              <a:t>9/11/2015</a:t>
+              <a:t>9/15/2015</a:t>
             </a:fld>
             <a:endParaRPr lang="en-US"/>
           </a:p>
@@ -1653,7 +1661,7 @@
           <a:p>
             <a:fld id="{F1A2D159-7083-48C9-88DE-3F666ED9E9A2}" type="slidenum">
               <a:rPr lang="en-US" smtClean="0"/>
-              <a:t>‹Nr.›</a:t>
+              <a:t>‹#›</a:t>
             </a:fld>
             <a:endParaRPr lang="en-US"/>
           </a:p>
@@ -1729,7 +1737,7 @@
           <a:p>
             <a:fld id="{B8FAD6F8-AB09-434A-8A54-6BADA09CA10E}" type="datetimeFigureOut">
               <a:rPr lang="en-US" smtClean="0"/>
-              <a:t>9/11/2015</a:t>
+              <a:t>9/15/2015</a:t>
             </a:fld>
             <a:endParaRPr lang="en-US"/>
           </a:p>
@@ -1771,7 +1779,7 @@
           <a:p>
             <a:fld id="{F1A2D159-7083-48C9-88DE-3F666ED9E9A2}" type="slidenum">
               <a:rPr lang="en-US" smtClean="0"/>
-              <a:t>‹Nr.›</a:t>
+              <a:t>‹#›</a:t>
             </a:fld>
             <a:endParaRPr lang="en-US"/>
           </a:p>
@@ -1824,7 +1832,7 @@
           <a:p>
             <a:fld id="{B8FAD6F8-AB09-434A-8A54-6BADA09CA10E}" type="datetimeFigureOut">
               <a:rPr lang="en-US" smtClean="0"/>
-              <a:t>9/11/2015</a:t>
+              <a:t>9/15/2015</a:t>
             </a:fld>
             <a:endParaRPr lang="en-US"/>
           </a:p>
@@ -1866,7 +1874,7 @@
           <a:p>
             <a:fld id="{F1A2D159-7083-48C9-88DE-3F666ED9E9A2}" type="slidenum">
               <a:rPr lang="en-US" smtClean="0"/>
-              <a:t>‹Nr.›</a:t>
+              <a:t>‹#›</a:t>
             </a:fld>
             <a:endParaRPr lang="en-US"/>
           </a:p>
@@ -2101,7 +2109,7 @@
           <a:p>
             <a:fld id="{B8FAD6F8-AB09-434A-8A54-6BADA09CA10E}" type="datetimeFigureOut">
               <a:rPr lang="en-US" smtClean="0"/>
-              <a:t>9/11/2015</a:t>
+              <a:t>9/15/2015</a:t>
             </a:fld>
             <a:endParaRPr lang="en-US"/>
           </a:p>
@@ -2143,7 +2151,7 @@
           <a:p>
             <a:fld id="{F1A2D159-7083-48C9-88DE-3F666ED9E9A2}" type="slidenum">
               <a:rPr lang="en-US" smtClean="0"/>
-              <a:t>‹Nr.›</a:t>
+              <a:t>‹#›</a:t>
             </a:fld>
             <a:endParaRPr lang="en-US"/>
           </a:p>
@@ -2354,7 +2362,7 @@
           <a:p>
             <a:fld id="{B8FAD6F8-AB09-434A-8A54-6BADA09CA10E}" type="datetimeFigureOut">
               <a:rPr lang="en-US" smtClean="0"/>
-              <a:t>9/11/2015</a:t>
+              <a:t>9/15/2015</a:t>
             </a:fld>
             <a:endParaRPr lang="en-US"/>
           </a:p>
@@ -2396,7 +2404,7 @@
           <a:p>
             <a:fld id="{F1A2D159-7083-48C9-88DE-3F666ED9E9A2}" type="slidenum">
               <a:rPr lang="en-US" smtClean="0"/>
-              <a:t>‹Nr.›</a:t>
+              <a:t>‹#›</a:t>
             </a:fld>
             <a:endParaRPr lang="en-US"/>
           </a:p>
@@ -2567,7 +2575,7 @@
           <a:p>
             <a:fld id="{B8FAD6F8-AB09-434A-8A54-6BADA09CA10E}" type="datetimeFigureOut">
               <a:rPr lang="en-US" smtClean="0"/>
-              <a:t>9/11/2015</a:t>
+              <a:t>9/15/2015</a:t>
             </a:fld>
             <a:endParaRPr lang="en-US"/>
           </a:p>
@@ -2645,7 +2653,7 @@
           <a:p>
             <a:fld id="{F1A2D159-7083-48C9-88DE-3F666ED9E9A2}" type="slidenum">
               <a:rPr lang="en-US" smtClean="0"/>
-              <a:t>‹Nr.›</a:t>
+              <a:t>‹#›</a:t>
             </a:fld>
             <a:endParaRPr lang="en-US"/>
           </a:p>
@@ -3031,6 +3039,1148 @@
 </p:sld>
 </file>
 
+<file path=ppt/slides/slide10.xml><?xml version="1.0" encoding="utf-8"?>
+<p:sld xmlns:a="http://schemas.openxmlformats.org/drawingml/2006/main" xmlns:r="http://schemas.openxmlformats.org/officeDocument/2006/relationships" xmlns:p="http://schemas.openxmlformats.org/presentationml/2006/main">
+  <p:cSld>
+    <p:spTree>
+      <p:nvGrpSpPr>
+        <p:cNvPr id="1" name=""/>
+        <p:cNvGrpSpPr/>
+        <p:nvPr/>
+      </p:nvGrpSpPr>
+      <p:grpSpPr>
+        <a:xfrm>
+          <a:off x="0" y="0"/>
+          <a:ext cx="0" cy="0"/>
+          <a:chOff x="0" y="0"/>
+          <a:chExt cx="0" cy="0"/>
+        </a:xfrm>
+      </p:grpSpPr>
+      <p:sp>
+        <p:nvSpPr>
+          <p:cNvPr id="2" name="Titel 1"/>
+          <p:cNvSpPr>
+            <a:spLocks noGrp="1"/>
+          </p:cNvSpPr>
+          <p:nvPr>
+            <p:ph type="title"/>
+          </p:nvPr>
+        </p:nvSpPr>
+        <p:spPr/>
+        <p:txBody>
+          <a:bodyPr/>
+          <a:lstStyle/>
+          <a:p>
+            <a:r>
+              <a:rPr lang="en-US" dirty="0" err="1" smtClean="0"/>
+              <a:t>HBase</a:t>
+            </a:r>
+            <a:endParaRPr lang="en-US" dirty="0"/>
+          </a:p>
+        </p:txBody>
+      </p:sp>
+      <p:sp>
+        <p:nvSpPr>
+          <p:cNvPr id="3" name="Inhaltsplatzhalter 2"/>
+          <p:cNvSpPr>
+            <a:spLocks noGrp="1"/>
+          </p:cNvSpPr>
+          <p:nvPr>
+            <p:ph idx="1"/>
+          </p:nvPr>
+        </p:nvSpPr>
+        <p:spPr/>
+        <p:txBody>
+          <a:bodyPr/>
+          <a:lstStyle/>
+          <a:p>
+            <a:r>
+              <a:rPr lang="en-US" dirty="0" err="1" smtClean="0"/>
+              <a:t>BigTable</a:t>
+            </a:r>
+            <a:r>
+              <a:rPr lang="en-US" dirty="0" smtClean="0"/>
+              <a:t> </a:t>
+            </a:r>
+            <a:r>
+              <a:rPr lang="en-US" dirty="0" smtClean="0"/>
+              <a:t>architecture supporting loose schema</a:t>
+            </a:r>
+          </a:p>
+        </p:txBody>
+      </p:sp>
+      <p:sp>
+        <p:nvSpPr>
+          <p:cNvPr id="17" name="Rounded Rectangle 16"/>
+          <p:cNvSpPr/>
+          <p:nvPr/>
+        </p:nvSpPr>
+        <p:spPr>
+          <a:xfrm>
+            <a:off x="8564751" y="2629268"/>
+            <a:ext cx="1836549" cy="674177"/>
+          </a:xfrm>
+          <a:prstGeom prst="roundRect">
+            <a:avLst/>
+          </a:prstGeom>
+        </p:spPr>
+        <p:style>
+          <a:lnRef idx="2">
+            <a:schemeClr val="accent2">
+              <a:shade val="50000"/>
+            </a:schemeClr>
+          </a:lnRef>
+          <a:fillRef idx="1">
+            <a:schemeClr val="accent2"/>
+          </a:fillRef>
+          <a:effectRef idx="0">
+            <a:schemeClr val="accent2"/>
+          </a:effectRef>
+          <a:fontRef idx="minor">
+            <a:schemeClr val="lt1"/>
+          </a:fontRef>
+        </p:style>
+        <p:txBody>
+          <a:bodyPr rtlCol="0" anchor="ctr"/>
+          <a:lstStyle/>
+          <a:p>
+            <a:pPr algn="ctr"/>
+            <a:r>
+              <a:rPr lang="en-US" dirty="0" err="1" smtClean="0"/>
+              <a:t>HMaster</a:t>
+            </a:r>
+            <a:endParaRPr lang="en-US" dirty="0"/>
+          </a:p>
+        </p:txBody>
+      </p:sp>
+      <p:grpSp>
+        <p:nvGrpSpPr>
+          <p:cNvPr id="22" name="Group 21"/>
+          <p:cNvGrpSpPr/>
+          <p:nvPr/>
+        </p:nvGrpSpPr>
+        <p:grpSpPr>
+          <a:xfrm>
+            <a:off x="6007530" y="4233345"/>
+            <a:ext cx="1594389" cy="1255362"/>
+            <a:chOff x="6007530" y="4233345"/>
+            <a:chExt cx="1594389" cy="1255362"/>
+          </a:xfrm>
+        </p:grpSpPr>
+        <p:sp>
+          <p:nvSpPr>
+            <p:cNvPr id="16" name="Rounded Rectangle 15"/>
+            <p:cNvSpPr/>
+            <p:nvPr/>
+          </p:nvSpPr>
+          <p:spPr>
+            <a:xfrm>
+              <a:off x="6007530" y="4233345"/>
+              <a:ext cx="1594389" cy="1255362"/>
+            </a:xfrm>
+            <a:prstGeom prst="roundRect">
+              <a:avLst/>
+            </a:prstGeom>
+            <a:noFill/>
+          </p:spPr>
+          <p:style>
+            <a:lnRef idx="2">
+              <a:schemeClr val="dk1"/>
+            </a:lnRef>
+            <a:fillRef idx="1">
+              <a:schemeClr val="lt1"/>
+            </a:fillRef>
+            <a:effectRef idx="0">
+              <a:schemeClr val="dk1"/>
+            </a:effectRef>
+            <a:fontRef idx="minor">
+              <a:schemeClr val="dk1"/>
+            </a:fontRef>
+          </p:style>
+          <p:txBody>
+            <a:bodyPr rtlCol="0" anchor="t"/>
+            <a:lstStyle/>
+            <a:p>
+              <a:r>
+                <a:rPr lang="en-US" dirty="0" smtClean="0"/>
+                <a:t>Region server</a:t>
+              </a:r>
+              <a:endParaRPr lang="en-US" dirty="0"/>
+            </a:p>
+          </p:txBody>
+        </p:sp>
+        <p:sp>
+          <p:nvSpPr>
+            <p:cNvPr id="18" name="Rectangle 17"/>
+            <p:cNvSpPr/>
+            <p:nvPr/>
+          </p:nvSpPr>
+          <p:spPr>
+            <a:xfrm>
+              <a:off x="6103427" y="4738193"/>
+              <a:ext cx="1428750" cy="245666"/>
+            </a:xfrm>
+            <a:prstGeom prst="rect">
+              <a:avLst/>
+            </a:prstGeom>
+          </p:spPr>
+          <p:style>
+            <a:lnRef idx="2">
+              <a:schemeClr val="accent5">
+                <a:shade val="50000"/>
+              </a:schemeClr>
+            </a:lnRef>
+            <a:fillRef idx="1">
+              <a:schemeClr val="accent5"/>
+            </a:fillRef>
+            <a:effectRef idx="0">
+              <a:schemeClr val="accent5"/>
+            </a:effectRef>
+            <a:fontRef idx="minor">
+              <a:schemeClr val="lt1"/>
+            </a:fontRef>
+          </p:style>
+          <p:txBody>
+            <a:bodyPr rtlCol="0" anchor="ctr"/>
+            <a:lstStyle/>
+            <a:p>
+              <a:pPr algn="ctr"/>
+              <a:r>
+                <a:rPr lang="en-US" dirty="0" err="1" smtClean="0"/>
+                <a:t>Memstore</a:t>
+              </a:r>
+              <a:endParaRPr lang="en-US" dirty="0"/>
+            </a:p>
+          </p:txBody>
+        </p:sp>
+        <p:sp>
+          <p:nvSpPr>
+            <p:cNvPr id="19" name="Rectangle 18"/>
+            <p:cNvSpPr/>
+            <p:nvPr/>
+          </p:nvSpPr>
+          <p:spPr>
+            <a:xfrm>
+              <a:off x="6797300" y="5106692"/>
+              <a:ext cx="734877" cy="250556"/>
+            </a:xfrm>
+            <a:prstGeom prst="rect">
+              <a:avLst/>
+            </a:prstGeom>
+          </p:spPr>
+          <p:style>
+            <a:lnRef idx="2">
+              <a:schemeClr val="accent4">
+                <a:shade val="50000"/>
+              </a:schemeClr>
+            </a:lnRef>
+            <a:fillRef idx="1">
+              <a:schemeClr val="accent4"/>
+            </a:fillRef>
+            <a:effectRef idx="0">
+              <a:schemeClr val="accent4"/>
+            </a:effectRef>
+            <a:fontRef idx="minor">
+              <a:schemeClr val="lt1"/>
+            </a:fontRef>
+          </p:style>
+          <p:txBody>
+            <a:bodyPr rtlCol="0" anchor="ctr"/>
+            <a:lstStyle/>
+            <a:p>
+              <a:pPr algn="ctr"/>
+              <a:r>
+                <a:rPr lang="en-US" dirty="0" err="1" smtClean="0"/>
+                <a:t>HFile</a:t>
+              </a:r>
+              <a:endParaRPr lang="en-US" dirty="0"/>
+            </a:p>
+          </p:txBody>
+        </p:sp>
+        <p:sp>
+          <p:nvSpPr>
+            <p:cNvPr id="21" name="Rectangle 20"/>
+            <p:cNvSpPr/>
+            <p:nvPr/>
+          </p:nvSpPr>
+          <p:spPr>
+            <a:xfrm>
+              <a:off x="6103427" y="5106692"/>
+              <a:ext cx="623807" cy="250556"/>
+            </a:xfrm>
+            <a:prstGeom prst="rect">
+              <a:avLst/>
+            </a:prstGeom>
+          </p:spPr>
+          <p:style>
+            <a:lnRef idx="2">
+              <a:schemeClr val="accent6">
+                <a:shade val="50000"/>
+              </a:schemeClr>
+            </a:lnRef>
+            <a:fillRef idx="1">
+              <a:schemeClr val="accent6"/>
+            </a:fillRef>
+            <a:effectRef idx="0">
+              <a:schemeClr val="accent6"/>
+            </a:effectRef>
+            <a:fontRef idx="minor">
+              <a:schemeClr val="lt1"/>
+            </a:fontRef>
+          </p:style>
+          <p:txBody>
+            <a:bodyPr rtlCol="0" anchor="ctr"/>
+            <a:lstStyle/>
+            <a:p>
+              <a:pPr algn="ctr"/>
+              <a:r>
+                <a:rPr lang="en-US" dirty="0" smtClean="0"/>
+                <a:t>WAL</a:t>
+              </a:r>
+              <a:endParaRPr lang="en-US" dirty="0"/>
+            </a:p>
+          </p:txBody>
+        </p:sp>
+      </p:grpSp>
+      <p:grpSp>
+        <p:nvGrpSpPr>
+          <p:cNvPr id="23" name="Group 22"/>
+          <p:cNvGrpSpPr/>
+          <p:nvPr/>
+        </p:nvGrpSpPr>
+        <p:grpSpPr>
+          <a:xfrm>
+            <a:off x="9174350" y="4233345"/>
+            <a:ext cx="1594389" cy="1255362"/>
+            <a:chOff x="6007530" y="4233345"/>
+            <a:chExt cx="1594389" cy="1255362"/>
+          </a:xfrm>
+        </p:grpSpPr>
+        <p:sp>
+          <p:nvSpPr>
+            <p:cNvPr id="24" name="Rounded Rectangle 23"/>
+            <p:cNvSpPr/>
+            <p:nvPr/>
+          </p:nvSpPr>
+          <p:spPr>
+            <a:xfrm>
+              <a:off x="6007530" y="4233345"/>
+              <a:ext cx="1594389" cy="1255362"/>
+            </a:xfrm>
+            <a:prstGeom prst="roundRect">
+              <a:avLst/>
+            </a:prstGeom>
+            <a:noFill/>
+          </p:spPr>
+          <p:style>
+            <a:lnRef idx="2">
+              <a:schemeClr val="dk1"/>
+            </a:lnRef>
+            <a:fillRef idx="1">
+              <a:schemeClr val="lt1"/>
+            </a:fillRef>
+            <a:effectRef idx="0">
+              <a:schemeClr val="dk1"/>
+            </a:effectRef>
+            <a:fontRef idx="minor">
+              <a:schemeClr val="dk1"/>
+            </a:fontRef>
+          </p:style>
+          <p:txBody>
+            <a:bodyPr rtlCol="0" anchor="t"/>
+            <a:lstStyle/>
+            <a:p>
+              <a:r>
+                <a:rPr lang="en-US" dirty="0" smtClean="0"/>
+                <a:t>Region server</a:t>
+              </a:r>
+              <a:endParaRPr lang="en-US" dirty="0"/>
+            </a:p>
+          </p:txBody>
+        </p:sp>
+        <p:sp>
+          <p:nvSpPr>
+            <p:cNvPr id="25" name="Rectangle 24"/>
+            <p:cNvSpPr/>
+            <p:nvPr/>
+          </p:nvSpPr>
+          <p:spPr>
+            <a:xfrm>
+              <a:off x="6103427" y="4738193"/>
+              <a:ext cx="1428750" cy="245666"/>
+            </a:xfrm>
+            <a:prstGeom prst="rect">
+              <a:avLst/>
+            </a:prstGeom>
+          </p:spPr>
+          <p:style>
+            <a:lnRef idx="2">
+              <a:schemeClr val="accent5">
+                <a:shade val="50000"/>
+              </a:schemeClr>
+            </a:lnRef>
+            <a:fillRef idx="1">
+              <a:schemeClr val="accent5"/>
+            </a:fillRef>
+            <a:effectRef idx="0">
+              <a:schemeClr val="accent5"/>
+            </a:effectRef>
+            <a:fontRef idx="minor">
+              <a:schemeClr val="lt1"/>
+            </a:fontRef>
+          </p:style>
+          <p:txBody>
+            <a:bodyPr rtlCol="0" anchor="ctr"/>
+            <a:lstStyle/>
+            <a:p>
+              <a:pPr algn="ctr"/>
+              <a:r>
+                <a:rPr lang="en-US" dirty="0" err="1" smtClean="0"/>
+                <a:t>Memstore</a:t>
+              </a:r>
+              <a:endParaRPr lang="en-US" dirty="0"/>
+            </a:p>
+          </p:txBody>
+        </p:sp>
+        <p:sp>
+          <p:nvSpPr>
+            <p:cNvPr id="26" name="Rectangle 25"/>
+            <p:cNvSpPr/>
+            <p:nvPr/>
+          </p:nvSpPr>
+          <p:spPr>
+            <a:xfrm>
+              <a:off x="6797300" y="5106692"/>
+              <a:ext cx="734877" cy="250556"/>
+            </a:xfrm>
+            <a:prstGeom prst="rect">
+              <a:avLst/>
+            </a:prstGeom>
+          </p:spPr>
+          <p:style>
+            <a:lnRef idx="2">
+              <a:schemeClr val="accent4">
+                <a:shade val="50000"/>
+              </a:schemeClr>
+            </a:lnRef>
+            <a:fillRef idx="1">
+              <a:schemeClr val="accent4"/>
+            </a:fillRef>
+            <a:effectRef idx="0">
+              <a:schemeClr val="accent4"/>
+            </a:effectRef>
+            <a:fontRef idx="minor">
+              <a:schemeClr val="lt1"/>
+            </a:fontRef>
+          </p:style>
+          <p:txBody>
+            <a:bodyPr rtlCol="0" anchor="ctr"/>
+            <a:lstStyle/>
+            <a:p>
+              <a:pPr algn="ctr"/>
+              <a:r>
+                <a:rPr lang="en-US" dirty="0" err="1" smtClean="0"/>
+                <a:t>HFile</a:t>
+              </a:r>
+              <a:endParaRPr lang="en-US" dirty="0"/>
+            </a:p>
+          </p:txBody>
+        </p:sp>
+        <p:sp>
+          <p:nvSpPr>
+            <p:cNvPr id="27" name="Rectangle 26"/>
+            <p:cNvSpPr/>
+            <p:nvPr/>
+          </p:nvSpPr>
+          <p:spPr>
+            <a:xfrm>
+              <a:off x="6103427" y="5106692"/>
+              <a:ext cx="623807" cy="250556"/>
+            </a:xfrm>
+            <a:prstGeom prst="rect">
+              <a:avLst/>
+            </a:prstGeom>
+          </p:spPr>
+          <p:style>
+            <a:lnRef idx="2">
+              <a:schemeClr val="accent6">
+                <a:shade val="50000"/>
+              </a:schemeClr>
+            </a:lnRef>
+            <a:fillRef idx="1">
+              <a:schemeClr val="accent6"/>
+            </a:fillRef>
+            <a:effectRef idx="0">
+              <a:schemeClr val="accent6"/>
+            </a:effectRef>
+            <a:fontRef idx="minor">
+              <a:schemeClr val="lt1"/>
+            </a:fontRef>
+          </p:style>
+          <p:txBody>
+            <a:bodyPr rtlCol="0" anchor="ctr"/>
+            <a:lstStyle/>
+            <a:p>
+              <a:pPr algn="ctr"/>
+              <a:r>
+                <a:rPr lang="en-US" dirty="0" smtClean="0"/>
+                <a:t>WAL</a:t>
+              </a:r>
+              <a:endParaRPr lang="en-US" dirty="0"/>
+            </a:p>
+          </p:txBody>
+        </p:sp>
+      </p:grpSp>
+      <p:cxnSp>
+        <p:nvCxnSpPr>
+          <p:cNvPr id="29" name="Straight Arrow Connector 28"/>
+          <p:cNvCxnSpPr>
+            <a:stCxn id="17" idx="2"/>
+            <a:endCxn id="16" idx="0"/>
+          </p:cNvCxnSpPr>
+          <p:nvPr/>
+        </p:nvCxnSpPr>
+        <p:spPr>
+          <a:xfrm flipH="1">
+            <a:off x="6804725" y="3303445"/>
+            <a:ext cx="2678301" cy="929900"/>
+          </a:xfrm>
+          <a:prstGeom prst="straightConnector1">
+            <a:avLst/>
+          </a:prstGeom>
+          <a:ln>
+            <a:prstDash val="dash"/>
+            <a:tailEnd type="triangle"/>
+          </a:ln>
+        </p:spPr>
+        <p:style>
+          <a:lnRef idx="2">
+            <a:schemeClr val="dk1"/>
+          </a:lnRef>
+          <a:fillRef idx="0">
+            <a:schemeClr val="dk1"/>
+          </a:fillRef>
+          <a:effectRef idx="1">
+            <a:schemeClr val="dk1"/>
+          </a:effectRef>
+          <a:fontRef idx="minor">
+            <a:schemeClr val="tx1"/>
+          </a:fontRef>
+        </p:style>
+      </p:cxnSp>
+      <p:cxnSp>
+        <p:nvCxnSpPr>
+          <p:cNvPr id="31" name="Straight Arrow Connector 30"/>
+          <p:cNvCxnSpPr>
+            <a:stCxn id="17" idx="2"/>
+            <a:endCxn id="24" idx="0"/>
+          </p:cNvCxnSpPr>
+          <p:nvPr/>
+        </p:nvCxnSpPr>
+        <p:spPr>
+          <a:xfrm>
+            <a:off x="9483026" y="3303445"/>
+            <a:ext cx="488519" cy="929900"/>
+          </a:xfrm>
+          <a:prstGeom prst="straightConnector1">
+            <a:avLst/>
+          </a:prstGeom>
+          <a:ln>
+            <a:prstDash val="dash"/>
+            <a:tailEnd type="triangle"/>
+          </a:ln>
+        </p:spPr>
+        <p:style>
+          <a:lnRef idx="2">
+            <a:schemeClr val="dk1"/>
+          </a:lnRef>
+          <a:fillRef idx="0">
+            <a:schemeClr val="dk1"/>
+          </a:fillRef>
+          <a:effectRef idx="1">
+            <a:schemeClr val="dk1"/>
+          </a:effectRef>
+          <a:fontRef idx="minor">
+            <a:schemeClr val="tx1"/>
+          </a:fontRef>
+        </p:style>
+      </p:cxnSp>
+      <p:sp>
+        <p:nvSpPr>
+          <p:cNvPr id="35" name="Rectangle 34"/>
+          <p:cNvSpPr/>
+          <p:nvPr/>
+        </p:nvSpPr>
+        <p:spPr>
+          <a:xfrm>
+            <a:off x="2644398" y="3706401"/>
+            <a:ext cx="1425844" cy="526944"/>
+          </a:xfrm>
+          <a:prstGeom prst="rect">
+            <a:avLst/>
+          </a:prstGeom>
+        </p:spPr>
+        <p:style>
+          <a:lnRef idx="2">
+            <a:schemeClr val="accent3">
+              <a:shade val="50000"/>
+            </a:schemeClr>
+          </a:lnRef>
+          <a:fillRef idx="1">
+            <a:schemeClr val="accent3"/>
+          </a:fillRef>
+          <a:effectRef idx="0">
+            <a:schemeClr val="accent3"/>
+          </a:effectRef>
+          <a:fontRef idx="minor">
+            <a:schemeClr val="lt1"/>
+          </a:fontRef>
+        </p:style>
+        <p:txBody>
+          <a:bodyPr rtlCol="0" anchor="ctr"/>
+          <a:lstStyle/>
+          <a:p>
+            <a:pPr algn="ctr"/>
+            <a:r>
+              <a:rPr lang="en-US" dirty="0" smtClean="0"/>
+              <a:t>Client</a:t>
+            </a:r>
+            <a:endParaRPr lang="en-US" dirty="0"/>
+          </a:p>
+        </p:txBody>
+      </p:sp>
+      <p:cxnSp>
+        <p:nvCxnSpPr>
+          <p:cNvPr id="36" name="Straight Arrow Connector 35"/>
+          <p:cNvCxnSpPr>
+            <a:stCxn id="35" idx="3"/>
+            <a:endCxn id="17" idx="1"/>
+          </p:cNvCxnSpPr>
+          <p:nvPr/>
+        </p:nvCxnSpPr>
+        <p:spPr>
+          <a:xfrm flipV="1">
+            <a:off x="4070242" y="2966357"/>
+            <a:ext cx="4494509" cy="1003516"/>
+          </a:xfrm>
+          <a:prstGeom prst="straightConnector1">
+            <a:avLst/>
+          </a:prstGeom>
+          <a:ln>
+            <a:prstDash val="solid"/>
+            <a:tailEnd type="triangle"/>
+          </a:ln>
+        </p:spPr>
+        <p:style>
+          <a:lnRef idx="2">
+            <a:schemeClr val="dk1"/>
+          </a:lnRef>
+          <a:fillRef idx="0">
+            <a:schemeClr val="dk1"/>
+          </a:fillRef>
+          <a:effectRef idx="1">
+            <a:schemeClr val="dk1"/>
+          </a:effectRef>
+          <a:fontRef idx="minor">
+            <a:schemeClr val="tx1"/>
+          </a:fontRef>
+        </p:style>
+      </p:cxnSp>
+      <p:cxnSp>
+        <p:nvCxnSpPr>
+          <p:cNvPr id="39" name="Straight Arrow Connector 38"/>
+          <p:cNvCxnSpPr>
+            <a:stCxn id="35" idx="3"/>
+            <a:endCxn id="16" idx="1"/>
+          </p:cNvCxnSpPr>
+          <p:nvPr/>
+        </p:nvCxnSpPr>
+        <p:spPr>
+          <a:xfrm>
+            <a:off x="4070242" y="3969873"/>
+            <a:ext cx="1937288" cy="891153"/>
+          </a:xfrm>
+          <a:prstGeom prst="straightConnector1">
+            <a:avLst/>
+          </a:prstGeom>
+          <a:ln>
+            <a:prstDash val="solid"/>
+            <a:tailEnd type="triangle"/>
+          </a:ln>
+        </p:spPr>
+        <p:style>
+          <a:lnRef idx="2">
+            <a:schemeClr val="dk1"/>
+          </a:lnRef>
+          <a:fillRef idx="0">
+            <a:schemeClr val="dk1"/>
+          </a:fillRef>
+          <a:effectRef idx="1">
+            <a:schemeClr val="dk1"/>
+          </a:effectRef>
+          <a:fontRef idx="minor">
+            <a:schemeClr val="tx1"/>
+          </a:fontRef>
+        </p:style>
+      </p:cxnSp>
+      <p:sp>
+        <p:nvSpPr>
+          <p:cNvPr id="42" name="TextBox 41"/>
+          <p:cNvSpPr txBox="1"/>
+          <p:nvPr/>
+        </p:nvSpPr>
+        <p:spPr>
+          <a:xfrm>
+            <a:off x="5720812" y="3199556"/>
+            <a:ext cx="1140416" cy="646331"/>
+          </a:xfrm>
+          <a:prstGeom prst="rect">
+            <a:avLst/>
+          </a:prstGeom>
+          <a:solidFill>
+            <a:schemeClr val="lt1">
+              <a:alpha val="60000"/>
+            </a:schemeClr>
+          </a:solidFill>
+          <a:ln>
+            <a:noFill/>
+          </a:ln>
+        </p:spPr>
+        <p:style>
+          <a:lnRef idx="2">
+            <a:schemeClr val="dk1"/>
+          </a:lnRef>
+          <a:fillRef idx="1">
+            <a:schemeClr val="lt1"/>
+          </a:fillRef>
+          <a:effectRef idx="0">
+            <a:schemeClr val="dk1"/>
+          </a:effectRef>
+          <a:fontRef idx="minor">
+            <a:schemeClr val="dk1"/>
+          </a:fontRef>
+        </p:style>
+        <p:txBody>
+          <a:bodyPr wrap="square" rtlCol="0">
+            <a:spAutoFit/>
+          </a:bodyPr>
+          <a:lstStyle/>
+          <a:p>
+            <a:pPr algn="ctr"/>
+            <a:r>
+              <a:rPr lang="en-US" dirty="0" smtClean="0"/>
+              <a:t>Get Data Location</a:t>
+            </a:r>
+            <a:endParaRPr lang="en-US" dirty="0"/>
+          </a:p>
+        </p:txBody>
+      </p:sp>
+      <p:sp>
+        <p:nvSpPr>
+          <p:cNvPr id="43" name="TextBox 42"/>
+          <p:cNvSpPr txBox="1"/>
+          <p:nvPr/>
+        </p:nvSpPr>
+        <p:spPr>
+          <a:xfrm>
+            <a:off x="4292385" y="4214695"/>
+            <a:ext cx="1140416" cy="646331"/>
+          </a:xfrm>
+          <a:prstGeom prst="rect">
+            <a:avLst/>
+          </a:prstGeom>
+          <a:solidFill>
+            <a:schemeClr val="lt1">
+              <a:alpha val="60000"/>
+            </a:schemeClr>
+          </a:solidFill>
+          <a:ln>
+            <a:noFill/>
+          </a:ln>
+        </p:spPr>
+        <p:style>
+          <a:lnRef idx="2">
+            <a:schemeClr val="dk1"/>
+          </a:lnRef>
+          <a:fillRef idx="1">
+            <a:schemeClr val="lt1"/>
+          </a:fillRef>
+          <a:effectRef idx="0">
+            <a:schemeClr val="dk1"/>
+          </a:effectRef>
+          <a:fontRef idx="minor">
+            <a:schemeClr val="dk1"/>
+          </a:fontRef>
+        </p:style>
+        <p:txBody>
+          <a:bodyPr wrap="square" rtlCol="0">
+            <a:spAutoFit/>
+          </a:bodyPr>
+          <a:lstStyle/>
+          <a:p>
+            <a:pPr algn="ctr"/>
+            <a:r>
+              <a:rPr lang="en-US" dirty="0" smtClean="0"/>
+              <a:t>Get</a:t>
+            </a:r>
+            <a:endParaRPr lang="en-US" dirty="0" smtClean="0"/>
+          </a:p>
+          <a:p>
+            <a:pPr algn="ctr"/>
+            <a:r>
+              <a:rPr lang="en-US" dirty="0" smtClean="0"/>
+              <a:t>Data</a:t>
+            </a:r>
+            <a:endParaRPr lang="en-US" dirty="0"/>
+          </a:p>
+        </p:txBody>
+      </p:sp>
+      <p:sp>
+        <p:nvSpPr>
+          <p:cNvPr id="44" name="Zylinder 4"/>
+          <p:cNvSpPr/>
+          <p:nvPr/>
+        </p:nvSpPr>
+        <p:spPr>
+          <a:xfrm>
+            <a:off x="6007530" y="5904858"/>
+            <a:ext cx="4761208" cy="751668"/>
+          </a:xfrm>
+          <a:prstGeom prst="can">
+            <a:avLst/>
+          </a:prstGeom>
+        </p:spPr>
+        <p:style>
+          <a:lnRef idx="2">
+            <a:schemeClr val="accent6">
+              <a:shade val="50000"/>
+            </a:schemeClr>
+          </a:lnRef>
+          <a:fillRef idx="1">
+            <a:schemeClr val="accent6"/>
+          </a:fillRef>
+          <a:effectRef idx="0">
+            <a:schemeClr val="accent6"/>
+          </a:effectRef>
+          <a:fontRef idx="minor">
+            <a:schemeClr val="lt1"/>
+          </a:fontRef>
+        </p:style>
+        <p:txBody>
+          <a:bodyPr rtlCol="0" anchor="ctr"/>
+          <a:lstStyle/>
+          <a:p>
+            <a:pPr algn="ctr"/>
+            <a:r>
+              <a:rPr lang="en-US" dirty="0" err="1" smtClean="0"/>
+              <a:t>HDFS</a:t>
+            </a:r>
+            <a:endParaRPr lang="en-US" dirty="0"/>
+          </a:p>
+        </p:txBody>
+      </p:sp>
+      <p:cxnSp>
+        <p:nvCxnSpPr>
+          <p:cNvPr id="45" name="Straight Arrow Connector 44"/>
+          <p:cNvCxnSpPr>
+            <a:stCxn id="16" idx="2"/>
+          </p:cNvCxnSpPr>
+          <p:nvPr/>
+        </p:nvCxnSpPr>
+        <p:spPr>
+          <a:xfrm>
+            <a:off x="6804725" y="5488707"/>
+            <a:ext cx="6538" cy="516886"/>
+          </a:xfrm>
+          <a:prstGeom prst="straightConnector1">
+            <a:avLst/>
+          </a:prstGeom>
+          <a:ln>
+            <a:prstDash val="solid"/>
+            <a:headEnd type="triangle"/>
+            <a:tailEnd type="triangle"/>
+          </a:ln>
+        </p:spPr>
+        <p:style>
+          <a:lnRef idx="2">
+            <a:schemeClr val="dk1"/>
+          </a:lnRef>
+          <a:fillRef idx="0">
+            <a:schemeClr val="dk1"/>
+          </a:fillRef>
+          <a:effectRef idx="1">
+            <a:schemeClr val="dk1"/>
+          </a:effectRef>
+          <a:fontRef idx="minor">
+            <a:schemeClr val="tx1"/>
+          </a:fontRef>
+        </p:style>
+      </p:cxnSp>
+      <p:cxnSp>
+        <p:nvCxnSpPr>
+          <p:cNvPr id="49" name="Straight Arrow Connector 48"/>
+          <p:cNvCxnSpPr>
+            <a:stCxn id="24" idx="2"/>
+          </p:cNvCxnSpPr>
+          <p:nvPr/>
+        </p:nvCxnSpPr>
+        <p:spPr>
+          <a:xfrm>
+            <a:off x="9971545" y="5488707"/>
+            <a:ext cx="13077" cy="516886"/>
+          </a:xfrm>
+          <a:prstGeom prst="straightConnector1">
+            <a:avLst/>
+          </a:prstGeom>
+          <a:ln>
+            <a:prstDash val="solid"/>
+            <a:headEnd type="triangle"/>
+            <a:tailEnd type="triangle"/>
+          </a:ln>
+        </p:spPr>
+        <p:style>
+          <a:lnRef idx="2">
+            <a:schemeClr val="dk1"/>
+          </a:lnRef>
+          <a:fillRef idx="0">
+            <a:schemeClr val="dk1"/>
+          </a:fillRef>
+          <a:effectRef idx="1">
+            <a:schemeClr val="dk1"/>
+          </a:effectRef>
+          <a:fontRef idx="minor">
+            <a:schemeClr val="tx1"/>
+          </a:fontRef>
+        </p:style>
+      </p:cxnSp>
+      <p:sp>
+        <p:nvSpPr>
+          <p:cNvPr id="60" name="TextBox 59"/>
+          <p:cNvSpPr txBox="1"/>
+          <p:nvPr/>
+        </p:nvSpPr>
+        <p:spPr>
+          <a:xfrm>
+            <a:off x="844657" y="5381360"/>
+            <a:ext cx="4017936" cy="1200329"/>
+          </a:xfrm>
+          <a:prstGeom prst="rect">
+            <a:avLst/>
+          </a:prstGeom>
+          <a:noFill/>
+          <a:ln>
+            <a:solidFill>
+              <a:schemeClr val="dk1"/>
+            </a:solidFill>
+          </a:ln>
+        </p:spPr>
+        <p:txBody>
+          <a:bodyPr wrap="square" rtlCol="0">
+            <a:spAutoFit/>
+          </a:bodyPr>
+          <a:lstStyle/>
+          <a:p>
+            <a:pPr marL="285750" indent="-285750">
+              <a:buFont typeface="Arial" panose="020B0604020202020204" pitchFamily="34" charset="0"/>
+              <a:buChar char="•"/>
+            </a:pPr>
+            <a:r>
+              <a:rPr lang="en-US" dirty="0" err="1" smtClean="0"/>
+              <a:t>Memstore</a:t>
+            </a:r>
+            <a:r>
+              <a:rPr lang="en-US" dirty="0" smtClean="0"/>
+              <a:t>: In-memory data cache</a:t>
+            </a:r>
+          </a:p>
+          <a:p>
+            <a:pPr marL="285750" indent="-285750">
+              <a:buFont typeface="Arial" panose="020B0604020202020204" pitchFamily="34" charset="0"/>
+              <a:buChar char="•"/>
+            </a:pPr>
+            <a:r>
+              <a:rPr lang="en-US" dirty="0" smtClean="0"/>
+              <a:t>WAL: Write-ahead-log to record all changes</a:t>
+            </a:r>
+          </a:p>
+          <a:p>
+            <a:pPr marL="285750" indent="-285750">
+              <a:buFont typeface="Arial" panose="020B0604020202020204" pitchFamily="34" charset="0"/>
+              <a:buChar char="•"/>
+            </a:pPr>
+            <a:r>
+              <a:rPr lang="en-US" dirty="0" err="1" smtClean="0"/>
+              <a:t>Hfile</a:t>
+            </a:r>
+            <a:r>
+              <a:rPr lang="en-US" dirty="0" smtClean="0"/>
+              <a:t>: Specialized HDFS file format</a:t>
+            </a:r>
+            <a:endParaRPr lang="en-US" dirty="0"/>
+          </a:p>
+        </p:txBody>
+      </p:sp>
+    </p:spTree>
+    <p:extLst>
+      <p:ext uri="{BB962C8B-B14F-4D97-AF65-F5344CB8AC3E}">
+        <p14:creationId xmlns:p14="http://schemas.microsoft.com/office/powerpoint/2010/main" val="7896582"/>
+      </p:ext>
+    </p:extLst>
+  </p:cSld>
+  <p:clrMapOvr>
+    <a:masterClrMapping/>
+  </p:clrMapOvr>
+</p:sld>
+</file>
+
+<file path=ppt/slides/slide11.xml><?xml version="1.0" encoding="utf-8"?>
+<p:sld xmlns:a="http://schemas.openxmlformats.org/drawingml/2006/main" xmlns:r="http://schemas.openxmlformats.org/officeDocument/2006/relationships" xmlns:p="http://schemas.openxmlformats.org/presentationml/2006/main">
+  <p:cSld>
+    <p:spTree>
+      <p:nvGrpSpPr>
+        <p:cNvPr id="1" name=""/>
+        <p:cNvGrpSpPr/>
+        <p:nvPr/>
+      </p:nvGrpSpPr>
+      <p:grpSpPr>
+        <a:xfrm>
+          <a:off x="0" y="0"/>
+          <a:ext cx="0" cy="0"/>
+          <a:chOff x="0" y="0"/>
+          <a:chExt cx="0" cy="0"/>
+        </a:xfrm>
+      </p:grpSpPr>
+      <p:sp>
+        <p:nvSpPr>
+          <p:cNvPr id="2" name="Titel 1"/>
+          <p:cNvSpPr>
+            <a:spLocks noGrp="1"/>
+          </p:cNvSpPr>
+          <p:nvPr>
+            <p:ph type="title"/>
+          </p:nvPr>
+        </p:nvSpPr>
+        <p:spPr/>
+        <p:txBody>
+          <a:bodyPr/>
+          <a:lstStyle/>
+          <a:p>
+            <a:r>
+              <a:rPr lang="en-US" dirty="0" smtClean="0"/>
+              <a:t>Kafka</a:t>
+            </a:r>
+            <a:endParaRPr lang="en-US" dirty="0"/>
+          </a:p>
+        </p:txBody>
+      </p:sp>
+      <p:sp>
+        <p:nvSpPr>
+          <p:cNvPr id="3" name="Inhaltsplatzhalter 2"/>
+          <p:cNvSpPr>
+            <a:spLocks noGrp="1"/>
+          </p:cNvSpPr>
+          <p:nvPr>
+            <p:ph idx="1"/>
+          </p:nvPr>
+        </p:nvSpPr>
+        <p:spPr/>
+        <p:txBody>
+          <a:bodyPr/>
+          <a:lstStyle/>
+          <a:p>
+            <a:r>
+              <a:rPr lang="en-US" dirty="0"/>
+              <a:t>Kafka is a distributed, partitioned, replicated commit log service</a:t>
+            </a:r>
+            <a:endParaRPr lang="en-US" dirty="0"/>
+          </a:p>
+        </p:txBody>
+      </p:sp>
+    </p:spTree>
+    <p:extLst>
+      <p:ext uri="{BB962C8B-B14F-4D97-AF65-F5344CB8AC3E}">
+        <p14:creationId xmlns:p14="http://schemas.microsoft.com/office/powerpoint/2010/main" val="3974552302"/>
+      </p:ext>
+    </p:extLst>
+  </p:cSld>
+  <p:clrMapOvr>
+    <a:masterClrMapping/>
+  </p:clrMapOvr>
+</p:sld>
+</file>
+
+<file path=ppt/slides/slide12.xml><?xml version="1.0" encoding="utf-8"?>
+<p:sld xmlns:a="http://schemas.openxmlformats.org/drawingml/2006/main" xmlns:r="http://schemas.openxmlformats.org/officeDocument/2006/relationships" xmlns:p="http://schemas.openxmlformats.org/presentationml/2006/main">
+  <p:cSld>
+    <p:spTree>
+      <p:nvGrpSpPr>
+        <p:cNvPr id="1" name=""/>
+        <p:cNvGrpSpPr/>
+        <p:nvPr/>
+      </p:nvGrpSpPr>
+      <p:grpSpPr>
+        <a:xfrm>
+          <a:off x="0" y="0"/>
+          <a:ext cx="0" cy="0"/>
+          <a:chOff x="0" y="0"/>
+          <a:chExt cx="0" cy="0"/>
+        </a:xfrm>
+      </p:grpSpPr>
+      <p:sp>
+        <p:nvSpPr>
+          <p:cNvPr id="2" name="Titel 1"/>
+          <p:cNvSpPr>
+            <a:spLocks noGrp="1"/>
+          </p:cNvSpPr>
+          <p:nvPr>
+            <p:ph type="title"/>
+          </p:nvPr>
+        </p:nvSpPr>
+        <p:spPr/>
+        <p:txBody>
+          <a:bodyPr/>
+          <a:lstStyle/>
+          <a:p>
+            <a:r>
+              <a:rPr lang="en-US" dirty="0" smtClean="0"/>
+              <a:t>Spark</a:t>
+            </a:r>
+            <a:endParaRPr lang="en-US" dirty="0"/>
+          </a:p>
+        </p:txBody>
+      </p:sp>
+      <p:sp>
+        <p:nvSpPr>
+          <p:cNvPr id="3" name="Inhaltsplatzhalter 2"/>
+          <p:cNvSpPr>
+            <a:spLocks noGrp="1"/>
+          </p:cNvSpPr>
+          <p:nvPr>
+            <p:ph idx="1"/>
+          </p:nvPr>
+        </p:nvSpPr>
+        <p:spPr/>
+        <p:txBody>
+          <a:bodyPr/>
+          <a:lstStyle/>
+          <a:p>
+            <a:endParaRPr lang="en-US" dirty="0"/>
+          </a:p>
+        </p:txBody>
+      </p:sp>
+    </p:spTree>
+    <p:extLst>
+      <p:ext uri="{BB962C8B-B14F-4D97-AF65-F5344CB8AC3E}">
+        <p14:creationId xmlns:p14="http://schemas.microsoft.com/office/powerpoint/2010/main" val="1025645941"/>
+      </p:ext>
+    </p:extLst>
+  </p:cSld>
+  <p:clrMapOvr>
+    <a:masterClrMapping/>
+  </p:clrMapOvr>
+</p:sld>
+</file>
+
 <file path=ppt/slides/slide2.xml><?xml version="1.0" encoding="utf-8"?>
 <p:sld xmlns:a="http://schemas.openxmlformats.org/drawingml/2006/main" xmlns:r="http://schemas.openxmlformats.org/officeDocument/2006/relationships" xmlns:p="http://schemas.openxmlformats.org/presentationml/2006/main">
   <p:cSld>
@@ -3082,7 +4232,52 @@
           <a:bodyPr/>
           <a:lstStyle/>
           <a:p>
-            <a:endParaRPr lang="en-US"/>
+            <a:r>
+              <a:rPr lang="en-US" dirty="0" err="1" smtClean="0"/>
+              <a:t>HDFS</a:t>
+            </a:r>
+            <a:endParaRPr lang="en-US" dirty="0" smtClean="0"/>
+          </a:p>
+          <a:p>
+            <a:r>
+              <a:rPr lang="en-US" dirty="0" smtClean="0"/>
+              <a:t>Flume</a:t>
+            </a:r>
+          </a:p>
+          <a:p>
+            <a:r>
+              <a:rPr lang="en-US" dirty="0" smtClean="0"/>
+              <a:t>Map/Reduce</a:t>
+            </a:r>
+          </a:p>
+          <a:p>
+            <a:r>
+              <a:rPr lang="en-US" dirty="0" err="1" smtClean="0"/>
+              <a:t>Hbase</a:t>
+            </a:r>
+            <a:endParaRPr lang="en-US" dirty="0" smtClean="0"/>
+          </a:p>
+          <a:p>
+            <a:r>
+              <a:rPr lang="en-US" dirty="0" smtClean="0"/>
+              <a:t>Spark</a:t>
+            </a:r>
+          </a:p>
+          <a:p>
+            <a:r>
+              <a:rPr lang="en-US" dirty="0" smtClean="0"/>
+              <a:t>Kafka</a:t>
+            </a:r>
+          </a:p>
+          <a:p>
+            <a:r>
+              <a:rPr lang="en-US" smtClean="0"/>
+              <a:t>… </a:t>
+            </a:r>
+            <a:endParaRPr lang="en-US" dirty="0" smtClean="0"/>
+          </a:p>
+          <a:p>
+            <a:endParaRPr lang="en-US" dirty="0"/>
           </a:p>
         </p:txBody>
       </p:sp>
@@ -3118,7 +4313,7 @@
       </p:grpSpPr>
       <p:sp>
         <p:nvSpPr>
-          <p:cNvPr id="2" name="Titel 1"/>
+          <p:cNvPr id="2" name="Title 1"/>
           <p:cNvSpPr>
             <a:spLocks noGrp="1"/>
           </p:cNvSpPr>
@@ -3132,36 +4327,69 @@
           <a:lstStyle/>
           <a:p>
             <a:r>
+              <a:rPr lang="en-US" dirty="0" smtClean="0"/>
+              <a:t>Example</a:t>
+            </a:r>
+            <a:endParaRPr lang="en-US" dirty="0"/>
+          </a:p>
+        </p:txBody>
+      </p:sp>
+      <p:sp>
+        <p:nvSpPr>
+          <p:cNvPr id="3" name="Content Placeholder 2"/>
+          <p:cNvSpPr>
+            <a:spLocks noGrp="1"/>
+          </p:cNvSpPr>
+          <p:nvPr>
+            <p:ph idx="1"/>
+          </p:nvPr>
+        </p:nvSpPr>
+        <p:spPr/>
+        <p:txBody>
+          <a:bodyPr/>
+          <a:lstStyle/>
+          <a:p>
+            <a:r>
+              <a:rPr lang="en-US" dirty="0" smtClean="0"/>
+              <a:t>Find frequent search terms</a:t>
+            </a:r>
+          </a:p>
+          <a:p>
+            <a:pPr lvl="1"/>
+            <a:r>
+              <a:rPr lang="en-US" dirty="0" smtClean="0"/>
+              <a:t>Get search requests from log file</a:t>
+            </a:r>
+          </a:p>
+          <a:p>
+            <a:pPr lvl="1"/>
+            <a:r>
+              <a:rPr lang="en-US" dirty="0" smtClean="0"/>
+              <a:t>Analyze search terms in the </a:t>
+            </a:r>
+            <a:r>
               <a:rPr lang="en-US" dirty="0" err="1" smtClean="0"/>
-              <a:t>HDFS</a:t>
-            </a:r>
+              <a:t>Hadoop</a:t>
+            </a:r>
+            <a:r>
+              <a:rPr lang="en-US" dirty="0" smtClean="0"/>
+              <a:t> ecosystem</a:t>
+            </a:r>
+          </a:p>
+          <a:p>
+            <a:pPr lvl="1"/>
             <a:endParaRPr lang="en-US" dirty="0"/>
           </a:p>
-        </p:txBody>
-      </p:sp>
-      <p:sp>
-        <p:nvSpPr>
-          <p:cNvPr id="3" name="Inhaltsplatzhalter 2"/>
-          <p:cNvSpPr>
-            <a:spLocks noGrp="1"/>
-          </p:cNvSpPr>
-          <p:nvPr>
-            <p:ph idx="1"/>
-          </p:nvPr>
-        </p:nvSpPr>
-        <p:spPr/>
-        <p:txBody>
-          <a:bodyPr/>
-          <a:lstStyle/>
-          <a:p>
-            <a:endParaRPr lang="en-US"/>
+          <a:p>
+            <a:pPr lvl="1"/>
+            <a:endParaRPr lang="en-US" dirty="0"/>
           </a:p>
         </p:txBody>
       </p:sp>
     </p:spTree>
     <p:extLst>
       <p:ext uri="{BB962C8B-B14F-4D97-AF65-F5344CB8AC3E}">
-        <p14:creationId xmlns:p14="http://schemas.microsoft.com/office/powerpoint/2010/main" val="4183340954"/>
+        <p14:creationId xmlns:p14="http://schemas.microsoft.com/office/powerpoint/2010/main" val="4148987315"/>
       </p:ext>
     </p:extLst>
   </p:cSld>
@@ -3190,6 +4418,48 @@
       </p:grpSpPr>
       <p:sp>
         <p:nvSpPr>
+          <p:cNvPr id="10" name="Rounded Rectangle 9"/>
+          <p:cNvSpPr/>
+          <p:nvPr/>
+        </p:nvSpPr>
+        <p:spPr>
+          <a:xfrm>
+            <a:off x="6007530" y="4233345"/>
+            <a:ext cx="1495585" cy="1255362"/>
+          </a:xfrm>
+          <a:prstGeom prst="roundRect">
+            <a:avLst/>
+          </a:prstGeom>
+          <a:noFill/>
+        </p:spPr>
+        <p:style>
+          <a:lnRef idx="2">
+            <a:schemeClr val="dk1"/>
+          </a:lnRef>
+          <a:fillRef idx="1">
+            <a:schemeClr val="lt1"/>
+          </a:fillRef>
+          <a:effectRef idx="0">
+            <a:schemeClr val="dk1"/>
+          </a:effectRef>
+          <a:fontRef idx="minor">
+            <a:schemeClr val="dk1"/>
+          </a:fontRef>
+        </p:style>
+        <p:txBody>
+          <a:bodyPr rtlCol="0" anchor="t"/>
+          <a:lstStyle/>
+          <a:p>
+            <a:r>
+              <a:rPr lang="en-US" dirty="0" smtClean="0"/>
+              <a:t>Data nodes</a:t>
+            </a:r>
+            <a:endParaRPr lang="en-US" dirty="0"/>
+          </a:p>
+        </p:txBody>
+      </p:sp>
+      <p:sp>
+        <p:nvSpPr>
           <p:cNvPr id="2" name="Titel 1"/>
           <p:cNvSpPr>
             <a:spLocks noGrp="1"/>
@@ -3204,8 +4474,35 @@
           <a:lstStyle/>
           <a:p>
             <a:r>
+              <a:rPr lang="en-US" dirty="0" err="1" smtClean="0"/>
+              <a:t>HDFS</a:t>
+            </a:r>
+            <a:endParaRPr lang="en-US" dirty="0"/>
+          </a:p>
+        </p:txBody>
+      </p:sp>
+      <p:sp>
+        <p:nvSpPr>
+          <p:cNvPr id="3" name="Inhaltsplatzhalter 2"/>
+          <p:cNvSpPr>
+            <a:spLocks noGrp="1"/>
+          </p:cNvSpPr>
+          <p:nvPr>
+            <p:ph idx="1"/>
+          </p:nvPr>
+        </p:nvSpPr>
+        <p:spPr/>
+        <p:txBody>
+          <a:bodyPr/>
+          <a:lstStyle/>
+          <a:p>
+            <a:r>
+              <a:rPr lang="en-US" dirty="0" err="1" smtClean="0"/>
+              <a:t>Hadoop</a:t>
+            </a:r>
+            <a:r>
               <a:rPr lang="en-US" dirty="0" smtClean="0"/>
-              <a:t>Flume</a:t>
+              <a:t> Distributed File System</a:t>
             </a:r>
             <a:endParaRPr lang="en-US" dirty="0"/>
           </a:p>
@@ -3213,19 +4510,997 @@
       </p:sp>
       <p:sp>
         <p:nvSpPr>
-          <p:cNvPr id="3" name="Inhaltsplatzhalter 2"/>
-          <p:cNvSpPr>
-            <a:spLocks noGrp="1"/>
-          </p:cNvSpPr>
-          <p:nvPr>
-            <p:ph idx="1"/>
-          </p:nvPr>
-        </p:nvSpPr>
-        <p:spPr/>
-        <p:txBody>
-          <a:bodyPr/>
-          <a:lstStyle/>
-          <a:p>
+          <p:cNvPr id="4" name="Can 3"/>
+          <p:cNvSpPr/>
+          <p:nvPr/>
+        </p:nvSpPr>
+        <p:spPr>
+          <a:xfrm>
+            <a:off x="6410486" y="4760286"/>
+            <a:ext cx="596684" cy="247973"/>
+          </a:xfrm>
+          <a:prstGeom prst="can">
+            <a:avLst/>
+          </a:prstGeom>
+        </p:spPr>
+        <p:style>
+          <a:lnRef idx="2">
+            <a:schemeClr val="accent6">
+              <a:shade val="50000"/>
+            </a:schemeClr>
+          </a:lnRef>
+          <a:fillRef idx="1">
+            <a:schemeClr val="accent6"/>
+          </a:fillRef>
+          <a:effectRef idx="0">
+            <a:schemeClr val="accent6"/>
+          </a:effectRef>
+          <a:fontRef idx="minor">
+            <a:schemeClr val="lt1"/>
+          </a:fontRef>
+        </p:style>
+        <p:txBody>
+          <a:bodyPr rtlCol="0" anchor="ctr"/>
+          <a:lstStyle/>
+          <a:p>
+            <a:pPr algn="ctr"/>
+            <a:endParaRPr lang="en-US"/>
+          </a:p>
+        </p:txBody>
+      </p:sp>
+      <p:sp>
+        <p:nvSpPr>
+          <p:cNvPr id="5" name="Can 4"/>
+          <p:cNvSpPr/>
+          <p:nvPr/>
+        </p:nvSpPr>
+        <p:spPr>
+          <a:xfrm>
+            <a:off x="6562886" y="4912686"/>
+            <a:ext cx="596684" cy="247973"/>
+          </a:xfrm>
+          <a:prstGeom prst="can">
+            <a:avLst/>
+          </a:prstGeom>
+        </p:spPr>
+        <p:style>
+          <a:lnRef idx="2">
+            <a:schemeClr val="accent6">
+              <a:shade val="50000"/>
+            </a:schemeClr>
+          </a:lnRef>
+          <a:fillRef idx="1">
+            <a:schemeClr val="accent6"/>
+          </a:fillRef>
+          <a:effectRef idx="0">
+            <a:schemeClr val="accent6"/>
+          </a:effectRef>
+          <a:fontRef idx="minor">
+            <a:schemeClr val="lt1"/>
+          </a:fontRef>
+        </p:style>
+        <p:txBody>
+          <a:bodyPr rtlCol="0" anchor="ctr"/>
+          <a:lstStyle/>
+          <a:p>
+            <a:pPr algn="ctr"/>
+            <a:endParaRPr lang="en-US"/>
+          </a:p>
+        </p:txBody>
+      </p:sp>
+      <p:sp>
+        <p:nvSpPr>
+          <p:cNvPr id="6" name="Can 5"/>
+          <p:cNvSpPr/>
+          <p:nvPr/>
+        </p:nvSpPr>
+        <p:spPr>
+          <a:xfrm>
+            <a:off x="6715286" y="5065086"/>
+            <a:ext cx="596684" cy="247973"/>
+          </a:xfrm>
+          <a:prstGeom prst="can">
+            <a:avLst/>
+          </a:prstGeom>
+        </p:spPr>
+        <p:style>
+          <a:lnRef idx="2">
+            <a:schemeClr val="accent6">
+              <a:shade val="50000"/>
+            </a:schemeClr>
+          </a:lnRef>
+          <a:fillRef idx="1">
+            <a:schemeClr val="accent6"/>
+          </a:fillRef>
+          <a:effectRef idx="0">
+            <a:schemeClr val="accent6"/>
+          </a:effectRef>
+          <a:fontRef idx="minor">
+            <a:schemeClr val="lt1"/>
+          </a:fontRef>
+        </p:style>
+        <p:txBody>
+          <a:bodyPr rtlCol="0" anchor="ctr"/>
+          <a:lstStyle/>
+          <a:p>
+            <a:pPr algn="ctr"/>
+            <a:endParaRPr lang="en-US"/>
+          </a:p>
+        </p:txBody>
+      </p:sp>
+      <p:sp>
+        <p:nvSpPr>
+          <p:cNvPr id="7" name="Can 6"/>
+          <p:cNvSpPr/>
+          <p:nvPr/>
+        </p:nvSpPr>
+        <p:spPr>
+          <a:xfrm>
+            <a:off x="10401300" y="4760286"/>
+            <a:ext cx="596684" cy="247973"/>
+          </a:xfrm>
+          <a:prstGeom prst="can">
+            <a:avLst/>
+          </a:prstGeom>
+        </p:spPr>
+        <p:style>
+          <a:lnRef idx="2">
+            <a:schemeClr val="accent6">
+              <a:shade val="50000"/>
+            </a:schemeClr>
+          </a:lnRef>
+          <a:fillRef idx="1">
+            <a:schemeClr val="accent6"/>
+          </a:fillRef>
+          <a:effectRef idx="0">
+            <a:schemeClr val="accent6"/>
+          </a:effectRef>
+          <a:fontRef idx="minor">
+            <a:schemeClr val="lt1"/>
+          </a:fontRef>
+        </p:style>
+        <p:txBody>
+          <a:bodyPr rtlCol="0" anchor="ctr"/>
+          <a:lstStyle/>
+          <a:p>
+            <a:pPr algn="ctr"/>
+            <a:endParaRPr lang="en-US"/>
+          </a:p>
+        </p:txBody>
+      </p:sp>
+      <p:sp>
+        <p:nvSpPr>
+          <p:cNvPr id="8" name="Can 7"/>
+          <p:cNvSpPr/>
+          <p:nvPr/>
+        </p:nvSpPr>
+        <p:spPr>
+          <a:xfrm>
+            <a:off x="10553700" y="4912686"/>
+            <a:ext cx="596684" cy="247973"/>
+          </a:xfrm>
+          <a:prstGeom prst="can">
+            <a:avLst/>
+          </a:prstGeom>
+        </p:spPr>
+        <p:style>
+          <a:lnRef idx="2">
+            <a:schemeClr val="accent6">
+              <a:shade val="50000"/>
+            </a:schemeClr>
+          </a:lnRef>
+          <a:fillRef idx="1">
+            <a:schemeClr val="accent6"/>
+          </a:fillRef>
+          <a:effectRef idx="0">
+            <a:schemeClr val="accent6"/>
+          </a:effectRef>
+          <a:fontRef idx="minor">
+            <a:schemeClr val="lt1"/>
+          </a:fontRef>
+        </p:style>
+        <p:txBody>
+          <a:bodyPr rtlCol="0" anchor="ctr"/>
+          <a:lstStyle/>
+          <a:p>
+            <a:pPr algn="ctr"/>
+            <a:endParaRPr lang="en-US"/>
+          </a:p>
+        </p:txBody>
+      </p:sp>
+      <p:sp>
+        <p:nvSpPr>
+          <p:cNvPr id="9" name="Rounded Rectangle 8"/>
+          <p:cNvSpPr/>
+          <p:nvPr/>
+        </p:nvSpPr>
+        <p:spPr>
+          <a:xfrm>
+            <a:off x="8564751" y="2629268"/>
+            <a:ext cx="1836549" cy="674177"/>
+          </a:xfrm>
+          <a:prstGeom prst="roundRect">
+            <a:avLst/>
+          </a:prstGeom>
+        </p:spPr>
+        <p:style>
+          <a:lnRef idx="2">
+            <a:schemeClr val="accent2">
+              <a:shade val="50000"/>
+            </a:schemeClr>
+          </a:lnRef>
+          <a:fillRef idx="1">
+            <a:schemeClr val="accent2"/>
+          </a:fillRef>
+          <a:effectRef idx="0">
+            <a:schemeClr val="accent2"/>
+          </a:effectRef>
+          <a:fontRef idx="minor">
+            <a:schemeClr val="lt1"/>
+          </a:fontRef>
+        </p:style>
+        <p:txBody>
+          <a:bodyPr rtlCol="0" anchor="ctr"/>
+          <a:lstStyle/>
+          <a:p>
+            <a:pPr algn="ctr"/>
+            <a:r>
+              <a:rPr lang="en-US" dirty="0" smtClean="0"/>
+              <a:t>Name node</a:t>
+            </a:r>
+            <a:endParaRPr lang="en-US" dirty="0"/>
+          </a:p>
+        </p:txBody>
+      </p:sp>
+      <p:sp>
+        <p:nvSpPr>
+          <p:cNvPr id="11" name="Rounded Rectangle 10"/>
+          <p:cNvSpPr/>
+          <p:nvPr/>
+        </p:nvSpPr>
+        <p:spPr>
+          <a:xfrm>
+            <a:off x="9862734" y="4233345"/>
+            <a:ext cx="1495585" cy="1255362"/>
+          </a:xfrm>
+          <a:prstGeom prst="roundRect">
+            <a:avLst/>
+          </a:prstGeom>
+          <a:noFill/>
+        </p:spPr>
+        <p:style>
+          <a:lnRef idx="2">
+            <a:schemeClr val="dk1"/>
+          </a:lnRef>
+          <a:fillRef idx="1">
+            <a:schemeClr val="lt1"/>
+          </a:fillRef>
+          <a:effectRef idx="0">
+            <a:schemeClr val="dk1"/>
+          </a:effectRef>
+          <a:fontRef idx="minor">
+            <a:schemeClr val="dk1"/>
+          </a:fontRef>
+        </p:style>
+        <p:txBody>
+          <a:bodyPr rtlCol="0" anchor="t"/>
+          <a:lstStyle/>
+          <a:p>
+            <a:r>
+              <a:rPr lang="en-US" dirty="0" smtClean="0"/>
+              <a:t>Data nodes</a:t>
+            </a:r>
+            <a:endParaRPr lang="en-US" dirty="0"/>
+          </a:p>
+        </p:txBody>
+      </p:sp>
+      <p:cxnSp>
+        <p:nvCxnSpPr>
+          <p:cNvPr id="13" name="Straight Arrow Connector 12"/>
+          <p:cNvCxnSpPr>
+            <a:stCxn id="9" idx="2"/>
+            <a:endCxn id="11" idx="0"/>
+          </p:cNvCxnSpPr>
+          <p:nvPr/>
+        </p:nvCxnSpPr>
+        <p:spPr>
+          <a:xfrm>
+            <a:off x="9483026" y="3303445"/>
+            <a:ext cx="1127501" cy="929900"/>
+          </a:xfrm>
+          <a:prstGeom prst="straightConnector1">
+            <a:avLst/>
+          </a:prstGeom>
+          <a:ln>
+            <a:tailEnd type="triangle"/>
+          </a:ln>
+        </p:spPr>
+        <p:style>
+          <a:lnRef idx="1">
+            <a:schemeClr val="dk1"/>
+          </a:lnRef>
+          <a:fillRef idx="0">
+            <a:schemeClr val="dk1"/>
+          </a:fillRef>
+          <a:effectRef idx="0">
+            <a:schemeClr val="dk1"/>
+          </a:effectRef>
+          <a:fontRef idx="minor">
+            <a:schemeClr val="tx1"/>
+          </a:fontRef>
+        </p:style>
+      </p:cxnSp>
+      <p:cxnSp>
+        <p:nvCxnSpPr>
+          <p:cNvPr id="14" name="Straight Arrow Connector 13"/>
+          <p:cNvCxnSpPr>
+            <a:stCxn id="9" idx="2"/>
+            <a:endCxn id="10" idx="0"/>
+          </p:cNvCxnSpPr>
+          <p:nvPr/>
+        </p:nvCxnSpPr>
+        <p:spPr>
+          <a:xfrm flipH="1">
+            <a:off x="6755323" y="3303445"/>
+            <a:ext cx="2727703" cy="929900"/>
+          </a:xfrm>
+          <a:prstGeom prst="straightConnector1">
+            <a:avLst/>
+          </a:prstGeom>
+          <a:ln>
+            <a:tailEnd type="triangle"/>
+          </a:ln>
+        </p:spPr>
+        <p:style>
+          <a:lnRef idx="1">
+            <a:schemeClr val="dk1"/>
+          </a:lnRef>
+          <a:fillRef idx="0">
+            <a:schemeClr val="dk1"/>
+          </a:fillRef>
+          <a:effectRef idx="0">
+            <a:schemeClr val="dk1"/>
+          </a:effectRef>
+          <a:fontRef idx="minor">
+            <a:schemeClr val="tx1"/>
+          </a:fontRef>
+        </p:style>
+      </p:cxnSp>
+      <p:sp>
+        <p:nvSpPr>
+          <p:cNvPr id="17" name="Rectangle 16"/>
+          <p:cNvSpPr/>
+          <p:nvPr/>
+        </p:nvSpPr>
+        <p:spPr>
+          <a:xfrm>
+            <a:off x="2644398" y="3706401"/>
+            <a:ext cx="1425844" cy="526944"/>
+          </a:xfrm>
+          <a:prstGeom prst="rect">
+            <a:avLst/>
+          </a:prstGeom>
+        </p:spPr>
+        <p:style>
+          <a:lnRef idx="2">
+            <a:schemeClr val="accent3">
+              <a:shade val="50000"/>
+            </a:schemeClr>
+          </a:lnRef>
+          <a:fillRef idx="1">
+            <a:schemeClr val="accent3"/>
+          </a:fillRef>
+          <a:effectRef idx="0">
+            <a:schemeClr val="accent3"/>
+          </a:effectRef>
+          <a:fontRef idx="minor">
+            <a:schemeClr val="lt1"/>
+          </a:fontRef>
+        </p:style>
+        <p:txBody>
+          <a:bodyPr rtlCol="0" anchor="ctr"/>
+          <a:lstStyle/>
+          <a:p>
+            <a:pPr algn="ctr"/>
+            <a:r>
+              <a:rPr lang="en-US" dirty="0" smtClean="0"/>
+              <a:t>Client</a:t>
+            </a:r>
+            <a:endParaRPr lang="en-US" dirty="0"/>
+          </a:p>
+        </p:txBody>
+      </p:sp>
+      <p:cxnSp>
+        <p:nvCxnSpPr>
+          <p:cNvPr id="19" name="Straight Arrow Connector 18"/>
+          <p:cNvCxnSpPr>
+            <a:stCxn id="17" idx="3"/>
+            <a:endCxn id="10" idx="1"/>
+          </p:cNvCxnSpPr>
+          <p:nvPr/>
+        </p:nvCxnSpPr>
+        <p:spPr>
+          <a:xfrm>
+            <a:off x="4070242" y="3969873"/>
+            <a:ext cx="1937288" cy="891153"/>
+          </a:xfrm>
+          <a:prstGeom prst="straightConnector1">
+            <a:avLst/>
+          </a:prstGeom>
+          <a:ln>
+            <a:headEnd type="triangle"/>
+            <a:tailEnd type="triangle"/>
+          </a:ln>
+        </p:spPr>
+        <p:style>
+          <a:lnRef idx="1">
+            <a:schemeClr val="dk1"/>
+          </a:lnRef>
+          <a:fillRef idx="0">
+            <a:schemeClr val="dk1"/>
+          </a:fillRef>
+          <a:effectRef idx="0">
+            <a:schemeClr val="dk1"/>
+          </a:effectRef>
+          <a:fontRef idx="minor">
+            <a:schemeClr val="tx1"/>
+          </a:fontRef>
+        </p:style>
+      </p:cxnSp>
+      <p:cxnSp>
+        <p:nvCxnSpPr>
+          <p:cNvPr id="20" name="Straight Arrow Connector 19"/>
+          <p:cNvCxnSpPr>
+            <a:stCxn id="17" idx="3"/>
+            <a:endCxn id="9" idx="1"/>
+          </p:cNvCxnSpPr>
+          <p:nvPr/>
+        </p:nvCxnSpPr>
+        <p:spPr>
+          <a:xfrm flipV="1">
+            <a:off x="4070242" y="2966357"/>
+            <a:ext cx="4494509" cy="1003516"/>
+          </a:xfrm>
+          <a:prstGeom prst="straightConnector1">
+            <a:avLst/>
+          </a:prstGeom>
+          <a:ln>
+            <a:prstDash val="dash"/>
+            <a:tailEnd type="triangle"/>
+          </a:ln>
+        </p:spPr>
+        <p:style>
+          <a:lnRef idx="3">
+            <a:schemeClr val="dk1"/>
+          </a:lnRef>
+          <a:fillRef idx="0">
+            <a:schemeClr val="dk1"/>
+          </a:fillRef>
+          <a:effectRef idx="2">
+            <a:schemeClr val="dk1"/>
+          </a:effectRef>
+          <a:fontRef idx="minor">
+            <a:schemeClr val="tx1"/>
+          </a:fontRef>
+        </p:style>
+      </p:cxnSp>
+      <p:sp>
+        <p:nvSpPr>
+          <p:cNvPr id="23" name="TextBox 22"/>
+          <p:cNvSpPr txBox="1"/>
+          <p:nvPr/>
+        </p:nvSpPr>
+        <p:spPr>
+          <a:xfrm>
+            <a:off x="5720812" y="3199556"/>
+            <a:ext cx="1140416" cy="646331"/>
+          </a:xfrm>
+          <a:prstGeom prst="rect">
+            <a:avLst/>
+          </a:prstGeom>
+          <a:solidFill>
+            <a:schemeClr val="lt1">
+              <a:alpha val="60000"/>
+            </a:schemeClr>
+          </a:solidFill>
+          <a:ln>
+            <a:noFill/>
+          </a:ln>
+        </p:spPr>
+        <p:style>
+          <a:lnRef idx="2">
+            <a:schemeClr val="dk1"/>
+          </a:lnRef>
+          <a:fillRef idx="1">
+            <a:schemeClr val="lt1"/>
+          </a:fillRef>
+          <a:effectRef idx="0">
+            <a:schemeClr val="dk1"/>
+          </a:effectRef>
+          <a:fontRef idx="minor">
+            <a:schemeClr val="dk1"/>
+          </a:fontRef>
+        </p:style>
+        <p:txBody>
+          <a:bodyPr wrap="square" rtlCol="0">
+            <a:spAutoFit/>
+          </a:bodyPr>
+          <a:lstStyle/>
+          <a:p>
+            <a:pPr algn="ctr"/>
+            <a:r>
+              <a:rPr lang="en-US" dirty="0" smtClean="0"/>
+              <a:t>Metadata</a:t>
+            </a:r>
+          </a:p>
+          <a:p>
+            <a:pPr algn="ctr"/>
+            <a:r>
+              <a:rPr lang="en-US" dirty="0" smtClean="0"/>
+              <a:t>Operation</a:t>
+            </a:r>
+            <a:endParaRPr lang="en-US" dirty="0"/>
+          </a:p>
+        </p:txBody>
+      </p:sp>
+      <p:sp>
+        <p:nvSpPr>
+          <p:cNvPr id="24" name="TextBox 23"/>
+          <p:cNvSpPr txBox="1"/>
+          <p:nvPr/>
+        </p:nvSpPr>
+        <p:spPr>
+          <a:xfrm>
+            <a:off x="8901192" y="3383235"/>
+            <a:ext cx="1163665" cy="646331"/>
+          </a:xfrm>
+          <a:prstGeom prst="rect">
+            <a:avLst/>
+          </a:prstGeom>
+          <a:solidFill>
+            <a:schemeClr val="lt1">
+              <a:alpha val="60000"/>
+            </a:schemeClr>
+          </a:solidFill>
+          <a:ln>
+            <a:noFill/>
+          </a:ln>
+        </p:spPr>
+        <p:style>
+          <a:lnRef idx="2">
+            <a:schemeClr val="dk1"/>
+          </a:lnRef>
+          <a:fillRef idx="1">
+            <a:schemeClr val="lt1"/>
+          </a:fillRef>
+          <a:effectRef idx="0">
+            <a:schemeClr val="dk1"/>
+          </a:effectRef>
+          <a:fontRef idx="minor">
+            <a:schemeClr val="dk1"/>
+          </a:fontRef>
+        </p:style>
+        <p:txBody>
+          <a:bodyPr wrap="square" rtlCol="0">
+            <a:spAutoFit/>
+          </a:bodyPr>
+          <a:lstStyle/>
+          <a:p>
+            <a:pPr algn="ctr"/>
+            <a:r>
+              <a:rPr lang="en-US" dirty="0" smtClean="0"/>
+              <a:t>Block</a:t>
+            </a:r>
+          </a:p>
+          <a:p>
+            <a:pPr algn="ctr"/>
+            <a:r>
+              <a:rPr lang="en-US" dirty="0" smtClean="0"/>
+              <a:t>Operation</a:t>
+            </a:r>
+            <a:endParaRPr lang="en-US" dirty="0"/>
+          </a:p>
+        </p:txBody>
+      </p:sp>
+      <p:sp>
+        <p:nvSpPr>
+          <p:cNvPr id="25" name="TextBox 24"/>
+          <p:cNvSpPr txBox="1"/>
+          <p:nvPr/>
+        </p:nvSpPr>
+        <p:spPr>
+          <a:xfrm>
+            <a:off x="4405393" y="4214695"/>
+            <a:ext cx="1266986" cy="646331"/>
+          </a:xfrm>
+          <a:prstGeom prst="rect">
+            <a:avLst/>
+          </a:prstGeom>
+          <a:solidFill>
+            <a:schemeClr val="lt1">
+              <a:alpha val="60000"/>
+            </a:schemeClr>
+          </a:solidFill>
+          <a:ln>
+            <a:noFill/>
+          </a:ln>
+        </p:spPr>
+        <p:style>
+          <a:lnRef idx="2">
+            <a:schemeClr val="dk1"/>
+          </a:lnRef>
+          <a:fillRef idx="1">
+            <a:schemeClr val="lt1"/>
+          </a:fillRef>
+          <a:effectRef idx="0">
+            <a:schemeClr val="dk1"/>
+          </a:effectRef>
+          <a:fontRef idx="minor">
+            <a:schemeClr val="dk1"/>
+          </a:fontRef>
+        </p:style>
+        <p:txBody>
+          <a:bodyPr wrap="square" rtlCol="0">
+            <a:spAutoFit/>
+          </a:bodyPr>
+          <a:lstStyle/>
+          <a:p>
+            <a:pPr algn="ctr"/>
+            <a:r>
+              <a:rPr lang="en-US" dirty="0" smtClean="0"/>
+              <a:t>Read/Write</a:t>
+            </a:r>
+          </a:p>
+          <a:p>
+            <a:pPr algn="ctr"/>
+            <a:r>
+              <a:rPr lang="en-US" dirty="0" smtClean="0"/>
+              <a:t>Operation</a:t>
+            </a:r>
+            <a:endParaRPr lang="en-US" dirty="0"/>
+          </a:p>
+        </p:txBody>
+      </p:sp>
+      <p:cxnSp>
+        <p:nvCxnSpPr>
+          <p:cNvPr id="26" name="Straight Arrow Connector 25"/>
+          <p:cNvCxnSpPr>
+            <a:stCxn id="11" idx="1"/>
+            <a:endCxn id="10" idx="3"/>
+          </p:cNvCxnSpPr>
+          <p:nvPr/>
+        </p:nvCxnSpPr>
+        <p:spPr>
+          <a:xfrm flipH="1">
+            <a:off x="7503115" y="4861026"/>
+            <a:ext cx="2359619" cy="0"/>
+          </a:xfrm>
+          <a:prstGeom prst="straightConnector1">
+            <a:avLst/>
+          </a:prstGeom>
+          <a:ln>
+            <a:headEnd type="triangle"/>
+            <a:tailEnd type="triangle"/>
+          </a:ln>
+        </p:spPr>
+        <p:style>
+          <a:lnRef idx="1">
+            <a:schemeClr val="dk1"/>
+          </a:lnRef>
+          <a:fillRef idx="0">
+            <a:schemeClr val="dk1"/>
+          </a:fillRef>
+          <a:effectRef idx="0">
+            <a:schemeClr val="dk1"/>
+          </a:effectRef>
+          <a:fontRef idx="minor">
+            <a:schemeClr val="tx1"/>
+          </a:fontRef>
+        </p:style>
+      </p:cxnSp>
+      <p:sp>
+        <p:nvSpPr>
+          <p:cNvPr id="29" name="TextBox 28"/>
+          <p:cNvSpPr txBox="1"/>
+          <p:nvPr/>
+        </p:nvSpPr>
+        <p:spPr>
+          <a:xfrm>
+            <a:off x="8049431" y="4532776"/>
+            <a:ext cx="1266986" cy="369332"/>
+          </a:xfrm>
+          <a:prstGeom prst="rect">
+            <a:avLst/>
+          </a:prstGeom>
+          <a:solidFill>
+            <a:schemeClr val="lt1">
+              <a:alpha val="60000"/>
+            </a:schemeClr>
+          </a:solidFill>
+          <a:ln>
+            <a:noFill/>
+          </a:ln>
+        </p:spPr>
+        <p:style>
+          <a:lnRef idx="2">
+            <a:schemeClr val="dk1"/>
+          </a:lnRef>
+          <a:fillRef idx="1">
+            <a:schemeClr val="lt1"/>
+          </a:fillRef>
+          <a:effectRef idx="0">
+            <a:schemeClr val="dk1"/>
+          </a:effectRef>
+          <a:fontRef idx="minor">
+            <a:schemeClr val="dk1"/>
+          </a:fontRef>
+        </p:style>
+        <p:txBody>
+          <a:bodyPr wrap="square" rtlCol="0">
+            <a:spAutoFit/>
+          </a:bodyPr>
+          <a:lstStyle/>
+          <a:p>
+            <a:pPr algn="ctr"/>
+            <a:r>
+              <a:rPr lang="en-US" dirty="0" smtClean="0"/>
+              <a:t>Replication</a:t>
+            </a:r>
+            <a:endParaRPr lang="en-US" dirty="0"/>
+          </a:p>
+        </p:txBody>
+      </p:sp>
+      <p:grpSp>
+        <p:nvGrpSpPr>
+          <p:cNvPr id="35" name="Group 34"/>
+          <p:cNvGrpSpPr/>
+          <p:nvPr/>
+        </p:nvGrpSpPr>
+        <p:grpSpPr>
+          <a:xfrm>
+            <a:off x="6654039" y="5731265"/>
+            <a:ext cx="780725" cy="774915"/>
+            <a:chOff x="495946" y="5097634"/>
+            <a:chExt cx="780725" cy="774915"/>
+          </a:xfrm>
+        </p:grpSpPr>
+        <p:sp>
+          <p:nvSpPr>
+            <p:cNvPr id="30" name="Rectangle 29"/>
+            <p:cNvSpPr/>
+            <p:nvPr/>
+          </p:nvSpPr>
+          <p:spPr>
+            <a:xfrm>
+              <a:off x="495946" y="5097634"/>
+              <a:ext cx="780725" cy="774915"/>
+            </a:xfrm>
+            <a:prstGeom prst="rect">
+              <a:avLst/>
+            </a:prstGeom>
+          </p:spPr>
+          <p:style>
+            <a:lnRef idx="2">
+              <a:schemeClr val="dk1"/>
+            </a:lnRef>
+            <a:fillRef idx="1">
+              <a:schemeClr val="lt1"/>
+            </a:fillRef>
+            <a:effectRef idx="0">
+              <a:schemeClr val="dk1"/>
+            </a:effectRef>
+            <a:fontRef idx="minor">
+              <a:schemeClr val="dk1"/>
+            </a:fontRef>
+          </p:style>
+          <p:txBody>
+            <a:bodyPr rtlCol="0" anchor="ctr"/>
+            <a:lstStyle/>
+            <a:p>
+              <a:pPr algn="ctr"/>
+              <a:r>
+                <a:rPr lang="en-US" dirty="0" smtClean="0"/>
+                <a:t>Blocks</a:t>
+              </a:r>
+              <a:endParaRPr lang="en-US" dirty="0"/>
+            </a:p>
+          </p:txBody>
+        </p:sp>
+        <p:sp>
+          <p:nvSpPr>
+            <p:cNvPr id="31" name="Rectangle 30"/>
+            <p:cNvSpPr/>
+            <p:nvPr/>
+          </p:nvSpPr>
+          <p:spPr>
+            <a:xfrm>
+              <a:off x="557939" y="5180304"/>
+              <a:ext cx="185979" cy="178231"/>
+            </a:xfrm>
+            <a:prstGeom prst="rect">
+              <a:avLst/>
+            </a:prstGeom>
+          </p:spPr>
+          <p:style>
+            <a:lnRef idx="2">
+              <a:schemeClr val="accent6">
+                <a:shade val="50000"/>
+              </a:schemeClr>
+            </a:lnRef>
+            <a:fillRef idx="1">
+              <a:schemeClr val="accent6"/>
+            </a:fillRef>
+            <a:effectRef idx="0">
+              <a:schemeClr val="accent6"/>
+            </a:effectRef>
+            <a:fontRef idx="minor">
+              <a:schemeClr val="lt1"/>
+            </a:fontRef>
+          </p:style>
+          <p:txBody>
+            <a:bodyPr rtlCol="0" anchor="ctr"/>
+            <a:lstStyle/>
+            <a:p>
+              <a:pPr algn="ctr"/>
+              <a:endParaRPr lang="en-US"/>
+            </a:p>
+          </p:txBody>
+        </p:sp>
+        <p:sp>
+          <p:nvSpPr>
+            <p:cNvPr id="32" name="Rectangle 31"/>
+            <p:cNvSpPr/>
+            <p:nvPr/>
+          </p:nvSpPr>
+          <p:spPr>
+            <a:xfrm>
+              <a:off x="1028053" y="5180304"/>
+              <a:ext cx="185979" cy="178231"/>
+            </a:xfrm>
+            <a:prstGeom prst="rect">
+              <a:avLst/>
+            </a:prstGeom>
+          </p:spPr>
+          <p:style>
+            <a:lnRef idx="2">
+              <a:schemeClr val="accent6">
+                <a:shade val="50000"/>
+              </a:schemeClr>
+            </a:lnRef>
+            <a:fillRef idx="1">
+              <a:schemeClr val="accent6"/>
+            </a:fillRef>
+            <a:effectRef idx="0">
+              <a:schemeClr val="accent6"/>
+            </a:effectRef>
+            <a:fontRef idx="minor">
+              <a:schemeClr val="lt1"/>
+            </a:fontRef>
+          </p:style>
+          <p:txBody>
+            <a:bodyPr rtlCol="0" anchor="ctr"/>
+            <a:lstStyle/>
+            <a:p>
+              <a:pPr algn="ctr"/>
+              <a:endParaRPr lang="en-US"/>
+            </a:p>
+          </p:txBody>
+        </p:sp>
+        <p:sp>
+          <p:nvSpPr>
+            <p:cNvPr id="33" name="Rectangle 32"/>
+            <p:cNvSpPr/>
+            <p:nvPr/>
+          </p:nvSpPr>
+          <p:spPr>
+            <a:xfrm>
+              <a:off x="557939" y="5629468"/>
+              <a:ext cx="185979" cy="178231"/>
+            </a:xfrm>
+            <a:prstGeom prst="rect">
+              <a:avLst/>
+            </a:prstGeom>
+          </p:spPr>
+          <p:style>
+            <a:lnRef idx="2">
+              <a:schemeClr val="accent6">
+                <a:shade val="50000"/>
+              </a:schemeClr>
+            </a:lnRef>
+            <a:fillRef idx="1">
+              <a:schemeClr val="accent6"/>
+            </a:fillRef>
+            <a:effectRef idx="0">
+              <a:schemeClr val="accent6"/>
+            </a:effectRef>
+            <a:fontRef idx="minor">
+              <a:schemeClr val="lt1"/>
+            </a:fontRef>
+          </p:style>
+          <p:txBody>
+            <a:bodyPr rtlCol="0" anchor="ctr"/>
+            <a:lstStyle/>
+            <a:p>
+              <a:pPr algn="ctr"/>
+              <a:endParaRPr lang="en-US"/>
+            </a:p>
+          </p:txBody>
+        </p:sp>
+        <p:sp>
+          <p:nvSpPr>
+            <p:cNvPr id="34" name="Rectangle 33"/>
+            <p:cNvSpPr/>
+            <p:nvPr/>
+          </p:nvSpPr>
+          <p:spPr>
+            <a:xfrm>
+              <a:off x="1028052" y="5629468"/>
+              <a:ext cx="185979" cy="178231"/>
+            </a:xfrm>
+            <a:prstGeom prst="rect">
+              <a:avLst/>
+            </a:prstGeom>
+          </p:spPr>
+          <p:style>
+            <a:lnRef idx="2">
+              <a:schemeClr val="accent6">
+                <a:shade val="50000"/>
+              </a:schemeClr>
+            </a:lnRef>
+            <a:fillRef idx="1">
+              <a:schemeClr val="accent6"/>
+            </a:fillRef>
+            <a:effectRef idx="0">
+              <a:schemeClr val="accent6"/>
+            </a:effectRef>
+            <a:fontRef idx="minor">
+              <a:schemeClr val="lt1"/>
+            </a:fontRef>
+          </p:style>
+          <p:txBody>
+            <a:bodyPr rtlCol="0" anchor="ctr"/>
+            <a:lstStyle/>
+            <a:p>
+              <a:pPr algn="ctr"/>
+              <a:endParaRPr lang="en-US"/>
+            </a:p>
+          </p:txBody>
+        </p:sp>
+      </p:grpSp>
+      <p:sp>
+        <p:nvSpPr>
+          <p:cNvPr id="36" name="Left Brace 35"/>
+          <p:cNvSpPr/>
+          <p:nvPr/>
+        </p:nvSpPr>
+        <p:spPr>
+          <a:xfrm rot="5400000">
+            <a:off x="6783902" y="5161034"/>
+            <a:ext cx="521000" cy="963032"/>
+          </a:xfrm>
+          <a:prstGeom prst="leftBrace">
+            <a:avLst/>
+          </a:prstGeom>
+        </p:spPr>
+        <p:style>
+          <a:lnRef idx="1">
+            <a:schemeClr val="dk1"/>
+          </a:lnRef>
+          <a:fillRef idx="0">
+            <a:schemeClr val="dk1"/>
+          </a:fillRef>
+          <a:effectRef idx="0">
+            <a:schemeClr val="dk1"/>
+          </a:effectRef>
+          <a:fontRef idx="minor">
+            <a:schemeClr val="tx1"/>
+          </a:fontRef>
+        </p:style>
+        <p:txBody>
+          <a:bodyPr rtlCol="0" anchor="ctr"/>
+          <a:lstStyle/>
+          <a:p>
+            <a:pPr algn="ctr"/>
             <a:endParaRPr lang="en-US"/>
           </a:p>
         </p:txBody>
@@ -3233,7 +5508,7 @@
     </p:spTree>
     <p:extLst>
       <p:ext uri="{BB962C8B-B14F-4D97-AF65-F5344CB8AC3E}">
-        <p14:creationId xmlns:p14="http://schemas.microsoft.com/office/powerpoint/2010/main" val="1887456540"/>
+        <p14:creationId xmlns:p14="http://schemas.microsoft.com/office/powerpoint/2010/main" val="4183340954"/>
       </p:ext>
     </p:extLst>
   </p:cSld>
@@ -3277,7 +5552,7 @@
           <a:p>
             <a:r>
               <a:rPr lang="en-US" dirty="0" smtClean="0"/>
-              <a:t>Map/Reduce</a:t>
+              <a:t>Example</a:t>
             </a:r>
             <a:endParaRPr lang="en-US" dirty="0"/>
           </a:p>
@@ -3298,14 +5573,241 @@
           <a:bodyPr/>
           <a:lstStyle/>
           <a:p>
-            <a:endParaRPr lang="en-US"/>
+            <a:endParaRPr lang="en-US" dirty="0"/>
+          </a:p>
+        </p:txBody>
+      </p:sp>
+      <p:cxnSp>
+        <p:nvCxnSpPr>
+          <p:cNvPr id="8" name="Gerade Verbindung mit Pfeil 7"/>
+          <p:cNvCxnSpPr>
+            <a:stCxn id="12" idx="3"/>
+            <a:endCxn id="11" idx="2"/>
+          </p:cNvCxnSpPr>
+          <p:nvPr/>
+        </p:nvCxnSpPr>
+        <p:spPr>
+          <a:xfrm>
+            <a:off x="2780010" y="4171950"/>
+            <a:ext cx="5449590" cy="0"/>
+          </a:xfrm>
+          <a:prstGeom prst="straightConnector1">
+            <a:avLst/>
+          </a:prstGeom>
+          <a:ln>
+            <a:tailEnd type="triangle"/>
+          </a:ln>
+        </p:spPr>
+        <p:style>
+          <a:lnRef idx="3">
+            <a:schemeClr val="dk1"/>
+          </a:lnRef>
+          <a:fillRef idx="0">
+            <a:schemeClr val="dk1"/>
+          </a:fillRef>
+          <a:effectRef idx="2">
+            <a:schemeClr val="dk1"/>
+          </a:effectRef>
+          <a:fontRef idx="minor">
+            <a:schemeClr val="tx1"/>
+          </a:fontRef>
+        </p:style>
+      </p:cxnSp>
+      <p:sp>
+        <p:nvSpPr>
+          <p:cNvPr id="9" name="TextBox 8"/>
+          <p:cNvSpPr txBox="1"/>
+          <p:nvPr/>
+        </p:nvSpPr>
+        <p:spPr>
+          <a:xfrm>
+            <a:off x="3456122" y="3703520"/>
+            <a:ext cx="3859077" cy="1200329"/>
+          </a:xfrm>
+          <a:prstGeom prst="rect">
+            <a:avLst/>
+          </a:prstGeom>
+          <a:noFill/>
+        </p:spPr>
+        <p:txBody>
+          <a:bodyPr wrap="square" rtlCol="0">
+            <a:spAutoFit/>
+          </a:bodyPr>
+          <a:lstStyle/>
+          <a:p>
+            <a:r>
+              <a:rPr lang="en-US" dirty="0" smtClean="0"/>
+              <a:t>Copy log files to HDFS</a:t>
+            </a:r>
+          </a:p>
+          <a:p>
+            <a:endParaRPr lang="en-US" dirty="0"/>
+          </a:p>
+          <a:p>
+            <a:r>
+              <a:rPr lang="en-US" dirty="0" err="1" smtClean="0">
+                <a:latin typeface="Courier" pitchFamily="49" charset="0"/>
+              </a:rPr>
+              <a:t>scp</a:t>
+            </a:r>
+            <a:r>
+              <a:rPr lang="en-US" dirty="0" smtClean="0">
+                <a:latin typeface="Courier" pitchFamily="49" charset="0"/>
+              </a:rPr>
+              <a:t> /</a:t>
+            </a:r>
+            <a:r>
+              <a:rPr lang="en-US" dirty="0" err="1" smtClean="0">
+                <a:latin typeface="Courier" pitchFamily="49" charset="0"/>
+              </a:rPr>
+              <a:t>var</a:t>
+            </a:r>
+            <a:r>
+              <a:rPr lang="en-US" dirty="0" smtClean="0">
+                <a:latin typeface="Courier" pitchFamily="49" charset="0"/>
+              </a:rPr>
+              <a:t>/log/apache/… log</a:t>
+            </a:r>
+          </a:p>
+          <a:p>
+            <a:r>
+              <a:rPr lang="en-US" dirty="0" err="1">
+                <a:latin typeface="Courier" pitchFamily="49" charset="0"/>
+              </a:rPr>
+              <a:t>h</a:t>
+            </a:r>
+            <a:r>
+              <a:rPr lang="en-US" dirty="0" err="1" smtClean="0">
+                <a:latin typeface="Courier" pitchFamily="49" charset="0"/>
+              </a:rPr>
+              <a:t>adoop</a:t>
+            </a:r>
+            <a:r>
+              <a:rPr lang="en-US" dirty="0" smtClean="0">
+                <a:latin typeface="Courier" pitchFamily="49" charset="0"/>
+              </a:rPr>
+              <a:t> </a:t>
+            </a:r>
+            <a:r>
+              <a:rPr lang="en-US" dirty="0" err="1" smtClean="0">
+                <a:latin typeface="Courier" pitchFamily="49" charset="0"/>
+              </a:rPr>
+              <a:t>fs</a:t>
+            </a:r>
+            <a:r>
+              <a:rPr lang="en-US" dirty="0" smtClean="0">
+                <a:latin typeface="Courier" pitchFamily="49" charset="0"/>
+              </a:rPr>
+              <a:t> -</a:t>
+            </a:r>
+            <a:r>
+              <a:rPr lang="en-US" dirty="0" err="1" smtClean="0">
+                <a:latin typeface="Courier" pitchFamily="49" charset="0"/>
+              </a:rPr>
+              <a:t>copyToLocal</a:t>
+            </a:r>
+            <a:r>
+              <a:rPr lang="en-US" dirty="0" smtClean="0">
+                <a:latin typeface="Courier" pitchFamily="49" charset="0"/>
+              </a:rPr>
+              <a:t> log </a:t>
+            </a:r>
+            <a:endParaRPr lang="en-US" dirty="0">
+              <a:latin typeface="Courier" pitchFamily="49" charset="0"/>
+            </a:endParaRPr>
+          </a:p>
+        </p:txBody>
+      </p:sp>
+      <p:sp>
+        <p:nvSpPr>
+          <p:cNvPr id="11" name="Zylinder 4"/>
+          <p:cNvSpPr/>
+          <p:nvPr/>
+        </p:nvSpPr>
+        <p:spPr>
+          <a:xfrm>
+            <a:off x="8229600" y="3187700"/>
+            <a:ext cx="2400300" cy="1968500"/>
+          </a:xfrm>
+          <a:prstGeom prst="can">
+            <a:avLst/>
+          </a:prstGeom>
+        </p:spPr>
+        <p:style>
+          <a:lnRef idx="2">
+            <a:schemeClr val="accent6">
+              <a:shade val="50000"/>
+            </a:schemeClr>
+          </a:lnRef>
+          <a:fillRef idx="1">
+            <a:schemeClr val="accent6"/>
+          </a:fillRef>
+          <a:effectRef idx="0">
+            <a:schemeClr val="accent6"/>
+          </a:effectRef>
+          <a:fontRef idx="minor">
+            <a:schemeClr val="lt1"/>
+          </a:fontRef>
+        </p:style>
+        <p:txBody>
+          <a:bodyPr rtlCol="0" anchor="ctr"/>
+          <a:lstStyle/>
+          <a:p>
+            <a:pPr algn="ctr"/>
+            <a:r>
+              <a:rPr lang="en-US" dirty="0" err="1" smtClean="0"/>
+              <a:t>HDFS</a:t>
+            </a:r>
+            <a:endParaRPr lang="en-US" dirty="0"/>
+          </a:p>
+        </p:txBody>
+      </p:sp>
+      <p:sp>
+        <p:nvSpPr>
+          <p:cNvPr id="12" name="Gefaltete Ecke 5"/>
+          <p:cNvSpPr/>
+          <p:nvPr/>
+        </p:nvSpPr>
+        <p:spPr>
+          <a:xfrm>
+            <a:off x="1205210" y="3187700"/>
+            <a:ext cx="1574800" cy="1968500"/>
+          </a:xfrm>
+          <a:prstGeom prst="foldedCorner">
+            <a:avLst/>
+          </a:prstGeom>
+        </p:spPr>
+        <p:style>
+          <a:lnRef idx="2">
+            <a:schemeClr val="accent3"/>
+          </a:lnRef>
+          <a:fillRef idx="1">
+            <a:schemeClr val="lt1"/>
+          </a:fillRef>
+          <a:effectRef idx="0">
+            <a:schemeClr val="accent3"/>
+          </a:effectRef>
+          <a:fontRef idx="minor">
+            <a:schemeClr val="dk1"/>
+          </a:fontRef>
+        </p:style>
+        <p:txBody>
+          <a:bodyPr rtlCol="0" anchor="ctr"/>
+          <a:lstStyle/>
+          <a:p>
+            <a:pPr algn="ctr"/>
+            <a:r>
+              <a:rPr lang="en-US" dirty="0" smtClean="0"/>
+              <a:t>Apache Log</a:t>
+            </a:r>
+            <a:endParaRPr lang="en-US" dirty="0"/>
           </a:p>
         </p:txBody>
       </p:sp>
     </p:spTree>
     <p:extLst>
       <p:ext uri="{BB962C8B-B14F-4D97-AF65-F5344CB8AC3E}">
-        <p14:creationId xmlns:p14="http://schemas.microsoft.com/office/powerpoint/2010/main" val="855395191"/>
+        <p14:creationId xmlns:p14="http://schemas.microsoft.com/office/powerpoint/2010/main" val="1458587104"/>
       </p:ext>
     </p:extLst>
   </p:cSld>
@@ -3349,7 +5851,7 @@
           <a:p>
             <a:r>
               <a:rPr lang="en-US" dirty="0" smtClean="0"/>
-              <a:t>Hive</a:t>
+              <a:t>Flume</a:t>
             </a:r>
             <a:endParaRPr lang="en-US" dirty="0"/>
           </a:p>
@@ -3370,14 +5872,464 @@
           <a:bodyPr/>
           <a:lstStyle/>
           <a:p>
-            <a:endParaRPr lang="en-US"/>
-          </a:p>
-        </p:txBody>
-      </p:sp>
+            <a:r>
+              <a:rPr lang="en-US" dirty="0" smtClean="0"/>
+              <a:t>Distributed service </a:t>
+            </a:r>
+            <a:r>
+              <a:rPr lang="en-US" dirty="0"/>
+              <a:t>for </a:t>
+            </a:r>
+            <a:r>
+              <a:rPr lang="en-US" dirty="0" smtClean="0"/>
+              <a:t>collecting</a:t>
+            </a:r>
+            <a:r>
+              <a:rPr lang="en-US" dirty="0"/>
+              <a:t>, aggregating, and moving large amounts of streaming event data.</a:t>
+            </a:r>
+          </a:p>
+        </p:txBody>
+      </p:sp>
+      <p:grpSp>
+        <p:nvGrpSpPr>
+          <p:cNvPr id="9" name="Group 8"/>
+          <p:cNvGrpSpPr/>
+          <p:nvPr/>
+        </p:nvGrpSpPr>
+        <p:grpSpPr>
+          <a:xfrm>
+            <a:off x="1205210" y="3187700"/>
+            <a:ext cx="9424690" cy="2029888"/>
+            <a:chOff x="1205210" y="3187700"/>
+            <a:chExt cx="9424690" cy="2029888"/>
+          </a:xfrm>
+        </p:grpSpPr>
+        <p:sp>
+          <p:nvSpPr>
+            <p:cNvPr id="5" name="Zylinder 4"/>
+            <p:cNvSpPr/>
+            <p:nvPr/>
+          </p:nvSpPr>
+          <p:spPr>
+            <a:xfrm>
+              <a:off x="8229600" y="3187700"/>
+              <a:ext cx="2400300" cy="1968500"/>
+            </a:xfrm>
+            <a:prstGeom prst="can">
+              <a:avLst/>
+            </a:prstGeom>
+          </p:spPr>
+          <p:style>
+            <a:lnRef idx="2">
+              <a:schemeClr val="accent6">
+                <a:shade val="50000"/>
+              </a:schemeClr>
+            </a:lnRef>
+            <a:fillRef idx="1">
+              <a:schemeClr val="accent6"/>
+            </a:fillRef>
+            <a:effectRef idx="0">
+              <a:schemeClr val="accent6"/>
+            </a:effectRef>
+            <a:fontRef idx="minor">
+              <a:schemeClr val="lt1"/>
+            </a:fontRef>
+          </p:style>
+          <p:txBody>
+            <a:bodyPr rtlCol="0" anchor="ctr"/>
+            <a:lstStyle/>
+            <a:p>
+              <a:pPr algn="ctr"/>
+              <a:r>
+                <a:rPr lang="en-US" dirty="0" err="1" smtClean="0"/>
+                <a:t>HDFS</a:t>
+              </a:r>
+              <a:endParaRPr lang="en-US" dirty="0"/>
+            </a:p>
+          </p:txBody>
+        </p:sp>
+        <p:sp>
+          <p:nvSpPr>
+            <p:cNvPr id="6" name="Gefaltete Ecke 5"/>
+            <p:cNvSpPr/>
+            <p:nvPr/>
+          </p:nvSpPr>
+          <p:spPr>
+            <a:xfrm>
+              <a:off x="1205210" y="3187700"/>
+              <a:ext cx="1574800" cy="1968500"/>
+            </a:xfrm>
+            <a:prstGeom prst="foldedCorner">
+              <a:avLst/>
+            </a:prstGeom>
+          </p:spPr>
+          <p:style>
+            <a:lnRef idx="2">
+              <a:schemeClr val="accent3"/>
+            </a:lnRef>
+            <a:fillRef idx="1">
+              <a:schemeClr val="lt1"/>
+            </a:fillRef>
+            <a:effectRef idx="0">
+              <a:schemeClr val="accent3"/>
+            </a:effectRef>
+            <a:fontRef idx="minor">
+              <a:schemeClr val="dk1"/>
+            </a:fontRef>
+          </p:style>
+          <p:txBody>
+            <a:bodyPr rtlCol="0" anchor="ctr"/>
+            <a:lstStyle/>
+            <a:p>
+              <a:pPr algn="ctr"/>
+              <a:r>
+                <a:rPr lang="en-US" dirty="0" smtClean="0"/>
+                <a:t>Apache Log</a:t>
+              </a:r>
+              <a:endParaRPr lang="en-US" dirty="0"/>
+            </a:p>
+          </p:txBody>
+        </p:sp>
+        <p:cxnSp>
+          <p:nvCxnSpPr>
+            <p:cNvPr id="8" name="Gerade Verbindung mit Pfeil 7"/>
+            <p:cNvCxnSpPr>
+              <a:stCxn id="6" idx="3"/>
+              <a:endCxn id="7" idx="2"/>
+            </p:cNvCxnSpPr>
+            <p:nvPr/>
+          </p:nvCxnSpPr>
+          <p:spPr>
+            <a:xfrm>
+              <a:off x="2780010" y="4171950"/>
+              <a:ext cx="1390864" cy="0"/>
+            </a:xfrm>
+            <a:prstGeom prst="straightConnector1">
+              <a:avLst/>
+            </a:prstGeom>
+            <a:ln>
+              <a:tailEnd type="triangle"/>
+            </a:ln>
+          </p:spPr>
+          <p:style>
+            <a:lnRef idx="3">
+              <a:schemeClr val="dk1"/>
+            </a:lnRef>
+            <a:fillRef idx="0">
+              <a:schemeClr val="dk1"/>
+            </a:fillRef>
+            <a:effectRef idx="2">
+              <a:schemeClr val="dk1"/>
+            </a:effectRef>
+            <a:fontRef idx="minor">
+              <a:schemeClr val="tx1"/>
+            </a:fontRef>
+          </p:style>
+        </p:cxnSp>
+        <p:cxnSp>
+          <p:nvCxnSpPr>
+            <p:cNvPr id="10" name="Gerade Verbindung mit Pfeil 9"/>
+            <p:cNvCxnSpPr>
+              <a:stCxn id="11" idx="6"/>
+              <a:endCxn id="5" idx="2"/>
+            </p:cNvCxnSpPr>
+            <p:nvPr/>
+          </p:nvCxnSpPr>
+          <p:spPr>
+            <a:xfrm>
+              <a:off x="6838736" y="4171950"/>
+              <a:ext cx="1390864" cy="0"/>
+            </a:xfrm>
+            <a:prstGeom prst="straightConnector1">
+              <a:avLst/>
+            </a:prstGeom>
+            <a:ln>
+              <a:tailEnd type="triangle"/>
+            </a:ln>
+          </p:spPr>
+          <p:style>
+            <a:lnRef idx="3">
+              <a:schemeClr val="dk1"/>
+            </a:lnRef>
+            <a:fillRef idx="0">
+              <a:schemeClr val="dk1"/>
+            </a:fillRef>
+            <a:effectRef idx="2">
+              <a:schemeClr val="dk1"/>
+            </a:effectRef>
+            <a:fontRef idx="minor">
+              <a:schemeClr val="tx1"/>
+            </a:fontRef>
+          </p:style>
+        </p:cxnSp>
+        <p:sp>
+          <p:nvSpPr>
+            <p:cNvPr id="7" name="Oval 6"/>
+            <p:cNvSpPr/>
+            <p:nvPr/>
+          </p:nvSpPr>
+          <p:spPr>
+            <a:xfrm>
+              <a:off x="4170874" y="3993719"/>
+              <a:ext cx="356461" cy="356461"/>
+            </a:xfrm>
+            <a:prstGeom prst="ellipse">
+              <a:avLst/>
+            </a:prstGeom>
+          </p:spPr>
+          <p:style>
+            <a:lnRef idx="2">
+              <a:schemeClr val="accent2">
+                <a:shade val="50000"/>
+              </a:schemeClr>
+            </a:lnRef>
+            <a:fillRef idx="1">
+              <a:schemeClr val="accent2"/>
+            </a:fillRef>
+            <a:effectRef idx="0">
+              <a:schemeClr val="accent2"/>
+            </a:effectRef>
+            <a:fontRef idx="minor">
+              <a:schemeClr val="lt1"/>
+            </a:fontRef>
+          </p:style>
+          <p:txBody>
+            <a:bodyPr rtlCol="0" anchor="ctr"/>
+            <a:lstStyle/>
+            <a:p>
+              <a:pPr algn="ctr"/>
+              <a:endParaRPr lang="en-US"/>
+            </a:p>
+          </p:txBody>
+        </p:sp>
+        <p:sp>
+          <p:nvSpPr>
+            <p:cNvPr id="4" name="Zylinder 3"/>
+            <p:cNvSpPr/>
+            <p:nvPr/>
+          </p:nvSpPr>
+          <p:spPr>
+            <a:xfrm rot="5400000">
+              <a:off x="4869806" y="3016250"/>
+              <a:ext cx="1270000" cy="2311400"/>
+            </a:xfrm>
+            <a:prstGeom prst="can">
+              <a:avLst/>
+            </a:prstGeom>
+          </p:spPr>
+          <p:style>
+            <a:lnRef idx="2">
+              <a:schemeClr val="accent1">
+                <a:shade val="50000"/>
+              </a:schemeClr>
+            </a:lnRef>
+            <a:fillRef idx="1">
+              <a:schemeClr val="accent1"/>
+            </a:fillRef>
+            <a:effectRef idx="0">
+              <a:schemeClr val="accent1"/>
+            </a:effectRef>
+            <a:fontRef idx="minor">
+              <a:schemeClr val="lt1"/>
+            </a:fontRef>
+          </p:style>
+          <p:txBody>
+            <a:bodyPr vert="vert270" rtlCol="0" anchor="ctr"/>
+            <a:lstStyle/>
+            <a:p>
+              <a:pPr algn="ctr"/>
+              <a:r>
+                <a:rPr lang="en-US" dirty="0" smtClean="0"/>
+                <a:t>Flume</a:t>
+              </a:r>
+              <a:endParaRPr lang="en-US" dirty="0"/>
+            </a:p>
+          </p:txBody>
+        </p:sp>
+        <p:sp>
+          <p:nvSpPr>
+            <p:cNvPr id="11" name="Oval 10"/>
+            <p:cNvSpPr/>
+            <p:nvPr/>
+          </p:nvSpPr>
+          <p:spPr>
+            <a:xfrm>
+              <a:off x="6482275" y="3993719"/>
+              <a:ext cx="356461" cy="356461"/>
+            </a:xfrm>
+            <a:prstGeom prst="ellipse">
+              <a:avLst/>
+            </a:prstGeom>
+          </p:spPr>
+          <p:style>
+            <a:lnRef idx="2">
+              <a:schemeClr val="accent2">
+                <a:shade val="50000"/>
+              </a:schemeClr>
+            </a:lnRef>
+            <a:fillRef idx="1">
+              <a:schemeClr val="accent2"/>
+            </a:fillRef>
+            <a:effectRef idx="0">
+              <a:schemeClr val="accent2"/>
+            </a:effectRef>
+            <a:fontRef idx="minor">
+              <a:schemeClr val="lt1"/>
+            </a:fontRef>
+          </p:style>
+          <p:txBody>
+            <a:bodyPr rtlCol="0" anchor="ctr"/>
+            <a:lstStyle/>
+            <a:p>
+              <a:pPr algn="ctr"/>
+              <a:endParaRPr lang="en-US"/>
+            </a:p>
+          </p:txBody>
+        </p:sp>
+        <p:sp>
+          <p:nvSpPr>
+            <p:cNvPr id="15" name="TextBox 14"/>
+            <p:cNvSpPr txBox="1"/>
+            <p:nvPr/>
+          </p:nvSpPr>
+          <p:spPr>
+            <a:xfrm>
+              <a:off x="6368836" y="4848256"/>
+              <a:ext cx="583339" cy="369332"/>
+            </a:xfrm>
+            <a:prstGeom prst="rect">
+              <a:avLst/>
+            </a:prstGeom>
+            <a:noFill/>
+          </p:spPr>
+          <p:txBody>
+            <a:bodyPr wrap="square" rtlCol="0">
+              <a:spAutoFit/>
+            </a:bodyPr>
+            <a:lstStyle/>
+            <a:p>
+              <a:pPr algn="ctr"/>
+              <a:r>
+                <a:rPr lang="en-US" dirty="0" smtClean="0"/>
+                <a:t>Sink</a:t>
+              </a:r>
+              <a:endParaRPr lang="en-US" dirty="0"/>
+            </a:p>
+          </p:txBody>
+        </p:sp>
+        <p:sp>
+          <p:nvSpPr>
+            <p:cNvPr id="16" name="TextBox 15"/>
+            <p:cNvSpPr txBox="1"/>
+            <p:nvPr/>
+          </p:nvSpPr>
+          <p:spPr>
+            <a:xfrm>
+              <a:off x="3906650" y="4848256"/>
+              <a:ext cx="884912" cy="369332"/>
+            </a:xfrm>
+            <a:prstGeom prst="rect">
+              <a:avLst/>
+            </a:prstGeom>
+            <a:noFill/>
+          </p:spPr>
+          <p:txBody>
+            <a:bodyPr wrap="square" rtlCol="0">
+              <a:spAutoFit/>
+            </a:bodyPr>
+            <a:lstStyle/>
+            <a:p>
+              <a:pPr algn="ctr"/>
+              <a:r>
+                <a:rPr lang="en-US" dirty="0" smtClean="0"/>
+                <a:t>Source</a:t>
+              </a:r>
+              <a:endParaRPr lang="en-US" dirty="0"/>
+            </a:p>
+          </p:txBody>
+        </p:sp>
+        <p:sp>
+          <p:nvSpPr>
+            <p:cNvPr id="17" name="TextBox 16"/>
+            <p:cNvSpPr txBox="1"/>
+            <p:nvPr/>
+          </p:nvSpPr>
+          <p:spPr>
+            <a:xfrm>
+              <a:off x="5059014" y="4848255"/>
+              <a:ext cx="1042370" cy="369332"/>
+            </a:xfrm>
+            <a:prstGeom prst="rect">
+              <a:avLst/>
+            </a:prstGeom>
+            <a:noFill/>
+          </p:spPr>
+          <p:txBody>
+            <a:bodyPr wrap="square" rtlCol="0">
+              <a:spAutoFit/>
+            </a:bodyPr>
+            <a:lstStyle/>
+            <a:p>
+              <a:pPr algn="ctr"/>
+              <a:r>
+                <a:rPr lang="en-US" dirty="0" smtClean="0"/>
+                <a:t>Channel</a:t>
+              </a:r>
+              <a:endParaRPr lang="en-US" dirty="0"/>
+            </a:p>
+          </p:txBody>
+        </p:sp>
+        <p:sp>
+          <p:nvSpPr>
+            <p:cNvPr id="18" name="Rectangle 17"/>
+            <p:cNvSpPr/>
+            <p:nvPr/>
+          </p:nvSpPr>
+          <p:spPr>
+            <a:xfrm>
+              <a:off x="3906649" y="3187700"/>
+              <a:ext cx="3114083" cy="2029888"/>
+            </a:xfrm>
+            <a:prstGeom prst="rect">
+              <a:avLst/>
+            </a:prstGeom>
+            <a:noFill/>
+            <a:ln>
+              <a:prstDash val="dash"/>
+            </a:ln>
+          </p:spPr>
+          <p:style>
+            <a:lnRef idx="2">
+              <a:schemeClr val="dk1"/>
+            </a:lnRef>
+            <a:fillRef idx="1">
+              <a:schemeClr val="lt1"/>
+            </a:fillRef>
+            <a:effectRef idx="0">
+              <a:schemeClr val="dk1"/>
+            </a:effectRef>
+            <a:fontRef idx="minor">
+              <a:schemeClr val="dk1"/>
+            </a:fontRef>
+          </p:style>
+          <p:txBody>
+            <a:bodyPr rtlCol="0" anchor="t"/>
+            <a:lstStyle/>
+            <a:p>
+              <a:r>
+                <a:rPr lang="en-US" sz="1400" dirty="0" smtClean="0"/>
+                <a:t>Agent</a:t>
+              </a:r>
+              <a:endParaRPr lang="en-US" sz="1400" dirty="0"/>
+            </a:p>
+          </p:txBody>
+        </p:sp>
+      </p:grpSp>
     </p:spTree>
     <p:extLst>
       <p:ext uri="{BB962C8B-B14F-4D97-AF65-F5344CB8AC3E}">
-        <p14:creationId xmlns:p14="http://schemas.microsoft.com/office/powerpoint/2010/main" val="2224512685"/>
+        <p14:creationId xmlns:p14="http://schemas.microsoft.com/office/powerpoint/2010/main" val="1887456540"/>
       </p:ext>
     </p:extLst>
   </p:cSld>
@@ -3406,7 +6358,7 @@
       </p:grpSpPr>
       <p:sp>
         <p:nvSpPr>
-          <p:cNvPr id="2" name="Titel 1"/>
+          <p:cNvPr id="2" name="Title 1"/>
           <p:cNvSpPr>
             <a:spLocks noGrp="1"/>
           </p:cNvSpPr>
@@ -3420,8 +6372,8 @@
           <a:lstStyle/>
           <a:p>
             <a:r>
-              <a:rPr lang="en-US" dirty="0" err="1" smtClean="0"/>
-              <a:t>HBase</a:t>
+              <a:rPr lang="en-US" dirty="0" smtClean="0"/>
+              <a:t>Example – Flume Configuration</a:t>
             </a:r>
             <a:endParaRPr lang="en-US" dirty="0"/>
           </a:p>
@@ -3429,7 +6381,7 @@
       </p:sp>
       <p:sp>
         <p:nvSpPr>
-          <p:cNvPr id="3" name="Inhaltsplatzhalter 2"/>
+          <p:cNvPr id="3" name="Content Placeholder 2"/>
           <p:cNvSpPr>
             <a:spLocks noGrp="1"/>
           </p:cNvSpPr>
@@ -3439,17 +6391,375 @@
         </p:nvSpPr>
         <p:spPr/>
         <p:txBody>
-          <a:bodyPr/>
-          <a:lstStyle/>
-          <a:p>
-            <a:endParaRPr lang="en-US"/>
+          <a:bodyPr numCol="2">
+            <a:normAutofit/>
+          </a:bodyPr>
+          <a:lstStyle/>
+          <a:p>
+            <a:r>
+              <a:rPr lang="en-US" sz="2400" dirty="0" err="1"/>
+              <a:t>agent.sources</a:t>
+            </a:r>
+            <a:r>
+              <a:rPr lang="en-US" sz="2400" dirty="0"/>
+              <a:t> = </a:t>
+            </a:r>
+            <a:r>
+              <a:rPr lang="en-US" sz="2400" dirty="0" err="1" smtClean="0">
+                <a:solidFill>
+                  <a:schemeClr val="accent6"/>
+                </a:solidFill>
+              </a:rPr>
+              <a:t>mySource</a:t>
+            </a:r>
+            <a:endParaRPr lang="en-US" sz="2400" dirty="0">
+              <a:solidFill>
+                <a:schemeClr val="accent6"/>
+              </a:solidFill>
+            </a:endParaRPr>
+          </a:p>
+          <a:p>
+            <a:r>
+              <a:rPr lang="en-US" sz="2400" dirty="0" err="1"/>
+              <a:t>agent.channels</a:t>
+            </a:r>
+            <a:r>
+              <a:rPr lang="en-US" sz="2400" dirty="0"/>
+              <a:t> = </a:t>
+            </a:r>
+            <a:r>
+              <a:rPr lang="en-US" sz="2400" dirty="0" err="1" smtClean="0">
+                <a:solidFill>
+                  <a:schemeClr val="accent5"/>
+                </a:solidFill>
+              </a:rPr>
+              <a:t>myChannel</a:t>
+            </a:r>
+            <a:endParaRPr lang="en-US" sz="2400" dirty="0">
+              <a:solidFill>
+                <a:schemeClr val="accent5"/>
+              </a:solidFill>
+            </a:endParaRPr>
+          </a:p>
+          <a:p>
+            <a:r>
+              <a:rPr lang="en-US" sz="2400" dirty="0" err="1"/>
+              <a:t>agent.sinks</a:t>
+            </a:r>
+            <a:r>
+              <a:rPr lang="en-US" sz="2400" dirty="0"/>
+              <a:t> = </a:t>
+            </a:r>
+            <a:r>
+              <a:rPr lang="en-US" sz="2400" dirty="0" err="1" smtClean="0">
+                <a:solidFill>
+                  <a:schemeClr val="accent2"/>
+                </a:solidFill>
+              </a:rPr>
+              <a:t>mySink</a:t>
+            </a:r>
+            <a:endParaRPr lang="en-US" sz="2400" dirty="0" smtClean="0">
+              <a:solidFill>
+                <a:schemeClr val="accent2"/>
+              </a:solidFill>
+            </a:endParaRPr>
+          </a:p>
+          <a:p>
+            <a:endParaRPr lang="en-US" sz="2400" dirty="0"/>
+          </a:p>
+          <a:p>
+            <a:r>
+              <a:rPr lang="en-US" sz="2400" dirty="0" err="1" smtClean="0"/>
+              <a:t>agent.sources.</a:t>
+            </a:r>
+            <a:r>
+              <a:rPr lang="en-US" sz="2400" dirty="0" err="1" smtClean="0">
+                <a:solidFill>
+                  <a:schemeClr val="accent6"/>
+                </a:solidFill>
+              </a:rPr>
+              <a:t>mySource</a:t>
+            </a:r>
+            <a:r>
+              <a:rPr lang="en-US" sz="2400" dirty="0" err="1" smtClean="0"/>
+              <a:t>.type</a:t>
+            </a:r>
+            <a:r>
+              <a:rPr lang="en-US" sz="2400" dirty="0" smtClean="0"/>
+              <a:t> </a:t>
+            </a:r>
+            <a:r>
+              <a:rPr lang="en-US" sz="2400" dirty="0"/>
+              <a:t>= </a:t>
+            </a:r>
+            <a:r>
+              <a:rPr lang="en-US" sz="2400" dirty="0" err="1"/>
+              <a:t>avro</a:t>
+            </a:r>
+            <a:endParaRPr lang="en-US" sz="2400" dirty="0"/>
+          </a:p>
+          <a:p>
+            <a:r>
+              <a:rPr lang="en-US" sz="2400" dirty="0" err="1" smtClean="0"/>
+              <a:t>agent.sources.</a:t>
+            </a:r>
+            <a:r>
+              <a:rPr lang="en-US" sz="2400" dirty="0" err="1" smtClean="0">
+                <a:solidFill>
+                  <a:schemeClr val="accent6"/>
+                </a:solidFill>
+              </a:rPr>
+              <a:t>mySource</a:t>
+            </a:r>
+            <a:r>
+              <a:rPr lang="en-US" sz="2400" dirty="0" err="1" smtClean="0"/>
+              <a:t>.bind</a:t>
+            </a:r>
+            <a:r>
+              <a:rPr lang="en-US" sz="2400" dirty="0" smtClean="0"/>
+              <a:t> </a:t>
+            </a:r>
+            <a:r>
+              <a:rPr lang="en-US" sz="2400" dirty="0"/>
+              <a:t>= </a:t>
+            </a:r>
+            <a:r>
+              <a:rPr lang="en-US" sz="2400" dirty="0" err="1"/>
+              <a:t>localhost</a:t>
+            </a:r>
+            <a:endParaRPr lang="en-US" sz="2400" dirty="0"/>
+          </a:p>
+          <a:p>
+            <a:r>
+              <a:rPr lang="en-US" sz="2400" dirty="0" err="1" smtClean="0"/>
+              <a:t>agent.sources.</a:t>
+            </a:r>
+            <a:r>
+              <a:rPr lang="en-US" sz="2400" dirty="0" err="1" smtClean="0">
+                <a:solidFill>
+                  <a:schemeClr val="accent6"/>
+                </a:solidFill>
+              </a:rPr>
+              <a:t>mySource</a:t>
+            </a:r>
+            <a:r>
+              <a:rPr lang="en-US" sz="2400" dirty="0" err="1" smtClean="0"/>
+              <a:t>.port</a:t>
+            </a:r>
+            <a:r>
+              <a:rPr lang="en-US" sz="2400" dirty="0" smtClean="0"/>
+              <a:t> </a:t>
+            </a:r>
+            <a:r>
+              <a:rPr lang="en-US" sz="2400" dirty="0"/>
+              <a:t>= 10000</a:t>
+            </a:r>
+          </a:p>
+          <a:p>
+            <a:r>
+              <a:rPr lang="en-US" sz="2400" dirty="0" err="1" smtClean="0"/>
+              <a:t>agent.sources.</a:t>
+            </a:r>
+            <a:r>
+              <a:rPr lang="en-US" sz="2400" dirty="0" err="1" smtClean="0">
+                <a:solidFill>
+                  <a:schemeClr val="accent6"/>
+                </a:solidFill>
+              </a:rPr>
+              <a:t>mySource</a:t>
+            </a:r>
+            <a:r>
+              <a:rPr lang="en-US" sz="2400" dirty="0" err="1" smtClean="0"/>
+              <a:t>.channels</a:t>
+            </a:r>
+            <a:r>
+              <a:rPr lang="en-US" sz="2400" dirty="0" smtClean="0"/>
+              <a:t> </a:t>
+            </a:r>
+            <a:r>
+              <a:rPr lang="en-US" sz="2400" dirty="0"/>
+              <a:t>= </a:t>
+            </a:r>
+            <a:r>
+              <a:rPr lang="en-US" sz="2400" dirty="0" err="1" smtClean="0"/>
+              <a:t>myChannel</a:t>
+            </a:r>
+            <a:endParaRPr lang="en-US" sz="2400" dirty="0" smtClean="0"/>
+          </a:p>
+          <a:p>
+            <a:r>
+              <a:rPr lang="en-US" sz="2400" dirty="0" err="1" smtClean="0"/>
+              <a:t>agent.sinks.</a:t>
+            </a:r>
+            <a:r>
+              <a:rPr lang="en-US" sz="2400" dirty="0" err="1" smtClean="0">
+                <a:solidFill>
+                  <a:schemeClr val="accent2"/>
+                </a:solidFill>
+              </a:rPr>
+              <a:t>mySink</a:t>
+            </a:r>
+            <a:r>
+              <a:rPr lang="en-US" sz="2400" dirty="0" err="1" smtClean="0"/>
+              <a:t>.type</a:t>
+            </a:r>
+            <a:r>
+              <a:rPr lang="en-US" sz="2400" dirty="0" smtClean="0"/>
+              <a:t> </a:t>
+            </a:r>
+            <a:r>
+              <a:rPr lang="en-US" sz="2400" dirty="0"/>
+              <a:t>= </a:t>
+            </a:r>
+            <a:r>
+              <a:rPr lang="en-US" sz="2400" dirty="0" err="1" smtClean="0"/>
+              <a:t>hdfs</a:t>
+            </a:r>
+            <a:endParaRPr lang="en-US" sz="2400" dirty="0"/>
+          </a:p>
+          <a:p>
+            <a:r>
+              <a:rPr lang="en-US" sz="2400" dirty="0" err="1" smtClean="0"/>
+              <a:t>agent.sinks.</a:t>
+            </a:r>
+            <a:r>
+              <a:rPr lang="en-US" sz="2400" dirty="0" err="1" smtClean="0">
+                <a:solidFill>
+                  <a:schemeClr val="accent2"/>
+                </a:solidFill>
+              </a:rPr>
+              <a:t>mySink</a:t>
+            </a:r>
+            <a:r>
+              <a:rPr lang="en-US" sz="2400" dirty="0" err="1" smtClean="0"/>
+              <a:t>.channel</a:t>
+            </a:r>
+            <a:r>
+              <a:rPr lang="en-US" sz="2400" dirty="0" smtClean="0"/>
+              <a:t> </a:t>
+            </a:r>
+            <a:r>
+              <a:rPr lang="en-US" sz="2400" dirty="0"/>
+              <a:t>= </a:t>
+            </a:r>
+            <a:r>
+              <a:rPr lang="en-US" sz="2400" dirty="0" err="1" smtClean="0"/>
+              <a:t>myChannel</a:t>
+            </a:r>
+            <a:endParaRPr lang="en-US" sz="2400" dirty="0" smtClean="0"/>
+          </a:p>
+          <a:p>
+            <a:r>
+              <a:rPr lang="en-US" sz="2400" dirty="0" err="1" smtClean="0"/>
+              <a:t>agent.sinks.</a:t>
+            </a:r>
+            <a:r>
+              <a:rPr lang="en-US" sz="2400" dirty="0" err="1" smtClean="0">
+                <a:solidFill>
+                  <a:schemeClr val="accent2"/>
+                </a:solidFill>
+              </a:rPr>
+              <a:t>mySink</a:t>
+            </a:r>
+            <a:r>
+              <a:rPr lang="en-US" sz="2400" dirty="0" err="1" smtClean="0"/>
+              <a:t>.hdfs.path</a:t>
+            </a:r>
+            <a:r>
+              <a:rPr lang="en-US" sz="2400" dirty="0" smtClean="0"/>
+              <a:t> </a:t>
+            </a:r>
+            <a:r>
+              <a:rPr lang="en-US" sz="2400" dirty="0"/>
+              <a:t>= </a:t>
+            </a:r>
+            <a:r>
+              <a:rPr lang="en-US" sz="2400" dirty="0" err="1" smtClean="0"/>
+              <a:t>hdfs</a:t>
+            </a:r>
+            <a:r>
+              <a:rPr lang="en-US" sz="2400" dirty="0" smtClean="0"/>
+              <a:t>://</a:t>
+            </a:r>
+            <a:r>
+              <a:rPr lang="en-US" sz="2400" dirty="0" err="1" smtClean="0"/>
+              <a:t>mypath</a:t>
+            </a:r>
+            <a:r>
+              <a:rPr lang="en-US" sz="2400" dirty="0" smtClean="0"/>
+              <a:t>/..</a:t>
+            </a:r>
+            <a:endParaRPr lang="en-US" sz="2400" dirty="0"/>
+          </a:p>
+          <a:p>
+            <a:pPr marL="0" indent="0">
+              <a:buNone/>
+            </a:pPr>
+            <a:endParaRPr lang="en-US" sz="2400" dirty="0"/>
+          </a:p>
+          <a:p>
+            <a:r>
+              <a:rPr lang="en-US" sz="2400" dirty="0" err="1" smtClean="0"/>
+              <a:t>agent.channels.</a:t>
+            </a:r>
+            <a:r>
+              <a:rPr lang="en-US" sz="2400" dirty="0" err="1" smtClean="0">
+                <a:solidFill>
+                  <a:schemeClr val="accent5"/>
+                </a:solidFill>
+              </a:rPr>
+              <a:t>myChannel</a:t>
+            </a:r>
+            <a:r>
+              <a:rPr lang="en-US" sz="2400" dirty="0" err="1" smtClean="0"/>
+              <a:t>.type</a:t>
+            </a:r>
+            <a:r>
+              <a:rPr lang="en-US" sz="2400" dirty="0" smtClean="0"/>
+              <a:t> </a:t>
+            </a:r>
+            <a:r>
+              <a:rPr lang="en-US" sz="2400" dirty="0"/>
+              <a:t>= </a:t>
+            </a:r>
+            <a:r>
+              <a:rPr lang="en-US" sz="2400" dirty="0" smtClean="0"/>
+              <a:t>memory</a:t>
+            </a:r>
+            <a:endParaRPr lang="en-US" sz="2400" dirty="0"/>
+          </a:p>
+          <a:p>
+            <a:r>
+              <a:rPr lang="en-US" sz="2400" dirty="0" err="1" smtClean="0"/>
+              <a:t>agent.channels.</a:t>
+            </a:r>
+            <a:r>
+              <a:rPr lang="en-US" sz="2400" dirty="0" err="1" smtClean="0">
+                <a:solidFill>
+                  <a:schemeClr val="accent5"/>
+                </a:solidFill>
+              </a:rPr>
+              <a:t>myChannel</a:t>
+            </a:r>
+            <a:r>
+              <a:rPr lang="en-US" sz="2400" dirty="0" err="1" smtClean="0"/>
+              <a:t>.capacity</a:t>
+            </a:r>
+            <a:r>
+              <a:rPr lang="en-US" sz="2400" dirty="0" smtClean="0"/>
+              <a:t> </a:t>
+            </a:r>
+            <a:r>
+              <a:rPr lang="en-US" sz="2400" dirty="0"/>
+              <a:t>= 100</a:t>
+            </a:r>
           </a:p>
         </p:txBody>
       </p:sp>
     </p:spTree>
     <p:extLst>
       <p:ext uri="{BB962C8B-B14F-4D97-AF65-F5344CB8AC3E}">
-        <p14:creationId xmlns:p14="http://schemas.microsoft.com/office/powerpoint/2010/main" val="7896582"/>
+        <p14:creationId xmlns:p14="http://schemas.microsoft.com/office/powerpoint/2010/main" val="1022020155"/>
       </p:ext>
     </p:extLst>
   </p:cSld>
@@ -3493,7 +6803,7 @@
           <a:p>
             <a:r>
               <a:rPr lang="en-US" dirty="0" smtClean="0"/>
-              <a:t>Kafka</a:t>
+              <a:t>Map/Reduce</a:t>
             </a:r>
             <a:endParaRPr lang="en-US" dirty="0"/>
           </a:p>
@@ -3514,14 +6824,473 @@
           <a:bodyPr/>
           <a:lstStyle/>
           <a:p>
-            <a:endParaRPr lang="en-US"/>
-          </a:p>
-        </p:txBody>
-      </p:sp>
+            <a:r>
+              <a:rPr lang="en-US" dirty="0" smtClean="0"/>
+              <a:t>Main execution framework for distributed parallel data processing</a:t>
+            </a:r>
+            <a:endParaRPr lang="en-US" dirty="0"/>
+          </a:p>
+          <a:p>
+            <a:r>
+              <a:rPr lang="en-US" dirty="0" smtClean="0"/>
+              <a:t>2 Phases:</a:t>
+            </a:r>
+          </a:p>
+          <a:p>
+            <a:pPr lvl="1"/>
+            <a:r>
+              <a:rPr lang="en-US" dirty="0" smtClean="0"/>
+              <a:t>Map</a:t>
+            </a:r>
+          </a:p>
+          <a:p>
+            <a:pPr lvl="1"/>
+            <a:r>
+              <a:rPr lang="en-US" dirty="0" smtClean="0"/>
+              <a:t>Reduce</a:t>
+            </a:r>
+          </a:p>
+        </p:txBody>
+      </p:sp>
+      <p:grpSp>
+        <p:nvGrpSpPr>
+          <p:cNvPr id="4" name="Group 3"/>
+          <p:cNvGrpSpPr/>
+          <p:nvPr/>
+        </p:nvGrpSpPr>
+        <p:grpSpPr>
+          <a:xfrm>
+            <a:off x="1205210" y="4171950"/>
+            <a:ext cx="4854856" cy="1045638"/>
+            <a:chOff x="1205210" y="3187700"/>
+            <a:chExt cx="9424690" cy="2029888"/>
+          </a:xfrm>
+        </p:grpSpPr>
+        <p:sp>
+          <p:nvSpPr>
+            <p:cNvPr id="5" name="Zylinder 4"/>
+            <p:cNvSpPr/>
+            <p:nvPr/>
+          </p:nvSpPr>
+          <p:spPr>
+            <a:xfrm>
+              <a:off x="8229600" y="3187700"/>
+              <a:ext cx="2400300" cy="1968500"/>
+            </a:xfrm>
+            <a:prstGeom prst="can">
+              <a:avLst/>
+            </a:prstGeom>
+          </p:spPr>
+          <p:style>
+            <a:lnRef idx="2">
+              <a:schemeClr val="accent6">
+                <a:shade val="50000"/>
+              </a:schemeClr>
+            </a:lnRef>
+            <a:fillRef idx="1">
+              <a:schemeClr val="accent6"/>
+            </a:fillRef>
+            <a:effectRef idx="0">
+              <a:schemeClr val="accent6"/>
+            </a:effectRef>
+            <a:fontRef idx="minor">
+              <a:schemeClr val="lt1"/>
+            </a:fontRef>
+          </p:style>
+          <p:txBody>
+            <a:bodyPr rtlCol="0" anchor="ctr"/>
+            <a:lstStyle/>
+            <a:p>
+              <a:pPr algn="ctr"/>
+              <a:r>
+                <a:rPr lang="en-US" dirty="0" err="1" smtClean="0"/>
+                <a:t>HDFS</a:t>
+              </a:r>
+              <a:endParaRPr lang="en-US" dirty="0"/>
+            </a:p>
+          </p:txBody>
+        </p:sp>
+        <p:sp>
+          <p:nvSpPr>
+            <p:cNvPr id="6" name="Gefaltete Ecke 5"/>
+            <p:cNvSpPr/>
+            <p:nvPr/>
+          </p:nvSpPr>
+          <p:spPr>
+            <a:xfrm>
+              <a:off x="1205210" y="3187700"/>
+              <a:ext cx="1722044" cy="1968500"/>
+            </a:xfrm>
+            <a:prstGeom prst="foldedCorner">
+              <a:avLst/>
+            </a:prstGeom>
+          </p:spPr>
+          <p:style>
+            <a:lnRef idx="2">
+              <a:schemeClr val="accent3"/>
+            </a:lnRef>
+            <a:fillRef idx="1">
+              <a:schemeClr val="lt1"/>
+            </a:fillRef>
+            <a:effectRef idx="0">
+              <a:schemeClr val="accent3"/>
+            </a:effectRef>
+            <a:fontRef idx="minor">
+              <a:schemeClr val="dk1"/>
+            </a:fontRef>
+          </p:style>
+          <p:txBody>
+            <a:bodyPr rtlCol="0" anchor="ctr"/>
+            <a:lstStyle/>
+            <a:p>
+              <a:pPr algn="ctr"/>
+              <a:r>
+                <a:rPr lang="en-US" dirty="0" smtClean="0"/>
+                <a:t>Apache Log</a:t>
+              </a:r>
+              <a:endParaRPr lang="en-US" dirty="0"/>
+            </a:p>
+          </p:txBody>
+        </p:sp>
+        <p:cxnSp>
+          <p:nvCxnSpPr>
+            <p:cNvPr id="7" name="Gerade Verbindung mit Pfeil 7"/>
+            <p:cNvCxnSpPr>
+              <a:stCxn id="6" idx="3"/>
+              <a:endCxn id="9" idx="2"/>
+            </p:cNvCxnSpPr>
+            <p:nvPr/>
+          </p:nvCxnSpPr>
+          <p:spPr>
+            <a:xfrm>
+              <a:off x="2927254" y="4171950"/>
+              <a:ext cx="1243620" cy="0"/>
+            </a:xfrm>
+            <a:prstGeom prst="straightConnector1">
+              <a:avLst/>
+            </a:prstGeom>
+            <a:ln>
+              <a:tailEnd type="triangle"/>
+            </a:ln>
+          </p:spPr>
+          <p:style>
+            <a:lnRef idx="3">
+              <a:schemeClr val="dk1"/>
+            </a:lnRef>
+            <a:fillRef idx="0">
+              <a:schemeClr val="dk1"/>
+            </a:fillRef>
+            <a:effectRef idx="2">
+              <a:schemeClr val="dk1"/>
+            </a:effectRef>
+            <a:fontRef idx="minor">
+              <a:schemeClr val="tx1"/>
+            </a:fontRef>
+          </p:style>
+        </p:cxnSp>
+        <p:cxnSp>
+          <p:nvCxnSpPr>
+            <p:cNvPr id="8" name="Gerade Verbindung mit Pfeil 9"/>
+            <p:cNvCxnSpPr>
+              <a:stCxn id="11" idx="6"/>
+              <a:endCxn id="5" idx="2"/>
+            </p:cNvCxnSpPr>
+            <p:nvPr/>
+          </p:nvCxnSpPr>
+          <p:spPr>
+            <a:xfrm>
+              <a:off x="6838736" y="4171950"/>
+              <a:ext cx="1390864" cy="0"/>
+            </a:xfrm>
+            <a:prstGeom prst="straightConnector1">
+              <a:avLst/>
+            </a:prstGeom>
+            <a:ln>
+              <a:tailEnd type="triangle"/>
+            </a:ln>
+          </p:spPr>
+          <p:style>
+            <a:lnRef idx="3">
+              <a:schemeClr val="dk1"/>
+            </a:lnRef>
+            <a:fillRef idx="0">
+              <a:schemeClr val="dk1"/>
+            </a:fillRef>
+            <a:effectRef idx="2">
+              <a:schemeClr val="dk1"/>
+            </a:effectRef>
+            <a:fontRef idx="minor">
+              <a:schemeClr val="tx1"/>
+            </a:fontRef>
+          </p:style>
+        </p:cxnSp>
+        <p:sp>
+          <p:nvSpPr>
+            <p:cNvPr id="9" name="Oval 8"/>
+            <p:cNvSpPr/>
+            <p:nvPr/>
+          </p:nvSpPr>
+          <p:spPr>
+            <a:xfrm>
+              <a:off x="4170874" y="3993719"/>
+              <a:ext cx="356461" cy="356461"/>
+            </a:xfrm>
+            <a:prstGeom prst="ellipse">
+              <a:avLst/>
+            </a:prstGeom>
+          </p:spPr>
+          <p:style>
+            <a:lnRef idx="2">
+              <a:schemeClr val="accent2">
+                <a:shade val="50000"/>
+              </a:schemeClr>
+            </a:lnRef>
+            <a:fillRef idx="1">
+              <a:schemeClr val="accent2"/>
+            </a:fillRef>
+            <a:effectRef idx="0">
+              <a:schemeClr val="accent2"/>
+            </a:effectRef>
+            <a:fontRef idx="minor">
+              <a:schemeClr val="lt1"/>
+            </a:fontRef>
+          </p:style>
+          <p:txBody>
+            <a:bodyPr rtlCol="0" anchor="ctr"/>
+            <a:lstStyle/>
+            <a:p>
+              <a:pPr algn="ctr"/>
+              <a:endParaRPr lang="en-US"/>
+            </a:p>
+          </p:txBody>
+        </p:sp>
+        <p:sp>
+          <p:nvSpPr>
+            <p:cNvPr id="10" name="Zylinder 3"/>
+            <p:cNvSpPr/>
+            <p:nvPr/>
+          </p:nvSpPr>
+          <p:spPr>
+            <a:xfrm rot="5400000">
+              <a:off x="4869806" y="3016250"/>
+              <a:ext cx="1270000" cy="2311400"/>
+            </a:xfrm>
+            <a:prstGeom prst="can">
+              <a:avLst/>
+            </a:prstGeom>
+          </p:spPr>
+          <p:style>
+            <a:lnRef idx="2">
+              <a:schemeClr val="accent1">
+                <a:shade val="50000"/>
+              </a:schemeClr>
+            </a:lnRef>
+            <a:fillRef idx="1">
+              <a:schemeClr val="accent1"/>
+            </a:fillRef>
+            <a:effectRef idx="0">
+              <a:schemeClr val="accent1"/>
+            </a:effectRef>
+            <a:fontRef idx="minor">
+              <a:schemeClr val="lt1"/>
+            </a:fontRef>
+          </p:style>
+          <p:txBody>
+            <a:bodyPr vert="vert270" rtlCol="0" anchor="ctr"/>
+            <a:lstStyle/>
+            <a:p>
+              <a:pPr algn="ctr"/>
+              <a:r>
+                <a:rPr lang="en-US" dirty="0" smtClean="0"/>
+                <a:t>Flume</a:t>
+              </a:r>
+              <a:endParaRPr lang="en-US" dirty="0"/>
+            </a:p>
+          </p:txBody>
+        </p:sp>
+        <p:sp>
+          <p:nvSpPr>
+            <p:cNvPr id="11" name="Oval 10"/>
+            <p:cNvSpPr/>
+            <p:nvPr/>
+          </p:nvSpPr>
+          <p:spPr>
+            <a:xfrm>
+              <a:off x="6482275" y="3993719"/>
+              <a:ext cx="356461" cy="356461"/>
+            </a:xfrm>
+            <a:prstGeom prst="ellipse">
+              <a:avLst/>
+            </a:prstGeom>
+          </p:spPr>
+          <p:style>
+            <a:lnRef idx="2">
+              <a:schemeClr val="accent2">
+                <a:shade val="50000"/>
+              </a:schemeClr>
+            </a:lnRef>
+            <a:fillRef idx="1">
+              <a:schemeClr val="accent2"/>
+            </a:fillRef>
+            <a:effectRef idx="0">
+              <a:schemeClr val="accent2"/>
+            </a:effectRef>
+            <a:fontRef idx="minor">
+              <a:schemeClr val="lt1"/>
+            </a:fontRef>
+          </p:style>
+          <p:txBody>
+            <a:bodyPr rtlCol="0" anchor="ctr"/>
+            <a:lstStyle/>
+            <a:p>
+              <a:pPr algn="ctr"/>
+              <a:endParaRPr lang="en-US"/>
+            </a:p>
+          </p:txBody>
+        </p:sp>
+        <p:sp>
+          <p:nvSpPr>
+            <p:cNvPr id="12" name="TextBox 11"/>
+            <p:cNvSpPr txBox="1"/>
+            <p:nvPr/>
+          </p:nvSpPr>
+          <p:spPr>
+            <a:xfrm>
+              <a:off x="6368835" y="4848255"/>
+              <a:ext cx="651897" cy="369333"/>
+            </a:xfrm>
+            <a:prstGeom prst="rect">
+              <a:avLst/>
+            </a:prstGeom>
+            <a:noFill/>
+          </p:spPr>
+          <p:txBody>
+            <a:bodyPr wrap="square" rtlCol="0">
+              <a:normAutofit fontScale="40000" lnSpcReduction="20000"/>
+            </a:bodyPr>
+            <a:lstStyle/>
+            <a:p>
+              <a:pPr algn="ctr"/>
+              <a:r>
+                <a:rPr lang="en-US" dirty="0" smtClean="0"/>
+                <a:t>Sink</a:t>
+              </a:r>
+              <a:endParaRPr lang="en-US" dirty="0"/>
+            </a:p>
+          </p:txBody>
+        </p:sp>
+        <p:sp>
+          <p:nvSpPr>
+            <p:cNvPr id="13" name="TextBox 12"/>
+            <p:cNvSpPr txBox="1"/>
+            <p:nvPr/>
+          </p:nvSpPr>
+          <p:spPr>
+            <a:xfrm>
+              <a:off x="3906650" y="4848256"/>
+              <a:ext cx="884912" cy="369332"/>
+            </a:xfrm>
+            <a:prstGeom prst="rect">
+              <a:avLst/>
+            </a:prstGeom>
+            <a:noFill/>
+          </p:spPr>
+          <p:txBody>
+            <a:bodyPr wrap="square" rtlCol="0">
+              <a:normAutofit fontScale="40000" lnSpcReduction="20000"/>
+            </a:bodyPr>
+            <a:lstStyle/>
+            <a:p>
+              <a:pPr algn="ctr"/>
+              <a:r>
+                <a:rPr lang="en-US" dirty="0" smtClean="0"/>
+                <a:t>Source</a:t>
+              </a:r>
+              <a:endParaRPr lang="en-US" dirty="0"/>
+            </a:p>
+          </p:txBody>
+        </p:sp>
+        <p:sp>
+          <p:nvSpPr>
+            <p:cNvPr id="14" name="TextBox 13"/>
+            <p:cNvSpPr txBox="1"/>
+            <p:nvPr/>
+          </p:nvSpPr>
+          <p:spPr>
+            <a:xfrm>
+              <a:off x="5059014" y="4848255"/>
+              <a:ext cx="1042370" cy="369332"/>
+            </a:xfrm>
+            <a:prstGeom prst="rect">
+              <a:avLst/>
+            </a:prstGeom>
+            <a:noFill/>
+          </p:spPr>
+          <p:txBody>
+            <a:bodyPr wrap="square" rtlCol="0">
+              <a:normAutofit fontScale="40000" lnSpcReduction="20000"/>
+            </a:bodyPr>
+            <a:lstStyle/>
+            <a:p>
+              <a:pPr algn="ctr"/>
+              <a:r>
+                <a:rPr lang="en-US" dirty="0" smtClean="0"/>
+                <a:t>Channel</a:t>
+              </a:r>
+              <a:endParaRPr lang="en-US" dirty="0"/>
+            </a:p>
+          </p:txBody>
+        </p:sp>
+        <p:sp>
+          <p:nvSpPr>
+            <p:cNvPr id="15" name="Rectangle 14"/>
+            <p:cNvSpPr/>
+            <p:nvPr/>
+          </p:nvSpPr>
+          <p:spPr>
+            <a:xfrm>
+              <a:off x="3906649" y="3187700"/>
+              <a:ext cx="3114083" cy="2029888"/>
+            </a:xfrm>
+            <a:prstGeom prst="rect">
+              <a:avLst/>
+            </a:prstGeom>
+            <a:noFill/>
+            <a:ln>
+              <a:prstDash val="dash"/>
+            </a:ln>
+          </p:spPr>
+          <p:style>
+            <a:lnRef idx="2">
+              <a:schemeClr val="dk1"/>
+            </a:lnRef>
+            <a:fillRef idx="1">
+              <a:schemeClr val="lt1"/>
+            </a:fillRef>
+            <a:effectRef idx="0">
+              <a:schemeClr val="dk1"/>
+            </a:effectRef>
+            <a:fontRef idx="minor">
+              <a:schemeClr val="dk1"/>
+            </a:fontRef>
+          </p:style>
+          <p:txBody>
+            <a:bodyPr rtlCol="0" anchor="t"/>
+            <a:lstStyle/>
+            <a:p>
+              <a:r>
+                <a:rPr lang="en-US" sz="800" dirty="0" smtClean="0"/>
+                <a:t>Agent</a:t>
+              </a:r>
+              <a:endParaRPr lang="en-US" sz="1400" dirty="0"/>
+            </a:p>
+          </p:txBody>
+        </p:sp>
+      </p:grpSp>
     </p:spTree>
     <p:extLst>
       <p:ext uri="{BB962C8B-B14F-4D97-AF65-F5344CB8AC3E}">
-        <p14:creationId xmlns:p14="http://schemas.microsoft.com/office/powerpoint/2010/main" val="3974552302"/>
+        <p14:creationId xmlns:p14="http://schemas.microsoft.com/office/powerpoint/2010/main" val="855395191"/>
       </p:ext>
     </p:extLst>
   </p:cSld>
@@ -3565,7 +7334,7 @@
           <a:p>
             <a:r>
               <a:rPr lang="en-US" dirty="0" smtClean="0"/>
-              <a:t>Spark</a:t>
+              <a:t>Hive</a:t>
             </a:r>
             <a:endParaRPr lang="en-US" dirty="0"/>
           </a:p>
@@ -3593,7 +7362,7 @@
     </p:spTree>
     <p:extLst>
       <p:ext uri="{BB962C8B-B14F-4D97-AF65-F5344CB8AC3E}">
-        <p14:creationId xmlns:p14="http://schemas.microsoft.com/office/powerpoint/2010/main" val="1025645941"/>
+        <p14:creationId xmlns:p14="http://schemas.microsoft.com/office/powerpoint/2010/main" val="2224512685"/>
       </p:ext>
     </p:extLst>
   </p:cSld>
@@ -3858,7 +7627,7 @@
   <a:extraClrSchemeLst/>
   <a:extLst>
     <a:ext uri="{05A4C25C-085E-4340-85A3-A5531E510DB2}">
-      <thm15:themeFamily xmlns:thm15="http://schemas.microsoft.com/office/thememl/2012/main" name="Office Theme" id="{62F939B6-93AF-4DB8-9C6B-D6C7DFDC589F}" vid="{4A3C46E8-61CC-4603-A589-7422A47A8E4A}"/>
+      <thm15:themeFamily xmlns="" xmlns:thm15="http://schemas.microsoft.com/office/thememl/2012/main" name="Office Theme" id="{62F939B6-93AF-4DB8-9C6B-D6C7DFDC589F}" vid="{4A3C46E8-61CC-4603-A589-7422A47A8E4A}"/>
     </a:ext>
   </a:extLst>
 </a:theme>

--- a/slides/ShanghaiDataScience_201509.pptx
+++ b/slides/ShanghaiDataScience_201509.pptx
@@ -8,15 +8,16 @@
     <p:sldId id="256" r:id="rId2"/>
     <p:sldId id="257" r:id="rId3"/>
     <p:sldId id="266" r:id="rId4"/>
-    <p:sldId id="258" r:id="rId5"/>
-    <p:sldId id="265" r:id="rId6"/>
-    <p:sldId id="259" r:id="rId7"/>
-    <p:sldId id="267" r:id="rId8"/>
-    <p:sldId id="260" r:id="rId9"/>
-    <p:sldId id="261" r:id="rId10"/>
-    <p:sldId id="264" r:id="rId11"/>
-    <p:sldId id="262" r:id="rId12"/>
-    <p:sldId id="263" r:id="rId13"/>
+    <p:sldId id="268" r:id="rId5"/>
+    <p:sldId id="258" r:id="rId6"/>
+    <p:sldId id="265" r:id="rId7"/>
+    <p:sldId id="259" r:id="rId8"/>
+    <p:sldId id="267" r:id="rId9"/>
+    <p:sldId id="260" r:id="rId10"/>
+    <p:sldId id="261" r:id="rId11"/>
+    <p:sldId id="264" r:id="rId12"/>
+    <p:sldId id="262" r:id="rId13"/>
+    <p:sldId id="263" r:id="rId14"/>
   </p:sldIdLst>
   <p:sldSz cx="12192000" cy="6858000"/>
   <p:notesSz cx="6858000" cy="9144000"/>
@@ -117,7 +118,7 @@
   </p:defaultTextStyle>
   <p:extLst>
     <p:ext uri="{EFAFB233-063F-42B5-8137-9DF3F51BA10A}">
-      <p15:sldGuideLst xmlns="" xmlns:p15="http://schemas.microsoft.com/office/powerpoint/2012/main"/>
+      <p15:sldGuideLst xmlns:p15="http://schemas.microsoft.com/office/powerpoint/2012/main" xmlns=""/>
     </p:ext>
   </p:extLst>
 </p:presentation>
@@ -254,7 +255,7 @@
           <a:p>
             <a:fld id="{B8FAD6F8-AB09-434A-8A54-6BADA09CA10E}" type="datetimeFigureOut">
               <a:rPr lang="en-US" smtClean="0"/>
-              <a:t>9/15/2015</a:t>
+              <a:t>9/16/2015</a:t>
             </a:fld>
             <a:endParaRPr lang="en-US"/>
           </a:p>
@@ -424,7 +425,7 @@
           <a:p>
             <a:fld id="{B8FAD6F8-AB09-434A-8A54-6BADA09CA10E}" type="datetimeFigureOut">
               <a:rPr lang="en-US" smtClean="0"/>
-              <a:t>9/15/2015</a:t>
+              <a:t>9/16/2015</a:t>
             </a:fld>
             <a:endParaRPr lang="en-US"/>
           </a:p>
@@ -604,7 +605,7 @@
           <a:p>
             <a:fld id="{B8FAD6F8-AB09-434A-8A54-6BADA09CA10E}" type="datetimeFigureOut">
               <a:rPr lang="en-US" smtClean="0"/>
-              <a:t>9/15/2015</a:t>
+              <a:t>9/16/2015</a:t>
             </a:fld>
             <a:endParaRPr lang="en-US"/>
           </a:p>
@@ -774,7 +775,7 @@
           <a:p>
             <a:fld id="{B8FAD6F8-AB09-434A-8A54-6BADA09CA10E}" type="datetimeFigureOut">
               <a:rPr lang="en-US" smtClean="0"/>
-              <a:t>9/15/2015</a:t>
+              <a:t>9/16/2015</a:t>
             </a:fld>
             <a:endParaRPr lang="en-US"/>
           </a:p>
@@ -1020,7 +1021,7 @@
           <a:p>
             <a:fld id="{B8FAD6F8-AB09-434A-8A54-6BADA09CA10E}" type="datetimeFigureOut">
               <a:rPr lang="en-US" smtClean="0"/>
-              <a:t>9/15/2015</a:t>
+              <a:t>9/16/2015</a:t>
             </a:fld>
             <a:endParaRPr lang="en-US"/>
           </a:p>
@@ -1252,7 +1253,7 @@
           <a:p>
             <a:fld id="{B8FAD6F8-AB09-434A-8A54-6BADA09CA10E}" type="datetimeFigureOut">
               <a:rPr lang="en-US" smtClean="0"/>
-              <a:t>9/15/2015</a:t>
+              <a:t>9/16/2015</a:t>
             </a:fld>
             <a:endParaRPr lang="en-US"/>
           </a:p>
@@ -1619,7 +1620,7 @@
           <a:p>
             <a:fld id="{B8FAD6F8-AB09-434A-8A54-6BADA09CA10E}" type="datetimeFigureOut">
               <a:rPr lang="en-US" smtClean="0"/>
-              <a:t>9/15/2015</a:t>
+              <a:t>9/16/2015</a:t>
             </a:fld>
             <a:endParaRPr lang="en-US"/>
           </a:p>
@@ -1737,7 +1738,7 @@
           <a:p>
             <a:fld id="{B8FAD6F8-AB09-434A-8A54-6BADA09CA10E}" type="datetimeFigureOut">
               <a:rPr lang="en-US" smtClean="0"/>
-              <a:t>9/15/2015</a:t>
+              <a:t>9/16/2015</a:t>
             </a:fld>
             <a:endParaRPr lang="en-US"/>
           </a:p>
@@ -1832,7 +1833,7 @@
           <a:p>
             <a:fld id="{B8FAD6F8-AB09-434A-8A54-6BADA09CA10E}" type="datetimeFigureOut">
               <a:rPr lang="en-US" smtClean="0"/>
-              <a:t>9/15/2015</a:t>
+              <a:t>9/16/2015</a:t>
             </a:fld>
             <a:endParaRPr lang="en-US"/>
           </a:p>
@@ -2109,7 +2110,7 @@
           <a:p>
             <a:fld id="{B8FAD6F8-AB09-434A-8A54-6BADA09CA10E}" type="datetimeFigureOut">
               <a:rPr lang="en-US" smtClean="0"/>
-              <a:t>9/15/2015</a:t>
+              <a:t>9/16/2015</a:t>
             </a:fld>
             <a:endParaRPr lang="en-US"/>
           </a:p>
@@ -2362,7 +2363,7 @@
           <a:p>
             <a:fld id="{B8FAD6F8-AB09-434A-8A54-6BADA09CA10E}" type="datetimeFigureOut">
               <a:rPr lang="en-US" smtClean="0"/>
-              <a:t>9/15/2015</a:t>
+              <a:t>9/16/2015</a:t>
             </a:fld>
             <a:endParaRPr lang="en-US"/>
           </a:p>
@@ -2575,7 +2576,7 @@
           <a:p>
             <a:fld id="{B8FAD6F8-AB09-434A-8A54-6BADA09CA10E}" type="datetimeFigureOut">
               <a:rPr lang="en-US" smtClean="0"/>
-              <a:t>9/15/2015</a:t>
+              <a:t>9/16/2015</a:t>
             </a:fld>
             <a:endParaRPr lang="en-US"/>
           </a:p>
@@ -3072,6 +3073,78 @@
           <a:lstStyle/>
           <a:p>
             <a:r>
+              <a:rPr lang="en-US" dirty="0" smtClean="0"/>
+              <a:t>Hive</a:t>
+            </a:r>
+            <a:endParaRPr lang="en-US" dirty="0"/>
+          </a:p>
+        </p:txBody>
+      </p:sp>
+      <p:sp>
+        <p:nvSpPr>
+          <p:cNvPr id="3" name="Inhaltsplatzhalter 2"/>
+          <p:cNvSpPr>
+            <a:spLocks noGrp="1"/>
+          </p:cNvSpPr>
+          <p:nvPr>
+            <p:ph idx="1"/>
+          </p:nvPr>
+        </p:nvSpPr>
+        <p:spPr/>
+        <p:txBody>
+          <a:bodyPr/>
+          <a:lstStyle/>
+          <a:p>
+            <a:endParaRPr lang="en-US"/>
+          </a:p>
+        </p:txBody>
+      </p:sp>
+    </p:spTree>
+    <p:extLst>
+      <p:ext uri="{BB962C8B-B14F-4D97-AF65-F5344CB8AC3E}">
+        <p14:creationId xmlns:p14="http://schemas.microsoft.com/office/powerpoint/2010/main" val="2224512685"/>
+      </p:ext>
+    </p:extLst>
+  </p:cSld>
+  <p:clrMapOvr>
+    <a:masterClrMapping/>
+  </p:clrMapOvr>
+</p:sld>
+</file>
+
+<file path=ppt/slides/slide11.xml><?xml version="1.0" encoding="utf-8"?>
+<p:sld xmlns:a="http://schemas.openxmlformats.org/drawingml/2006/main" xmlns:r="http://schemas.openxmlformats.org/officeDocument/2006/relationships" xmlns:p="http://schemas.openxmlformats.org/presentationml/2006/main">
+  <p:cSld>
+    <p:spTree>
+      <p:nvGrpSpPr>
+        <p:cNvPr id="1" name=""/>
+        <p:cNvGrpSpPr/>
+        <p:nvPr/>
+      </p:nvGrpSpPr>
+      <p:grpSpPr>
+        <a:xfrm>
+          <a:off x="0" y="0"/>
+          <a:ext cx="0" cy="0"/>
+          <a:chOff x="0" y="0"/>
+          <a:chExt cx="0" cy="0"/>
+        </a:xfrm>
+      </p:grpSpPr>
+      <p:sp>
+        <p:nvSpPr>
+          <p:cNvPr id="2" name="Titel 1"/>
+          <p:cNvSpPr>
+            <a:spLocks noGrp="1"/>
+          </p:cNvSpPr>
+          <p:nvPr>
+            <p:ph type="title"/>
+          </p:nvPr>
+        </p:nvSpPr>
+        <p:spPr/>
+        <p:txBody>
+          <a:bodyPr/>
+          <a:lstStyle/>
+          <a:p>
+            <a:r>
               <a:rPr lang="en-US" dirty="0" err="1" smtClean="0"/>
               <a:t>HBase</a:t>
             </a:r>
@@ -3100,11 +3173,7 @@
             </a:r>
             <a:r>
               <a:rPr lang="en-US" dirty="0" smtClean="0"/>
-              <a:t> </a:t>
-            </a:r>
-            <a:r>
-              <a:rPr lang="en-US" dirty="0" smtClean="0"/>
-              <a:t>architecture supporting loose schema</a:t>
+              <a:t> architecture supporting loose schema</a:t>
             </a:r>
           </a:p>
         </p:txBody>
@@ -3823,7 +3892,6 @@
               <a:rPr lang="en-US" dirty="0" smtClean="0"/>
               <a:t>Get</a:t>
             </a:r>
-            <a:endParaRPr lang="en-US" dirty="0" smtClean="0"/>
           </a:p>
           <a:p>
             <a:pPr algn="ctr"/>
@@ -4033,7 +4101,7 @@
 </p:sld>
 </file>
 
-<file path=ppt/slides/slide11.xml><?xml version="1.0" encoding="utf-8"?>
+<file path=ppt/slides/slide12.xml><?xml version="1.0" encoding="utf-8"?>
 <p:sld xmlns:a="http://schemas.openxmlformats.org/drawingml/2006/main" xmlns:r="http://schemas.openxmlformats.org/officeDocument/2006/relationships" xmlns:p="http://schemas.openxmlformats.org/presentationml/2006/main">
   <p:cSld>
     <p:spTree>
@@ -4092,7 +4160,6 @@
               <a:rPr lang="en-US" dirty="0"/>
               <a:t>Kafka is a distributed, partitioned, replicated commit log service</a:t>
             </a:r>
-            <a:endParaRPr lang="en-US" dirty="0"/>
           </a:p>
         </p:txBody>
       </p:sp>
@@ -4109,7 +4176,7 @@
 </p:sld>
 </file>
 
-<file path=ppt/slides/slide12.xml><?xml version="1.0" encoding="utf-8"?>
+<file path=ppt/slides/slide13.xml><?xml version="1.0" encoding="utf-8"?>
 <p:sld xmlns:a="http://schemas.openxmlformats.org/drawingml/2006/main" xmlns:r="http://schemas.openxmlformats.org/officeDocument/2006/relationships" xmlns:p="http://schemas.openxmlformats.org/presentationml/2006/main">
   <p:cSld>
     <p:spTree>
@@ -4400,6 +4467,82 @@
 </file>
 
 <file path=ppt/slides/slide4.xml><?xml version="1.0" encoding="utf-8"?>
+<p:sld xmlns:a="http://schemas.openxmlformats.org/drawingml/2006/main" xmlns:r="http://schemas.openxmlformats.org/officeDocument/2006/relationships" xmlns:p="http://schemas.openxmlformats.org/presentationml/2006/main">
+  <p:cSld>
+    <p:spTree>
+      <p:nvGrpSpPr>
+        <p:cNvPr id="1" name=""/>
+        <p:cNvGrpSpPr/>
+        <p:nvPr/>
+      </p:nvGrpSpPr>
+      <p:grpSpPr>
+        <a:xfrm>
+          <a:off x="0" y="0"/>
+          <a:ext cx="0" cy="0"/>
+          <a:chOff x="0" y="0"/>
+          <a:chExt cx="0" cy="0"/>
+        </a:xfrm>
+      </p:grpSpPr>
+      <p:sp>
+        <p:nvSpPr>
+          <p:cNvPr id="2" name="Title 1"/>
+          <p:cNvSpPr>
+            <a:spLocks noGrp="1"/>
+          </p:cNvSpPr>
+          <p:nvPr>
+            <p:ph type="title"/>
+          </p:nvPr>
+        </p:nvSpPr>
+        <p:spPr/>
+        <p:txBody>
+          <a:bodyPr/>
+          <a:lstStyle/>
+          <a:p>
+            <a:r>
+              <a:rPr lang="en-US" dirty="0" smtClean="0"/>
+              <a:t>Key Value</a:t>
+            </a:r>
+            <a:endParaRPr lang="en-US" dirty="0"/>
+          </a:p>
+        </p:txBody>
+      </p:sp>
+      <p:sp>
+        <p:nvSpPr>
+          <p:cNvPr id="3" name="Content Placeholder 2"/>
+          <p:cNvSpPr>
+            <a:spLocks noGrp="1"/>
+          </p:cNvSpPr>
+          <p:nvPr>
+            <p:ph idx="1"/>
+          </p:nvPr>
+        </p:nvSpPr>
+        <p:spPr/>
+        <p:txBody>
+          <a:bodyPr/>
+          <a:lstStyle/>
+          <a:p>
+            <a:r>
+              <a:rPr lang="en-US" dirty="0" smtClean="0"/>
+              <a:t>Basic concept of key value</a:t>
+            </a:r>
+            <a:endParaRPr lang="en-US" dirty="0"/>
+          </a:p>
+        </p:txBody>
+      </p:sp>
+    </p:spTree>
+    <p:extLst>
+      <p:ext uri="{BB962C8B-B14F-4D97-AF65-F5344CB8AC3E}">
+        <p14:creationId xmlns:p14="http://schemas.microsoft.com/office/powerpoint/2010/main" val="718032095"/>
+      </p:ext>
+    </p:extLst>
+  </p:cSld>
+  <p:clrMapOvr>
+    <a:masterClrMapping/>
+  </p:clrMapOvr>
+</p:sld>
+</file>
+
+<file path=ppt/slides/slide5.xml><?xml version="1.0" encoding="utf-8"?>
 <p:sld xmlns:a="http://schemas.openxmlformats.org/drawingml/2006/main" xmlns:r="http://schemas.openxmlformats.org/officeDocument/2006/relationships" xmlns:p="http://schemas.openxmlformats.org/presentationml/2006/main">
   <p:cSld>
     <p:spTree>
@@ -5518,7 +5661,7 @@
 </p:sld>
 </file>
 
-<file path=ppt/slides/slide5.xml><?xml version="1.0" encoding="utf-8"?>
+<file path=ppt/slides/slide6.xml><?xml version="1.0" encoding="utf-8"?>
 <p:sld xmlns:a="http://schemas.openxmlformats.org/drawingml/2006/main" xmlns:r="http://schemas.openxmlformats.org/officeDocument/2006/relationships" xmlns:p="http://schemas.openxmlformats.org/presentationml/2006/main">
   <p:cSld>
     <p:spTree>
@@ -5817,7 +5960,7 @@
 </p:sld>
 </file>
 
-<file path=ppt/slides/slide6.xml><?xml version="1.0" encoding="utf-8"?>
+<file path=ppt/slides/slide7.xml><?xml version="1.0" encoding="utf-8"?>
 <p:sld xmlns:a="http://schemas.openxmlformats.org/drawingml/2006/main" xmlns:r="http://schemas.openxmlformats.org/officeDocument/2006/relationships" xmlns:p="http://schemas.openxmlformats.org/presentationml/2006/main">
   <p:cSld>
     <p:spTree>
@@ -6339,7 +6482,7 @@
 </p:sld>
 </file>
 
-<file path=ppt/slides/slide7.xml><?xml version="1.0" encoding="utf-8"?>
+<file path=ppt/slides/slide8.xml><?xml version="1.0" encoding="utf-8"?>
 <p:sld xmlns:a="http://schemas.openxmlformats.org/drawingml/2006/main" xmlns:r="http://schemas.openxmlformats.org/officeDocument/2006/relationships" xmlns:p="http://schemas.openxmlformats.org/presentationml/2006/main">
   <p:cSld>
     <p:spTree>
@@ -6769,7 +6912,7 @@
 </p:sld>
 </file>
 
-<file path=ppt/slides/slide8.xml><?xml version="1.0" encoding="utf-8"?>
+<file path=ppt/slides/slide9.xml><?xml version="1.0" encoding="utf-8"?>
 <p:sld xmlns:a="http://schemas.openxmlformats.org/drawingml/2006/main" xmlns:r="http://schemas.openxmlformats.org/officeDocument/2006/relationships" xmlns:p="http://schemas.openxmlformats.org/presentationml/2006/main">
   <p:cSld>
     <p:spTree>
@@ -7300,78 +7443,6 @@
 </p:sld>
 </file>
 
-<file path=ppt/slides/slide9.xml><?xml version="1.0" encoding="utf-8"?>
-<p:sld xmlns:a="http://schemas.openxmlformats.org/drawingml/2006/main" xmlns:r="http://schemas.openxmlformats.org/officeDocument/2006/relationships" xmlns:p="http://schemas.openxmlformats.org/presentationml/2006/main">
-  <p:cSld>
-    <p:spTree>
-      <p:nvGrpSpPr>
-        <p:cNvPr id="1" name=""/>
-        <p:cNvGrpSpPr/>
-        <p:nvPr/>
-      </p:nvGrpSpPr>
-      <p:grpSpPr>
-        <a:xfrm>
-          <a:off x="0" y="0"/>
-          <a:ext cx="0" cy="0"/>
-          <a:chOff x="0" y="0"/>
-          <a:chExt cx="0" cy="0"/>
-        </a:xfrm>
-      </p:grpSpPr>
-      <p:sp>
-        <p:nvSpPr>
-          <p:cNvPr id="2" name="Titel 1"/>
-          <p:cNvSpPr>
-            <a:spLocks noGrp="1"/>
-          </p:cNvSpPr>
-          <p:nvPr>
-            <p:ph type="title"/>
-          </p:nvPr>
-        </p:nvSpPr>
-        <p:spPr/>
-        <p:txBody>
-          <a:bodyPr/>
-          <a:lstStyle/>
-          <a:p>
-            <a:r>
-              <a:rPr lang="en-US" dirty="0" smtClean="0"/>
-              <a:t>Hive</a:t>
-            </a:r>
-            <a:endParaRPr lang="en-US" dirty="0"/>
-          </a:p>
-        </p:txBody>
-      </p:sp>
-      <p:sp>
-        <p:nvSpPr>
-          <p:cNvPr id="3" name="Inhaltsplatzhalter 2"/>
-          <p:cNvSpPr>
-            <a:spLocks noGrp="1"/>
-          </p:cNvSpPr>
-          <p:nvPr>
-            <p:ph idx="1"/>
-          </p:nvPr>
-        </p:nvSpPr>
-        <p:spPr/>
-        <p:txBody>
-          <a:bodyPr/>
-          <a:lstStyle/>
-          <a:p>
-            <a:endParaRPr lang="en-US"/>
-          </a:p>
-        </p:txBody>
-      </p:sp>
-    </p:spTree>
-    <p:extLst>
-      <p:ext uri="{BB962C8B-B14F-4D97-AF65-F5344CB8AC3E}">
-        <p14:creationId xmlns:p14="http://schemas.microsoft.com/office/powerpoint/2010/main" val="2224512685"/>
-      </p:ext>
-    </p:extLst>
-  </p:cSld>
-  <p:clrMapOvr>
-    <a:masterClrMapping/>
-  </p:clrMapOvr>
-</p:sld>
-</file>
-
 <file path=ppt/theme/theme1.xml><?xml version="1.0" encoding="utf-8"?>
 <a:theme xmlns:a="http://schemas.openxmlformats.org/drawingml/2006/main" name="Office Theme">
   <a:themeElements>
@@ -7627,7 +7698,7 @@
   <a:extraClrSchemeLst/>
   <a:extLst>
     <a:ext uri="{05A4C25C-085E-4340-85A3-A5531E510DB2}">
-      <thm15:themeFamily xmlns="" xmlns:thm15="http://schemas.microsoft.com/office/thememl/2012/main" name="Office Theme" id="{62F939B6-93AF-4DB8-9C6B-D6C7DFDC589F}" vid="{4A3C46E8-61CC-4603-A589-7422A47A8E4A}"/>
+      <thm15:themeFamily xmlns:thm15="http://schemas.microsoft.com/office/thememl/2012/main" xmlns="" name="Office Theme" id="{62F939B6-93AF-4DB8-9C6B-D6C7DFDC589F}" vid="{4A3C46E8-61CC-4603-A589-7422A47A8E4A}"/>
     </a:ext>
   </a:extLst>
 </a:theme>

--- a/slides/ShanghaiDataScience_201509.pptx
+++ b/slides/ShanghaiDataScience_201509.pptx
@@ -1,9 +1,12 @@
 
 <file path=ppt/presentation.xml><?xml version="1.0" encoding="utf-8"?>
-<p:presentation xmlns:a="http://schemas.openxmlformats.org/drawingml/2006/main" xmlns:r="http://schemas.openxmlformats.org/officeDocument/2006/relationships" xmlns:p="http://schemas.openxmlformats.org/presentationml/2006/main" saveSubsetFonts="1">
+<p:presentation xmlns:a="http://schemas.openxmlformats.org/drawingml/2006/main" xmlns:r="http://schemas.openxmlformats.org/officeDocument/2006/relationships" xmlns:p="http://schemas.openxmlformats.org/presentationml/2006/main" showSpecialPlsOnTitleSld="0" saveSubsetFonts="1">
   <p:sldMasterIdLst>
     <p:sldMasterId id="2147483648" r:id="rId1"/>
   </p:sldMasterIdLst>
+  <p:notesMasterIdLst>
+    <p:notesMasterId r:id="rId20"/>
+  </p:notesMasterIdLst>
   <p:sldIdLst>
     <p:sldId id="256" r:id="rId2"/>
     <p:sldId id="257" r:id="rId3"/>
@@ -13,11 +16,16 @@
     <p:sldId id="265" r:id="rId7"/>
     <p:sldId id="259" r:id="rId8"/>
     <p:sldId id="267" r:id="rId9"/>
-    <p:sldId id="260" r:id="rId10"/>
-    <p:sldId id="261" r:id="rId11"/>
-    <p:sldId id="264" r:id="rId12"/>
-    <p:sldId id="262" r:id="rId13"/>
-    <p:sldId id="263" r:id="rId14"/>
+    <p:sldId id="272" r:id="rId10"/>
+    <p:sldId id="273" r:id="rId11"/>
+    <p:sldId id="260" r:id="rId12"/>
+    <p:sldId id="271" r:id="rId13"/>
+    <p:sldId id="262" r:id="rId14"/>
+    <p:sldId id="270" r:id="rId15"/>
+    <p:sldId id="269" r:id="rId16"/>
+    <p:sldId id="261" r:id="rId17"/>
+    <p:sldId id="264" r:id="rId18"/>
+    <p:sldId id="263" r:id="rId19"/>
   </p:sldIdLst>
   <p:sldSz cx="12192000" cy="6858000"/>
   <p:notesSz cx="6858000" cy="9144000"/>
@@ -118,10 +126,360 @@
   </p:defaultTextStyle>
   <p:extLst>
     <p:ext uri="{EFAFB233-063F-42B5-8137-9DF3F51BA10A}">
-      <p15:sldGuideLst xmlns:p15="http://schemas.microsoft.com/office/powerpoint/2012/main" xmlns=""/>
+      <p15:sldGuideLst xmlns="" xmlns:p15="http://schemas.microsoft.com/office/powerpoint/2012/main"/>
     </p:ext>
   </p:extLst>
 </p:presentation>
+</file>
+
+<file path=ppt/notesMasters/notesMaster1.xml><?xml version="1.0" encoding="utf-8"?>
+<p:notesMaster xmlns:a="http://schemas.openxmlformats.org/drawingml/2006/main" xmlns:r="http://schemas.openxmlformats.org/officeDocument/2006/relationships" xmlns:p="http://schemas.openxmlformats.org/presentationml/2006/main">
+  <p:cSld>
+    <p:bg>
+      <p:bgRef idx="1001">
+        <a:schemeClr val="bg1"/>
+      </p:bgRef>
+    </p:bg>
+    <p:spTree>
+      <p:nvGrpSpPr>
+        <p:cNvPr id="1" name=""/>
+        <p:cNvGrpSpPr/>
+        <p:nvPr/>
+      </p:nvGrpSpPr>
+      <p:grpSpPr>
+        <a:xfrm>
+          <a:off x="0" y="0"/>
+          <a:ext cx="0" cy="0"/>
+          <a:chOff x="0" y="0"/>
+          <a:chExt cx="0" cy="0"/>
+        </a:xfrm>
+      </p:grpSpPr>
+      <p:sp>
+        <p:nvSpPr>
+          <p:cNvPr id="2" name="Header Placeholder 1"/>
+          <p:cNvSpPr>
+            <a:spLocks noGrp="1"/>
+          </p:cNvSpPr>
+          <p:nvPr>
+            <p:ph type="hdr" sz="quarter"/>
+          </p:nvPr>
+        </p:nvSpPr>
+        <p:spPr>
+          <a:xfrm>
+            <a:off x="0" y="0"/>
+            <a:ext cx="2971800" cy="457200"/>
+          </a:xfrm>
+          <a:prstGeom prst="rect">
+            <a:avLst/>
+          </a:prstGeom>
+        </p:spPr>
+        <p:txBody>
+          <a:bodyPr vert="horz" lIns="91440" tIns="45720" rIns="91440" bIns="45720" rtlCol="0"/>
+          <a:lstStyle>
+            <a:lvl1pPr algn="l">
+              <a:defRPr sz="1200"/>
+            </a:lvl1pPr>
+          </a:lstStyle>
+          <a:p>
+            <a:endParaRPr lang="en-US"/>
+          </a:p>
+        </p:txBody>
+      </p:sp>
+      <p:sp>
+        <p:nvSpPr>
+          <p:cNvPr id="3" name="Date Placeholder 2"/>
+          <p:cNvSpPr>
+            <a:spLocks noGrp="1"/>
+          </p:cNvSpPr>
+          <p:nvPr>
+            <p:ph type="dt" idx="1"/>
+          </p:nvPr>
+        </p:nvSpPr>
+        <p:spPr>
+          <a:xfrm>
+            <a:off x="3884613" y="0"/>
+            <a:ext cx="2971800" cy="457200"/>
+          </a:xfrm>
+          <a:prstGeom prst="rect">
+            <a:avLst/>
+          </a:prstGeom>
+        </p:spPr>
+        <p:txBody>
+          <a:bodyPr vert="horz" lIns="91440" tIns="45720" rIns="91440" bIns="45720" rtlCol="0"/>
+          <a:lstStyle>
+            <a:lvl1pPr algn="r">
+              <a:defRPr sz="1200"/>
+            </a:lvl1pPr>
+          </a:lstStyle>
+          <a:p>
+            <a:fld id="{33FF1426-8A99-4C9D-AAA8-A3240562844A}" type="datetimeFigureOut">
+              <a:rPr lang="en-US" smtClean="0"/>
+              <a:t>10/10/2015</a:t>
+            </a:fld>
+            <a:endParaRPr lang="en-US"/>
+          </a:p>
+        </p:txBody>
+      </p:sp>
+      <p:sp>
+        <p:nvSpPr>
+          <p:cNvPr id="4" name="Slide Image Placeholder 3"/>
+          <p:cNvSpPr>
+            <a:spLocks noGrp="1" noRot="1" noChangeAspect="1"/>
+          </p:cNvSpPr>
+          <p:nvPr>
+            <p:ph type="sldImg" idx="2"/>
+          </p:nvPr>
+        </p:nvSpPr>
+        <p:spPr>
+          <a:xfrm>
+            <a:off x="381000" y="685800"/>
+            <a:ext cx="6096000" cy="3429000"/>
+          </a:xfrm>
+          <a:prstGeom prst="rect">
+            <a:avLst/>
+          </a:prstGeom>
+          <a:noFill/>
+          <a:ln w="12700">
+            <a:solidFill>
+              <a:prstClr val="black"/>
+            </a:solidFill>
+          </a:ln>
+        </p:spPr>
+        <p:txBody>
+          <a:bodyPr vert="horz" lIns="91440" tIns="45720" rIns="91440" bIns="45720" rtlCol="0" anchor="ctr"/>
+          <a:lstStyle/>
+          <a:p>
+            <a:endParaRPr lang="en-US"/>
+          </a:p>
+        </p:txBody>
+      </p:sp>
+      <p:sp>
+        <p:nvSpPr>
+          <p:cNvPr id="5" name="Notes Placeholder 4"/>
+          <p:cNvSpPr>
+            <a:spLocks noGrp="1"/>
+          </p:cNvSpPr>
+          <p:nvPr>
+            <p:ph type="body" sz="quarter" idx="3"/>
+          </p:nvPr>
+        </p:nvSpPr>
+        <p:spPr>
+          <a:xfrm>
+            <a:off x="685800" y="4343400"/>
+            <a:ext cx="5486400" cy="4114800"/>
+          </a:xfrm>
+          <a:prstGeom prst="rect">
+            <a:avLst/>
+          </a:prstGeom>
+        </p:spPr>
+        <p:txBody>
+          <a:bodyPr vert="horz" lIns="91440" tIns="45720" rIns="91440" bIns="45720" rtlCol="0"/>
+          <a:lstStyle/>
+          <a:p>
+            <a:pPr lvl="0"/>
+            <a:r>
+              <a:rPr lang="en-US" smtClean="0"/>
+              <a:t>Click to edit Master text styles</a:t>
+            </a:r>
+          </a:p>
+          <a:p>
+            <a:pPr lvl="1"/>
+            <a:r>
+              <a:rPr lang="en-US" smtClean="0"/>
+              <a:t>Second level</a:t>
+            </a:r>
+          </a:p>
+          <a:p>
+            <a:pPr lvl="2"/>
+            <a:r>
+              <a:rPr lang="en-US" smtClean="0"/>
+              <a:t>Third level</a:t>
+            </a:r>
+          </a:p>
+          <a:p>
+            <a:pPr lvl="3"/>
+            <a:r>
+              <a:rPr lang="en-US" smtClean="0"/>
+              <a:t>Fourth level</a:t>
+            </a:r>
+          </a:p>
+          <a:p>
+            <a:pPr lvl="4"/>
+            <a:r>
+              <a:rPr lang="en-US" smtClean="0"/>
+              <a:t>Fifth level</a:t>
+            </a:r>
+            <a:endParaRPr lang="en-US"/>
+          </a:p>
+        </p:txBody>
+      </p:sp>
+      <p:sp>
+        <p:nvSpPr>
+          <p:cNvPr id="6" name="Footer Placeholder 5"/>
+          <p:cNvSpPr>
+            <a:spLocks noGrp="1"/>
+          </p:cNvSpPr>
+          <p:nvPr>
+            <p:ph type="ftr" sz="quarter" idx="4"/>
+          </p:nvPr>
+        </p:nvSpPr>
+        <p:spPr>
+          <a:xfrm>
+            <a:off x="0" y="8685213"/>
+            <a:ext cx="2971800" cy="457200"/>
+          </a:xfrm>
+          <a:prstGeom prst="rect">
+            <a:avLst/>
+          </a:prstGeom>
+        </p:spPr>
+        <p:txBody>
+          <a:bodyPr vert="horz" lIns="91440" tIns="45720" rIns="91440" bIns="45720" rtlCol="0" anchor="b"/>
+          <a:lstStyle>
+            <a:lvl1pPr algn="l">
+              <a:defRPr sz="1200"/>
+            </a:lvl1pPr>
+          </a:lstStyle>
+          <a:p>
+            <a:endParaRPr lang="en-US"/>
+          </a:p>
+        </p:txBody>
+      </p:sp>
+      <p:sp>
+        <p:nvSpPr>
+          <p:cNvPr id="7" name="Slide Number Placeholder 6"/>
+          <p:cNvSpPr>
+            <a:spLocks noGrp="1"/>
+          </p:cNvSpPr>
+          <p:nvPr>
+            <p:ph type="sldNum" sz="quarter" idx="5"/>
+          </p:nvPr>
+        </p:nvSpPr>
+        <p:spPr>
+          <a:xfrm>
+            <a:off x="3884613" y="8685213"/>
+            <a:ext cx="2971800" cy="457200"/>
+          </a:xfrm>
+          <a:prstGeom prst="rect">
+            <a:avLst/>
+          </a:prstGeom>
+        </p:spPr>
+        <p:txBody>
+          <a:bodyPr vert="horz" lIns="91440" tIns="45720" rIns="91440" bIns="45720" rtlCol="0" anchor="b"/>
+          <a:lstStyle>
+            <a:lvl1pPr algn="r">
+              <a:defRPr sz="1200"/>
+            </a:lvl1pPr>
+          </a:lstStyle>
+          <a:p>
+            <a:fld id="{6529FC56-234C-407A-97D2-07A0CE541C78}" type="slidenum">
+              <a:rPr lang="en-US" smtClean="0"/>
+              <a:t>‹#›</a:t>
+            </a:fld>
+            <a:endParaRPr lang="en-US"/>
+          </a:p>
+        </p:txBody>
+      </p:sp>
+    </p:spTree>
+    <p:extLst>
+      <p:ext uri="{BB962C8B-B14F-4D97-AF65-F5344CB8AC3E}">
+        <p14:creationId xmlns:p14="http://schemas.microsoft.com/office/powerpoint/2010/main" val="269369787"/>
+      </p:ext>
+    </p:extLst>
+  </p:cSld>
+  <p:clrMap bg1="lt1" tx1="dk1" bg2="lt2" tx2="dk2" accent1="accent1" accent2="accent2" accent3="accent3" accent4="accent4" accent5="accent5" accent6="accent6" hlink="hlink" folHlink="folHlink"/>
+  <p:notesStyle>
+    <a:lvl1pPr marL="0" algn="l" defTabSz="914400" rtl="0" eaLnBrk="1" latinLnBrk="0" hangingPunct="1">
+      <a:defRPr sz="1200" kern="1200">
+        <a:solidFill>
+          <a:schemeClr val="tx1"/>
+        </a:solidFill>
+        <a:latin typeface="+mn-lt"/>
+        <a:ea typeface="+mn-ea"/>
+        <a:cs typeface="+mn-cs"/>
+      </a:defRPr>
+    </a:lvl1pPr>
+    <a:lvl2pPr marL="457200" algn="l" defTabSz="914400" rtl="0" eaLnBrk="1" latinLnBrk="0" hangingPunct="1">
+      <a:defRPr sz="1200" kern="1200">
+        <a:solidFill>
+          <a:schemeClr val="tx1"/>
+        </a:solidFill>
+        <a:latin typeface="+mn-lt"/>
+        <a:ea typeface="+mn-ea"/>
+        <a:cs typeface="+mn-cs"/>
+      </a:defRPr>
+    </a:lvl2pPr>
+    <a:lvl3pPr marL="914400" algn="l" defTabSz="914400" rtl="0" eaLnBrk="1" latinLnBrk="0" hangingPunct="1">
+      <a:defRPr sz="1200" kern="1200">
+        <a:solidFill>
+          <a:schemeClr val="tx1"/>
+        </a:solidFill>
+        <a:latin typeface="+mn-lt"/>
+        <a:ea typeface="+mn-ea"/>
+        <a:cs typeface="+mn-cs"/>
+      </a:defRPr>
+    </a:lvl3pPr>
+    <a:lvl4pPr marL="1371600" algn="l" defTabSz="914400" rtl="0" eaLnBrk="1" latinLnBrk="0" hangingPunct="1">
+      <a:defRPr sz="1200" kern="1200">
+        <a:solidFill>
+          <a:schemeClr val="tx1"/>
+        </a:solidFill>
+        <a:latin typeface="+mn-lt"/>
+        <a:ea typeface="+mn-ea"/>
+        <a:cs typeface="+mn-cs"/>
+      </a:defRPr>
+    </a:lvl4pPr>
+    <a:lvl5pPr marL="1828800" algn="l" defTabSz="914400" rtl="0" eaLnBrk="1" latinLnBrk="0" hangingPunct="1">
+      <a:defRPr sz="1200" kern="1200">
+        <a:solidFill>
+          <a:schemeClr val="tx1"/>
+        </a:solidFill>
+        <a:latin typeface="+mn-lt"/>
+        <a:ea typeface="+mn-ea"/>
+        <a:cs typeface="+mn-cs"/>
+      </a:defRPr>
+    </a:lvl5pPr>
+    <a:lvl6pPr marL="2286000" algn="l" defTabSz="914400" rtl="0" eaLnBrk="1" latinLnBrk="0" hangingPunct="1">
+      <a:defRPr sz="1200" kern="1200">
+        <a:solidFill>
+          <a:schemeClr val="tx1"/>
+        </a:solidFill>
+        <a:latin typeface="+mn-lt"/>
+        <a:ea typeface="+mn-ea"/>
+        <a:cs typeface="+mn-cs"/>
+      </a:defRPr>
+    </a:lvl6pPr>
+    <a:lvl7pPr marL="2743200" algn="l" defTabSz="914400" rtl="0" eaLnBrk="1" latinLnBrk="0" hangingPunct="1">
+      <a:defRPr sz="1200" kern="1200">
+        <a:solidFill>
+          <a:schemeClr val="tx1"/>
+        </a:solidFill>
+        <a:latin typeface="+mn-lt"/>
+        <a:ea typeface="+mn-ea"/>
+        <a:cs typeface="+mn-cs"/>
+      </a:defRPr>
+    </a:lvl7pPr>
+    <a:lvl8pPr marL="3200400" algn="l" defTabSz="914400" rtl="0" eaLnBrk="1" latinLnBrk="0" hangingPunct="1">
+      <a:defRPr sz="1200" kern="1200">
+        <a:solidFill>
+          <a:schemeClr val="tx1"/>
+        </a:solidFill>
+        <a:latin typeface="+mn-lt"/>
+        <a:ea typeface="+mn-ea"/>
+        <a:cs typeface="+mn-cs"/>
+      </a:defRPr>
+    </a:lvl8pPr>
+    <a:lvl9pPr marL="3657600" algn="l" defTabSz="914400" rtl="0" eaLnBrk="1" latinLnBrk="0" hangingPunct="1">
+      <a:defRPr sz="1200" kern="1200">
+        <a:solidFill>
+          <a:schemeClr val="tx1"/>
+        </a:solidFill>
+        <a:latin typeface="+mn-lt"/>
+        <a:ea typeface="+mn-ea"/>
+        <a:cs typeface="+mn-cs"/>
+      </a:defRPr>
+    </a:lvl9pPr>
+  </p:notesStyle>
+</p:notesMaster>
 </file>
 
 <file path=ppt/slideLayouts/slideLayout1.xml><?xml version="1.0" encoding="utf-8"?>
@@ -253,9 +611,9 @@
           <a:bodyPr/>
           <a:lstStyle/>
           <a:p>
-            <a:fld id="{B8FAD6F8-AB09-434A-8A54-6BADA09CA10E}" type="datetimeFigureOut">
+            <a:fld id="{D388EA6F-3E92-4C15-9F10-892A920F8940}" type="datetime1">
               <a:rPr lang="en-US" smtClean="0"/>
-              <a:t>9/16/2015</a:t>
+              <a:t>10/10/2015</a:t>
             </a:fld>
             <a:endParaRPr lang="en-US"/>
           </a:p>
@@ -423,9 +781,9 @@
           <a:bodyPr/>
           <a:lstStyle/>
           <a:p>
-            <a:fld id="{B8FAD6F8-AB09-434A-8A54-6BADA09CA10E}" type="datetimeFigureOut">
+            <a:fld id="{790E02B9-EC99-48EE-850C-BDF5AD8439C0}" type="datetime1">
               <a:rPr lang="en-US" smtClean="0"/>
-              <a:t>9/16/2015</a:t>
+              <a:t>10/10/2015</a:t>
             </a:fld>
             <a:endParaRPr lang="en-US"/>
           </a:p>
@@ -603,9 +961,9 @@
           <a:bodyPr/>
           <a:lstStyle/>
           <a:p>
-            <a:fld id="{B8FAD6F8-AB09-434A-8A54-6BADA09CA10E}" type="datetimeFigureOut">
+            <a:fld id="{8BBEA975-9310-4B1F-88DD-BFCD1C6C19A1}" type="datetime1">
               <a:rPr lang="en-US" smtClean="0"/>
-              <a:t>9/16/2015</a:t>
+              <a:t>10/10/2015</a:t>
             </a:fld>
             <a:endParaRPr lang="en-US"/>
           </a:p>
@@ -773,9 +1131,9 @@
           <a:bodyPr/>
           <a:lstStyle/>
           <a:p>
-            <a:fld id="{B8FAD6F8-AB09-434A-8A54-6BADA09CA10E}" type="datetimeFigureOut">
+            <a:fld id="{AAA05701-9718-4A16-8D47-9B62ACC1F6D6}" type="datetime1">
               <a:rPr lang="en-US" smtClean="0"/>
-              <a:t>9/16/2015</a:t>
+              <a:t>10/10/2015</a:t>
             </a:fld>
             <a:endParaRPr lang="en-US"/>
           </a:p>
@@ -1019,9 +1377,9 @@
           <a:bodyPr/>
           <a:lstStyle/>
           <a:p>
-            <a:fld id="{B8FAD6F8-AB09-434A-8A54-6BADA09CA10E}" type="datetimeFigureOut">
+            <a:fld id="{CC9F12B5-2C20-4D8F-8618-D52CB319D360}" type="datetime1">
               <a:rPr lang="en-US" smtClean="0"/>
-              <a:t>9/16/2015</a:t>
+              <a:t>10/10/2015</a:t>
             </a:fld>
             <a:endParaRPr lang="en-US"/>
           </a:p>
@@ -1251,9 +1609,9 @@
           <a:bodyPr/>
           <a:lstStyle/>
           <a:p>
-            <a:fld id="{B8FAD6F8-AB09-434A-8A54-6BADA09CA10E}" type="datetimeFigureOut">
+            <a:fld id="{C3CB263B-14C8-49D4-A0B1-7BE74F56DC12}" type="datetime1">
               <a:rPr lang="en-US" smtClean="0"/>
-              <a:t>9/16/2015</a:t>
+              <a:t>10/10/2015</a:t>
             </a:fld>
             <a:endParaRPr lang="en-US"/>
           </a:p>
@@ -1618,9 +1976,9 @@
           <a:bodyPr/>
           <a:lstStyle/>
           <a:p>
-            <a:fld id="{B8FAD6F8-AB09-434A-8A54-6BADA09CA10E}" type="datetimeFigureOut">
+            <a:fld id="{4D95AD51-1CEE-45C8-9469-53CD2A7D9778}" type="datetime1">
               <a:rPr lang="en-US" smtClean="0"/>
-              <a:t>9/16/2015</a:t>
+              <a:t>10/10/2015</a:t>
             </a:fld>
             <a:endParaRPr lang="en-US"/>
           </a:p>
@@ -1736,9 +2094,9 @@
           <a:bodyPr/>
           <a:lstStyle/>
           <a:p>
-            <a:fld id="{B8FAD6F8-AB09-434A-8A54-6BADA09CA10E}" type="datetimeFigureOut">
+            <a:fld id="{73E8E143-A4D4-40FF-9418-77037CA5D3FE}" type="datetime1">
               <a:rPr lang="en-US" smtClean="0"/>
-              <a:t>9/16/2015</a:t>
+              <a:t>10/10/2015</a:t>
             </a:fld>
             <a:endParaRPr lang="en-US"/>
           </a:p>
@@ -1831,9 +2189,9 @@
           <a:bodyPr/>
           <a:lstStyle/>
           <a:p>
-            <a:fld id="{B8FAD6F8-AB09-434A-8A54-6BADA09CA10E}" type="datetimeFigureOut">
+            <a:fld id="{923619BA-20A4-4FE8-8148-969301EE3F26}" type="datetime1">
               <a:rPr lang="en-US" smtClean="0"/>
-              <a:t>9/16/2015</a:t>
+              <a:t>10/10/2015</a:t>
             </a:fld>
             <a:endParaRPr lang="en-US"/>
           </a:p>
@@ -2108,9 +2466,9 @@
           <a:bodyPr/>
           <a:lstStyle/>
           <a:p>
-            <a:fld id="{B8FAD6F8-AB09-434A-8A54-6BADA09CA10E}" type="datetimeFigureOut">
+            <a:fld id="{C3ECB129-F42A-47B7-B7F5-CFE3C047A61D}" type="datetime1">
               <a:rPr lang="en-US" smtClean="0"/>
-              <a:t>9/16/2015</a:t>
+              <a:t>10/10/2015</a:t>
             </a:fld>
             <a:endParaRPr lang="en-US"/>
           </a:p>
@@ -2361,9 +2719,9 @@
           <a:bodyPr/>
           <a:lstStyle/>
           <a:p>
-            <a:fld id="{B8FAD6F8-AB09-434A-8A54-6BADA09CA10E}" type="datetimeFigureOut">
+            <a:fld id="{EC52ED7E-2369-45B9-B5C8-8B930BB5AABC}" type="datetime1">
               <a:rPr lang="en-US" smtClean="0"/>
-              <a:t>9/16/2015</a:t>
+              <a:t>10/10/2015</a:t>
             </a:fld>
             <a:endParaRPr lang="en-US"/>
           </a:p>
@@ -2574,9 +2932,9 @@
             </a:lvl1pPr>
           </a:lstStyle>
           <a:p>
-            <a:fld id="{B8FAD6F8-AB09-434A-8A54-6BADA09CA10E}" type="datetimeFigureOut">
+            <a:fld id="{C2AF6CD1-370B-4E8D-BB7E-94D0CD904772}" type="datetime1">
               <a:rPr lang="en-US" smtClean="0"/>
-              <a:t>9/16/2015</a:t>
+              <a:t>10/10/2015</a:t>
             </a:fld>
             <a:endParaRPr lang="en-US"/>
           </a:p>
@@ -2681,6 +3039,7 @@
     <p:sldLayoutId id="2147483658" r:id="rId10"/>
     <p:sldLayoutId id="2147483659" r:id="rId11"/>
   </p:sldLayoutIdLst>
+  <p:hf hdr="0" ftr="0"/>
   <p:txStyles>
     <p:titleStyle>
       <a:lvl1pPr algn="l" defTabSz="914400" rtl="0" eaLnBrk="1" latinLnBrk="0" hangingPunct="1">
@@ -3059,6 +3418,716 @@
       </p:grpSpPr>
       <p:sp>
         <p:nvSpPr>
+          <p:cNvPr id="2" name="Title 1"/>
+          <p:cNvSpPr>
+            <a:spLocks noGrp="1"/>
+          </p:cNvSpPr>
+          <p:nvPr>
+            <p:ph type="title"/>
+          </p:nvPr>
+        </p:nvSpPr>
+        <p:spPr/>
+        <p:txBody>
+          <a:bodyPr/>
+          <a:lstStyle/>
+          <a:p>
+            <a:r>
+              <a:rPr lang="en-US" dirty="0" smtClean="0"/>
+              <a:t>Example – Run Flume</a:t>
+            </a:r>
+            <a:endParaRPr lang="en-US" dirty="0"/>
+          </a:p>
+        </p:txBody>
+      </p:sp>
+      <p:sp>
+        <p:nvSpPr>
+          <p:cNvPr id="3" name="Content Placeholder 2"/>
+          <p:cNvSpPr>
+            <a:spLocks noGrp="1"/>
+          </p:cNvSpPr>
+          <p:nvPr>
+            <p:ph idx="1"/>
+          </p:nvPr>
+        </p:nvSpPr>
+        <p:spPr/>
+        <p:txBody>
+          <a:bodyPr/>
+          <a:lstStyle/>
+          <a:p>
+            <a:r>
+              <a:rPr lang="en-US" dirty="0" smtClean="0"/>
+              <a:t>Pipe HTTP log entries to Flume client </a:t>
+            </a:r>
+          </a:p>
+          <a:p>
+            <a:pPr marL="457200" lvl="1" indent="0">
+              <a:buNone/>
+            </a:pPr>
+            <a:r>
+              <a:rPr lang="en-US" dirty="0" smtClean="0"/>
+              <a:t>Add the following line in the Apache </a:t>
+            </a:r>
+            <a:r>
+              <a:rPr lang="en-US" dirty="0" err="1" smtClean="0"/>
+              <a:t>httpd</a:t>
+            </a:r>
+            <a:r>
+              <a:rPr lang="en-US" dirty="0" smtClean="0"/>
+              <a:t> configuration:</a:t>
+            </a:r>
+          </a:p>
+          <a:p>
+            <a:pPr marL="457200" lvl="1" indent="0">
+              <a:buNone/>
+            </a:pPr>
+            <a:endParaRPr lang="en-US" dirty="0"/>
+          </a:p>
+          <a:p>
+            <a:pPr marL="457200" lvl="1" indent="0">
+              <a:buNone/>
+            </a:pPr>
+            <a:r>
+              <a:rPr lang="en-US" dirty="0" err="1"/>
+              <a:t>CustomLog</a:t>
+            </a:r>
+            <a:r>
+              <a:rPr lang="en-US" dirty="0"/>
+              <a:t> </a:t>
+            </a:r>
+            <a:r>
+              <a:rPr lang="en-US" dirty="0" smtClean="0"/>
+              <a:t>"|flume-</a:t>
+            </a:r>
+            <a:r>
+              <a:rPr lang="en-US" dirty="0" err="1" smtClean="0"/>
+              <a:t>ng</a:t>
+            </a:r>
+            <a:r>
+              <a:rPr lang="en-US" dirty="0" smtClean="0"/>
+              <a:t> </a:t>
+            </a:r>
+            <a:r>
+              <a:rPr lang="en-US" dirty="0" err="1"/>
+              <a:t>avro</a:t>
+            </a:r>
+            <a:r>
+              <a:rPr lang="en-US" dirty="0"/>
+              <a:t>-client -H </a:t>
+            </a:r>
+            <a:r>
+              <a:rPr lang="en-US" dirty="0" err="1">
+                <a:solidFill>
+                  <a:schemeClr val="accent6"/>
+                </a:solidFill>
+              </a:rPr>
+              <a:t>localhost</a:t>
+            </a:r>
+            <a:r>
+              <a:rPr lang="en-US" dirty="0">
+                <a:solidFill>
+                  <a:schemeClr val="accent6"/>
+                </a:solidFill>
+              </a:rPr>
+              <a:t> </a:t>
+            </a:r>
+            <a:r>
+              <a:rPr lang="en-US" dirty="0"/>
+              <a:t>-p </a:t>
+            </a:r>
+            <a:r>
+              <a:rPr lang="en-US" dirty="0">
+                <a:solidFill>
+                  <a:schemeClr val="accent6"/>
+                </a:solidFill>
+              </a:rPr>
+              <a:t>10000</a:t>
+            </a:r>
+            <a:r>
+              <a:rPr lang="en-US" dirty="0"/>
+              <a:t>" combined</a:t>
+            </a:r>
+            <a:endParaRPr lang="en-US" dirty="0" smtClean="0"/>
+          </a:p>
+          <a:p>
+            <a:pPr marL="457200" lvl="1" indent="0">
+              <a:buNone/>
+            </a:pPr>
+            <a:endParaRPr lang="en-US" dirty="0"/>
+          </a:p>
+        </p:txBody>
+      </p:sp>
+      <p:sp>
+        <p:nvSpPr>
+          <p:cNvPr id="4" name="Rectangle 3"/>
+          <p:cNvSpPr/>
+          <p:nvPr/>
+        </p:nvSpPr>
+        <p:spPr>
+          <a:xfrm>
+            <a:off x="1468315" y="5086340"/>
+            <a:ext cx="1230924" cy="764931"/>
+          </a:xfrm>
+          <a:prstGeom prst="rect">
+            <a:avLst/>
+          </a:prstGeom>
+        </p:spPr>
+        <p:style>
+          <a:lnRef idx="2">
+            <a:schemeClr val="accent3">
+              <a:shade val="50000"/>
+            </a:schemeClr>
+          </a:lnRef>
+          <a:fillRef idx="1">
+            <a:schemeClr val="accent3"/>
+          </a:fillRef>
+          <a:effectRef idx="0">
+            <a:schemeClr val="accent3"/>
+          </a:effectRef>
+          <a:fontRef idx="minor">
+            <a:schemeClr val="lt1"/>
+          </a:fontRef>
+        </p:style>
+        <p:txBody>
+          <a:bodyPr rtlCol="0" anchor="ctr"/>
+          <a:lstStyle/>
+          <a:p>
+            <a:pPr algn="ctr"/>
+            <a:r>
+              <a:rPr lang="en-US" dirty="0" smtClean="0"/>
+              <a:t>Apache</a:t>
+            </a:r>
+            <a:endParaRPr lang="en-US" dirty="0"/>
+          </a:p>
+        </p:txBody>
+      </p:sp>
+      <p:sp>
+        <p:nvSpPr>
+          <p:cNvPr id="5" name="Rectangle 4"/>
+          <p:cNvSpPr/>
+          <p:nvPr/>
+        </p:nvSpPr>
+        <p:spPr>
+          <a:xfrm>
+            <a:off x="3968261" y="5086340"/>
+            <a:ext cx="1230924" cy="764931"/>
+          </a:xfrm>
+          <a:prstGeom prst="rect">
+            <a:avLst/>
+          </a:prstGeom>
+        </p:spPr>
+        <p:style>
+          <a:lnRef idx="2">
+            <a:schemeClr val="accent3">
+              <a:shade val="50000"/>
+            </a:schemeClr>
+          </a:lnRef>
+          <a:fillRef idx="1">
+            <a:schemeClr val="accent3"/>
+          </a:fillRef>
+          <a:effectRef idx="0">
+            <a:schemeClr val="accent3"/>
+          </a:effectRef>
+          <a:fontRef idx="minor">
+            <a:schemeClr val="lt1"/>
+          </a:fontRef>
+        </p:style>
+        <p:txBody>
+          <a:bodyPr rtlCol="0" anchor="ctr"/>
+          <a:lstStyle/>
+          <a:p>
+            <a:pPr algn="ctr"/>
+            <a:r>
+              <a:rPr lang="en-US" dirty="0" smtClean="0"/>
+              <a:t>Flume Client</a:t>
+            </a:r>
+            <a:endParaRPr lang="en-US" dirty="0"/>
+          </a:p>
+        </p:txBody>
+      </p:sp>
+      <p:cxnSp>
+        <p:nvCxnSpPr>
+          <p:cNvPr id="7" name="Straight Arrow Connector 6"/>
+          <p:cNvCxnSpPr>
+            <a:stCxn id="4" idx="3"/>
+            <a:endCxn id="5" idx="1"/>
+          </p:cNvCxnSpPr>
+          <p:nvPr/>
+        </p:nvCxnSpPr>
+        <p:spPr>
+          <a:xfrm>
+            <a:off x="2699239" y="5468806"/>
+            <a:ext cx="1269022" cy="0"/>
+          </a:xfrm>
+          <a:prstGeom prst="straightConnector1">
+            <a:avLst/>
+          </a:prstGeom>
+          <a:ln>
+            <a:tailEnd type="triangle"/>
+          </a:ln>
+        </p:spPr>
+        <p:style>
+          <a:lnRef idx="3">
+            <a:schemeClr val="dk1"/>
+          </a:lnRef>
+          <a:fillRef idx="0">
+            <a:schemeClr val="dk1"/>
+          </a:fillRef>
+          <a:effectRef idx="2">
+            <a:schemeClr val="dk1"/>
+          </a:effectRef>
+          <a:fontRef idx="minor">
+            <a:schemeClr val="tx1"/>
+          </a:fontRef>
+        </p:style>
+      </p:cxnSp>
+      <p:sp>
+        <p:nvSpPr>
+          <p:cNvPr id="8" name="Gefaltete Ecke 5"/>
+          <p:cNvSpPr/>
+          <p:nvPr/>
+        </p:nvSpPr>
+        <p:spPr>
+          <a:xfrm>
+            <a:off x="2924101" y="4356727"/>
+            <a:ext cx="836909" cy="1046136"/>
+          </a:xfrm>
+          <a:prstGeom prst="foldedCorner">
+            <a:avLst/>
+          </a:prstGeom>
+        </p:spPr>
+        <p:style>
+          <a:lnRef idx="2">
+            <a:schemeClr val="accent3"/>
+          </a:lnRef>
+          <a:fillRef idx="1">
+            <a:schemeClr val="lt1"/>
+          </a:fillRef>
+          <a:effectRef idx="0">
+            <a:schemeClr val="accent3"/>
+          </a:effectRef>
+          <a:fontRef idx="minor">
+            <a:schemeClr val="dk1"/>
+          </a:fontRef>
+        </p:style>
+        <p:txBody>
+          <a:bodyPr rtlCol="0" anchor="ctr"/>
+          <a:lstStyle/>
+          <a:p>
+            <a:pPr algn="ctr"/>
+            <a:r>
+              <a:rPr lang="en-US" sz="1400" dirty="0" smtClean="0"/>
+              <a:t>Apache Log</a:t>
+            </a:r>
+            <a:endParaRPr lang="en-US" sz="1400" dirty="0"/>
+          </a:p>
+        </p:txBody>
+      </p:sp>
+      <p:cxnSp>
+        <p:nvCxnSpPr>
+          <p:cNvPr id="13" name="Gerade Verbindung mit Pfeil 7"/>
+          <p:cNvCxnSpPr>
+            <a:stCxn id="5" idx="3"/>
+            <a:endCxn id="15" idx="2"/>
+          </p:cNvCxnSpPr>
+          <p:nvPr/>
+        </p:nvCxnSpPr>
+        <p:spPr>
+          <a:xfrm>
+            <a:off x="5199185" y="5468806"/>
+            <a:ext cx="3053935" cy="1"/>
+          </a:xfrm>
+          <a:prstGeom prst="straightConnector1">
+            <a:avLst/>
+          </a:prstGeom>
+          <a:ln>
+            <a:tailEnd type="triangle"/>
+          </a:ln>
+        </p:spPr>
+        <p:style>
+          <a:lnRef idx="3">
+            <a:schemeClr val="dk1"/>
+          </a:lnRef>
+          <a:fillRef idx="0">
+            <a:schemeClr val="dk1"/>
+          </a:fillRef>
+          <a:effectRef idx="2">
+            <a:schemeClr val="dk1"/>
+          </a:effectRef>
+          <a:fontRef idx="minor">
+            <a:schemeClr val="tx1"/>
+          </a:fontRef>
+        </p:style>
+      </p:cxnSp>
+      <p:sp>
+        <p:nvSpPr>
+          <p:cNvPr id="15" name="Oval 14"/>
+          <p:cNvSpPr/>
+          <p:nvPr/>
+        </p:nvSpPr>
+        <p:spPr>
+          <a:xfrm>
+            <a:off x="8253120" y="5290576"/>
+            <a:ext cx="356461" cy="356461"/>
+          </a:xfrm>
+          <a:prstGeom prst="ellipse">
+            <a:avLst/>
+          </a:prstGeom>
+        </p:spPr>
+        <p:style>
+          <a:lnRef idx="2">
+            <a:schemeClr val="accent2">
+              <a:shade val="50000"/>
+            </a:schemeClr>
+          </a:lnRef>
+          <a:fillRef idx="1">
+            <a:schemeClr val="accent2"/>
+          </a:fillRef>
+          <a:effectRef idx="0">
+            <a:schemeClr val="accent2"/>
+          </a:effectRef>
+          <a:fontRef idx="minor">
+            <a:schemeClr val="lt1"/>
+          </a:fontRef>
+        </p:style>
+        <p:txBody>
+          <a:bodyPr rtlCol="0" anchor="ctr"/>
+          <a:lstStyle/>
+          <a:p>
+            <a:pPr algn="ctr"/>
+            <a:endParaRPr lang="en-US"/>
+          </a:p>
+        </p:txBody>
+      </p:sp>
+      <p:sp>
+        <p:nvSpPr>
+          <p:cNvPr id="16" name="Zylinder 3"/>
+          <p:cNvSpPr/>
+          <p:nvPr/>
+        </p:nvSpPr>
+        <p:spPr>
+          <a:xfrm rot="5400000">
+            <a:off x="8952052" y="4313107"/>
+            <a:ext cx="1270000" cy="2311400"/>
+          </a:xfrm>
+          <a:prstGeom prst="can">
+            <a:avLst/>
+          </a:prstGeom>
+        </p:spPr>
+        <p:style>
+          <a:lnRef idx="2">
+            <a:schemeClr val="accent1">
+              <a:shade val="50000"/>
+            </a:schemeClr>
+          </a:lnRef>
+          <a:fillRef idx="1">
+            <a:schemeClr val="accent1"/>
+          </a:fillRef>
+          <a:effectRef idx="0">
+            <a:schemeClr val="accent1"/>
+          </a:effectRef>
+          <a:fontRef idx="minor">
+            <a:schemeClr val="lt1"/>
+          </a:fontRef>
+        </p:style>
+        <p:txBody>
+          <a:bodyPr vert="vert270" rtlCol="0" anchor="ctr"/>
+          <a:lstStyle/>
+          <a:p>
+            <a:pPr algn="ctr"/>
+            <a:r>
+              <a:rPr lang="en-US" dirty="0" smtClean="0"/>
+              <a:t>Flume</a:t>
+            </a:r>
+            <a:endParaRPr lang="en-US" dirty="0"/>
+          </a:p>
+        </p:txBody>
+      </p:sp>
+      <p:sp>
+        <p:nvSpPr>
+          <p:cNvPr id="17" name="Oval 16"/>
+          <p:cNvSpPr/>
+          <p:nvPr/>
+        </p:nvSpPr>
+        <p:spPr>
+          <a:xfrm>
+            <a:off x="10564521" y="5290576"/>
+            <a:ext cx="356461" cy="356461"/>
+          </a:xfrm>
+          <a:prstGeom prst="ellipse">
+            <a:avLst/>
+          </a:prstGeom>
+        </p:spPr>
+        <p:style>
+          <a:lnRef idx="2">
+            <a:schemeClr val="accent2">
+              <a:shade val="50000"/>
+            </a:schemeClr>
+          </a:lnRef>
+          <a:fillRef idx="1">
+            <a:schemeClr val="accent2"/>
+          </a:fillRef>
+          <a:effectRef idx="0">
+            <a:schemeClr val="accent2"/>
+          </a:effectRef>
+          <a:fontRef idx="minor">
+            <a:schemeClr val="lt1"/>
+          </a:fontRef>
+        </p:style>
+        <p:txBody>
+          <a:bodyPr rtlCol="0" anchor="ctr"/>
+          <a:lstStyle/>
+          <a:p>
+            <a:pPr algn="ctr"/>
+            <a:endParaRPr lang="en-US"/>
+          </a:p>
+        </p:txBody>
+      </p:sp>
+      <p:sp>
+        <p:nvSpPr>
+          <p:cNvPr id="18" name="TextBox 17"/>
+          <p:cNvSpPr txBox="1"/>
+          <p:nvPr/>
+        </p:nvSpPr>
+        <p:spPr>
+          <a:xfrm>
+            <a:off x="10451082" y="6145113"/>
+            <a:ext cx="583339" cy="369332"/>
+          </a:xfrm>
+          <a:prstGeom prst="rect">
+            <a:avLst/>
+          </a:prstGeom>
+          <a:noFill/>
+        </p:spPr>
+        <p:txBody>
+          <a:bodyPr wrap="square" rtlCol="0">
+            <a:spAutoFit/>
+          </a:bodyPr>
+          <a:lstStyle/>
+          <a:p>
+            <a:pPr algn="ctr"/>
+            <a:r>
+              <a:rPr lang="en-US" dirty="0" smtClean="0"/>
+              <a:t>Sink</a:t>
+            </a:r>
+            <a:endParaRPr lang="en-US" dirty="0"/>
+          </a:p>
+        </p:txBody>
+      </p:sp>
+      <p:sp>
+        <p:nvSpPr>
+          <p:cNvPr id="19" name="TextBox 18"/>
+          <p:cNvSpPr txBox="1"/>
+          <p:nvPr/>
+        </p:nvSpPr>
+        <p:spPr>
+          <a:xfrm>
+            <a:off x="7988896" y="6145113"/>
+            <a:ext cx="884912" cy="369332"/>
+          </a:xfrm>
+          <a:prstGeom prst="rect">
+            <a:avLst/>
+          </a:prstGeom>
+          <a:noFill/>
+        </p:spPr>
+        <p:txBody>
+          <a:bodyPr wrap="square" rtlCol="0">
+            <a:spAutoFit/>
+          </a:bodyPr>
+          <a:lstStyle/>
+          <a:p>
+            <a:pPr algn="ctr"/>
+            <a:r>
+              <a:rPr lang="en-US" dirty="0" smtClean="0"/>
+              <a:t>Source</a:t>
+            </a:r>
+            <a:endParaRPr lang="en-US" dirty="0"/>
+          </a:p>
+        </p:txBody>
+      </p:sp>
+      <p:sp>
+        <p:nvSpPr>
+          <p:cNvPr id="20" name="TextBox 19"/>
+          <p:cNvSpPr txBox="1"/>
+          <p:nvPr/>
+        </p:nvSpPr>
+        <p:spPr>
+          <a:xfrm>
+            <a:off x="9141260" y="6145112"/>
+            <a:ext cx="1042370" cy="369332"/>
+          </a:xfrm>
+          <a:prstGeom prst="rect">
+            <a:avLst/>
+          </a:prstGeom>
+          <a:noFill/>
+        </p:spPr>
+        <p:txBody>
+          <a:bodyPr wrap="square" rtlCol="0">
+            <a:spAutoFit/>
+          </a:bodyPr>
+          <a:lstStyle/>
+          <a:p>
+            <a:pPr algn="ctr"/>
+            <a:r>
+              <a:rPr lang="en-US" dirty="0" smtClean="0"/>
+              <a:t>Channel</a:t>
+            </a:r>
+            <a:endParaRPr lang="en-US" dirty="0"/>
+          </a:p>
+        </p:txBody>
+      </p:sp>
+      <p:sp>
+        <p:nvSpPr>
+          <p:cNvPr id="21" name="Rectangle 20"/>
+          <p:cNvSpPr/>
+          <p:nvPr/>
+        </p:nvSpPr>
+        <p:spPr>
+          <a:xfrm>
+            <a:off x="7988895" y="4484557"/>
+            <a:ext cx="3114083" cy="2029888"/>
+          </a:xfrm>
+          <a:prstGeom prst="rect">
+            <a:avLst/>
+          </a:prstGeom>
+          <a:noFill/>
+          <a:ln>
+            <a:prstDash val="dash"/>
+          </a:ln>
+        </p:spPr>
+        <p:style>
+          <a:lnRef idx="2">
+            <a:schemeClr val="dk1"/>
+          </a:lnRef>
+          <a:fillRef idx="1">
+            <a:schemeClr val="lt1"/>
+          </a:fillRef>
+          <a:effectRef idx="0">
+            <a:schemeClr val="dk1"/>
+          </a:effectRef>
+          <a:fontRef idx="minor">
+            <a:schemeClr val="dk1"/>
+          </a:fontRef>
+        </p:style>
+        <p:txBody>
+          <a:bodyPr rtlCol="0" anchor="t"/>
+          <a:lstStyle/>
+          <a:p>
+            <a:r>
+              <a:rPr lang="en-US" sz="1400" dirty="0" smtClean="0"/>
+              <a:t>Agent</a:t>
+            </a:r>
+            <a:endParaRPr lang="en-US" sz="1400" dirty="0"/>
+          </a:p>
+        </p:txBody>
+      </p:sp>
+      <p:sp>
+        <p:nvSpPr>
+          <p:cNvPr id="23" name="TextBox 22"/>
+          <p:cNvSpPr txBox="1"/>
+          <p:nvPr/>
+        </p:nvSpPr>
+        <p:spPr>
+          <a:xfrm>
+            <a:off x="6321669" y="5086340"/>
+            <a:ext cx="1485900" cy="369332"/>
+          </a:xfrm>
+          <a:prstGeom prst="rect">
+            <a:avLst/>
+          </a:prstGeom>
+          <a:noFill/>
+        </p:spPr>
+        <p:txBody>
+          <a:bodyPr wrap="square" rtlCol="0">
+            <a:spAutoFit/>
+          </a:bodyPr>
+          <a:lstStyle/>
+          <a:p>
+            <a:r>
+              <a:rPr lang="en-US" dirty="0" smtClean="0"/>
+              <a:t>AVRO</a:t>
+            </a:r>
+            <a:endParaRPr lang="en-US" dirty="0"/>
+          </a:p>
+        </p:txBody>
+      </p:sp>
+      <p:sp>
+        <p:nvSpPr>
+          <p:cNvPr id="6" name="Date Placeholder 5"/>
+          <p:cNvSpPr>
+            <a:spLocks noGrp="1"/>
+          </p:cNvSpPr>
+          <p:nvPr>
+            <p:ph type="dt" sz="half" idx="10"/>
+          </p:nvPr>
+        </p:nvSpPr>
+        <p:spPr/>
+        <p:txBody>
+          <a:bodyPr/>
+          <a:lstStyle/>
+          <a:p>
+            <a:fld id="{5ED50909-6036-4263-A4C5-E98D79128FB2}" type="datetime1">
+              <a:rPr lang="en-US" smtClean="0"/>
+              <a:t>10/10/2015</a:t>
+            </a:fld>
+            <a:endParaRPr lang="en-US"/>
+          </a:p>
+        </p:txBody>
+      </p:sp>
+      <p:sp>
+        <p:nvSpPr>
+          <p:cNvPr id="9" name="Slide Number Placeholder 8"/>
+          <p:cNvSpPr>
+            <a:spLocks noGrp="1"/>
+          </p:cNvSpPr>
+          <p:nvPr>
+            <p:ph type="sldNum" sz="quarter" idx="12"/>
+          </p:nvPr>
+        </p:nvSpPr>
+        <p:spPr/>
+        <p:txBody>
+          <a:bodyPr/>
+          <a:lstStyle/>
+          <a:p>
+            <a:fld id="{F1A2D159-7083-48C9-88DE-3F666ED9E9A2}" type="slidenum">
+              <a:rPr lang="en-US" smtClean="0"/>
+              <a:t>10</a:t>
+            </a:fld>
+            <a:endParaRPr lang="en-US"/>
+          </a:p>
+        </p:txBody>
+      </p:sp>
+    </p:spTree>
+    <p:extLst>
+      <p:ext uri="{BB962C8B-B14F-4D97-AF65-F5344CB8AC3E}">
+        <p14:creationId xmlns:p14="http://schemas.microsoft.com/office/powerpoint/2010/main" val="562042619"/>
+      </p:ext>
+    </p:extLst>
+  </p:cSld>
+  <p:clrMapOvr>
+    <a:masterClrMapping/>
+  </p:clrMapOvr>
+</p:sld>
+</file>
+
+<file path=ppt/slides/slide11.xml><?xml version="1.0" encoding="utf-8"?>
+<p:sld xmlns:a="http://schemas.openxmlformats.org/drawingml/2006/main" xmlns:r="http://schemas.openxmlformats.org/officeDocument/2006/relationships" xmlns:p="http://schemas.openxmlformats.org/presentationml/2006/main">
+  <p:cSld>
+    <p:spTree>
+      <p:nvGrpSpPr>
+        <p:cNvPr id="1" name=""/>
+        <p:cNvGrpSpPr/>
+        <p:nvPr/>
+      </p:nvGrpSpPr>
+      <p:grpSpPr>
+        <a:xfrm>
+          <a:off x="0" y="0"/>
+          <a:ext cx="0" cy="0"/>
+          <a:chOff x="0" y="0"/>
+          <a:chExt cx="0" cy="0"/>
+        </a:xfrm>
+      </p:grpSpPr>
+      <p:sp>
+        <p:nvSpPr>
           <p:cNvPr id="2" name="Titel 1"/>
           <p:cNvSpPr>
             <a:spLocks noGrp="1"/>
@@ -3074,7 +4143,7 @@
           <a:p>
             <a:r>
               <a:rPr lang="en-US" dirty="0" smtClean="0"/>
-              <a:t>Hive</a:t>
+              <a:t>Map/Reduce</a:t>
             </a:r>
             <a:endParaRPr lang="en-US" dirty="0"/>
           </a:p>
@@ -3095,6 +4164,5133 @@
           <a:bodyPr/>
           <a:lstStyle/>
           <a:p>
+            <a:r>
+              <a:rPr lang="en-US" dirty="0" smtClean="0"/>
+              <a:t>Main execution framework for distributed parallel data processing</a:t>
+            </a:r>
+            <a:endParaRPr lang="en-US" dirty="0"/>
+          </a:p>
+          <a:p>
+            <a:r>
+              <a:rPr lang="en-US" dirty="0" smtClean="0"/>
+              <a:t>2 Phases:</a:t>
+            </a:r>
+          </a:p>
+          <a:p>
+            <a:pPr lvl="1"/>
+            <a:r>
+              <a:rPr lang="en-US" dirty="0" smtClean="0"/>
+              <a:t>Map</a:t>
+            </a:r>
+          </a:p>
+          <a:p>
+            <a:pPr lvl="1"/>
+            <a:r>
+              <a:rPr lang="en-US" dirty="0" smtClean="0"/>
+              <a:t>Reduce</a:t>
+            </a:r>
+          </a:p>
+        </p:txBody>
+      </p:sp>
+      <p:grpSp>
+        <p:nvGrpSpPr>
+          <p:cNvPr id="4" name="Group 3"/>
+          <p:cNvGrpSpPr/>
+          <p:nvPr/>
+        </p:nvGrpSpPr>
+        <p:grpSpPr>
+          <a:xfrm>
+            <a:off x="1205210" y="4171950"/>
+            <a:ext cx="4854856" cy="1045638"/>
+            <a:chOff x="1205210" y="3187700"/>
+            <a:chExt cx="9424690" cy="2029888"/>
+          </a:xfrm>
+        </p:grpSpPr>
+        <p:sp>
+          <p:nvSpPr>
+            <p:cNvPr id="5" name="Zylinder 4"/>
+            <p:cNvSpPr/>
+            <p:nvPr/>
+          </p:nvSpPr>
+          <p:spPr>
+            <a:xfrm>
+              <a:off x="8229600" y="3187700"/>
+              <a:ext cx="2400300" cy="1968500"/>
+            </a:xfrm>
+            <a:prstGeom prst="can">
+              <a:avLst/>
+            </a:prstGeom>
+          </p:spPr>
+          <p:style>
+            <a:lnRef idx="2">
+              <a:schemeClr val="accent6">
+                <a:shade val="50000"/>
+              </a:schemeClr>
+            </a:lnRef>
+            <a:fillRef idx="1">
+              <a:schemeClr val="accent6"/>
+            </a:fillRef>
+            <a:effectRef idx="0">
+              <a:schemeClr val="accent6"/>
+            </a:effectRef>
+            <a:fontRef idx="minor">
+              <a:schemeClr val="lt1"/>
+            </a:fontRef>
+          </p:style>
+          <p:txBody>
+            <a:bodyPr rtlCol="0" anchor="ctr"/>
+            <a:lstStyle/>
+            <a:p>
+              <a:pPr algn="ctr"/>
+              <a:r>
+                <a:rPr lang="en-US" dirty="0" err="1" smtClean="0"/>
+                <a:t>HDFS</a:t>
+              </a:r>
+              <a:endParaRPr lang="en-US" dirty="0"/>
+            </a:p>
+          </p:txBody>
+        </p:sp>
+        <p:sp>
+          <p:nvSpPr>
+            <p:cNvPr id="6" name="Gefaltete Ecke 5"/>
+            <p:cNvSpPr/>
+            <p:nvPr/>
+          </p:nvSpPr>
+          <p:spPr>
+            <a:xfrm>
+              <a:off x="1205210" y="3187700"/>
+              <a:ext cx="1722044" cy="1968500"/>
+            </a:xfrm>
+            <a:prstGeom prst="foldedCorner">
+              <a:avLst/>
+            </a:prstGeom>
+          </p:spPr>
+          <p:style>
+            <a:lnRef idx="2">
+              <a:schemeClr val="accent3"/>
+            </a:lnRef>
+            <a:fillRef idx="1">
+              <a:schemeClr val="lt1"/>
+            </a:fillRef>
+            <a:effectRef idx="0">
+              <a:schemeClr val="accent3"/>
+            </a:effectRef>
+            <a:fontRef idx="minor">
+              <a:schemeClr val="dk1"/>
+            </a:fontRef>
+          </p:style>
+          <p:txBody>
+            <a:bodyPr rtlCol="0" anchor="ctr"/>
+            <a:lstStyle/>
+            <a:p>
+              <a:pPr algn="ctr"/>
+              <a:r>
+                <a:rPr lang="en-US" dirty="0" smtClean="0"/>
+                <a:t>Apache Log</a:t>
+              </a:r>
+              <a:endParaRPr lang="en-US" dirty="0"/>
+            </a:p>
+          </p:txBody>
+        </p:sp>
+        <p:cxnSp>
+          <p:nvCxnSpPr>
+            <p:cNvPr id="7" name="Gerade Verbindung mit Pfeil 7"/>
+            <p:cNvCxnSpPr>
+              <a:stCxn id="6" idx="3"/>
+              <a:endCxn id="9" idx="2"/>
+            </p:cNvCxnSpPr>
+            <p:nvPr/>
+          </p:nvCxnSpPr>
+          <p:spPr>
+            <a:xfrm>
+              <a:off x="2927254" y="4171950"/>
+              <a:ext cx="1243620" cy="0"/>
+            </a:xfrm>
+            <a:prstGeom prst="straightConnector1">
+              <a:avLst/>
+            </a:prstGeom>
+            <a:ln>
+              <a:tailEnd type="triangle"/>
+            </a:ln>
+          </p:spPr>
+          <p:style>
+            <a:lnRef idx="3">
+              <a:schemeClr val="dk1"/>
+            </a:lnRef>
+            <a:fillRef idx="0">
+              <a:schemeClr val="dk1"/>
+            </a:fillRef>
+            <a:effectRef idx="2">
+              <a:schemeClr val="dk1"/>
+            </a:effectRef>
+            <a:fontRef idx="minor">
+              <a:schemeClr val="tx1"/>
+            </a:fontRef>
+          </p:style>
+        </p:cxnSp>
+        <p:cxnSp>
+          <p:nvCxnSpPr>
+            <p:cNvPr id="8" name="Gerade Verbindung mit Pfeil 9"/>
+            <p:cNvCxnSpPr>
+              <a:stCxn id="11" idx="6"/>
+              <a:endCxn id="5" idx="2"/>
+            </p:cNvCxnSpPr>
+            <p:nvPr/>
+          </p:nvCxnSpPr>
+          <p:spPr>
+            <a:xfrm>
+              <a:off x="6838736" y="4171950"/>
+              <a:ext cx="1390864" cy="0"/>
+            </a:xfrm>
+            <a:prstGeom prst="straightConnector1">
+              <a:avLst/>
+            </a:prstGeom>
+            <a:ln>
+              <a:tailEnd type="triangle"/>
+            </a:ln>
+          </p:spPr>
+          <p:style>
+            <a:lnRef idx="3">
+              <a:schemeClr val="dk1"/>
+            </a:lnRef>
+            <a:fillRef idx="0">
+              <a:schemeClr val="dk1"/>
+            </a:fillRef>
+            <a:effectRef idx="2">
+              <a:schemeClr val="dk1"/>
+            </a:effectRef>
+            <a:fontRef idx="minor">
+              <a:schemeClr val="tx1"/>
+            </a:fontRef>
+          </p:style>
+        </p:cxnSp>
+        <p:sp>
+          <p:nvSpPr>
+            <p:cNvPr id="9" name="Oval 8"/>
+            <p:cNvSpPr/>
+            <p:nvPr/>
+          </p:nvSpPr>
+          <p:spPr>
+            <a:xfrm>
+              <a:off x="4170874" y="3993719"/>
+              <a:ext cx="356461" cy="356461"/>
+            </a:xfrm>
+            <a:prstGeom prst="ellipse">
+              <a:avLst/>
+            </a:prstGeom>
+          </p:spPr>
+          <p:style>
+            <a:lnRef idx="2">
+              <a:schemeClr val="accent2">
+                <a:shade val="50000"/>
+              </a:schemeClr>
+            </a:lnRef>
+            <a:fillRef idx="1">
+              <a:schemeClr val="accent2"/>
+            </a:fillRef>
+            <a:effectRef idx="0">
+              <a:schemeClr val="accent2"/>
+            </a:effectRef>
+            <a:fontRef idx="minor">
+              <a:schemeClr val="lt1"/>
+            </a:fontRef>
+          </p:style>
+          <p:txBody>
+            <a:bodyPr rtlCol="0" anchor="ctr"/>
+            <a:lstStyle/>
+            <a:p>
+              <a:pPr algn="ctr"/>
+              <a:endParaRPr lang="en-US"/>
+            </a:p>
+          </p:txBody>
+        </p:sp>
+        <p:sp>
+          <p:nvSpPr>
+            <p:cNvPr id="10" name="Zylinder 3"/>
+            <p:cNvSpPr/>
+            <p:nvPr/>
+          </p:nvSpPr>
+          <p:spPr>
+            <a:xfrm rot="5400000">
+              <a:off x="4869806" y="3016250"/>
+              <a:ext cx="1270000" cy="2311400"/>
+            </a:xfrm>
+            <a:prstGeom prst="can">
+              <a:avLst/>
+            </a:prstGeom>
+          </p:spPr>
+          <p:style>
+            <a:lnRef idx="2">
+              <a:schemeClr val="accent1">
+                <a:shade val="50000"/>
+              </a:schemeClr>
+            </a:lnRef>
+            <a:fillRef idx="1">
+              <a:schemeClr val="accent1"/>
+            </a:fillRef>
+            <a:effectRef idx="0">
+              <a:schemeClr val="accent1"/>
+            </a:effectRef>
+            <a:fontRef idx="minor">
+              <a:schemeClr val="lt1"/>
+            </a:fontRef>
+          </p:style>
+          <p:txBody>
+            <a:bodyPr vert="vert270" rtlCol="0" anchor="ctr"/>
+            <a:lstStyle/>
+            <a:p>
+              <a:pPr algn="ctr"/>
+              <a:r>
+                <a:rPr lang="en-US" dirty="0" smtClean="0"/>
+                <a:t>Flume</a:t>
+              </a:r>
+              <a:endParaRPr lang="en-US" dirty="0"/>
+            </a:p>
+          </p:txBody>
+        </p:sp>
+        <p:sp>
+          <p:nvSpPr>
+            <p:cNvPr id="11" name="Oval 10"/>
+            <p:cNvSpPr/>
+            <p:nvPr/>
+          </p:nvSpPr>
+          <p:spPr>
+            <a:xfrm>
+              <a:off x="6482275" y="3993719"/>
+              <a:ext cx="356461" cy="356461"/>
+            </a:xfrm>
+            <a:prstGeom prst="ellipse">
+              <a:avLst/>
+            </a:prstGeom>
+          </p:spPr>
+          <p:style>
+            <a:lnRef idx="2">
+              <a:schemeClr val="accent2">
+                <a:shade val="50000"/>
+              </a:schemeClr>
+            </a:lnRef>
+            <a:fillRef idx="1">
+              <a:schemeClr val="accent2"/>
+            </a:fillRef>
+            <a:effectRef idx="0">
+              <a:schemeClr val="accent2"/>
+            </a:effectRef>
+            <a:fontRef idx="minor">
+              <a:schemeClr val="lt1"/>
+            </a:fontRef>
+          </p:style>
+          <p:txBody>
+            <a:bodyPr rtlCol="0" anchor="ctr"/>
+            <a:lstStyle/>
+            <a:p>
+              <a:pPr algn="ctr"/>
+              <a:endParaRPr lang="en-US"/>
+            </a:p>
+          </p:txBody>
+        </p:sp>
+        <p:sp>
+          <p:nvSpPr>
+            <p:cNvPr id="12" name="TextBox 11"/>
+            <p:cNvSpPr txBox="1"/>
+            <p:nvPr/>
+          </p:nvSpPr>
+          <p:spPr>
+            <a:xfrm>
+              <a:off x="6368835" y="4848255"/>
+              <a:ext cx="651897" cy="369333"/>
+            </a:xfrm>
+            <a:prstGeom prst="rect">
+              <a:avLst/>
+            </a:prstGeom>
+            <a:noFill/>
+          </p:spPr>
+          <p:txBody>
+            <a:bodyPr wrap="square" rtlCol="0">
+              <a:normAutofit fontScale="40000" lnSpcReduction="20000"/>
+            </a:bodyPr>
+            <a:lstStyle/>
+            <a:p>
+              <a:pPr algn="ctr"/>
+              <a:r>
+                <a:rPr lang="en-US" dirty="0" smtClean="0"/>
+                <a:t>Sink</a:t>
+              </a:r>
+              <a:endParaRPr lang="en-US" dirty="0"/>
+            </a:p>
+          </p:txBody>
+        </p:sp>
+        <p:sp>
+          <p:nvSpPr>
+            <p:cNvPr id="13" name="TextBox 12"/>
+            <p:cNvSpPr txBox="1"/>
+            <p:nvPr/>
+          </p:nvSpPr>
+          <p:spPr>
+            <a:xfrm>
+              <a:off x="3906650" y="4848256"/>
+              <a:ext cx="884912" cy="369332"/>
+            </a:xfrm>
+            <a:prstGeom prst="rect">
+              <a:avLst/>
+            </a:prstGeom>
+            <a:noFill/>
+          </p:spPr>
+          <p:txBody>
+            <a:bodyPr wrap="square" rtlCol="0">
+              <a:normAutofit fontScale="40000" lnSpcReduction="20000"/>
+            </a:bodyPr>
+            <a:lstStyle/>
+            <a:p>
+              <a:pPr algn="ctr"/>
+              <a:r>
+                <a:rPr lang="en-US" dirty="0" smtClean="0"/>
+                <a:t>Source</a:t>
+              </a:r>
+              <a:endParaRPr lang="en-US" dirty="0"/>
+            </a:p>
+          </p:txBody>
+        </p:sp>
+        <p:sp>
+          <p:nvSpPr>
+            <p:cNvPr id="14" name="TextBox 13"/>
+            <p:cNvSpPr txBox="1"/>
+            <p:nvPr/>
+          </p:nvSpPr>
+          <p:spPr>
+            <a:xfrm>
+              <a:off x="5059014" y="4848255"/>
+              <a:ext cx="1042370" cy="369332"/>
+            </a:xfrm>
+            <a:prstGeom prst="rect">
+              <a:avLst/>
+            </a:prstGeom>
+            <a:noFill/>
+          </p:spPr>
+          <p:txBody>
+            <a:bodyPr wrap="square" rtlCol="0">
+              <a:normAutofit fontScale="40000" lnSpcReduction="20000"/>
+            </a:bodyPr>
+            <a:lstStyle/>
+            <a:p>
+              <a:pPr algn="ctr"/>
+              <a:r>
+                <a:rPr lang="en-US" dirty="0" smtClean="0"/>
+                <a:t>Channel</a:t>
+              </a:r>
+              <a:endParaRPr lang="en-US" dirty="0"/>
+            </a:p>
+          </p:txBody>
+        </p:sp>
+        <p:sp>
+          <p:nvSpPr>
+            <p:cNvPr id="15" name="Rectangle 14"/>
+            <p:cNvSpPr/>
+            <p:nvPr/>
+          </p:nvSpPr>
+          <p:spPr>
+            <a:xfrm>
+              <a:off x="3906649" y="3187700"/>
+              <a:ext cx="3114083" cy="2029888"/>
+            </a:xfrm>
+            <a:prstGeom prst="rect">
+              <a:avLst/>
+            </a:prstGeom>
+            <a:noFill/>
+            <a:ln>
+              <a:prstDash val="dash"/>
+            </a:ln>
+          </p:spPr>
+          <p:style>
+            <a:lnRef idx="2">
+              <a:schemeClr val="dk1"/>
+            </a:lnRef>
+            <a:fillRef idx="1">
+              <a:schemeClr val="lt1"/>
+            </a:fillRef>
+            <a:effectRef idx="0">
+              <a:schemeClr val="dk1"/>
+            </a:effectRef>
+            <a:fontRef idx="minor">
+              <a:schemeClr val="dk1"/>
+            </a:fontRef>
+          </p:style>
+          <p:txBody>
+            <a:bodyPr rtlCol="0" anchor="t"/>
+            <a:lstStyle/>
+            <a:p>
+              <a:r>
+                <a:rPr lang="en-US" sz="800" dirty="0" smtClean="0"/>
+                <a:t>Agent</a:t>
+              </a:r>
+              <a:endParaRPr lang="en-US" sz="1400" dirty="0"/>
+            </a:p>
+          </p:txBody>
+        </p:sp>
+      </p:grpSp>
+      <p:sp>
+        <p:nvSpPr>
+          <p:cNvPr id="16" name="Rounded Rectangle 15"/>
+          <p:cNvSpPr/>
+          <p:nvPr/>
+        </p:nvSpPr>
+        <p:spPr>
+          <a:xfrm>
+            <a:off x="7297020" y="3008502"/>
+            <a:ext cx="1653549" cy="840996"/>
+          </a:xfrm>
+          <a:prstGeom prst="roundRect">
+            <a:avLst/>
+          </a:prstGeom>
+        </p:spPr>
+        <p:style>
+          <a:lnRef idx="2">
+            <a:schemeClr val="accent2">
+              <a:shade val="50000"/>
+            </a:schemeClr>
+          </a:lnRef>
+          <a:fillRef idx="1">
+            <a:schemeClr val="accent2"/>
+          </a:fillRef>
+          <a:effectRef idx="0">
+            <a:schemeClr val="accent2"/>
+          </a:effectRef>
+          <a:fontRef idx="minor">
+            <a:schemeClr val="lt1"/>
+          </a:fontRef>
+        </p:style>
+        <p:txBody>
+          <a:bodyPr rtlCol="0" anchor="ctr"/>
+          <a:lstStyle/>
+          <a:p>
+            <a:pPr algn="ctr"/>
+            <a:r>
+              <a:rPr lang="en-US" dirty="0" smtClean="0"/>
+              <a:t>Map</a:t>
+            </a:r>
+            <a:endParaRPr lang="en-US" dirty="0"/>
+          </a:p>
+        </p:txBody>
+      </p:sp>
+      <p:sp>
+        <p:nvSpPr>
+          <p:cNvPr id="17" name="Rounded Rectangle 16"/>
+          <p:cNvSpPr/>
+          <p:nvPr/>
+        </p:nvSpPr>
+        <p:spPr>
+          <a:xfrm>
+            <a:off x="7297020" y="4800383"/>
+            <a:ext cx="1653549" cy="840996"/>
+          </a:xfrm>
+          <a:prstGeom prst="roundRect">
+            <a:avLst/>
+          </a:prstGeom>
+        </p:spPr>
+        <p:style>
+          <a:lnRef idx="2">
+            <a:schemeClr val="accent2">
+              <a:shade val="50000"/>
+            </a:schemeClr>
+          </a:lnRef>
+          <a:fillRef idx="1">
+            <a:schemeClr val="accent2"/>
+          </a:fillRef>
+          <a:effectRef idx="0">
+            <a:schemeClr val="accent2"/>
+          </a:effectRef>
+          <a:fontRef idx="minor">
+            <a:schemeClr val="lt1"/>
+          </a:fontRef>
+        </p:style>
+        <p:txBody>
+          <a:bodyPr rtlCol="0" anchor="ctr"/>
+          <a:lstStyle/>
+          <a:p>
+            <a:pPr algn="ctr"/>
+            <a:r>
+              <a:rPr lang="en-US" dirty="0" smtClean="0"/>
+              <a:t>Reduce</a:t>
+            </a:r>
+            <a:endParaRPr lang="en-US" dirty="0"/>
+          </a:p>
+        </p:txBody>
+      </p:sp>
+      <p:cxnSp>
+        <p:nvCxnSpPr>
+          <p:cNvPr id="18" name="Gerade Verbindung mit Pfeil 9"/>
+          <p:cNvCxnSpPr>
+            <a:stCxn id="5" idx="4"/>
+            <a:endCxn id="16" idx="1"/>
+          </p:cNvCxnSpPr>
+          <p:nvPr/>
+        </p:nvCxnSpPr>
+        <p:spPr>
+          <a:xfrm flipV="1">
+            <a:off x="6060066" y="3429000"/>
+            <a:ext cx="1236954" cy="1249958"/>
+          </a:xfrm>
+          <a:prstGeom prst="straightConnector1">
+            <a:avLst/>
+          </a:prstGeom>
+          <a:ln>
+            <a:tailEnd type="triangle"/>
+          </a:ln>
+        </p:spPr>
+        <p:style>
+          <a:lnRef idx="3">
+            <a:schemeClr val="dk1"/>
+          </a:lnRef>
+          <a:fillRef idx="0">
+            <a:schemeClr val="dk1"/>
+          </a:fillRef>
+          <a:effectRef idx="2">
+            <a:schemeClr val="dk1"/>
+          </a:effectRef>
+          <a:fontRef idx="minor">
+            <a:schemeClr val="tx1"/>
+          </a:fontRef>
+        </p:style>
+      </p:cxnSp>
+      <p:cxnSp>
+        <p:nvCxnSpPr>
+          <p:cNvPr id="21" name="Gerade Verbindung mit Pfeil 9"/>
+          <p:cNvCxnSpPr>
+            <a:stCxn id="16" idx="2"/>
+            <a:endCxn id="17" idx="0"/>
+          </p:cNvCxnSpPr>
+          <p:nvPr/>
+        </p:nvCxnSpPr>
+        <p:spPr>
+          <a:xfrm>
+            <a:off x="8123795" y="3849498"/>
+            <a:ext cx="0" cy="950885"/>
+          </a:xfrm>
+          <a:prstGeom prst="straightConnector1">
+            <a:avLst/>
+          </a:prstGeom>
+          <a:ln>
+            <a:tailEnd type="triangle"/>
+          </a:ln>
+        </p:spPr>
+        <p:style>
+          <a:lnRef idx="3">
+            <a:schemeClr val="dk1"/>
+          </a:lnRef>
+          <a:fillRef idx="0">
+            <a:schemeClr val="dk1"/>
+          </a:fillRef>
+          <a:effectRef idx="2">
+            <a:schemeClr val="dk1"/>
+          </a:effectRef>
+          <a:fontRef idx="minor">
+            <a:schemeClr val="tx1"/>
+          </a:fontRef>
+        </p:style>
+      </p:cxnSp>
+      <p:cxnSp>
+        <p:nvCxnSpPr>
+          <p:cNvPr id="24" name="Gerade Verbindung mit Pfeil 9"/>
+          <p:cNvCxnSpPr>
+            <a:stCxn id="17" idx="1"/>
+            <a:endCxn id="5" idx="4"/>
+          </p:cNvCxnSpPr>
+          <p:nvPr/>
+        </p:nvCxnSpPr>
+        <p:spPr>
+          <a:xfrm flipH="1" flipV="1">
+            <a:off x="6060066" y="4678958"/>
+            <a:ext cx="1236954" cy="541923"/>
+          </a:xfrm>
+          <a:prstGeom prst="straightConnector1">
+            <a:avLst/>
+          </a:prstGeom>
+          <a:ln>
+            <a:tailEnd type="triangle"/>
+          </a:ln>
+        </p:spPr>
+        <p:style>
+          <a:lnRef idx="3">
+            <a:schemeClr val="dk1"/>
+          </a:lnRef>
+          <a:fillRef idx="0">
+            <a:schemeClr val="dk1"/>
+          </a:fillRef>
+          <a:effectRef idx="2">
+            <a:schemeClr val="dk1"/>
+          </a:effectRef>
+          <a:fontRef idx="minor">
+            <a:schemeClr val="tx1"/>
+          </a:fontRef>
+        </p:style>
+      </p:cxnSp>
+      <p:sp>
+        <p:nvSpPr>
+          <p:cNvPr id="27" name="Date Placeholder 26"/>
+          <p:cNvSpPr>
+            <a:spLocks noGrp="1"/>
+          </p:cNvSpPr>
+          <p:nvPr>
+            <p:ph type="dt" sz="half" idx="10"/>
+          </p:nvPr>
+        </p:nvSpPr>
+        <p:spPr/>
+        <p:txBody>
+          <a:bodyPr/>
+          <a:lstStyle/>
+          <a:p>
+            <a:fld id="{DE1F0C7C-1AA8-471B-A806-2877CBCBE01B}" type="datetime1">
+              <a:rPr lang="en-US" smtClean="0"/>
+              <a:t>10/10/2015</a:t>
+            </a:fld>
+            <a:endParaRPr lang="en-US"/>
+          </a:p>
+        </p:txBody>
+      </p:sp>
+      <p:sp>
+        <p:nvSpPr>
+          <p:cNvPr id="28" name="Slide Number Placeholder 27"/>
+          <p:cNvSpPr>
+            <a:spLocks noGrp="1"/>
+          </p:cNvSpPr>
+          <p:nvPr>
+            <p:ph type="sldNum" sz="quarter" idx="12"/>
+          </p:nvPr>
+        </p:nvSpPr>
+        <p:spPr/>
+        <p:txBody>
+          <a:bodyPr/>
+          <a:lstStyle/>
+          <a:p>
+            <a:fld id="{F1A2D159-7083-48C9-88DE-3F666ED9E9A2}" type="slidenum">
+              <a:rPr lang="en-US" smtClean="0"/>
+              <a:t>11</a:t>
+            </a:fld>
+            <a:endParaRPr lang="en-US"/>
+          </a:p>
+        </p:txBody>
+      </p:sp>
+    </p:spTree>
+    <p:extLst>
+      <p:ext uri="{BB962C8B-B14F-4D97-AF65-F5344CB8AC3E}">
+        <p14:creationId xmlns:p14="http://schemas.microsoft.com/office/powerpoint/2010/main" val="855395191"/>
+      </p:ext>
+    </p:extLst>
+  </p:cSld>
+  <p:clrMapOvr>
+    <a:masterClrMapping/>
+  </p:clrMapOvr>
+</p:sld>
+</file>
+
+<file path=ppt/slides/slide12.xml><?xml version="1.0" encoding="utf-8"?>
+<p:sld xmlns:a="http://schemas.openxmlformats.org/drawingml/2006/main" xmlns:r="http://schemas.openxmlformats.org/officeDocument/2006/relationships" xmlns:p="http://schemas.openxmlformats.org/presentationml/2006/main">
+  <p:cSld>
+    <p:spTree>
+      <p:nvGrpSpPr>
+        <p:cNvPr id="1" name=""/>
+        <p:cNvGrpSpPr/>
+        <p:nvPr/>
+      </p:nvGrpSpPr>
+      <p:grpSpPr>
+        <a:xfrm>
+          <a:off x="0" y="0"/>
+          <a:ext cx="0" cy="0"/>
+          <a:chOff x="0" y="0"/>
+          <a:chExt cx="0" cy="0"/>
+        </a:xfrm>
+      </p:grpSpPr>
+      <p:sp>
+        <p:nvSpPr>
+          <p:cNvPr id="2" name="Title 1"/>
+          <p:cNvSpPr>
+            <a:spLocks noGrp="1"/>
+          </p:cNvSpPr>
+          <p:nvPr>
+            <p:ph type="title"/>
+          </p:nvPr>
+        </p:nvSpPr>
+        <p:spPr/>
+        <p:txBody>
+          <a:bodyPr/>
+          <a:lstStyle/>
+          <a:p>
+            <a:r>
+              <a:rPr lang="en-US" dirty="0" smtClean="0"/>
+              <a:t>Map/Reduce</a:t>
+            </a:r>
+            <a:endParaRPr lang="en-US" dirty="0"/>
+          </a:p>
+        </p:txBody>
+      </p:sp>
+      <p:graphicFrame>
+        <p:nvGraphicFramePr>
+          <p:cNvPr id="5" name="Content Placeholder 4"/>
+          <p:cNvGraphicFramePr>
+            <a:graphicFrameLocks noGrp="1"/>
+          </p:cNvGraphicFramePr>
+          <p:nvPr>
+            <p:ph idx="1"/>
+            <p:extLst>
+              <p:ext uri="{D42A27DB-BD31-4B8C-83A1-F6EECF244321}">
+                <p14:modId xmlns:p14="http://schemas.microsoft.com/office/powerpoint/2010/main" val="817281487"/>
+              </p:ext>
+            </p:extLst>
+          </p:nvPr>
+        </p:nvGraphicFramePr>
+        <p:xfrm>
+          <a:off x="7107115" y="3779911"/>
+          <a:ext cx="2763716" cy="370840"/>
+        </p:xfrm>
+        <a:graphic>
+          <a:graphicData uri="http://schemas.openxmlformats.org/drawingml/2006/table">
+            <a:tbl>
+              <a:tblPr bandCol="1">
+                <a:tableStyleId>{5C22544A-7EE6-4342-B048-85BDC9FD1C3A}</a:tableStyleId>
+              </a:tblPr>
+              <a:tblGrid>
+                <a:gridCol w="1381858"/>
+                <a:gridCol w="1381858"/>
+              </a:tblGrid>
+              <a:tr h="370840">
+                <a:tc>
+                  <a:txBody>
+                    <a:bodyPr/>
+                    <a:lstStyle/>
+                    <a:p>
+                      <a:r>
+                        <a:rPr lang="en-US" dirty="0" smtClean="0"/>
+                        <a:t>Key</a:t>
+                      </a:r>
+                      <a:endParaRPr lang="en-US" dirty="0"/>
+                    </a:p>
+                  </a:txBody>
+                  <a:tcPr/>
+                </a:tc>
+                <a:tc>
+                  <a:txBody>
+                    <a:bodyPr/>
+                    <a:lstStyle/>
+                    <a:p>
+                      <a:r>
+                        <a:rPr lang="en-US" dirty="0" smtClean="0"/>
+                        <a:t>Value</a:t>
+                      </a:r>
+                      <a:endParaRPr lang="en-US" dirty="0"/>
+                    </a:p>
+                  </a:txBody>
+                  <a:tcPr/>
+                </a:tc>
+              </a:tr>
+            </a:tbl>
+          </a:graphicData>
+        </a:graphic>
+      </p:graphicFrame>
+      <p:sp>
+        <p:nvSpPr>
+          <p:cNvPr id="4" name="Rounded Rectangle 3"/>
+          <p:cNvSpPr/>
+          <p:nvPr/>
+        </p:nvSpPr>
+        <p:spPr>
+          <a:xfrm>
+            <a:off x="7438291" y="2453054"/>
+            <a:ext cx="2101361" cy="1134208"/>
+          </a:xfrm>
+          <a:prstGeom prst="roundRect">
+            <a:avLst/>
+          </a:prstGeom>
+        </p:spPr>
+        <p:style>
+          <a:lnRef idx="2">
+            <a:schemeClr val="accent2">
+              <a:shade val="50000"/>
+            </a:schemeClr>
+          </a:lnRef>
+          <a:fillRef idx="1">
+            <a:schemeClr val="accent2"/>
+          </a:fillRef>
+          <a:effectRef idx="0">
+            <a:schemeClr val="accent2"/>
+          </a:effectRef>
+          <a:fontRef idx="minor">
+            <a:schemeClr val="lt1"/>
+          </a:fontRef>
+        </p:style>
+        <p:txBody>
+          <a:bodyPr rtlCol="0" anchor="ctr"/>
+          <a:lstStyle/>
+          <a:p>
+            <a:pPr algn="ctr"/>
+            <a:r>
+              <a:rPr lang="en-US" dirty="0" smtClean="0"/>
+              <a:t>Map</a:t>
+            </a:r>
+            <a:endParaRPr lang="en-US" dirty="0"/>
+          </a:p>
+        </p:txBody>
+      </p:sp>
+      <p:sp>
+        <p:nvSpPr>
+          <p:cNvPr id="6" name="Rounded Rectangle 5"/>
+          <p:cNvSpPr/>
+          <p:nvPr/>
+        </p:nvSpPr>
+        <p:spPr>
+          <a:xfrm>
+            <a:off x="7438292" y="4487008"/>
+            <a:ext cx="2101361" cy="1134208"/>
+          </a:xfrm>
+          <a:prstGeom prst="roundRect">
+            <a:avLst/>
+          </a:prstGeom>
+        </p:spPr>
+        <p:style>
+          <a:lnRef idx="2">
+            <a:schemeClr val="accent2">
+              <a:shade val="50000"/>
+            </a:schemeClr>
+          </a:lnRef>
+          <a:fillRef idx="1">
+            <a:schemeClr val="accent2"/>
+          </a:fillRef>
+          <a:effectRef idx="0">
+            <a:schemeClr val="accent2"/>
+          </a:effectRef>
+          <a:fontRef idx="minor">
+            <a:schemeClr val="lt1"/>
+          </a:fontRef>
+        </p:style>
+        <p:txBody>
+          <a:bodyPr rtlCol="0" anchor="ctr"/>
+          <a:lstStyle/>
+          <a:p>
+            <a:pPr algn="ctr"/>
+            <a:r>
+              <a:rPr lang="en-US" dirty="0" smtClean="0"/>
+              <a:t>Reduce</a:t>
+            </a:r>
+            <a:endParaRPr lang="en-US" dirty="0"/>
+          </a:p>
+        </p:txBody>
+      </p:sp>
+      <p:graphicFrame>
+        <p:nvGraphicFramePr>
+          <p:cNvPr id="7" name="Content Placeholder 4"/>
+          <p:cNvGraphicFramePr>
+            <a:graphicFrameLocks/>
+          </p:cNvGraphicFramePr>
+          <p:nvPr>
+            <p:extLst>
+              <p:ext uri="{D42A27DB-BD31-4B8C-83A1-F6EECF244321}">
+                <p14:modId xmlns:p14="http://schemas.microsoft.com/office/powerpoint/2010/main" val="3918424292"/>
+              </p:ext>
+            </p:extLst>
+          </p:nvPr>
+        </p:nvGraphicFramePr>
+        <p:xfrm>
+          <a:off x="7171591" y="5837847"/>
+          <a:ext cx="2763716" cy="370840"/>
+        </p:xfrm>
+        <a:graphic>
+          <a:graphicData uri="http://schemas.openxmlformats.org/drawingml/2006/table">
+            <a:tbl>
+              <a:tblPr bandCol="1">
+                <a:tableStyleId>{5C22544A-7EE6-4342-B048-85BDC9FD1C3A}</a:tableStyleId>
+              </a:tblPr>
+              <a:tblGrid>
+                <a:gridCol w="1381858"/>
+                <a:gridCol w="1381858"/>
+              </a:tblGrid>
+              <a:tr h="370840">
+                <a:tc>
+                  <a:txBody>
+                    <a:bodyPr/>
+                    <a:lstStyle/>
+                    <a:p>
+                      <a:r>
+                        <a:rPr lang="en-US" dirty="0" smtClean="0"/>
+                        <a:t>Key</a:t>
+                      </a:r>
+                      <a:endParaRPr lang="en-US" dirty="0"/>
+                    </a:p>
+                  </a:txBody>
+                  <a:tcPr/>
+                </a:tc>
+                <a:tc>
+                  <a:txBody>
+                    <a:bodyPr/>
+                    <a:lstStyle/>
+                    <a:p>
+                      <a:r>
+                        <a:rPr lang="en-US" dirty="0" smtClean="0"/>
+                        <a:t>Value</a:t>
+                      </a:r>
+                      <a:endParaRPr lang="en-US" dirty="0"/>
+                    </a:p>
+                  </a:txBody>
+                  <a:tcPr/>
+                </a:tc>
+              </a:tr>
+            </a:tbl>
+          </a:graphicData>
+        </a:graphic>
+      </p:graphicFrame>
+      <p:graphicFrame>
+        <p:nvGraphicFramePr>
+          <p:cNvPr id="8" name="Content Placeholder 4"/>
+          <p:cNvGraphicFramePr>
+            <a:graphicFrameLocks/>
+          </p:cNvGraphicFramePr>
+          <p:nvPr>
+            <p:extLst>
+              <p:ext uri="{D42A27DB-BD31-4B8C-83A1-F6EECF244321}">
+                <p14:modId xmlns:p14="http://schemas.microsoft.com/office/powerpoint/2010/main" val="2031884158"/>
+              </p:ext>
+            </p:extLst>
+          </p:nvPr>
+        </p:nvGraphicFramePr>
+        <p:xfrm>
+          <a:off x="7722576" y="1775802"/>
+          <a:ext cx="1381858" cy="370840"/>
+        </p:xfrm>
+        <a:graphic>
+          <a:graphicData uri="http://schemas.openxmlformats.org/drawingml/2006/table">
+            <a:tbl>
+              <a:tblPr bandCol="1">
+                <a:tableStyleId>{5C22544A-7EE6-4342-B048-85BDC9FD1C3A}</a:tableStyleId>
+              </a:tblPr>
+              <a:tblGrid>
+                <a:gridCol w="1381858"/>
+              </a:tblGrid>
+              <a:tr h="370840">
+                <a:tc>
+                  <a:txBody>
+                    <a:bodyPr/>
+                    <a:lstStyle/>
+                    <a:p>
+                      <a:r>
+                        <a:rPr lang="en-US" dirty="0" smtClean="0"/>
+                        <a:t>Value</a:t>
+                      </a:r>
+                      <a:endParaRPr lang="en-US" dirty="0"/>
+                    </a:p>
+                  </a:txBody>
+                  <a:tcPr/>
+                </a:tc>
+              </a:tr>
+            </a:tbl>
+          </a:graphicData>
+        </a:graphic>
+      </p:graphicFrame>
+      <p:cxnSp>
+        <p:nvCxnSpPr>
+          <p:cNvPr id="10" name="Straight Arrow Connector 9"/>
+          <p:cNvCxnSpPr>
+            <a:stCxn id="8" idx="2"/>
+            <a:endCxn id="4" idx="0"/>
+          </p:cNvCxnSpPr>
+          <p:nvPr/>
+        </p:nvCxnSpPr>
+        <p:spPr>
+          <a:xfrm>
+            <a:off x="8413505" y="2146642"/>
+            <a:ext cx="75467" cy="306412"/>
+          </a:xfrm>
+          <a:prstGeom prst="straightConnector1">
+            <a:avLst/>
+          </a:prstGeom>
+          <a:ln>
+            <a:tailEnd type="arrow"/>
+          </a:ln>
+        </p:spPr>
+        <p:style>
+          <a:lnRef idx="3">
+            <a:schemeClr val="dk1"/>
+          </a:lnRef>
+          <a:fillRef idx="0">
+            <a:schemeClr val="dk1"/>
+          </a:fillRef>
+          <a:effectRef idx="2">
+            <a:schemeClr val="dk1"/>
+          </a:effectRef>
+          <a:fontRef idx="minor">
+            <a:schemeClr val="tx1"/>
+          </a:fontRef>
+        </p:style>
+      </p:cxnSp>
+      <p:cxnSp>
+        <p:nvCxnSpPr>
+          <p:cNvPr id="12" name="Straight Arrow Connector 11"/>
+          <p:cNvCxnSpPr>
+            <a:stCxn id="4" idx="2"/>
+            <a:endCxn id="5" idx="0"/>
+          </p:cNvCxnSpPr>
+          <p:nvPr/>
+        </p:nvCxnSpPr>
+        <p:spPr>
+          <a:xfrm>
+            <a:off x="8488972" y="3587262"/>
+            <a:ext cx="1" cy="192649"/>
+          </a:xfrm>
+          <a:prstGeom prst="straightConnector1">
+            <a:avLst/>
+          </a:prstGeom>
+          <a:ln>
+            <a:tailEnd type="arrow"/>
+          </a:ln>
+        </p:spPr>
+        <p:style>
+          <a:lnRef idx="3">
+            <a:schemeClr val="dk1"/>
+          </a:lnRef>
+          <a:fillRef idx="0">
+            <a:schemeClr val="dk1"/>
+          </a:fillRef>
+          <a:effectRef idx="2">
+            <a:schemeClr val="dk1"/>
+          </a:effectRef>
+          <a:fontRef idx="minor">
+            <a:schemeClr val="tx1"/>
+          </a:fontRef>
+        </p:style>
+      </p:cxnSp>
+      <p:cxnSp>
+        <p:nvCxnSpPr>
+          <p:cNvPr id="15" name="Straight Arrow Connector 14"/>
+          <p:cNvCxnSpPr>
+            <a:stCxn id="5" idx="2"/>
+            <a:endCxn id="6" idx="0"/>
+          </p:cNvCxnSpPr>
+          <p:nvPr/>
+        </p:nvCxnSpPr>
+        <p:spPr>
+          <a:xfrm>
+            <a:off x="8488973" y="4150751"/>
+            <a:ext cx="0" cy="336257"/>
+          </a:xfrm>
+          <a:prstGeom prst="straightConnector1">
+            <a:avLst/>
+          </a:prstGeom>
+          <a:ln>
+            <a:tailEnd type="arrow"/>
+          </a:ln>
+        </p:spPr>
+        <p:style>
+          <a:lnRef idx="3">
+            <a:schemeClr val="dk1"/>
+          </a:lnRef>
+          <a:fillRef idx="0">
+            <a:schemeClr val="dk1"/>
+          </a:fillRef>
+          <a:effectRef idx="2">
+            <a:schemeClr val="dk1"/>
+          </a:effectRef>
+          <a:fontRef idx="minor">
+            <a:schemeClr val="tx1"/>
+          </a:fontRef>
+        </p:style>
+      </p:cxnSp>
+      <p:cxnSp>
+        <p:nvCxnSpPr>
+          <p:cNvPr id="18" name="Straight Arrow Connector 17"/>
+          <p:cNvCxnSpPr>
+            <a:stCxn id="6" idx="2"/>
+            <a:endCxn id="7" idx="0"/>
+          </p:cNvCxnSpPr>
+          <p:nvPr/>
+        </p:nvCxnSpPr>
+        <p:spPr>
+          <a:xfrm>
+            <a:off x="8488973" y="5621216"/>
+            <a:ext cx="64476" cy="216631"/>
+          </a:xfrm>
+          <a:prstGeom prst="straightConnector1">
+            <a:avLst/>
+          </a:prstGeom>
+          <a:ln>
+            <a:tailEnd type="arrow"/>
+          </a:ln>
+        </p:spPr>
+        <p:style>
+          <a:lnRef idx="3">
+            <a:schemeClr val="dk1"/>
+          </a:lnRef>
+          <a:fillRef idx="0">
+            <a:schemeClr val="dk1"/>
+          </a:fillRef>
+          <a:effectRef idx="2">
+            <a:schemeClr val="dk1"/>
+          </a:effectRef>
+          <a:fontRef idx="minor">
+            <a:schemeClr val="tx1"/>
+          </a:fontRef>
+        </p:style>
+      </p:cxnSp>
+      <p:sp>
+        <p:nvSpPr>
+          <p:cNvPr id="21" name="Date Placeholder 20"/>
+          <p:cNvSpPr>
+            <a:spLocks noGrp="1"/>
+          </p:cNvSpPr>
+          <p:nvPr>
+            <p:ph type="dt" sz="half" idx="10"/>
+          </p:nvPr>
+        </p:nvSpPr>
+        <p:spPr/>
+        <p:txBody>
+          <a:bodyPr/>
+          <a:lstStyle/>
+          <a:p>
+            <a:fld id="{EBF79205-F71C-4D88-A11B-EE182A249187}" type="datetime1">
+              <a:rPr lang="en-US" smtClean="0"/>
+              <a:t>10/10/2015</a:t>
+            </a:fld>
+            <a:endParaRPr lang="en-US"/>
+          </a:p>
+        </p:txBody>
+      </p:sp>
+      <p:sp>
+        <p:nvSpPr>
+          <p:cNvPr id="22" name="Slide Number Placeholder 21"/>
+          <p:cNvSpPr>
+            <a:spLocks noGrp="1"/>
+          </p:cNvSpPr>
+          <p:nvPr>
+            <p:ph type="sldNum" sz="quarter" idx="12"/>
+          </p:nvPr>
+        </p:nvSpPr>
+        <p:spPr/>
+        <p:txBody>
+          <a:bodyPr/>
+          <a:lstStyle/>
+          <a:p>
+            <a:fld id="{F1A2D159-7083-48C9-88DE-3F666ED9E9A2}" type="slidenum">
+              <a:rPr lang="en-US" smtClean="0"/>
+              <a:t>12</a:t>
+            </a:fld>
+            <a:endParaRPr lang="en-US"/>
+          </a:p>
+        </p:txBody>
+      </p:sp>
+    </p:spTree>
+    <p:extLst>
+      <p:ext uri="{BB962C8B-B14F-4D97-AF65-F5344CB8AC3E}">
+        <p14:creationId xmlns:p14="http://schemas.microsoft.com/office/powerpoint/2010/main" val="3562765196"/>
+      </p:ext>
+    </p:extLst>
+  </p:cSld>
+  <p:clrMapOvr>
+    <a:masterClrMapping/>
+  </p:clrMapOvr>
+</p:sld>
+</file>
+
+<file path=ppt/slides/slide13.xml><?xml version="1.0" encoding="utf-8"?>
+<p:sld xmlns:a="http://schemas.openxmlformats.org/drawingml/2006/main" xmlns:r="http://schemas.openxmlformats.org/officeDocument/2006/relationships" xmlns:p="http://schemas.openxmlformats.org/presentationml/2006/main">
+  <p:cSld>
+    <p:spTree>
+      <p:nvGrpSpPr>
+        <p:cNvPr id="1" name=""/>
+        <p:cNvGrpSpPr/>
+        <p:nvPr/>
+      </p:nvGrpSpPr>
+      <p:grpSpPr>
+        <a:xfrm>
+          <a:off x="0" y="0"/>
+          <a:ext cx="0" cy="0"/>
+          <a:chOff x="0" y="0"/>
+          <a:chExt cx="0" cy="0"/>
+        </a:xfrm>
+      </p:grpSpPr>
+      <p:sp>
+        <p:nvSpPr>
+          <p:cNvPr id="79" name="Rounded Rectangle 78"/>
+          <p:cNvSpPr/>
+          <p:nvPr/>
+        </p:nvSpPr>
+        <p:spPr>
+          <a:xfrm>
+            <a:off x="3482797" y="2902056"/>
+            <a:ext cx="3612595" cy="2617897"/>
+          </a:xfrm>
+          <a:prstGeom prst="roundRect">
+            <a:avLst/>
+          </a:prstGeom>
+        </p:spPr>
+        <p:style>
+          <a:lnRef idx="2">
+            <a:schemeClr val="accent2">
+              <a:shade val="50000"/>
+            </a:schemeClr>
+          </a:lnRef>
+          <a:fillRef idx="1">
+            <a:schemeClr val="accent2"/>
+          </a:fillRef>
+          <a:effectRef idx="0">
+            <a:schemeClr val="accent2"/>
+          </a:effectRef>
+          <a:fontRef idx="minor">
+            <a:schemeClr val="lt1"/>
+          </a:fontRef>
+        </p:style>
+        <p:txBody>
+          <a:bodyPr rtlCol="0" anchor="ctr"/>
+          <a:lstStyle/>
+          <a:p>
+            <a:pPr algn="ctr"/>
+            <a:r>
+              <a:rPr lang="en-US" dirty="0" smtClean="0"/>
+              <a:t>Kafka Cluster</a:t>
+            </a:r>
+            <a:endParaRPr lang="en-US" dirty="0"/>
+          </a:p>
+        </p:txBody>
+      </p:sp>
+      <p:sp>
+        <p:nvSpPr>
+          <p:cNvPr id="2" name="Titel 1"/>
+          <p:cNvSpPr>
+            <a:spLocks noGrp="1"/>
+          </p:cNvSpPr>
+          <p:nvPr>
+            <p:ph type="title"/>
+          </p:nvPr>
+        </p:nvSpPr>
+        <p:spPr/>
+        <p:txBody>
+          <a:bodyPr/>
+          <a:lstStyle/>
+          <a:p>
+            <a:r>
+              <a:rPr lang="en-US" dirty="0" smtClean="0"/>
+              <a:t>Kafka</a:t>
+            </a:r>
+            <a:endParaRPr lang="en-US" dirty="0"/>
+          </a:p>
+        </p:txBody>
+      </p:sp>
+      <p:sp>
+        <p:nvSpPr>
+          <p:cNvPr id="3" name="Inhaltsplatzhalter 2"/>
+          <p:cNvSpPr>
+            <a:spLocks noGrp="1"/>
+          </p:cNvSpPr>
+          <p:nvPr>
+            <p:ph idx="1"/>
+          </p:nvPr>
+        </p:nvSpPr>
+        <p:spPr/>
+        <p:txBody>
+          <a:bodyPr>
+            <a:normAutofit/>
+          </a:bodyPr>
+          <a:lstStyle/>
+          <a:p>
+            <a:r>
+              <a:rPr lang="en-US" dirty="0"/>
+              <a:t>Kafka is a distributed, partitioned, replicated commit log </a:t>
+            </a:r>
+            <a:r>
+              <a:rPr lang="en-US" dirty="0" smtClean="0"/>
+              <a:t>service</a:t>
+            </a:r>
+          </a:p>
+        </p:txBody>
+      </p:sp>
+      <p:sp>
+        <p:nvSpPr>
+          <p:cNvPr id="4" name="Rectangle 3"/>
+          <p:cNvSpPr/>
+          <p:nvPr/>
+        </p:nvSpPr>
+        <p:spPr>
+          <a:xfrm>
+            <a:off x="1011959" y="2902056"/>
+            <a:ext cx="1425844" cy="526944"/>
+          </a:xfrm>
+          <a:prstGeom prst="rect">
+            <a:avLst/>
+          </a:prstGeom>
+        </p:spPr>
+        <p:style>
+          <a:lnRef idx="2">
+            <a:schemeClr val="accent3">
+              <a:shade val="50000"/>
+            </a:schemeClr>
+          </a:lnRef>
+          <a:fillRef idx="1">
+            <a:schemeClr val="accent3"/>
+          </a:fillRef>
+          <a:effectRef idx="0">
+            <a:schemeClr val="accent3"/>
+          </a:effectRef>
+          <a:fontRef idx="minor">
+            <a:schemeClr val="lt1"/>
+          </a:fontRef>
+        </p:style>
+        <p:txBody>
+          <a:bodyPr rtlCol="0" anchor="ctr"/>
+          <a:lstStyle/>
+          <a:p>
+            <a:pPr algn="ctr"/>
+            <a:r>
+              <a:rPr lang="en-US" dirty="0" smtClean="0"/>
+              <a:t>Producer A</a:t>
+            </a:r>
+            <a:endParaRPr lang="en-US" dirty="0"/>
+          </a:p>
+        </p:txBody>
+      </p:sp>
+      <p:sp>
+        <p:nvSpPr>
+          <p:cNvPr id="5" name="Rectangle 4"/>
+          <p:cNvSpPr/>
+          <p:nvPr/>
+        </p:nvSpPr>
+        <p:spPr>
+          <a:xfrm>
+            <a:off x="1011959" y="4993009"/>
+            <a:ext cx="1425844" cy="526944"/>
+          </a:xfrm>
+          <a:prstGeom prst="rect">
+            <a:avLst/>
+          </a:prstGeom>
+        </p:spPr>
+        <p:style>
+          <a:lnRef idx="2">
+            <a:schemeClr val="accent3">
+              <a:shade val="50000"/>
+            </a:schemeClr>
+          </a:lnRef>
+          <a:fillRef idx="1">
+            <a:schemeClr val="accent3"/>
+          </a:fillRef>
+          <a:effectRef idx="0">
+            <a:schemeClr val="accent3"/>
+          </a:effectRef>
+          <a:fontRef idx="minor">
+            <a:schemeClr val="lt1"/>
+          </a:fontRef>
+        </p:style>
+        <p:txBody>
+          <a:bodyPr rtlCol="0" anchor="ctr"/>
+          <a:lstStyle/>
+          <a:p>
+            <a:pPr algn="ctr"/>
+            <a:r>
+              <a:rPr lang="en-US" dirty="0" smtClean="0"/>
+              <a:t>Producer B</a:t>
+            </a:r>
+            <a:endParaRPr lang="en-US" dirty="0"/>
+          </a:p>
+        </p:txBody>
+      </p:sp>
+      <p:cxnSp>
+        <p:nvCxnSpPr>
+          <p:cNvPr id="12" name="Straight Arrow Connector 11"/>
+          <p:cNvCxnSpPr>
+            <a:stCxn id="4" idx="3"/>
+            <a:endCxn id="79" idx="1"/>
+          </p:cNvCxnSpPr>
+          <p:nvPr/>
+        </p:nvCxnSpPr>
+        <p:spPr>
+          <a:xfrm>
+            <a:off x="2437803" y="3165528"/>
+            <a:ext cx="1044994" cy="1045477"/>
+          </a:xfrm>
+          <a:prstGeom prst="straightConnector1">
+            <a:avLst/>
+          </a:prstGeom>
+          <a:ln>
+            <a:tailEnd type="triangle"/>
+          </a:ln>
+        </p:spPr>
+        <p:style>
+          <a:lnRef idx="3">
+            <a:schemeClr val="dk1"/>
+          </a:lnRef>
+          <a:fillRef idx="0">
+            <a:schemeClr val="dk1"/>
+          </a:fillRef>
+          <a:effectRef idx="2">
+            <a:schemeClr val="dk1"/>
+          </a:effectRef>
+          <a:fontRef idx="minor">
+            <a:schemeClr val="tx1"/>
+          </a:fontRef>
+        </p:style>
+      </p:cxnSp>
+      <p:cxnSp>
+        <p:nvCxnSpPr>
+          <p:cNvPr id="15" name="Straight Arrow Connector 14"/>
+          <p:cNvCxnSpPr>
+            <a:stCxn id="5" idx="3"/>
+            <a:endCxn id="79" idx="1"/>
+          </p:cNvCxnSpPr>
+          <p:nvPr/>
+        </p:nvCxnSpPr>
+        <p:spPr>
+          <a:xfrm flipV="1">
+            <a:off x="2437803" y="4211005"/>
+            <a:ext cx="1044994" cy="1045476"/>
+          </a:xfrm>
+          <a:prstGeom prst="straightConnector1">
+            <a:avLst/>
+          </a:prstGeom>
+          <a:ln>
+            <a:tailEnd type="triangle"/>
+          </a:ln>
+        </p:spPr>
+        <p:style>
+          <a:lnRef idx="3">
+            <a:schemeClr val="dk1"/>
+          </a:lnRef>
+          <a:fillRef idx="0">
+            <a:schemeClr val="dk1"/>
+          </a:fillRef>
+          <a:effectRef idx="2">
+            <a:schemeClr val="dk1"/>
+          </a:effectRef>
+          <a:fontRef idx="minor">
+            <a:schemeClr val="tx1"/>
+          </a:fontRef>
+        </p:style>
+      </p:cxnSp>
+      <p:sp>
+        <p:nvSpPr>
+          <p:cNvPr id="18" name="Rectangle 17"/>
+          <p:cNvSpPr/>
+          <p:nvPr/>
+        </p:nvSpPr>
+        <p:spPr>
+          <a:xfrm>
+            <a:off x="9420336" y="2902055"/>
+            <a:ext cx="1425844" cy="526944"/>
+          </a:xfrm>
+          <a:prstGeom prst="rect">
+            <a:avLst/>
+          </a:prstGeom>
+        </p:spPr>
+        <p:style>
+          <a:lnRef idx="2">
+            <a:schemeClr val="accent3">
+              <a:shade val="50000"/>
+            </a:schemeClr>
+          </a:lnRef>
+          <a:fillRef idx="1">
+            <a:schemeClr val="accent3"/>
+          </a:fillRef>
+          <a:effectRef idx="0">
+            <a:schemeClr val="accent3"/>
+          </a:effectRef>
+          <a:fontRef idx="minor">
+            <a:schemeClr val="lt1"/>
+          </a:fontRef>
+        </p:style>
+        <p:txBody>
+          <a:bodyPr rtlCol="0" anchor="ctr"/>
+          <a:lstStyle/>
+          <a:p>
+            <a:pPr algn="ctr"/>
+            <a:r>
+              <a:rPr lang="en-US" dirty="0" smtClean="0"/>
+              <a:t>Consumer A</a:t>
+            </a:r>
+            <a:endParaRPr lang="en-US" dirty="0"/>
+          </a:p>
+        </p:txBody>
+      </p:sp>
+      <p:sp>
+        <p:nvSpPr>
+          <p:cNvPr id="19" name="Rectangle 18"/>
+          <p:cNvSpPr/>
+          <p:nvPr/>
+        </p:nvSpPr>
+        <p:spPr>
+          <a:xfrm>
+            <a:off x="9420336" y="4135909"/>
+            <a:ext cx="1425844" cy="526944"/>
+          </a:xfrm>
+          <a:prstGeom prst="rect">
+            <a:avLst/>
+          </a:prstGeom>
+        </p:spPr>
+        <p:style>
+          <a:lnRef idx="2">
+            <a:schemeClr val="accent3">
+              <a:shade val="50000"/>
+            </a:schemeClr>
+          </a:lnRef>
+          <a:fillRef idx="1">
+            <a:schemeClr val="accent3"/>
+          </a:fillRef>
+          <a:effectRef idx="0">
+            <a:schemeClr val="accent3"/>
+          </a:effectRef>
+          <a:fontRef idx="minor">
+            <a:schemeClr val="lt1"/>
+          </a:fontRef>
+        </p:style>
+        <p:txBody>
+          <a:bodyPr rtlCol="0" anchor="ctr"/>
+          <a:lstStyle/>
+          <a:p>
+            <a:pPr algn="ctr"/>
+            <a:r>
+              <a:rPr lang="en-US" dirty="0" smtClean="0"/>
+              <a:t>Consumer B</a:t>
+            </a:r>
+            <a:endParaRPr lang="en-US" dirty="0"/>
+          </a:p>
+        </p:txBody>
+      </p:sp>
+      <p:sp>
+        <p:nvSpPr>
+          <p:cNvPr id="20" name="Rectangle 19"/>
+          <p:cNvSpPr/>
+          <p:nvPr/>
+        </p:nvSpPr>
+        <p:spPr>
+          <a:xfrm>
+            <a:off x="9420336" y="5152661"/>
+            <a:ext cx="1425844" cy="526944"/>
+          </a:xfrm>
+          <a:prstGeom prst="rect">
+            <a:avLst/>
+          </a:prstGeom>
+        </p:spPr>
+        <p:style>
+          <a:lnRef idx="2">
+            <a:schemeClr val="accent3">
+              <a:shade val="50000"/>
+            </a:schemeClr>
+          </a:lnRef>
+          <a:fillRef idx="1">
+            <a:schemeClr val="accent3"/>
+          </a:fillRef>
+          <a:effectRef idx="0">
+            <a:schemeClr val="accent3"/>
+          </a:effectRef>
+          <a:fontRef idx="minor">
+            <a:schemeClr val="lt1"/>
+          </a:fontRef>
+        </p:style>
+        <p:txBody>
+          <a:bodyPr rtlCol="0" anchor="ctr"/>
+          <a:lstStyle/>
+          <a:p>
+            <a:pPr algn="ctr"/>
+            <a:r>
+              <a:rPr lang="en-US" dirty="0" smtClean="0"/>
+              <a:t>Consumer C</a:t>
+            </a:r>
+            <a:endParaRPr lang="en-US" dirty="0"/>
+          </a:p>
+        </p:txBody>
+      </p:sp>
+      <p:cxnSp>
+        <p:nvCxnSpPr>
+          <p:cNvPr id="21" name="Straight Arrow Connector 20"/>
+          <p:cNvCxnSpPr>
+            <a:stCxn id="79" idx="3"/>
+            <a:endCxn id="20" idx="1"/>
+          </p:cNvCxnSpPr>
+          <p:nvPr/>
+        </p:nvCxnSpPr>
+        <p:spPr>
+          <a:xfrm>
+            <a:off x="7095392" y="4211005"/>
+            <a:ext cx="2324944" cy="1205128"/>
+          </a:xfrm>
+          <a:prstGeom prst="straightConnector1">
+            <a:avLst/>
+          </a:prstGeom>
+          <a:ln>
+            <a:tailEnd type="triangle"/>
+          </a:ln>
+        </p:spPr>
+        <p:style>
+          <a:lnRef idx="3">
+            <a:schemeClr val="dk1"/>
+          </a:lnRef>
+          <a:fillRef idx="0">
+            <a:schemeClr val="dk1"/>
+          </a:fillRef>
+          <a:effectRef idx="2">
+            <a:schemeClr val="dk1"/>
+          </a:effectRef>
+          <a:fontRef idx="minor">
+            <a:schemeClr val="tx1"/>
+          </a:fontRef>
+        </p:style>
+      </p:cxnSp>
+      <p:cxnSp>
+        <p:nvCxnSpPr>
+          <p:cNvPr id="24" name="Straight Arrow Connector 23"/>
+          <p:cNvCxnSpPr>
+            <a:stCxn id="79" idx="3"/>
+            <a:endCxn id="19" idx="1"/>
+          </p:cNvCxnSpPr>
+          <p:nvPr/>
+        </p:nvCxnSpPr>
+        <p:spPr>
+          <a:xfrm>
+            <a:off x="7095392" y="4211005"/>
+            <a:ext cx="2324944" cy="188376"/>
+          </a:xfrm>
+          <a:prstGeom prst="straightConnector1">
+            <a:avLst/>
+          </a:prstGeom>
+          <a:ln>
+            <a:tailEnd type="triangle"/>
+          </a:ln>
+        </p:spPr>
+        <p:style>
+          <a:lnRef idx="3">
+            <a:schemeClr val="dk1"/>
+          </a:lnRef>
+          <a:fillRef idx="0">
+            <a:schemeClr val="dk1"/>
+          </a:fillRef>
+          <a:effectRef idx="2">
+            <a:schemeClr val="dk1"/>
+          </a:effectRef>
+          <a:fontRef idx="minor">
+            <a:schemeClr val="tx1"/>
+          </a:fontRef>
+        </p:style>
+      </p:cxnSp>
+      <p:cxnSp>
+        <p:nvCxnSpPr>
+          <p:cNvPr id="27" name="Straight Arrow Connector 26"/>
+          <p:cNvCxnSpPr>
+            <a:stCxn id="79" idx="3"/>
+            <a:endCxn id="18" idx="1"/>
+          </p:cNvCxnSpPr>
+          <p:nvPr/>
+        </p:nvCxnSpPr>
+        <p:spPr>
+          <a:xfrm flipV="1">
+            <a:off x="7095392" y="3165527"/>
+            <a:ext cx="2324944" cy="1045478"/>
+          </a:xfrm>
+          <a:prstGeom prst="straightConnector1">
+            <a:avLst/>
+          </a:prstGeom>
+          <a:ln>
+            <a:tailEnd type="triangle"/>
+          </a:ln>
+        </p:spPr>
+        <p:style>
+          <a:lnRef idx="3">
+            <a:schemeClr val="dk1"/>
+          </a:lnRef>
+          <a:fillRef idx="0">
+            <a:schemeClr val="dk1"/>
+          </a:fillRef>
+          <a:effectRef idx="2">
+            <a:schemeClr val="dk1"/>
+          </a:effectRef>
+          <a:fontRef idx="minor">
+            <a:schemeClr val="tx1"/>
+          </a:fontRef>
+        </p:style>
+      </p:cxnSp>
+      <p:grpSp>
+        <p:nvGrpSpPr>
+          <p:cNvPr id="55" name="Group 54"/>
+          <p:cNvGrpSpPr/>
+          <p:nvPr/>
+        </p:nvGrpSpPr>
+        <p:grpSpPr>
+          <a:xfrm>
+            <a:off x="2729556" y="3468193"/>
+            <a:ext cx="461488" cy="237954"/>
+            <a:chOff x="7341576" y="712177"/>
+            <a:chExt cx="1125416" cy="580292"/>
+          </a:xfrm>
+        </p:grpSpPr>
+        <p:sp>
+          <p:nvSpPr>
+            <p:cNvPr id="56" name="Rectangle 55"/>
+            <p:cNvSpPr/>
+            <p:nvPr/>
+          </p:nvSpPr>
+          <p:spPr>
+            <a:xfrm>
+              <a:off x="7341577" y="712177"/>
+              <a:ext cx="1125415" cy="580292"/>
+            </a:xfrm>
+            <a:prstGeom prst="rect">
+              <a:avLst/>
+            </a:prstGeom>
+          </p:spPr>
+          <p:style>
+            <a:lnRef idx="2">
+              <a:schemeClr val="accent1">
+                <a:shade val="50000"/>
+              </a:schemeClr>
+            </a:lnRef>
+            <a:fillRef idx="1">
+              <a:schemeClr val="accent1"/>
+            </a:fillRef>
+            <a:effectRef idx="0">
+              <a:schemeClr val="accent1"/>
+            </a:effectRef>
+            <a:fontRef idx="minor">
+              <a:schemeClr val="lt1"/>
+            </a:fontRef>
+          </p:style>
+          <p:txBody>
+            <a:bodyPr rtlCol="0" anchor="ctr"/>
+            <a:lstStyle/>
+            <a:p>
+              <a:pPr algn="ctr"/>
+              <a:endParaRPr lang="en-US"/>
+            </a:p>
+          </p:txBody>
+        </p:sp>
+        <p:sp>
+          <p:nvSpPr>
+            <p:cNvPr id="57" name="Isosceles Triangle 56"/>
+            <p:cNvSpPr/>
+            <p:nvPr/>
+          </p:nvSpPr>
+          <p:spPr>
+            <a:xfrm rot="10800000">
+              <a:off x="7341576" y="712177"/>
+              <a:ext cx="1125415" cy="351692"/>
+            </a:xfrm>
+            <a:prstGeom prst="triangle">
+              <a:avLst/>
+            </a:prstGeom>
+            <a:effectLst>
+              <a:outerShdw blurRad="50800" dist="38100" dir="5400000" algn="t" rotWithShape="0">
+                <a:prstClr val="black">
+                  <a:alpha val="40000"/>
+                </a:prstClr>
+              </a:outerShdw>
+            </a:effectLst>
+          </p:spPr>
+          <p:style>
+            <a:lnRef idx="2">
+              <a:schemeClr val="accent1">
+                <a:shade val="50000"/>
+              </a:schemeClr>
+            </a:lnRef>
+            <a:fillRef idx="1">
+              <a:schemeClr val="accent1"/>
+            </a:fillRef>
+            <a:effectRef idx="0">
+              <a:schemeClr val="accent1"/>
+            </a:effectRef>
+            <a:fontRef idx="minor">
+              <a:schemeClr val="lt1"/>
+            </a:fontRef>
+          </p:style>
+          <p:txBody>
+            <a:bodyPr rtlCol="0" anchor="ctr"/>
+            <a:lstStyle/>
+            <a:p>
+              <a:pPr algn="ctr"/>
+              <a:endParaRPr lang="en-US"/>
+            </a:p>
+          </p:txBody>
+        </p:sp>
+      </p:grpSp>
+      <p:grpSp>
+        <p:nvGrpSpPr>
+          <p:cNvPr id="58" name="Group 57"/>
+          <p:cNvGrpSpPr/>
+          <p:nvPr/>
+        </p:nvGrpSpPr>
+        <p:grpSpPr>
+          <a:xfrm>
+            <a:off x="2686038" y="4575615"/>
+            <a:ext cx="461488" cy="237954"/>
+            <a:chOff x="7341576" y="712177"/>
+            <a:chExt cx="1125416" cy="580292"/>
+          </a:xfrm>
+        </p:grpSpPr>
+        <p:sp>
+          <p:nvSpPr>
+            <p:cNvPr id="59" name="Rectangle 58"/>
+            <p:cNvSpPr/>
+            <p:nvPr/>
+          </p:nvSpPr>
+          <p:spPr>
+            <a:xfrm>
+              <a:off x="7341577" y="712177"/>
+              <a:ext cx="1125415" cy="580292"/>
+            </a:xfrm>
+            <a:prstGeom prst="rect">
+              <a:avLst/>
+            </a:prstGeom>
+          </p:spPr>
+          <p:style>
+            <a:lnRef idx="2">
+              <a:schemeClr val="accent1">
+                <a:shade val="50000"/>
+              </a:schemeClr>
+            </a:lnRef>
+            <a:fillRef idx="1">
+              <a:schemeClr val="accent1"/>
+            </a:fillRef>
+            <a:effectRef idx="0">
+              <a:schemeClr val="accent1"/>
+            </a:effectRef>
+            <a:fontRef idx="minor">
+              <a:schemeClr val="lt1"/>
+            </a:fontRef>
+          </p:style>
+          <p:txBody>
+            <a:bodyPr rtlCol="0" anchor="ctr"/>
+            <a:lstStyle/>
+            <a:p>
+              <a:pPr algn="ctr"/>
+              <a:endParaRPr lang="en-US"/>
+            </a:p>
+          </p:txBody>
+        </p:sp>
+        <p:sp>
+          <p:nvSpPr>
+            <p:cNvPr id="60" name="Isosceles Triangle 59"/>
+            <p:cNvSpPr/>
+            <p:nvPr/>
+          </p:nvSpPr>
+          <p:spPr>
+            <a:xfrm rot="10800000">
+              <a:off x="7341576" y="712177"/>
+              <a:ext cx="1125415" cy="351692"/>
+            </a:xfrm>
+            <a:prstGeom prst="triangle">
+              <a:avLst/>
+            </a:prstGeom>
+            <a:effectLst>
+              <a:outerShdw blurRad="50800" dist="38100" dir="5400000" algn="t" rotWithShape="0">
+                <a:prstClr val="black">
+                  <a:alpha val="40000"/>
+                </a:prstClr>
+              </a:outerShdw>
+            </a:effectLst>
+          </p:spPr>
+          <p:style>
+            <a:lnRef idx="2">
+              <a:schemeClr val="accent1">
+                <a:shade val="50000"/>
+              </a:schemeClr>
+            </a:lnRef>
+            <a:fillRef idx="1">
+              <a:schemeClr val="accent1"/>
+            </a:fillRef>
+            <a:effectRef idx="0">
+              <a:schemeClr val="accent1"/>
+            </a:effectRef>
+            <a:fontRef idx="minor">
+              <a:schemeClr val="lt1"/>
+            </a:fontRef>
+          </p:style>
+          <p:txBody>
+            <a:bodyPr rtlCol="0" anchor="ctr"/>
+            <a:lstStyle/>
+            <a:p>
+              <a:pPr algn="ctr"/>
+              <a:endParaRPr lang="en-US"/>
+            </a:p>
+          </p:txBody>
+        </p:sp>
+      </p:grpSp>
+      <p:grpSp>
+        <p:nvGrpSpPr>
+          <p:cNvPr id="64" name="Group 63"/>
+          <p:cNvGrpSpPr/>
+          <p:nvPr/>
+        </p:nvGrpSpPr>
+        <p:grpSpPr>
+          <a:xfrm>
+            <a:off x="8124044" y="3493431"/>
+            <a:ext cx="461488" cy="237954"/>
+            <a:chOff x="7341576" y="712177"/>
+            <a:chExt cx="1125416" cy="580292"/>
+          </a:xfrm>
+        </p:grpSpPr>
+        <p:sp>
+          <p:nvSpPr>
+            <p:cNvPr id="65" name="Rectangle 64"/>
+            <p:cNvSpPr/>
+            <p:nvPr/>
+          </p:nvSpPr>
+          <p:spPr>
+            <a:xfrm>
+              <a:off x="7341577" y="712177"/>
+              <a:ext cx="1125415" cy="580292"/>
+            </a:xfrm>
+            <a:prstGeom prst="rect">
+              <a:avLst/>
+            </a:prstGeom>
+          </p:spPr>
+          <p:style>
+            <a:lnRef idx="2">
+              <a:schemeClr val="accent1">
+                <a:shade val="50000"/>
+              </a:schemeClr>
+            </a:lnRef>
+            <a:fillRef idx="1">
+              <a:schemeClr val="accent1"/>
+            </a:fillRef>
+            <a:effectRef idx="0">
+              <a:schemeClr val="accent1"/>
+            </a:effectRef>
+            <a:fontRef idx="minor">
+              <a:schemeClr val="lt1"/>
+            </a:fontRef>
+          </p:style>
+          <p:txBody>
+            <a:bodyPr rtlCol="0" anchor="ctr"/>
+            <a:lstStyle/>
+            <a:p>
+              <a:pPr algn="ctr"/>
+              <a:endParaRPr lang="en-US"/>
+            </a:p>
+          </p:txBody>
+        </p:sp>
+        <p:sp>
+          <p:nvSpPr>
+            <p:cNvPr id="66" name="Isosceles Triangle 65"/>
+            <p:cNvSpPr/>
+            <p:nvPr/>
+          </p:nvSpPr>
+          <p:spPr>
+            <a:xfrm rot="10800000">
+              <a:off x="7341576" y="712177"/>
+              <a:ext cx="1125415" cy="351692"/>
+            </a:xfrm>
+            <a:prstGeom prst="triangle">
+              <a:avLst/>
+            </a:prstGeom>
+            <a:effectLst>
+              <a:outerShdw blurRad="50800" dist="38100" dir="5400000" algn="t" rotWithShape="0">
+                <a:prstClr val="black">
+                  <a:alpha val="40000"/>
+                </a:prstClr>
+              </a:outerShdw>
+            </a:effectLst>
+          </p:spPr>
+          <p:style>
+            <a:lnRef idx="2">
+              <a:schemeClr val="accent1">
+                <a:shade val="50000"/>
+              </a:schemeClr>
+            </a:lnRef>
+            <a:fillRef idx="1">
+              <a:schemeClr val="accent1"/>
+            </a:fillRef>
+            <a:effectRef idx="0">
+              <a:schemeClr val="accent1"/>
+            </a:effectRef>
+            <a:fontRef idx="minor">
+              <a:schemeClr val="lt1"/>
+            </a:fontRef>
+          </p:style>
+          <p:txBody>
+            <a:bodyPr rtlCol="0" anchor="ctr"/>
+            <a:lstStyle/>
+            <a:p>
+              <a:pPr algn="ctr"/>
+              <a:endParaRPr lang="en-US"/>
+            </a:p>
+          </p:txBody>
+        </p:sp>
+      </p:grpSp>
+      <p:grpSp>
+        <p:nvGrpSpPr>
+          <p:cNvPr id="67" name="Group 66"/>
+          <p:cNvGrpSpPr/>
+          <p:nvPr/>
+        </p:nvGrpSpPr>
+        <p:grpSpPr>
+          <a:xfrm>
+            <a:off x="8124044" y="4161146"/>
+            <a:ext cx="461488" cy="237954"/>
+            <a:chOff x="7341576" y="712177"/>
+            <a:chExt cx="1125416" cy="580292"/>
+          </a:xfrm>
+        </p:grpSpPr>
+        <p:sp>
+          <p:nvSpPr>
+            <p:cNvPr id="68" name="Rectangle 67"/>
+            <p:cNvSpPr/>
+            <p:nvPr/>
+          </p:nvSpPr>
+          <p:spPr>
+            <a:xfrm>
+              <a:off x="7341577" y="712177"/>
+              <a:ext cx="1125415" cy="580292"/>
+            </a:xfrm>
+            <a:prstGeom prst="rect">
+              <a:avLst/>
+            </a:prstGeom>
+          </p:spPr>
+          <p:style>
+            <a:lnRef idx="2">
+              <a:schemeClr val="accent1">
+                <a:shade val="50000"/>
+              </a:schemeClr>
+            </a:lnRef>
+            <a:fillRef idx="1">
+              <a:schemeClr val="accent1"/>
+            </a:fillRef>
+            <a:effectRef idx="0">
+              <a:schemeClr val="accent1"/>
+            </a:effectRef>
+            <a:fontRef idx="minor">
+              <a:schemeClr val="lt1"/>
+            </a:fontRef>
+          </p:style>
+          <p:txBody>
+            <a:bodyPr rtlCol="0" anchor="ctr"/>
+            <a:lstStyle/>
+            <a:p>
+              <a:pPr algn="ctr"/>
+              <a:endParaRPr lang="en-US"/>
+            </a:p>
+          </p:txBody>
+        </p:sp>
+        <p:sp>
+          <p:nvSpPr>
+            <p:cNvPr id="69" name="Isosceles Triangle 68"/>
+            <p:cNvSpPr/>
+            <p:nvPr/>
+          </p:nvSpPr>
+          <p:spPr>
+            <a:xfrm rot="10800000">
+              <a:off x="7341576" y="712177"/>
+              <a:ext cx="1125415" cy="351692"/>
+            </a:xfrm>
+            <a:prstGeom prst="triangle">
+              <a:avLst/>
+            </a:prstGeom>
+            <a:effectLst>
+              <a:outerShdw blurRad="50800" dist="38100" dir="5400000" algn="t" rotWithShape="0">
+                <a:prstClr val="black">
+                  <a:alpha val="40000"/>
+                </a:prstClr>
+              </a:outerShdw>
+            </a:effectLst>
+          </p:spPr>
+          <p:style>
+            <a:lnRef idx="2">
+              <a:schemeClr val="accent1">
+                <a:shade val="50000"/>
+              </a:schemeClr>
+            </a:lnRef>
+            <a:fillRef idx="1">
+              <a:schemeClr val="accent1"/>
+            </a:fillRef>
+            <a:effectRef idx="0">
+              <a:schemeClr val="accent1"/>
+            </a:effectRef>
+            <a:fontRef idx="minor">
+              <a:schemeClr val="lt1"/>
+            </a:fontRef>
+          </p:style>
+          <p:txBody>
+            <a:bodyPr rtlCol="0" anchor="ctr"/>
+            <a:lstStyle/>
+            <a:p>
+              <a:pPr algn="ctr"/>
+              <a:endParaRPr lang="en-US"/>
+            </a:p>
+          </p:txBody>
+        </p:sp>
+      </p:grpSp>
+      <p:grpSp>
+        <p:nvGrpSpPr>
+          <p:cNvPr id="70" name="Group 69"/>
+          <p:cNvGrpSpPr/>
+          <p:nvPr/>
+        </p:nvGrpSpPr>
+        <p:grpSpPr>
+          <a:xfrm>
+            <a:off x="8124044" y="4762826"/>
+            <a:ext cx="461488" cy="237954"/>
+            <a:chOff x="7341576" y="712177"/>
+            <a:chExt cx="1125416" cy="580292"/>
+          </a:xfrm>
+        </p:grpSpPr>
+        <p:sp>
+          <p:nvSpPr>
+            <p:cNvPr id="71" name="Rectangle 70"/>
+            <p:cNvSpPr/>
+            <p:nvPr/>
+          </p:nvSpPr>
+          <p:spPr>
+            <a:xfrm>
+              <a:off x="7341577" y="712177"/>
+              <a:ext cx="1125415" cy="580292"/>
+            </a:xfrm>
+            <a:prstGeom prst="rect">
+              <a:avLst/>
+            </a:prstGeom>
+          </p:spPr>
+          <p:style>
+            <a:lnRef idx="2">
+              <a:schemeClr val="accent1">
+                <a:shade val="50000"/>
+              </a:schemeClr>
+            </a:lnRef>
+            <a:fillRef idx="1">
+              <a:schemeClr val="accent1"/>
+            </a:fillRef>
+            <a:effectRef idx="0">
+              <a:schemeClr val="accent1"/>
+            </a:effectRef>
+            <a:fontRef idx="minor">
+              <a:schemeClr val="lt1"/>
+            </a:fontRef>
+          </p:style>
+          <p:txBody>
+            <a:bodyPr rtlCol="0" anchor="ctr"/>
+            <a:lstStyle/>
+            <a:p>
+              <a:pPr algn="ctr"/>
+              <a:endParaRPr lang="en-US"/>
+            </a:p>
+          </p:txBody>
+        </p:sp>
+        <p:sp>
+          <p:nvSpPr>
+            <p:cNvPr id="72" name="Isosceles Triangle 71"/>
+            <p:cNvSpPr/>
+            <p:nvPr/>
+          </p:nvSpPr>
+          <p:spPr>
+            <a:xfrm rot="10800000">
+              <a:off x="7341576" y="712177"/>
+              <a:ext cx="1125415" cy="351692"/>
+            </a:xfrm>
+            <a:prstGeom prst="triangle">
+              <a:avLst/>
+            </a:prstGeom>
+            <a:effectLst>
+              <a:outerShdw blurRad="50800" dist="38100" dir="5400000" algn="t" rotWithShape="0">
+                <a:prstClr val="black">
+                  <a:alpha val="40000"/>
+                </a:prstClr>
+              </a:outerShdw>
+            </a:effectLst>
+          </p:spPr>
+          <p:style>
+            <a:lnRef idx="2">
+              <a:schemeClr val="accent1">
+                <a:shade val="50000"/>
+              </a:schemeClr>
+            </a:lnRef>
+            <a:fillRef idx="1">
+              <a:schemeClr val="accent1"/>
+            </a:fillRef>
+            <a:effectRef idx="0">
+              <a:schemeClr val="accent1"/>
+            </a:effectRef>
+            <a:fontRef idx="minor">
+              <a:schemeClr val="lt1"/>
+            </a:fontRef>
+          </p:style>
+          <p:txBody>
+            <a:bodyPr rtlCol="0" anchor="ctr"/>
+            <a:lstStyle/>
+            <a:p>
+              <a:pPr algn="ctr"/>
+              <a:endParaRPr lang="en-US"/>
+            </a:p>
+          </p:txBody>
+        </p:sp>
+      </p:grpSp>
+      <p:sp>
+        <p:nvSpPr>
+          <p:cNvPr id="91" name="TextBox 90"/>
+          <p:cNvSpPr txBox="1"/>
+          <p:nvPr/>
+        </p:nvSpPr>
+        <p:spPr>
+          <a:xfrm>
+            <a:off x="559444" y="5854358"/>
+            <a:ext cx="3849442" cy="369332"/>
+          </a:xfrm>
+          <a:prstGeom prst="rect">
+            <a:avLst/>
+          </a:prstGeom>
+          <a:noFill/>
+        </p:spPr>
+        <p:txBody>
+          <a:bodyPr wrap="square" rtlCol="0">
+            <a:spAutoFit/>
+          </a:bodyPr>
+          <a:lstStyle/>
+          <a:p>
+            <a:r>
+              <a:rPr lang="en-US" dirty="0">
+                <a:sym typeface="Wingdings" panose="05000000000000000000" pitchFamily="2" charset="2"/>
+              </a:rPr>
+              <a:t> http://kafka.apache.org</a:t>
+            </a:r>
+            <a:r>
+              <a:rPr lang="en-US" dirty="0" smtClean="0">
+                <a:sym typeface="Wingdings" panose="05000000000000000000" pitchFamily="2" charset="2"/>
+              </a:rPr>
+              <a:t>/</a:t>
+            </a:r>
+            <a:endParaRPr lang="en-US" dirty="0"/>
+          </a:p>
+        </p:txBody>
+      </p:sp>
+      <p:sp>
+        <p:nvSpPr>
+          <p:cNvPr id="92" name="Date Placeholder 91"/>
+          <p:cNvSpPr>
+            <a:spLocks noGrp="1"/>
+          </p:cNvSpPr>
+          <p:nvPr>
+            <p:ph type="dt" sz="half" idx="10"/>
+          </p:nvPr>
+        </p:nvSpPr>
+        <p:spPr/>
+        <p:txBody>
+          <a:bodyPr/>
+          <a:lstStyle/>
+          <a:p>
+            <a:fld id="{D8BF7C93-B40F-4D15-9768-CB81E9C1B171}" type="datetime1">
+              <a:rPr lang="en-US" smtClean="0"/>
+              <a:t>10/10/2015</a:t>
+            </a:fld>
+            <a:endParaRPr lang="en-US"/>
+          </a:p>
+        </p:txBody>
+      </p:sp>
+      <p:sp>
+        <p:nvSpPr>
+          <p:cNvPr id="93" name="Slide Number Placeholder 92"/>
+          <p:cNvSpPr>
+            <a:spLocks noGrp="1"/>
+          </p:cNvSpPr>
+          <p:nvPr>
+            <p:ph type="sldNum" sz="quarter" idx="12"/>
+          </p:nvPr>
+        </p:nvSpPr>
+        <p:spPr/>
+        <p:txBody>
+          <a:bodyPr/>
+          <a:lstStyle/>
+          <a:p>
+            <a:fld id="{F1A2D159-7083-48C9-88DE-3F666ED9E9A2}" type="slidenum">
+              <a:rPr lang="en-US" smtClean="0"/>
+              <a:t>13</a:t>
+            </a:fld>
+            <a:endParaRPr lang="en-US"/>
+          </a:p>
+        </p:txBody>
+      </p:sp>
+    </p:spTree>
+    <p:extLst>
+      <p:ext uri="{BB962C8B-B14F-4D97-AF65-F5344CB8AC3E}">
+        <p14:creationId xmlns:p14="http://schemas.microsoft.com/office/powerpoint/2010/main" val="3974552302"/>
+      </p:ext>
+    </p:extLst>
+  </p:cSld>
+  <p:clrMapOvr>
+    <a:masterClrMapping/>
+  </p:clrMapOvr>
+</p:sld>
+</file>
+
+<file path=ppt/slides/slide14.xml><?xml version="1.0" encoding="utf-8"?>
+<p:sld xmlns:a="http://schemas.openxmlformats.org/drawingml/2006/main" xmlns:r="http://schemas.openxmlformats.org/officeDocument/2006/relationships" xmlns:p="http://schemas.openxmlformats.org/presentationml/2006/main">
+  <p:cSld>
+    <p:spTree>
+      <p:nvGrpSpPr>
+        <p:cNvPr id="1" name=""/>
+        <p:cNvGrpSpPr/>
+        <p:nvPr/>
+      </p:nvGrpSpPr>
+      <p:grpSpPr>
+        <a:xfrm>
+          <a:off x="0" y="0"/>
+          <a:ext cx="0" cy="0"/>
+          <a:chOff x="0" y="0"/>
+          <a:chExt cx="0" cy="0"/>
+        </a:xfrm>
+      </p:grpSpPr>
+      <p:sp>
+        <p:nvSpPr>
+          <p:cNvPr id="2" name="Titel 1"/>
+          <p:cNvSpPr>
+            <a:spLocks noGrp="1"/>
+          </p:cNvSpPr>
+          <p:nvPr>
+            <p:ph type="title"/>
+          </p:nvPr>
+        </p:nvSpPr>
+        <p:spPr/>
+        <p:txBody>
+          <a:bodyPr/>
+          <a:lstStyle/>
+          <a:p>
+            <a:r>
+              <a:rPr lang="en-US" dirty="0" smtClean="0"/>
+              <a:t>Kafka</a:t>
+            </a:r>
+            <a:endParaRPr lang="en-US" dirty="0"/>
+          </a:p>
+        </p:txBody>
+      </p:sp>
+      <p:sp>
+        <p:nvSpPr>
+          <p:cNvPr id="3" name="Inhaltsplatzhalter 2"/>
+          <p:cNvSpPr>
+            <a:spLocks noGrp="1"/>
+          </p:cNvSpPr>
+          <p:nvPr>
+            <p:ph idx="1"/>
+          </p:nvPr>
+        </p:nvSpPr>
+        <p:spPr/>
+        <p:txBody>
+          <a:bodyPr/>
+          <a:lstStyle/>
+          <a:p>
+            <a:r>
+              <a:rPr lang="en-US" dirty="0"/>
+              <a:t>Kafka is a distributed, partitioned, replicated commit log service</a:t>
+            </a:r>
+          </a:p>
+        </p:txBody>
+      </p:sp>
+      <p:sp>
+        <p:nvSpPr>
+          <p:cNvPr id="4" name="Rectangle 3"/>
+          <p:cNvSpPr/>
+          <p:nvPr/>
+        </p:nvSpPr>
+        <p:spPr>
+          <a:xfrm>
+            <a:off x="1011959" y="2902056"/>
+            <a:ext cx="1425844" cy="526944"/>
+          </a:xfrm>
+          <a:prstGeom prst="rect">
+            <a:avLst/>
+          </a:prstGeom>
+        </p:spPr>
+        <p:style>
+          <a:lnRef idx="2">
+            <a:schemeClr val="accent3">
+              <a:shade val="50000"/>
+            </a:schemeClr>
+          </a:lnRef>
+          <a:fillRef idx="1">
+            <a:schemeClr val="accent3"/>
+          </a:fillRef>
+          <a:effectRef idx="0">
+            <a:schemeClr val="accent3"/>
+          </a:effectRef>
+          <a:fontRef idx="minor">
+            <a:schemeClr val="lt1"/>
+          </a:fontRef>
+        </p:style>
+        <p:txBody>
+          <a:bodyPr rtlCol="0" anchor="ctr"/>
+          <a:lstStyle/>
+          <a:p>
+            <a:pPr algn="ctr"/>
+            <a:r>
+              <a:rPr lang="en-US" dirty="0" smtClean="0"/>
+              <a:t>Producer A</a:t>
+            </a:r>
+            <a:endParaRPr lang="en-US" dirty="0"/>
+          </a:p>
+        </p:txBody>
+      </p:sp>
+      <p:sp>
+        <p:nvSpPr>
+          <p:cNvPr id="5" name="Rectangle 4"/>
+          <p:cNvSpPr/>
+          <p:nvPr/>
+        </p:nvSpPr>
+        <p:spPr>
+          <a:xfrm>
+            <a:off x="1011959" y="4993009"/>
+            <a:ext cx="1425844" cy="526944"/>
+          </a:xfrm>
+          <a:prstGeom prst="rect">
+            <a:avLst/>
+          </a:prstGeom>
+        </p:spPr>
+        <p:style>
+          <a:lnRef idx="2">
+            <a:schemeClr val="accent3">
+              <a:shade val="50000"/>
+            </a:schemeClr>
+          </a:lnRef>
+          <a:fillRef idx="1">
+            <a:schemeClr val="accent3"/>
+          </a:fillRef>
+          <a:effectRef idx="0">
+            <a:schemeClr val="accent3"/>
+          </a:effectRef>
+          <a:fontRef idx="minor">
+            <a:schemeClr val="lt1"/>
+          </a:fontRef>
+        </p:style>
+        <p:txBody>
+          <a:bodyPr rtlCol="0" anchor="ctr"/>
+          <a:lstStyle/>
+          <a:p>
+            <a:pPr algn="ctr"/>
+            <a:r>
+              <a:rPr lang="en-US" dirty="0" smtClean="0"/>
+              <a:t>Producer B</a:t>
+            </a:r>
+            <a:endParaRPr lang="en-US" dirty="0"/>
+          </a:p>
+        </p:txBody>
+      </p:sp>
+      <p:sp>
+        <p:nvSpPr>
+          <p:cNvPr id="6" name="Zylinder 4"/>
+          <p:cNvSpPr/>
+          <p:nvPr/>
+        </p:nvSpPr>
+        <p:spPr>
+          <a:xfrm rot="5400000">
+            <a:off x="3888558" y="2225198"/>
+            <a:ext cx="2617897" cy="3971615"/>
+          </a:xfrm>
+          <a:prstGeom prst="can">
+            <a:avLst/>
+          </a:prstGeom>
+        </p:spPr>
+        <p:style>
+          <a:lnRef idx="2">
+            <a:schemeClr val="accent2">
+              <a:shade val="50000"/>
+            </a:schemeClr>
+          </a:lnRef>
+          <a:fillRef idx="1">
+            <a:schemeClr val="accent2"/>
+          </a:fillRef>
+          <a:effectRef idx="0">
+            <a:schemeClr val="accent2"/>
+          </a:effectRef>
+          <a:fontRef idx="minor">
+            <a:schemeClr val="lt1"/>
+          </a:fontRef>
+        </p:style>
+        <p:txBody>
+          <a:bodyPr vert="vert270" rtlCol="0" anchor="t"/>
+          <a:lstStyle/>
+          <a:p>
+            <a:pPr algn="ctr"/>
+            <a:r>
+              <a:rPr lang="en-US" dirty="0" smtClean="0"/>
+              <a:t>Topic</a:t>
+            </a:r>
+            <a:endParaRPr lang="en-US" dirty="0"/>
+          </a:p>
+        </p:txBody>
+      </p:sp>
+      <p:sp>
+        <p:nvSpPr>
+          <p:cNvPr id="7" name="Zylinder 4"/>
+          <p:cNvSpPr/>
+          <p:nvPr/>
+        </p:nvSpPr>
+        <p:spPr>
+          <a:xfrm rot="5400000">
+            <a:off x="4965317" y="2205851"/>
+            <a:ext cx="546438" cy="2605877"/>
+          </a:xfrm>
+          <a:prstGeom prst="can">
+            <a:avLst/>
+          </a:prstGeom>
+        </p:spPr>
+        <p:style>
+          <a:lnRef idx="2">
+            <a:schemeClr val="accent6">
+              <a:shade val="50000"/>
+            </a:schemeClr>
+          </a:lnRef>
+          <a:fillRef idx="1">
+            <a:schemeClr val="accent6"/>
+          </a:fillRef>
+          <a:effectRef idx="0">
+            <a:schemeClr val="accent6"/>
+          </a:effectRef>
+          <a:fontRef idx="minor">
+            <a:schemeClr val="lt1"/>
+          </a:fontRef>
+        </p:style>
+        <p:txBody>
+          <a:bodyPr vert="vert270" rtlCol="0" anchor="ctr"/>
+          <a:lstStyle/>
+          <a:p>
+            <a:pPr algn="r"/>
+            <a:r>
+              <a:rPr lang="en-US" dirty="0" smtClean="0"/>
+              <a:t>Partition 1</a:t>
+            </a:r>
+            <a:endParaRPr lang="en-US" dirty="0"/>
+          </a:p>
+        </p:txBody>
+      </p:sp>
+      <p:sp>
+        <p:nvSpPr>
+          <p:cNvPr id="8" name="Zylinder 4"/>
+          <p:cNvSpPr/>
+          <p:nvPr/>
+        </p:nvSpPr>
+        <p:spPr>
+          <a:xfrm rot="5400000">
+            <a:off x="4965317" y="2908066"/>
+            <a:ext cx="546438" cy="2605877"/>
+          </a:xfrm>
+          <a:prstGeom prst="can">
+            <a:avLst/>
+          </a:prstGeom>
+        </p:spPr>
+        <p:style>
+          <a:lnRef idx="2">
+            <a:schemeClr val="accent6">
+              <a:shade val="50000"/>
+            </a:schemeClr>
+          </a:lnRef>
+          <a:fillRef idx="1">
+            <a:schemeClr val="accent6"/>
+          </a:fillRef>
+          <a:effectRef idx="0">
+            <a:schemeClr val="accent6"/>
+          </a:effectRef>
+          <a:fontRef idx="minor">
+            <a:schemeClr val="lt1"/>
+          </a:fontRef>
+        </p:style>
+        <p:txBody>
+          <a:bodyPr vert="vert270" rtlCol="0" anchor="ctr"/>
+          <a:lstStyle/>
+          <a:p>
+            <a:pPr algn="r"/>
+            <a:r>
+              <a:rPr lang="en-US" dirty="0" smtClean="0"/>
+              <a:t>Partition 2</a:t>
+            </a:r>
+            <a:endParaRPr lang="en-US" dirty="0"/>
+          </a:p>
+        </p:txBody>
+      </p:sp>
+      <p:sp>
+        <p:nvSpPr>
+          <p:cNvPr id="9" name="Zylinder 4"/>
+          <p:cNvSpPr/>
+          <p:nvPr/>
+        </p:nvSpPr>
+        <p:spPr>
+          <a:xfrm rot="5400000">
+            <a:off x="4965317" y="3719741"/>
+            <a:ext cx="546438" cy="2605877"/>
+          </a:xfrm>
+          <a:prstGeom prst="can">
+            <a:avLst/>
+          </a:prstGeom>
+        </p:spPr>
+        <p:style>
+          <a:lnRef idx="2">
+            <a:schemeClr val="accent6">
+              <a:shade val="50000"/>
+            </a:schemeClr>
+          </a:lnRef>
+          <a:fillRef idx="1">
+            <a:schemeClr val="accent6"/>
+          </a:fillRef>
+          <a:effectRef idx="0">
+            <a:schemeClr val="accent6"/>
+          </a:effectRef>
+          <a:fontRef idx="minor">
+            <a:schemeClr val="lt1"/>
+          </a:fontRef>
+        </p:style>
+        <p:txBody>
+          <a:bodyPr vert="vert270" rtlCol="0" anchor="ctr"/>
+          <a:lstStyle/>
+          <a:p>
+            <a:pPr algn="r"/>
+            <a:r>
+              <a:rPr lang="en-US" dirty="0" smtClean="0"/>
+              <a:t>Partition 3</a:t>
+            </a:r>
+            <a:endParaRPr lang="en-US" dirty="0"/>
+          </a:p>
+        </p:txBody>
+      </p:sp>
+      <p:cxnSp>
+        <p:nvCxnSpPr>
+          <p:cNvPr id="11" name="Straight Arrow Connector 10"/>
+          <p:cNvCxnSpPr>
+            <a:stCxn id="4" idx="3"/>
+            <a:endCxn id="7" idx="3"/>
+          </p:cNvCxnSpPr>
+          <p:nvPr/>
+        </p:nvCxnSpPr>
+        <p:spPr>
+          <a:xfrm>
+            <a:off x="2437803" y="3165528"/>
+            <a:ext cx="1497795" cy="343262"/>
+          </a:xfrm>
+          <a:prstGeom prst="straightConnector1">
+            <a:avLst/>
+          </a:prstGeom>
+          <a:ln>
+            <a:tailEnd type="triangle"/>
+          </a:ln>
+        </p:spPr>
+        <p:style>
+          <a:lnRef idx="3">
+            <a:schemeClr val="dk1"/>
+          </a:lnRef>
+          <a:fillRef idx="0">
+            <a:schemeClr val="dk1"/>
+          </a:fillRef>
+          <a:effectRef idx="2">
+            <a:schemeClr val="dk1"/>
+          </a:effectRef>
+          <a:fontRef idx="minor">
+            <a:schemeClr val="tx1"/>
+          </a:fontRef>
+        </p:style>
+      </p:cxnSp>
+      <p:cxnSp>
+        <p:nvCxnSpPr>
+          <p:cNvPr id="12" name="Straight Arrow Connector 11"/>
+          <p:cNvCxnSpPr>
+            <a:stCxn id="4" idx="3"/>
+            <a:endCxn id="8" idx="3"/>
+          </p:cNvCxnSpPr>
+          <p:nvPr/>
+        </p:nvCxnSpPr>
+        <p:spPr>
+          <a:xfrm>
+            <a:off x="2437803" y="3165528"/>
+            <a:ext cx="1497795" cy="1045477"/>
+          </a:xfrm>
+          <a:prstGeom prst="straightConnector1">
+            <a:avLst/>
+          </a:prstGeom>
+          <a:ln>
+            <a:tailEnd type="triangle"/>
+          </a:ln>
+        </p:spPr>
+        <p:style>
+          <a:lnRef idx="3">
+            <a:schemeClr val="dk1"/>
+          </a:lnRef>
+          <a:fillRef idx="0">
+            <a:schemeClr val="dk1"/>
+          </a:fillRef>
+          <a:effectRef idx="2">
+            <a:schemeClr val="dk1"/>
+          </a:effectRef>
+          <a:fontRef idx="minor">
+            <a:schemeClr val="tx1"/>
+          </a:fontRef>
+        </p:style>
+      </p:cxnSp>
+      <p:cxnSp>
+        <p:nvCxnSpPr>
+          <p:cNvPr id="15" name="Straight Arrow Connector 14"/>
+          <p:cNvCxnSpPr>
+            <a:stCxn id="5" idx="3"/>
+            <a:endCxn id="9" idx="3"/>
+          </p:cNvCxnSpPr>
+          <p:nvPr/>
+        </p:nvCxnSpPr>
+        <p:spPr>
+          <a:xfrm flipV="1">
+            <a:off x="2437803" y="5022680"/>
+            <a:ext cx="1497795" cy="233801"/>
+          </a:xfrm>
+          <a:prstGeom prst="straightConnector1">
+            <a:avLst/>
+          </a:prstGeom>
+          <a:ln>
+            <a:tailEnd type="triangle"/>
+          </a:ln>
+        </p:spPr>
+        <p:style>
+          <a:lnRef idx="3">
+            <a:schemeClr val="dk1"/>
+          </a:lnRef>
+          <a:fillRef idx="0">
+            <a:schemeClr val="dk1"/>
+          </a:fillRef>
+          <a:effectRef idx="2">
+            <a:schemeClr val="dk1"/>
+          </a:effectRef>
+          <a:fontRef idx="minor">
+            <a:schemeClr val="tx1"/>
+          </a:fontRef>
+        </p:style>
+      </p:cxnSp>
+      <p:sp>
+        <p:nvSpPr>
+          <p:cNvPr id="18" name="Rectangle 17"/>
+          <p:cNvSpPr/>
+          <p:nvPr/>
+        </p:nvSpPr>
+        <p:spPr>
+          <a:xfrm>
+            <a:off x="9420336" y="2902055"/>
+            <a:ext cx="1425844" cy="526944"/>
+          </a:xfrm>
+          <a:prstGeom prst="rect">
+            <a:avLst/>
+          </a:prstGeom>
+        </p:spPr>
+        <p:style>
+          <a:lnRef idx="2">
+            <a:schemeClr val="accent3">
+              <a:shade val="50000"/>
+            </a:schemeClr>
+          </a:lnRef>
+          <a:fillRef idx="1">
+            <a:schemeClr val="accent3"/>
+          </a:fillRef>
+          <a:effectRef idx="0">
+            <a:schemeClr val="accent3"/>
+          </a:effectRef>
+          <a:fontRef idx="minor">
+            <a:schemeClr val="lt1"/>
+          </a:fontRef>
+        </p:style>
+        <p:txBody>
+          <a:bodyPr rtlCol="0" anchor="ctr"/>
+          <a:lstStyle/>
+          <a:p>
+            <a:pPr algn="ctr"/>
+            <a:r>
+              <a:rPr lang="en-US" dirty="0" smtClean="0"/>
+              <a:t>Consumer A</a:t>
+            </a:r>
+            <a:endParaRPr lang="en-US" dirty="0"/>
+          </a:p>
+        </p:txBody>
+      </p:sp>
+      <p:sp>
+        <p:nvSpPr>
+          <p:cNvPr id="19" name="Rectangle 18"/>
+          <p:cNvSpPr/>
+          <p:nvPr/>
+        </p:nvSpPr>
+        <p:spPr>
+          <a:xfrm>
+            <a:off x="9420336" y="4135909"/>
+            <a:ext cx="1425844" cy="526944"/>
+          </a:xfrm>
+          <a:prstGeom prst="rect">
+            <a:avLst/>
+          </a:prstGeom>
+        </p:spPr>
+        <p:style>
+          <a:lnRef idx="2">
+            <a:schemeClr val="accent3">
+              <a:shade val="50000"/>
+            </a:schemeClr>
+          </a:lnRef>
+          <a:fillRef idx="1">
+            <a:schemeClr val="accent3"/>
+          </a:fillRef>
+          <a:effectRef idx="0">
+            <a:schemeClr val="accent3"/>
+          </a:effectRef>
+          <a:fontRef idx="minor">
+            <a:schemeClr val="lt1"/>
+          </a:fontRef>
+        </p:style>
+        <p:txBody>
+          <a:bodyPr rtlCol="0" anchor="ctr"/>
+          <a:lstStyle/>
+          <a:p>
+            <a:pPr algn="ctr"/>
+            <a:r>
+              <a:rPr lang="en-US" dirty="0" smtClean="0"/>
+              <a:t>Consumer B</a:t>
+            </a:r>
+            <a:endParaRPr lang="en-US" dirty="0"/>
+          </a:p>
+        </p:txBody>
+      </p:sp>
+      <p:sp>
+        <p:nvSpPr>
+          <p:cNvPr id="20" name="Rectangle 19"/>
+          <p:cNvSpPr/>
+          <p:nvPr/>
+        </p:nvSpPr>
+        <p:spPr>
+          <a:xfrm>
+            <a:off x="9420336" y="5152661"/>
+            <a:ext cx="1425844" cy="526944"/>
+          </a:xfrm>
+          <a:prstGeom prst="rect">
+            <a:avLst/>
+          </a:prstGeom>
+        </p:spPr>
+        <p:style>
+          <a:lnRef idx="2">
+            <a:schemeClr val="accent3">
+              <a:shade val="50000"/>
+            </a:schemeClr>
+          </a:lnRef>
+          <a:fillRef idx="1">
+            <a:schemeClr val="accent3"/>
+          </a:fillRef>
+          <a:effectRef idx="0">
+            <a:schemeClr val="accent3"/>
+          </a:effectRef>
+          <a:fontRef idx="minor">
+            <a:schemeClr val="lt1"/>
+          </a:fontRef>
+        </p:style>
+        <p:txBody>
+          <a:bodyPr rtlCol="0" anchor="ctr"/>
+          <a:lstStyle/>
+          <a:p>
+            <a:pPr algn="ctr"/>
+            <a:r>
+              <a:rPr lang="en-US" dirty="0" smtClean="0"/>
+              <a:t>Consumer C</a:t>
+            </a:r>
+            <a:endParaRPr lang="en-US" dirty="0"/>
+          </a:p>
+        </p:txBody>
+      </p:sp>
+      <p:cxnSp>
+        <p:nvCxnSpPr>
+          <p:cNvPr id="21" name="Straight Arrow Connector 20"/>
+          <p:cNvCxnSpPr>
+            <a:stCxn id="9" idx="1"/>
+            <a:endCxn id="20" idx="1"/>
+          </p:cNvCxnSpPr>
+          <p:nvPr/>
+        </p:nvCxnSpPr>
+        <p:spPr>
+          <a:xfrm>
+            <a:off x="6541475" y="5022680"/>
+            <a:ext cx="2878861" cy="393453"/>
+          </a:xfrm>
+          <a:prstGeom prst="straightConnector1">
+            <a:avLst/>
+          </a:prstGeom>
+          <a:ln>
+            <a:tailEnd type="triangle"/>
+          </a:ln>
+        </p:spPr>
+        <p:style>
+          <a:lnRef idx="3">
+            <a:schemeClr val="dk1"/>
+          </a:lnRef>
+          <a:fillRef idx="0">
+            <a:schemeClr val="dk1"/>
+          </a:fillRef>
+          <a:effectRef idx="2">
+            <a:schemeClr val="dk1"/>
+          </a:effectRef>
+          <a:fontRef idx="minor">
+            <a:schemeClr val="tx1"/>
+          </a:fontRef>
+        </p:style>
+      </p:cxnSp>
+      <p:cxnSp>
+        <p:nvCxnSpPr>
+          <p:cNvPr id="24" name="Straight Arrow Connector 23"/>
+          <p:cNvCxnSpPr>
+            <a:stCxn id="8" idx="1"/>
+            <a:endCxn id="19" idx="1"/>
+          </p:cNvCxnSpPr>
+          <p:nvPr/>
+        </p:nvCxnSpPr>
+        <p:spPr>
+          <a:xfrm>
+            <a:off x="6541475" y="4211005"/>
+            <a:ext cx="2878861" cy="188376"/>
+          </a:xfrm>
+          <a:prstGeom prst="straightConnector1">
+            <a:avLst/>
+          </a:prstGeom>
+          <a:ln>
+            <a:tailEnd type="triangle"/>
+          </a:ln>
+        </p:spPr>
+        <p:style>
+          <a:lnRef idx="3">
+            <a:schemeClr val="dk1"/>
+          </a:lnRef>
+          <a:fillRef idx="0">
+            <a:schemeClr val="dk1"/>
+          </a:fillRef>
+          <a:effectRef idx="2">
+            <a:schemeClr val="dk1"/>
+          </a:effectRef>
+          <a:fontRef idx="minor">
+            <a:schemeClr val="tx1"/>
+          </a:fontRef>
+        </p:style>
+      </p:cxnSp>
+      <p:cxnSp>
+        <p:nvCxnSpPr>
+          <p:cNvPr id="27" name="Straight Arrow Connector 26"/>
+          <p:cNvCxnSpPr>
+            <a:stCxn id="7" idx="1"/>
+            <a:endCxn id="18" idx="1"/>
+          </p:cNvCxnSpPr>
+          <p:nvPr/>
+        </p:nvCxnSpPr>
+        <p:spPr>
+          <a:xfrm flipV="1">
+            <a:off x="6541475" y="3165527"/>
+            <a:ext cx="2878861" cy="343263"/>
+          </a:xfrm>
+          <a:prstGeom prst="straightConnector1">
+            <a:avLst/>
+          </a:prstGeom>
+          <a:ln>
+            <a:tailEnd type="triangle"/>
+          </a:ln>
+        </p:spPr>
+        <p:style>
+          <a:lnRef idx="3">
+            <a:schemeClr val="dk1"/>
+          </a:lnRef>
+          <a:fillRef idx="0">
+            <a:schemeClr val="dk1"/>
+          </a:fillRef>
+          <a:effectRef idx="2">
+            <a:schemeClr val="dk1"/>
+          </a:effectRef>
+          <a:fontRef idx="minor">
+            <a:schemeClr val="tx1"/>
+          </a:fontRef>
+        </p:style>
+      </p:cxnSp>
+      <p:grpSp>
+        <p:nvGrpSpPr>
+          <p:cNvPr id="46" name="Group 45"/>
+          <p:cNvGrpSpPr/>
+          <p:nvPr/>
+        </p:nvGrpSpPr>
+        <p:grpSpPr>
+          <a:xfrm>
+            <a:off x="4089773" y="4920122"/>
+            <a:ext cx="461488" cy="237954"/>
+            <a:chOff x="7341576" y="712177"/>
+            <a:chExt cx="1125416" cy="580292"/>
+          </a:xfrm>
+        </p:grpSpPr>
+        <p:sp>
+          <p:nvSpPr>
+            <p:cNvPr id="47" name="Rectangle 46"/>
+            <p:cNvSpPr/>
+            <p:nvPr/>
+          </p:nvSpPr>
+          <p:spPr>
+            <a:xfrm>
+              <a:off x="7341577" y="712177"/>
+              <a:ext cx="1125415" cy="580292"/>
+            </a:xfrm>
+            <a:prstGeom prst="rect">
+              <a:avLst/>
+            </a:prstGeom>
+          </p:spPr>
+          <p:style>
+            <a:lnRef idx="2">
+              <a:schemeClr val="accent1">
+                <a:shade val="50000"/>
+              </a:schemeClr>
+            </a:lnRef>
+            <a:fillRef idx="1">
+              <a:schemeClr val="accent1"/>
+            </a:fillRef>
+            <a:effectRef idx="0">
+              <a:schemeClr val="accent1"/>
+            </a:effectRef>
+            <a:fontRef idx="minor">
+              <a:schemeClr val="lt1"/>
+            </a:fontRef>
+          </p:style>
+          <p:txBody>
+            <a:bodyPr rtlCol="0" anchor="ctr"/>
+            <a:lstStyle/>
+            <a:p>
+              <a:pPr algn="ctr"/>
+              <a:endParaRPr lang="en-US"/>
+            </a:p>
+          </p:txBody>
+        </p:sp>
+        <p:sp>
+          <p:nvSpPr>
+            <p:cNvPr id="48" name="Isosceles Triangle 47"/>
+            <p:cNvSpPr/>
+            <p:nvPr/>
+          </p:nvSpPr>
+          <p:spPr>
+            <a:xfrm rot="10800000">
+              <a:off x="7341576" y="712177"/>
+              <a:ext cx="1125415" cy="351692"/>
+            </a:xfrm>
+            <a:prstGeom prst="triangle">
+              <a:avLst/>
+            </a:prstGeom>
+            <a:effectLst>
+              <a:outerShdw blurRad="50800" dist="38100" dir="5400000" algn="t" rotWithShape="0">
+                <a:prstClr val="black">
+                  <a:alpha val="40000"/>
+                </a:prstClr>
+              </a:outerShdw>
+            </a:effectLst>
+          </p:spPr>
+          <p:style>
+            <a:lnRef idx="2">
+              <a:schemeClr val="accent1">
+                <a:shade val="50000"/>
+              </a:schemeClr>
+            </a:lnRef>
+            <a:fillRef idx="1">
+              <a:schemeClr val="accent1"/>
+            </a:fillRef>
+            <a:effectRef idx="0">
+              <a:schemeClr val="accent1"/>
+            </a:effectRef>
+            <a:fontRef idx="minor">
+              <a:schemeClr val="lt1"/>
+            </a:fontRef>
+          </p:style>
+          <p:txBody>
+            <a:bodyPr rtlCol="0" anchor="ctr"/>
+            <a:lstStyle/>
+            <a:p>
+              <a:pPr algn="ctr"/>
+              <a:endParaRPr lang="en-US"/>
+            </a:p>
+          </p:txBody>
+        </p:sp>
+      </p:grpSp>
+      <p:grpSp>
+        <p:nvGrpSpPr>
+          <p:cNvPr id="49" name="Group 48"/>
+          <p:cNvGrpSpPr/>
+          <p:nvPr/>
+        </p:nvGrpSpPr>
+        <p:grpSpPr>
+          <a:xfrm>
+            <a:off x="4089773" y="3424244"/>
+            <a:ext cx="461488" cy="237954"/>
+            <a:chOff x="7341576" y="712177"/>
+            <a:chExt cx="1125416" cy="580292"/>
+          </a:xfrm>
+        </p:grpSpPr>
+        <p:sp>
+          <p:nvSpPr>
+            <p:cNvPr id="50" name="Rectangle 49"/>
+            <p:cNvSpPr/>
+            <p:nvPr/>
+          </p:nvSpPr>
+          <p:spPr>
+            <a:xfrm>
+              <a:off x="7341577" y="712177"/>
+              <a:ext cx="1125415" cy="580292"/>
+            </a:xfrm>
+            <a:prstGeom prst="rect">
+              <a:avLst/>
+            </a:prstGeom>
+          </p:spPr>
+          <p:style>
+            <a:lnRef idx="2">
+              <a:schemeClr val="accent1">
+                <a:shade val="50000"/>
+              </a:schemeClr>
+            </a:lnRef>
+            <a:fillRef idx="1">
+              <a:schemeClr val="accent1"/>
+            </a:fillRef>
+            <a:effectRef idx="0">
+              <a:schemeClr val="accent1"/>
+            </a:effectRef>
+            <a:fontRef idx="minor">
+              <a:schemeClr val="lt1"/>
+            </a:fontRef>
+          </p:style>
+          <p:txBody>
+            <a:bodyPr rtlCol="0" anchor="ctr"/>
+            <a:lstStyle/>
+            <a:p>
+              <a:pPr algn="ctr"/>
+              <a:endParaRPr lang="en-US"/>
+            </a:p>
+          </p:txBody>
+        </p:sp>
+        <p:sp>
+          <p:nvSpPr>
+            <p:cNvPr id="51" name="Isosceles Triangle 50"/>
+            <p:cNvSpPr/>
+            <p:nvPr/>
+          </p:nvSpPr>
+          <p:spPr>
+            <a:xfrm rot="10800000">
+              <a:off x="7341576" y="712177"/>
+              <a:ext cx="1125415" cy="351692"/>
+            </a:xfrm>
+            <a:prstGeom prst="triangle">
+              <a:avLst/>
+            </a:prstGeom>
+            <a:effectLst>
+              <a:outerShdw blurRad="50800" dist="38100" dir="5400000" algn="t" rotWithShape="0">
+                <a:prstClr val="black">
+                  <a:alpha val="40000"/>
+                </a:prstClr>
+              </a:outerShdw>
+            </a:effectLst>
+          </p:spPr>
+          <p:style>
+            <a:lnRef idx="2">
+              <a:schemeClr val="accent1">
+                <a:shade val="50000"/>
+              </a:schemeClr>
+            </a:lnRef>
+            <a:fillRef idx="1">
+              <a:schemeClr val="accent1"/>
+            </a:fillRef>
+            <a:effectRef idx="0">
+              <a:schemeClr val="accent1"/>
+            </a:effectRef>
+            <a:fontRef idx="minor">
+              <a:schemeClr val="lt1"/>
+            </a:fontRef>
+          </p:style>
+          <p:txBody>
+            <a:bodyPr rtlCol="0" anchor="ctr"/>
+            <a:lstStyle/>
+            <a:p>
+              <a:pPr algn="ctr"/>
+              <a:endParaRPr lang="en-US"/>
+            </a:p>
+          </p:txBody>
+        </p:sp>
+      </p:grpSp>
+      <p:grpSp>
+        <p:nvGrpSpPr>
+          <p:cNvPr id="52" name="Group 51"/>
+          <p:cNvGrpSpPr/>
+          <p:nvPr/>
+        </p:nvGrpSpPr>
+        <p:grpSpPr>
+          <a:xfrm>
+            <a:off x="4089773" y="4067239"/>
+            <a:ext cx="461488" cy="237954"/>
+            <a:chOff x="7341576" y="712177"/>
+            <a:chExt cx="1125416" cy="580292"/>
+          </a:xfrm>
+        </p:grpSpPr>
+        <p:sp>
+          <p:nvSpPr>
+            <p:cNvPr id="53" name="Rectangle 52"/>
+            <p:cNvSpPr/>
+            <p:nvPr/>
+          </p:nvSpPr>
+          <p:spPr>
+            <a:xfrm>
+              <a:off x="7341577" y="712177"/>
+              <a:ext cx="1125415" cy="580292"/>
+            </a:xfrm>
+            <a:prstGeom prst="rect">
+              <a:avLst/>
+            </a:prstGeom>
+          </p:spPr>
+          <p:style>
+            <a:lnRef idx="2">
+              <a:schemeClr val="accent1">
+                <a:shade val="50000"/>
+              </a:schemeClr>
+            </a:lnRef>
+            <a:fillRef idx="1">
+              <a:schemeClr val="accent1"/>
+            </a:fillRef>
+            <a:effectRef idx="0">
+              <a:schemeClr val="accent1"/>
+            </a:effectRef>
+            <a:fontRef idx="minor">
+              <a:schemeClr val="lt1"/>
+            </a:fontRef>
+          </p:style>
+          <p:txBody>
+            <a:bodyPr rtlCol="0" anchor="ctr"/>
+            <a:lstStyle/>
+            <a:p>
+              <a:pPr algn="ctr"/>
+              <a:endParaRPr lang="en-US"/>
+            </a:p>
+          </p:txBody>
+        </p:sp>
+        <p:sp>
+          <p:nvSpPr>
+            <p:cNvPr id="54" name="Isosceles Triangle 53"/>
+            <p:cNvSpPr/>
+            <p:nvPr/>
+          </p:nvSpPr>
+          <p:spPr>
+            <a:xfrm rot="10800000">
+              <a:off x="7341576" y="712177"/>
+              <a:ext cx="1125415" cy="351692"/>
+            </a:xfrm>
+            <a:prstGeom prst="triangle">
+              <a:avLst/>
+            </a:prstGeom>
+            <a:effectLst>
+              <a:outerShdw blurRad="50800" dist="38100" dir="5400000" algn="t" rotWithShape="0">
+                <a:prstClr val="black">
+                  <a:alpha val="40000"/>
+                </a:prstClr>
+              </a:outerShdw>
+            </a:effectLst>
+          </p:spPr>
+          <p:style>
+            <a:lnRef idx="2">
+              <a:schemeClr val="accent1">
+                <a:shade val="50000"/>
+              </a:schemeClr>
+            </a:lnRef>
+            <a:fillRef idx="1">
+              <a:schemeClr val="accent1"/>
+            </a:fillRef>
+            <a:effectRef idx="0">
+              <a:schemeClr val="accent1"/>
+            </a:effectRef>
+            <a:fontRef idx="minor">
+              <a:schemeClr val="lt1"/>
+            </a:fontRef>
+          </p:style>
+          <p:txBody>
+            <a:bodyPr rtlCol="0" anchor="ctr"/>
+            <a:lstStyle/>
+            <a:p>
+              <a:pPr algn="ctr"/>
+              <a:endParaRPr lang="en-US"/>
+            </a:p>
+          </p:txBody>
+        </p:sp>
+      </p:grpSp>
+      <p:grpSp>
+        <p:nvGrpSpPr>
+          <p:cNvPr id="55" name="Group 54"/>
+          <p:cNvGrpSpPr/>
+          <p:nvPr/>
+        </p:nvGrpSpPr>
+        <p:grpSpPr>
+          <a:xfrm>
+            <a:off x="2686039" y="2954682"/>
+            <a:ext cx="461488" cy="237954"/>
+            <a:chOff x="7341576" y="712177"/>
+            <a:chExt cx="1125416" cy="580292"/>
+          </a:xfrm>
+        </p:grpSpPr>
+        <p:sp>
+          <p:nvSpPr>
+            <p:cNvPr id="56" name="Rectangle 55"/>
+            <p:cNvSpPr/>
+            <p:nvPr/>
+          </p:nvSpPr>
+          <p:spPr>
+            <a:xfrm>
+              <a:off x="7341577" y="712177"/>
+              <a:ext cx="1125415" cy="580292"/>
+            </a:xfrm>
+            <a:prstGeom prst="rect">
+              <a:avLst/>
+            </a:prstGeom>
+          </p:spPr>
+          <p:style>
+            <a:lnRef idx="2">
+              <a:schemeClr val="accent1">
+                <a:shade val="50000"/>
+              </a:schemeClr>
+            </a:lnRef>
+            <a:fillRef idx="1">
+              <a:schemeClr val="accent1"/>
+            </a:fillRef>
+            <a:effectRef idx="0">
+              <a:schemeClr val="accent1"/>
+            </a:effectRef>
+            <a:fontRef idx="minor">
+              <a:schemeClr val="lt1"/>
+            </a:fontRef>
+          </p:style>
+          <p:txBody>
+            <a:bodyPr rtlCol="0" anchor="ctr"/>
+            <a:lstStyle/>
+            <a:p>
+              <a:pPr algn="ctr"/>
+              <a:endParaRPr lang="en-US"/>
+            </a:p>
+          </p:txBody>
+        </p:sp>
+        <p:sp>
+          <p:nvSpPr>
+            <p:cNvPr id="57" name="Isosceles Triangle 56"/>
+            <p:cNvSpPr/>
+            <p:nvPr/>
+          </p:nvSpPr>
+          <p:spPr>
+            <a:xfrm rot="10800000">
+              <a:off x="7341576" y="712177"/>
+              <a:ext cx="1125415" cy="351692"/>
+            </a:xfrm>
+            <a:prstGeom prst="triangle">
+              <a:avLst/>
+            </a:prstGeom>
+            <a:effectLst>
+              <a:outerShdw blurRad="50800" dist="38100" dir="5400000" algn="t" rotWithShape="0">
+                <a:prstClr val="black">
+                  <a:alpha val="40000"/>
+                </a:prstClr>
+              </a:outerShdw>
+            </a:effectLst>
+          </p:spPr>
+          <p:style>
+            <a:lnRef idx="2">
+              <a:schemeClr val="accent1">
+                <a:shade val="50000"/>
+              </a:schemeClr>
+            </a:lnRef>
+            <a:fillRef idx="1">
+              <a:schemeClr val="accent1"/>
+            </a:fillRef>
+            <a:effectRef idx="0">
+              <a:schemeClr val="accent1"/>
+            </a:effectRef>
+            <a:fontRef idx="minor">
+              <a:schemeClr val="lt1"/>
+            </a:fontRef>
+          </p:style>
+          <p:txBody>
+            <a:bodyPr rtlCol="0" anchor="ctr"/>
+            <a:lstStyle/>
+            <a:p>
+              <a:pPr algn="ctr"/>
+              <a:endParaRPr lang="en-US"/>
+            </a:p>
+          </p:txBody>
+        </p:sp>
+      </p:grpSp>
+      <p:grpSp>
+        <p:nvGrpSpPr>
+          <p:cNvPr id="58" name="Group 57"/>
+          <p:cNvGrpSpPr/>
+          <p:nvPr/>
+        </p:nvGrpSpPr>
+        <p:grpSpPr>
+          <a:xfrm>
+            <a:off x="2686039" y="4867156"/>
+            <a:ext cx="461488" cy="237954"/>
+            <a:chOff x="7341576" y="712177"/>
+            <a:chExt cx="1125416" cy="580292"/>
+          </a:xfrm>
+        </p:grpSpPr>
+        <p:sp>
+          <p:nvSpPr>
+            <p:cNvPr id="59" name="Rectangle 58"/>
+            <p:cNvSpPr/>
+            <p:nvPr/>
+          </p:nvSpPr>
+          <p:spPr>
+            <a:xfrm>
+              <a:off x="7341577" y="712177"/>
+              <a:ext cx="1125415" cy="580292"/>
+            </a:xfrm>
+            <a:prstGeom prst="rect">
+              <a:avLst/>
+            </a:prstGeom>
+          </p:spPr>
+          <p:style>
+            <a:lnRef idx="2">
+              <a:schemeClr val="accent1">
+                <a:shade val="50000"/>
+              </a:schemeClr>
+            </a:lnRef>
+            <a:fillRef idx="1">
+              <a:schemeClr val="accent1"/>
+            </a:fillRef>
+            <a:effectRef idx="0">
+              <a:schemeClr val="accent1"/>
+            </a:effectRef>
+            <a:fontRef idx="minor">
+              <a:schemeClr val="lt1"/>
+            </a:fontRef>
+          </p:style>
+          <p:txBody>
+            <a:bodyPr rtlCol="0" anchor="ctr"/>
+            <a:lstStyle/>
+            <a:p>
+              <a:pPr algn="ctr"/>
+              <a:endParaRPr lang="en-US"/>
+            </a:p>
+          </p:txBody>
+        </p:sp>
+        <p:sp>
+          <p:nvSpPr>
+            <p:cNvPr id="60" name="Isosceles Triangle 59"/>
+            <p:cNvSpPr/>
+            <p:nvPr/>
+          </p:nvSpPr>
+          <p:spPr>
+            <a:xfrm rot="10800000">
+              <a:off x="7341576" y="712177"/>
+              <a:ext cx="1125415" cy="351692"/>
+            </a:xfrm>
+            <a:prstGeom prst="triangle">
+              <a:avLst/>
+            </a:prstGeom>
+            <a:effectLst>
+              <a:outerShdw blurRad="50800" dist="38100" dir="5400000" algn="t" rotWithShape="0">
+                <a:prstClr val="black">
+                  <a:alpha val="40000"/>
+                </a:prstClr>
+              </a:outerShdw>
+            </a:effectLst>
+          </p:spPr>
+          <p:style>
+            <a:lnRef idx="2">
+              <a:schemeClr val="accent1">
+                <a:shade val="50000"/>
+              </a:schemeClr>
+            </a:lnRef>
+            <a:fillRef idx="1">
+              <a:schemeClr val="accent1"/>
+            </a:fillRef>
+            <a:effectRef idx="0">
+              <a:schemeClr val="accent1"/>
+            </a:effectRef>
+            <a:fontRef idx="minor">
+              <a:schemeClr val="lt1"/>
+            </a:fontRef>
+          </p:style>
+          <p:txBody>
+            <a:bodyPr rtlCol="0" anchor="ctr"/>
+            <a:lstStyle/>
+            <a:p>
+              <a:pPr algn="ctr"/>
+              <a:endParaRPr lang="en-US"/>
+            </a:p>
+          </p:txBody>
+        </p:sp>
+      </p:grpSp>
+      <p:grpSp>
+        <p:nvGrpSpPr>
+          <p:cNvPr id="61" name="Group 60"/>
+          <p:cNvGrpSpPr/>
+          <p:nvPr/>
+        </p:nvGrpSpPr>
+        <p:grpSpPr>
+          <a:xfrm>
+            <a:off x="2686039" y="3690933"/>
+            <a:ext cx="461488" cy="237954"/>
+            <a:chOff x="7341576" y="712177"/>
+            <a:chExt cx="1125416" cy="580292"/>
+          </a:xfrm>
+        </p:grpSpPr>
+        <p:sp>
+          <p:nvSpPr>
+            <p:cNvPr id="62" name="Rectangle 61"/>
+            <p:cNvSpPr/>
+            <p:nvPr/>
+          </p:nvSpPr>
+          <p:spPr>
+            <a:xfrm>
+              <a:off x="7341577" y="712177"/>
+              <a:ext cx="1125415" cy="580292"/>
+            </a:xfrm>
+            <a:prstGeom prst="rect">
+              <a:avLst/>
+            </a:prstGeom>
+          </p:spPr>
+          <p:style>
+            <a:lnRef idx="2">
+              <a:schemeClr val="accent1">
+                <a:shade val="50000"/>
+              </a:schemeClr>
+            </a:lnRef>
+            <a:fillRef idx="1">
+              <a:schemeClr val="accent1"/>
+            </a:fillRef>
+            <a:effectRef idx="0">
+              <a:schemeClr val="accent1"/>
+            </a:effectRef>
+            <a:fontRef idx="minor">
+              <a:schemeClr val="lt1"/>
+            </a:fontRef>
+          </p:style>
+          <p:txBody>
+            <a:bodyPr rtlCol="0" anchor="ctr"/>
+            <a:lstStyle/>
+            <a:p>
+              <a:pPr algn="ctr"/>
+              <a:endParaRPr lang="en-US"/>
+            </a:p>
+          </p:txBody>
+        </p:sp>
+        <p:sp>
+          <p:nvSpPr>
+            <p:cNvPr id="63" name="Isosceles Triangle 62"/>
+            <p:cNvSpPr/>
+            <p:nvPr/>
+          </p:nvSpPr>
+          <p:spPr>
+            <a:xfrm rot="10800000">
+              <a:off x="7341576" y="712177"/>
+              <a:ext cx="1125415" cy="351692"/>
+            </a:xfrm>
+            <a:prstGeom prst="triangle">
+              <a:avLst/>
+            </a:prstGeom>
+            <a:effectLst>
+              <a:outerShdw blurRad="50800" dist="38100" dir="5400000" algn="t" rotWithShape="0">
+                <a:prstClr val="black">
+                  <a:alpha val="40000"/>
+                </a:prstClr>
+              </a:outerShdw>
+            </a:effectLst>
+          </p:spPr>
+          <p:style>
+            <a:lnRef idx="2">
+              <a:schemeClr val="accent1">
+                <a:shade val="50000"/>
+              </a:schemeClr>
+            </a:lnRef>
+            <a:fillRef idx="1">
+              <a:schemeClr val="accent1"/>
+            </a:fillRef>
+            <a:effectRef idx="0">
+              <a:schemeClr val="accent1"/>
+            </a:effectRef>
+            <a:fontRef idx="minor">
+              <a:schemeClr val="lt1"/>
+            </a:fontRef>
+          </p:style>
+          <p:txBody>
+            <a:bodyPr rtlCol="0" anchor="ctr"/>
+            <a:lstStyle/>
+            <a:p>
+              <a:pPr algn="ctr"/>
+              <a:endParaRPr lang="en-US"/>
+            </a:p>
+          </p:txBody>
+        </p:sp>
+      </p:grpSp>
+      <p:grpSp>
+        <p:nvGrpSpPr>
+          <p:cNvPr id="64" name="Group 63"/>
+          <p:cNvGrpSpPr/>
+          <p:nvPr/>
+        </p:nvGrpSpPr>
+        <p:grpSpPr>
+          <a:xfrm>
+            <a:off x="7754767" y="2981277"/>
+            <a:ext cx="461488" cy="237954"/>
+            <a:chOff x="7341576" y="712177"/>
+            <a:chExt cx="1125416" cy="580292"/>
+          </a:xfrm>
+        </p:grpSpPr>
+        <p:sp>
+          <p:nvSpPr>
+            <p:cNvPr id="65" name="Rectangle 64"/>
+            <p:cNvSpPr/>
+            <p:nvPr/>
+          </p:nvSpPr>
+          <p:spPr>
+            <a:xfrm>
+              <a:off x="7341577" y="712177"/>
+              <a:ext cx="1125415" cy="580292"/>
+            </a:xfrm>
+            <a:prstGeom prst="rect">
+              <a:avLst/>
+            </a:prstGeom>
+          </p:spPr>
+          <p:style>
+            <a:lnRef idx="2">
+              <a:schemeClr val="accent1">
+                <a:shade val="50000"/>
+              </a:schemeClr>
+            </a:lnRef>
+            <a:fillRef idx="1">
+              <a:schemeClr val="accent1"/>
+            </a:fillRef>
+            <a:effectRef idx="0">
+              <a:schemeClr val="accent1"/>
+            </a:effectRef>
+            <a:fontRef idx="minor">
+              <a:schemeClr val="lt1"/>
+            </a:fontRef>
+          </p:style>
+          <p:txBody>
+            <a:bodyPr rtlCol="0" anchor="ctr"/>
+            <a:lstStyle/>
+            <a:p>
+              <a:pPr algn="ctr"/>
+              <a:endParaRPr lang="en-US"/>
+            </a:p>
+          </p:txBody>
+        </p:sp>
+        <p:sp>
+          <p:nvSpPr>
+            <p:cNvPr id="66" name="Isosceles Triangle 65"/>
+            <p:cNvSpPr/>
+            <p:nvPr/>
+          </p:nvSpPr>
+          <p:spPr>
+            <a:xfrm rot="10800000">
+              <a:off x="7341576" y="712177"/>
+              <a:ext cx="1125415" cy="351692"/>
+            </a:xfrm>
+            <a:prstGeom prst="triangle">
+              <a:avLst/>
+            </a:prstGeom>
+            <a:effectLst>
+              <a:outerShdw blurRad="50800" dist="38100" dir="5400000" algn="t" rotWithShape="0">
+                <a:prstClr val="black">
+                  <a:alpha val="40000"/>
+                </a:prstClr>
+              </a:outerShdw>
+            </a:effectLst>
+          </p:spPr>
+          <p:style>
+            <a:lnRef idx="2">
+              <a:schemeClr val="accent1">
+                <a:shade val="50000"/>
+              </a:schemeClr>
+            </a:lnRef>
+            <a:fillRef idx="1">
+              <a:schemeClr val="accent1"/>
+            </a:fillRef>
+            <a:effectRef idx="0">
+              <a:schemeClr val="accent1"/>
+            </a:effectRef>
+            <a:fontRef idx="minor">
+              <a:schemeClr val="lt1"/>
+            </a:fontRef>
+          </p:style>
+          <p:txBody>
+            <a:bodyPr rtlCol="0" anchor="ctr"/>
+            <a:lstStyle/>
+            <a:p>
+              <a:pPr algn="ctr"/>
+              <a:endParaRPr lang="en-US"/>
+            </a:p>
+          </p:txBody>
+        </p:sp>
+      </p:grpSp>
+      <p:grpSp>
+        <p:nvGrpSpPr>
+          <p:cNvPr id="67" name="Group 66"/>
+          <p:cNvGrpSpPr/>
+          <p:nvPr/>
+        </p:nvGrpSpPr>
+        <p:grpSpPr>
+          <a:xfrm>
+            <a:off x="7754767" y="4016932"/>
+            <a:ext cx="461488" cy="237954"/>
+            <a:chOff x="7341576" y="712177"/>
+            <a:chExt cx="1125416" cy="580292"/>
+          </a:xfrm>
+        </p:grpSpPr>
+        <p:sp>
+          <p:nvSpPr>
+            <p:cNvPr id="68" name="Rectangle 67"/>
+            <p:cNvSpPr/>
+            <p:nvPr/>
+          </p:nvSpPr>
+          <p:spPr>
+            <a:xfrm>
+              <a:off x="7341577" y="712177"/>
+              <a:ext cx="1125415" cy="580292"/>
+            </a:xfrm>
+            <a:prstGeom prst="rect">
+              <a:avLst/>
+            </a:prstGeom>
+          </p:spPr>
+          <p:style>
+            <a:lnRef idx="2">
+              <a:schemeClr val="accent1">
+                <a:shade val="50000"/>
+              </a:schemeClr>
+            </a:lnRef>
+            <a:fillRef idx="1">
+              <a:schemeClr val="accent1"/>
+            </a:fillRef>
+            <a:effectRef idx="0">
+              <a:schemeClr val="accent1"/>
+            </a:effectRef>
+            <a:fontRef idx="minor">
+              <a:schemeClr val="lt1"/>
+            </a:fontRef>
+          </p:style>
+          <p:txBody>
+            <a:bodyPr rtlCol="0" anchor="ctr"/>
+            <a:lstStyle/>
+            <a:p>
+              <a:pPr algn="ctr"/>
+              <a:endParaRPr lang="en-US"/>
+            </a:p>
+          </p:txBody>
+        </p:sp>
+        <p:sp>
+          <p:nvSpPr>
+            <p:cNvPr id="69" name="Isosceles Triangle 68"/>
+            <p:cNvSpPr/>
+            <p:nvPr/>
+          </p:nvSpPr>
+          <p:spPr>
+            <a:xfrm rot="10800000">
+              <a:off x="7341576" y="712177"/>
+              <a:ext cx="1125415" cy="351692"/>
+            </a:xfrm>
+            <a:prstGeom prst="triangle">
+              <a:avLst/>
+            </a:prstGeom>
+            <a:effectLst>
+              <a:outerShdw blurRad="50800" dist="38100" dir="5400000" algn="t" rotWithShape="0">
+                <a:prstClr val="black">
+                  <a:alpha val="40000"/>
+                </a:prstClr>
+              </a:outerShdw>
+            </a:effectLst>
+          </p:spPr>
+          <p:style>
+            <a:lnRef idx="2">
+              <a:schemeClr val="accent1">
+                <a:shade val="50000"/>
+              </a:schemeClr>
+            </a:lnRef>
+            <a:fillRef idx="1">
+              <a:schemeClr val="accent1"/>
+            </a:fillRef>
+            <a:effectRef idx="0">
+              <a:schemeClr val="accent1"/>
+            </a:effectRef>
+            <a:fontRef idx="minor">
+              <a:schemeClr val="lt1"/>
+            </a:fontRef>
+          </p:style>
+          <p:txBody>
+            <a:bodyPr rtlCol="0" anchor="ctr"/>
+            <a:lstStyle/>
+            <a:p>
+              <a:pPr algn="ctr"/>
+              <a:endParaRPr lang="en-US"/>
+            </a:p>
+          </p:txBody>
+        </p:sp>
+      </p:grpSp>
+      <p:grpSp>
+        <p:nvGrpSpPr>
+          <p:cNvPr id="70" name="Group 69"/>
+          <p:cNvGrpSpPr/>
+          <p:nvPr/>
+        </p:nvGrpSpPr>
+        <p:grpSpPr>
+          <a:xfrm>
+            <a:off x="7754767" y="4894080"/>
+            <a:ext cx="461488" cy="237954"/>
+            <a:chOff x="7341576" y="712177"/>
+            <a:chExt cx="1125416" cy="580292"/>
+          </a:xfrm>
+        </p:grpSpPr>
+        <p:sp>
+          <p:nvSpPr>
+            <p:cNvPr id="71" name="Rectangle 70"/>
+            <p:cNvSpPr/>
+            <p:nvPr/>
+          </p:nvSpPr>
+          <p:spPr>
+            <a:xfrm>
+              <a:off x="7341577" y="712177"/>
+              <a:ext cx="1125415" cy="580292"/>
+            </a:xfrm>
+            <a:prstGeom prst="rect">
+              <a:avLst/>
+            </a:prstGeom>
+          </p:spPr>
+          <p:style>
+            <a:lnRef idx="2">
+              <a:schemeClr val="accent1">
+                <a:shade val="50000"/>
+              </a:schemeClr>
+            </a:lnRef>
+            <a:fillRef idx="1">
+              <a:schemeClr val="accent1"/>
+            </a:fillRef>
+            <a:effectRef idx="0">
+              <a:schemeClr val="accent1"/>
+            </a:effectRef>
+            <a:fontRef idx="minor">
+              <a:schemeClr val="lt1"/>
+            </a:fontRef>
+          </p:style>
+          <p:txBody>
+            <a:bodyPr rtlCol="0" anchor="ctr"/>
+            <a:lstStyle/>
+            <a:p>
+              <a:pPr algn="ctr"/>
+              <a:endParaRPr lang="en-US"/>
+            </a:p>
+          </p:txBody>
+        </p:sp>
+        <p:sp>
+          <p:nvSpPr>
+            <p:cNvPr id="72" name="Isosceles Triangle 71"/>
+            <p:cNvSpPr/>
+            <p:nvPr/>
+          </p:nvSpPr>
+          <p:spPr>
+            <a:xfrm rot="10800000">
+              <a:off x="7341576" y="712177"/>
+              <a:ext cx="1125415" cy="351692"/>
+            </a:xfrm>
+            <a:prstGeom prst="triangle">
+              <a:avLst/>
+            </a:prstGeom>
+            <a:effectLst>
+              <a:outerShdw blurRad="50800" dist="38100" dir="5400000" algn="t" rotWithShape="0">
+                <a:prstClr val="black">
+                  <a:alpha val="40000"/>
+                </a:prstClr>
+              </a:outerShdw>
+            </a:effectLst>
+          </p:spPr>
+          <p:style>
+            <a:lnRef idx="2">
+              <a:schemeClr val="accent1">
+                <a:shade val="50000"/>
+              </a:schemeClr>
+            </a:lnRef>
+            <a:fillRef idx="1">
+              <a:schemeClr val="accent1"/>
+            </a:fillRef>
+            <a:effectRef idx="0">
+              <a:schemeClr val="accent1"/>
+            </a:effectRef>
+            <a:fontRef idx="minor">
+              <a:schemeClr val="lt1"/>
+            </a:fontRef>
+          </p:style>
+          <p:txBody>
+            <a:bodyPr rtlCol="0" anchor="ctr"/>
+            <a:lstStyle/>
+            <a:p>
+              <a:pPr algn="ctr"/>
+              <a:endParaRPr lang="en-US"/>
+            </a:p>
+          </p:txBody>
+        </p:sp>
+      </p:grpSp>
+      <p:grpSp>
+        <p:nvGrpSpPr>
+          <p:cNvPr id="73" name="Group 72"/>
+          <p:cNvGrpSpPr/>
+          <p:nvPr/>
+        </p:nvGrpSpPr>
+        <p:grpSpPr>
+          <a:xfrm>
+            <a:off x="4606949" y="4920122"/>
+            <a:ext cx="461488" cy="237954"/>
+            <a:chOff x="7341576" y="712177"/>
+            <a:chExt cx="1125416" cy="580292"/>
+          </a:xfrm>
+        </p:grpSpPr>
+        <p:sp>
+          <p:nvSpPr>
+            <p:cNvPr id="74" name="Rectangle 73"/>
+            <p:cNvSpPr/>
+            <p:nvPr/>
+          </p:nvSpPr>
+          <p:spPr>
+            <a:xfrm>
+              <a:off x="7341577" y="712177"/>
+              <a:ext cx="1125415" cy="580292"/>
+            </a:xfrm>
+            <a:prstGeom prst="rect">
+              <a:avLst/>
+            </a:prstGeom>
+          </p:spPr>
+          <p:style>
+            <a:lnRef idx="2">
+              <a:schemeClr val="accent1">
+                <a:shade val="50000"/>
+              </a:schemeClr>
+            </a:lnRef>
+            <a:fillRef idx="1">
+              <a:schemeClr val="accent1"/>
+            </a:fillRef>
+            <a:effectRef idx="0">
+              <a:schemeClr val="accent1"/>
+            </a:effectRef>
+            <a:fontRef idx="minor">
+              <a:schemeClr val="lt1"/>
+            </a:fontRef>
+          </p:style>
+          <p:txBody>
+            <a:bodyPr rtlCol="0" anchor="ctr"/>
+            <a:lstStyle/>
+            <a:p>
+              <a:pPr algn="ctr"/>
+              <a:endParaRPr lang="en-US"/>
+            </a:p>
+          </p:txBody>
+        </p:sp>
+        <p:sp>
+          <p:nvSpPr>
+            <p:cNvPr id="75" name="Isosceles Triangle 74"/>
+            <p:cNvSpPr/>
+            <p:nvPr/>
+          </p:nvSpPr>
+          <p:spPr>
+            <a:xfrm rot="10800000">
+              <a:off x="7341576" y="712177"/>
+              <a:ext cx="1125415" cy="351692"/>
+            </a:xfrm>
+            <a:prstGeom prst="triangle">
+              <a:avLst/>
+            </a:prstGeom>
+            <a:effectLst>
+              <a:outerShdw blurRad="50800" dist="38100" dir="5400000" algn="t" rotWithShape="0">
+                <a:prstClr val="black">
+                  <a:alpha val="40000"/>
+                </a:prstClr>
+              </a:outerShdw>
+            </a:effectLst>
+          </p:spPr>
+          <p:style>
+            <a:lnRef idx="2">
+              <a:schemeClr val="accent1">
+                <a:shade val="50000"/>
+              </a:schemeClr>
+            </a:lnRef>
+            <a:fillRef idx="1">
+              <a:schemeClr val="accent1"/>
+            </a:fillRef>
+            <a:effectRef idx="0">
+              <a:schemeClr val="accent1"/>
+            </a:effectRef>
+            <a:fontRef idx="minor">
+              <a:schemeClr val="lt1"/>
+            </a:fontRef>
+          </p:style>
+          <p:txBody>
+            <a:bodyPr rtlCol="0" anchor="ctr"/>
+            <a:lstStyle/>
+            <a:p>
+              <a:pPr algn="ctr"/>
+              <a:endParaRPr lang="en-US"/>
+            </a:p>
+          </p:txBody>
+        </p:sp>
+      </p:grpSp>
+      <p:grpSp>
+        <p:nvGrpSpPr>
+          <p:cNvPr id="76" name="Group 75"/>
+          <p:cNvGrpSpPr/>
+          <p:nvPr/>
+        </p:nvGrpSpPr>
+        <p:grpSpPr>
+          <a:xfrm>
+            <a:off x="4625317" y="3419489"/>
+            <a:ext cx="461488" cy="237954"/>
+            <a:chOff x="7341576" y="712177"/>
+            <a:chExt cx="1125416" cy="580292"/>
+          </a:xfrm>
+        </p:grpSpPr>
+        <p:sp>
+          <p:nvSpPr>
+            <p:cNvPr id="77" name="Rectangle 76"/>
+            <p:cNvSpPr/>
+            <p:nvPr/>
+          </p:nvSpPr>
+          <p:spPr>
+            <a:xfrm>
+              <a:off x="7341577" y="712177"/>
+              <a:ext cx="1125415" cy="580292"/>
+            </a:xfrm>
+            <a:prstGeom prst="rect">
+              <a:avLst/>
+            </a:prstGeom>
+          </p:spPr>
+          <p:style>
+            <a:lnRef idx="2">
+              <a:schemeClr val="accent1">
+                <a:shade val="50000"/>
+              </a:schemeClr>
+            </a:lnRef>
+            <a:fillRef idx="1">
+              <a:schemeClr val="accent1"/>
+            </a:fillRef>
+            <a:effectRef idx="0">
+              <a:schemeClr val="accent1"/>
+            </a:effectRef>
+            <a:fontRef idx="minor">
+              <a:schemeClr val="lt1"/>
+            </a:fontRef>
+          </p:style>
+          <p:txBody>
+            <a:bodyPr rtlCol="0" anchor="ctr"/>
+            <a:lstStyle/>
+            <a:p>
+              <a:pPr algn="ctr"/>
+              <a:endParaRPr lang="en-US"/>
+            </a:p>
+          </p:txBody>
+        </p:sp>
+        <p:sp>
+          <p:nvSpPr>
+            <p:cNvPr id="78" name="Isosceles Triangle 77"/>
+            <p:cNvSpPr/>
+            <p:nvPr/>
+          </p:nvSpPr>
+          <p:spPr>
+            <a:xfrm rot="10800000">
+              <a:off x="7341576" y="712177"/>
+              <a:ext cx="1125415" cy="351692"/>
+            </a:xfrm>
+            <a:prstGeom prst="triangle">
+              <a:avLst/>
+            </a:prstGeom>
+            <a:effectLst>
+              <a:outerShdw blurRad="50800" dist="38100" dir="5400000" algn="t" rotWithShape="0">
+                <a:prstClr val="black">
+                  <a:alpha val="40000"/>
+                </a:prstClr>
+              </a:outerShdw>
+            </a:effectLst>
+          </p:spPr>
+          <p:style>
+            <a:lnRef idx="2">
+              <a:schemeClr val="accent1">
+                <a:shade val="50000"/>
+              </a:schemeClr>
+            </a:lnRef>
+            <a:fillRef idx="1">
+              <a:schemeClr val="accent1"/>
+            </a:fillRef>
+            <a:effectRef idx="0">
+              <a:schemeClr val="accent1"/>
+            </a:effectRef>
+            <a:fontRef idx="minor">
+              <a:schemeClr val="lt1"/>
+            </a:fontRef>
+          </p:style>
+          <p:txBody>
+            <a:bodyPr rtlCol="0" anchor="ctr"/>
+            <a:lstStyle/>
+            <a:p>
+              <a:pPr algn="ctr"/>
+              <a:endParaRPr lang="en-US"/>
+            </a:p>
+          </p:txBody>
+        </p:sp>
+      </p:grpSp>
+      <p:sp>
+        <p:nvSpPr>
+          <p:cNvPr id="10" name="Date Placeholder 9"/>
+          <p:cNvSpPr>
+            <a:spLocks noGrp="1"/>
+          </p:cNvSpPr>
+          <p:nvPr>
+            <p:ph type="dt" sz="half" idx="10"/>
+          </p:nvPr>
+        </p:nvSpPr>
+        <p:spPr/>
+        <p:txBody>
+          <a:bodyPr/>
+          <a:lstStyle/>
+          <a:p>
+            <a:fld id="{B7DE6BF9-8F14-47C4-925E-05BAB9EC2CFB}" type="datetime1">
+              <a:rPr lang="en-US" smtClean="0"/>
+              <a:t>10/10/2015</a:t>
+            </a:fld>
+            <a:endParaRPr lang="en-US"/>
+          </a:p>
+        </p:txBody>
+      </p:sp>
+      <p:sp>
+        <p:nvSpPr>
+          <p:cNvPr id="13" name="Slide Number Placeholder 12"/>
+          <p:cNvSpPr>
+            <a:spLocks noGrp="1"/>
+          </p:cNvSpPr>
+          <p:nvPr>
+            <p:ph type="sldNum" sz="quarter" idx="12"/>
+          </p:nvPr>
+        </p:nvSpPr>
+        <p:spPr/>
+        <p:txBody>
+          <a:bodyPr/>
+          <a:lstStyle/>
+          <a:p>
+            <a:fld id="{F1A2D159-7083-48C9-88DE-3F666ED9E9A2}" type="slidenum">
+              <a:rPr lang="en-US" smtClean="0"/>
+              <a:t>14</a:t>
+            </a:fld>
+            <a:endParaRPr lang="en-US"/>
+          </a:p>
+        </p:txBody>
+      </p:sp>
+    </p:spTree>
+    <p:extLst>
+      <p:ext uri="{BB962C8B-B14F-4D97-AF65-F5344CB8AC3E}">
+        <p14:creationId xmlns:p14="http://schemas.microsoft.com/office/powerpoint/2010/main" val="1340034065"/>
+      </p:ext>
+    </p:extLst>
+  </p:cSld>
+  <p:clrMapOvr>
+    <a:masterClrMapping/>
+  </p:clrMapOvr>
+</p:sld>
+</file>
+
+<file path=ppt/slides/slide15.xml><?xml version="1.0" encoding="utf-8"?>
+<p:sld xmlns:a="http://schemas.openxmlformats.org/drawingml/2006/main" xmlns:r="http://schemas.openxmlformats.org/officeDocument/2006/relationships" xmlns:p="http://schemas.openxmlformats.org/presentationml/2006/main">
+  <p:cSld>
+    <p:spTree>
+      <p:nvGrpSpPr>
+        <p:cNvPr id="1" name=""/>
+        <p:cNvGrpSpPr/>
+        <p:nvPr/>
+      </p:nvGrpSpPr>
+      <p:grpSpPr>
+        <a:xfrm>
+          <a:off x="0" y="0"/>
+          <a:ext cx="0" cy="0"/>
+          <a:chOff x="0" y="0"/>
+          <a:chExt cx="0" cy="0"/>
+        </a:xfrm>
+      </p:grpSpPr>
+      <p:sp>
+        <p:nvSpPr>
+          <p:cNvPr id="2" name="Titel 1"/>
+          <p:cNvSpPr>
+            <a:spLocks noGrp="1"/>
+          </p:cNvSpPr>
+          <p:nvPr>
+            <p:ph type="title"/>
+          </p:nvPr>
+        </p:nvSpPr>
+        <p:spPr/>
+        <p:txBody>
+          <a:bodyPr/>
+          <a:lstStyle/>
+          <a:p>
+            <a:r>
+              <a:rPr lang="en-US" dirty="0" smtClean="0"/>
+              <a:t>Kafka Storage</a:t>
+            </a:r>
+            <a:endParaRPr lang="en-US" dirty="0"/>
+          </a:p>
+        </p:txBody>
+      </p:sp>
+      <p:sp>
+        <p:nvSpPr>
+          <p:cNvPr id="7" name="Zylinder 4"/>
+          <p:cNvSpPr/>
+          <p:nvPr/>
+        </p:nvSpPr>
+        <p:spPr>
+          <a:xfrm rot="5400000">
+            <a:off x="5868867" y="-3187187"/>
+            <a:ext cx="448405" cy="10515598"/>
+          </a:xfrm>
+          <a:prstGeom prst="can">
+            <a:avLst/>
+          </a:prstGeom>
+        </p:spPr>
+        <p:style>
+          <a:lnRef idx="2">
+            <a:schemeClr val="accent6">
+              <a:shade val="50000"/>
+            </a:schemeClr>
+          </a:lnRef>
+          <a:fillRef idx="1">
+            <a:schemeClr val="accent6"/>
+          </a:fillRef>
+          <a:effectRef idx="0">
+            <a:schemeClr val="accent6"/>
+          </a:effectRef>
+          <a:fontRef idx="minor">
+            <a:schemeClr val="lt1"/>
+          </a:fontRef>
+        </p:style>
+        <p:txBody>
+          <a:bodyPr vert="vert270" rtlCol="0" anchor="ctr"/>
+          <a:lstStyle/>
+          <a:p>
+            <a:pPr algn="ctr"/>
+            <a:r>
+              <a:rPr lang="en-US" dirty="0" smtClean="0"/>
+              <a:t>Partition 1</a:t>
+            </a:r>
+            <a:endParaRPr lang="en-US" dirty="0"/>
+          </a:p>
+        </p:txBody>
+      </p:sp>
+      <p:graphicFrame>
+        <p:nvGraphicFramePr>
+          <p:cNvPr id="14" name="Table 13"/>
+          <p:cNvGraphicFramePr>
+            <a:graphicFrameLocks noGrp="1"/>
+          </p:cNvGraphicFramePr>
+          <p:nvPr>
+            <p:extLst>
+              <p:ext uri="{D42A27DB-BD31-4B8C-83A1-F6EECF244321}">
+                <p14:modId xmlns:p14="http://schemas.microsoft.com/office/powerpoint/2010/main" val="2723900298"/>
+              </p:ext>
+            </p:extLst>
+          </p:nvPr>
+        </p:nvGraphicFramePr>
+        <p:xfrm>
+          <a:off x="7649308" y="2839945"/>
+          <a:ext cx="2739291" cy="1828800"/>
+        </p:xfrm>
+        <a:graphic>
+          <a:graphicData uri="http://schemas.openxmlformats.org/drawingml/2006/table">
+            <a:tbl>
+              <a:tblPr bandRow="1">
+                <a:tableStyleId>{5C22544A-7EE6-4342-B048-85BDC9FD1C3A}</a:tableStyleId>
+              </a:tblPr>
+              <a:tblGrid>
+                <a:gridCol w="2739291"/>
+              </a:tblGrid>
+              <a:tr h="298934">
+                <a:tc>
+                  <a:txBody>
+                    <a:bodyPr/>
+                    <a:lstStyle/>
+                    <a:p>
+                      <a:pPr algn="ctr"/>
+                      <a:r>
+                        <a:rPr lang="en-US" sz="1400" dirty="0" smtClean="0"/>
+                        <a:t>Message </a:t>
+                      </a:r>
+                      <a:r>
+                        <a:rPr lang="en-US" sz="1400" dirty="0" smtClean="0"/>
+                        <a:t>34477849968</a:t>
+                      </a:r>
+                      <a:endParaRPr lang="en-US" sz="1400" dirty="0"/>
+                    </a:p>
+                  </a:txBody>
+                  <a:tcPr/>
+                </a:tc>
+              </a:tr>
+              <a:tr h="298934">
+                <a:tc>
+                  <a:txBody>
+                    <a:bodyPr/>
+                    <a:lstStyle/>
+                    <a:p>
+                      <a:pPr algn="ctr"/>
+                      <a:r>
+                        <a:rPr lang="en-US" sz="1400" dirty="0" smtClean="0"/>
+                        <a:t>Message 34477850175</a:t>
+                      </a:r>
+                    </a:p>
+                  </a:txBody>
+                  <a:tcPr/>
+                </a:tc>
+              </a:tr>
+              <a:tr h="298934">
+                <a:tc>
+                  <a:txBody>
+                    <a:bodyPr/>
+                    <a:lstStyle/>
+                    <a:p>
+                      <a:pPr algn="ctr"/>
+                      <a:r>
+                        <a:rPr lang="en-US" sz="1400" dirty="0" smtClean="0"/>
+                        <a:t>.</a:t>
+                      </a:r>
+                      <a:endParaRPr lang="en-US" sz="1400" dirty="0"/>
+                    </a:p>
+                  </a:txBody>
+                  <a:tcPr/>
+                </a:tc>
+              </a:tr>
+              <a:tr h="298934">
+                <a:tc>
+                  <a:txBody>
+                    <a:bodyPr/>
+                    <a:lstStyle/>
+                    <a:p>
+                      <a:pPr algn="ctr"/>
+                      <a:r>
+                        <a:rPr lang="en-US" sz="1400" dirty="0" smtClean="0"/>
+                        <a:t>.</a:t>
+                      </a:r>
+                      <a:endParaRPr lang="en-US" sz="1400" dirty="0"/>
+                    </a:p>
+                  </a:txBody>
+                  <a:tcPr/>
+                </a:tc>
+              </a:tr>
+              <a:tr h="298934">
+                <a:tc>
+                  <a:txBody>
+                    <a:bodyPr/>
+                    <a:lstStyle/>
+                    <a:p>
+                      <a:pPr algn="ctr"/>
+                      <a:r>
+                        <a:rPr lang="en-US" sz="1400" dirty="0" smtClean="0"/>
+                        <a:t>Message 35551591806</a:t>
+                      </a:r>
+                      <a:endParaRPr lang="en-US" sz="1400" dirty="0"/>
+                    </a:p>
+                  </a:txBody>
+                  <a:tcPr/>
+                </a:tc>
+              </a:tr>
+              <a:tr h="298934">
+                <a:tc>
+                  <a:txBody>
+                    <a:bodyPr/>
+                    <a:lstStyle/>
+                    <a:p>
+                      <a:pPr algn="ctr"/>
+                      <a:r>
+                        <a:rPr lang="en-US" sz="1400" dirty="0" smtClean="0"/>
+                        <a:t>Message 35551592051</a:t>
+                      </a:r>
+                      <a:endParaRPr lang="en-US" sz="1400" dirty="0"/>
+                    </a:p>
+                  </a:txBody>
+                  <a:tcPr/>
+                </a:tc>
+              </a:tr>
+            </a:tbl>
+          </a:graphicData>
+        </a:graphic>
+      </p:graphicFrame>
+      <p:graphicFrame>
+        <p:nvGraphicFramePr>
+          <p:cNvPr id="22" name="Table 21"/>
+          <p:cNvGraphicFramePr>
+            <a:graphicFrameLocks noGrp="1"/>
+          </p:cNvGraphicFramePr>
+          <p:nvPr>
+            <p:extLst>
+              <p:ext uri="{D42A27DB-BD31-4B8C-83A1-F6EECF244321}">
+                <p14:modId xmlns:p14="http://schemas.microsoft.com/office/powerpoint/2010/main" val="2228761640"/>
+              </p:ext>
+            </p:extLst>
+          </p:nvPr>
+        </p:nvGraphicFramePr>
+        <p:xfrm>
+          <a:off x="2839915" y="3845162"/>
+          <a:ext cx="2583961" cy="2133600"/>
+        </p:xfrm>
+        <a:graphic>
+          <a:graphicData uri="http://schemas.openxmlformats.org/drawingml/2006/table">
+            <a:tbl>
+              <a:tblPr bandRow="1">
+                <a:tableStyleId>{5C22544A-7EE6-4342-B048-85BDC9FD1C3A}</a:tableStyleId>
+              </a:tblPr>
+              <a:tblGrid>
+                <a:gridCol w="2583961"/>
+              </a:tblGrid>
+              <a:tr h="298819">
+                <a:tc>
+                  <a:txBody>
+                    <a:bodyPr/>
+                    <a:lstStyle/>
+                    <a:p>
+                      <a:pPr marL="0" marR="0" indent="0" algn="ctr" defTabSz="914400" rtl="0" eaLnBrk="1" fontAlgn="auto" latinLnBrk="0" hangingPunct="1">
+                        <a:lnSpc>
+                          <a:spcPct val="100000"/>
+                        </a:lnSpc>
+                        <a:spcBef>
+                          <a:spcPts val="0"/>
+                        </a:spcBef>
+                        <a:spcAft>
+                          <a:spcPts val="0"/>
+                        </a:spcAft>
+                        <a:buClrTx/>
+                        <a:buSzTx/>
+                        <a:buFontTx/>
+                        <a:buNone/>
+                        <a:tabLst/>
+                        <a:defRPr/>
+                      </a:pPr>
+                      <a:r>
+                        <a:rPr lang="en-US" sz="1400" dirty="0" smtClean="0"/>
+                        <a:t>34477849968 – </a:t>
+                      </a:r>
+                      <a:r>
+                        <a:rPr lang="en-US" sz="1400" dirty="0" smtClean="0"/>
+                        <a:t>35551592051</a:t>
+                      </a:r>
+                    </a:p>
+                  </a:txBody>
+                  <a:tcPr/>
+                </a:tc>
+              </a:tr>
+              <a:tr h="298819">
+                <a:tc>
+                  <a:txBody>
+                    <a:bodyPr/>
+                    <a:lstStyle/>
+                    <a:p>
+                      <a:pPr algn="ctr"/>
+                      <a:r>
+                        <a:rPr lang="en-US" sz="1400" dirty="0" smtClean="0"/>
+                        <a:t>35551592052 – 36625333894</a:t>
+                      </a:r>
+                      <a:endParaRPr lang="en-US" sz="1400" dirty="0" smtClean="0"/>
+                    </a:p>
+                  </a:txBody>
+                  <a:tcPr/>
+                </a:tc>
+              </a:tr>
+              <a:tr h="298819">
+                <a:tc>
+                  <a:txBody>
+                    <a:bodyPr/>
+                    <a:lstStyle/>
+                    <a:p>
+                      <a:pPr algn="ctr"/>
+                      <a:r>
+                        <a:rPr lang="en-US" sz="1400" dirty="0" smtClean="0"/>
+                        <a:t>.</a:t>
+                      </a:r>
+                      <a:endParaRPr lang="en-US" sz="1400" dirty="0"/>
+                    </a:p>
+                  </a:txBody>
+                  <a:tcPr/>
+                </a:tc>
+              </a:tr>
+              <a:tr h="298819">
+                <a:tc>
+                  <a:txBody>
+                    <a:bodyPr/>
+                    <a:lstStyle/>
+                    <a:p>
+                      <a:pPr algn="ctr"/>
+                      <a:r>
+                        <a:rPr lang="en-US" sz="1400" dirty="0" smtClean="0"/>
+                        <a:t>.</a:t>
+                      </a:r>
+                    </a:p>
+                  </a:txBody>
+                  <a:tcPr/>
+                </a:tc>
+              </a:tr>
+              <a:tr h="298819">
+                <a:tc>
+                  <a:txBody>
+                    <a:bodyPr/>
+                    <a:lstStyle/>
+                    <a:p>
+                      <a:pPr algn="ctr"/>
+                      <a:r>
+                        <a:rPr lang="en-US" sz="1400" dirty="0" smtClean="0"/>
+                        <a:t>.</a:t>
+                      </a:r>
+                    </a:p>
+                  </a:txBody>
+                  <a:tcPr/>
+                </a:tc>
+              </a:tr>
+              <a:tr h="298819">
+                <a:tc>
+                  <a:txBody>
+                    <a:bodyPr/>
+                    <a:lstStyle/>
+                    <a:p>
+                      <a:pPr algn="ctr"/>
+                      <a:r>
+                        <a:rPr lang="en-US" sz="1400" dirty="0" smtClean="0"/>
+                        <a:t>81722490797</a:t>
+                      </a:r>
+                      <a:r>
+                        <a:rPr lang="en-US" sz="1400" baseline="0" dirty="0" smtClean="0"/>
+                        <a:t> </a:t>
+                      </a:r>
+                      <a:r>
+                        <a:rPr lang="en-US" sz="1400" dirty="0" smtClean="0"/>
+                        <a:t>– 82796232651</a:t>
+                      </a:r>
+                      <a:endParaRPr lang="en-US" sz="1400" dirty="0"/>
+                    </a:p>
+                  </a:txBody>
+                  <a:tcPr/>
+                </a:tc>
+              </a:tr>
+              <a:tr h="298819">
+                <a:tc>
+                  <a:txBody>
+                    <a:bodyPr/>
+                    <a:lstStyle/>
+                    <a:p>
+                      <a:pPr algn="ctr"/>
+                      <a:r>
+                        <a:rPr lang="en-US" sz="1400" dirty="0" smtClean="0"/>
+                        <a:t>82796232652 </a:t>
+                      </a:r>
+                      <a:r>
+                        <a:rPr lang="en-US" sz="1400" dirty="0" smtClean="0"/>
+                        <a:t>– 83869974631</a:t>
+                      </a:r>
+                      <a:endParaRPr lang="en-US" sz="1400" dirty="0"/>
+                    </a:p>
+                  </a:txBody>
+                  <a:tcPr/>
+                </a:tc>
+              </a:tr>
+            </a:tbl>
+          </a:graphicData>
+        </a:graphic>
+      </p:graphicFrame>
+      <p:sp>
+        <p:nvSpPr>
+          <p:cNvPr id="16" name="TextBox 15"/>
+          <p:cNvSpPr txBox="1"/>
+          <p:nvPr/>
+        </p:nvSpPr>
+        <p:spPr>
+          <a:xfrm>
+            <a:off x="7666893" y="2321205"/>
+            <a:ext cx="2813538" cy="584775"/>
+          </a:xfrm>
+          <a:prstGeom prst="rect">
+            <a:avLst/>
+          </a:prstGeom>
+          <a:noFill/>
+        </p:spPr>
+        <p:txBody>
+          <a:bodyPr wrap="square" rtlCol="0">
+            <a:spAutoFit/>
+          </a:bodyPr>
+          <a:lstStyle/>
+          <a:p>
+            <a:r>
+              <a:rPr lang="en-US" dirty="0" smtClean="0"/>
+              <a:t>Segment Files</a:t>
+            </a:r>
+          </a:p>
+          <a:p>
+            <a:r>
+              <a:rPr lang="en-US" sz="1400" dirty="0" smtClean="0"/>
+              <a:t>topic/34477849968.kafka</a:t>
+            </a:r>
+            <a:endParaRPr lang="en-US" sz="1400" dirty="0"/>
+          </a:p>
+        </p:txBody>
+      </p:sp>
+      <p:sp>
+        <p:nvSpPr>
+          <p:cNvPr id="25" name="TextBox 24"/>
+          <p:cNvSpPr txBox="1"/>
+          <p:nvPr/>
+        </p:nvSpPr>
+        <p:spPr>
+          <a:xfrm>
+            <a:off x="2693378" y="3472956"/>
+            <a:ext cx="2813538" cy="369332"/>
+          </a:xfrm>
+          <a:prstGeom prst="rect">
+            <a:avLst/>
+          </a:prstGeom>
+          <a:noFill/>
+        </p:spPr>
+        <p:txBody>
+          <a:bodyPr wrap="square" rtlCol="0">
+            <a:spAutoFit/>
+          </a:bodyPr>
+          <a:lstStyle/>
+          <a:p>
+            <a:r>
+              <a:rPr lang="en-US" dirty="0" smtClean="0"/>
+              <a:t>Active Segment List</a:t>
+            </a:r>
+            <a:endParaRPr lang="en-US" dirty="0"/>
+          </a:p>
+        </p:txBody>
+      </p:sp>
+      <p:sp>
+        <p:nvSpPr>
+          <p:cNvPr id="17" name="TextBox 16"/>
+          <p:cNvSpPr txBox="1"/>
+          <p:nvPr/>
+        </p:nvSpPr>
+        <p:spPr>
+          <a:xfrm>
+            <a:off x="826478" y="3851130"/>
+            <a:ext cx="896814" cy="369332"/>
+          </a:xfrm>
+          <a:prstGeom prst="rect">
+            <a:avLst/>
+          </a:prstGeom>
+          <a:noFill/>
+        </p:spPr>
+        <p:txBody>
+          <a:bodyPr wrap="square" rtlCol="0">
+            <a:spAutoFit/>
+          </a:bodyPr>
+          <a:lstStyle/>
+          <a:p>
+            <a:r>
+              <a:rPr lang="en-US" dirty="0" smtClean="0"/>
+              <a:t>Deletes</a:t>
+            </a:r>
+            <a:endParaRPr lang="en-US" dirty="0"/>
+          </a:p>
+        </p:txBody>
+      </p:sp>
+      <p:sp>
+        <p:nvSpPr>
+          <p:cNvPr id="23" name="TextBox 22"/>
+          <p:cNvSpPr txBox="1"/>
+          <p:nvPr/>
+        </p:nvSpPr>
+        <p:spPr>
+          <a:xfrm>
+            <a:off x="835271" y="4528032"/>
+            <a:ext cx="756138" cy="369332"/>
+          </a:xfrm>
+          <a:prstGeom prst="rect">
+            <a:avLst/>
+          </a:prstGeom>
+          <a:noFill/>
+        </p:spPr>
+        <p:txBody>
+          <a:bodyPr wrap="square" rtlCol="0">
+            <a:spAutoFit/>
+          </a:bodyPr>
+          <a:lstStyle/>
+          <a:p>
+            <a:r>
+              <a:rPr lang="en-US" dirty="0" smtClean="0"/>
+              <a:t>Reads</a:t>
+            </a:r>
+            <a:endParaRPr lang="en-US" dirty="0"/>
+          </a:p>
+        </p:txBody>
+      </p:sp>
+      <p:sp>
+        <p:nvSpPr>
+          <p:cNvPr id="26" name="TextBox 25"/>
+          <p:cNvSpPr txBox="1"/>
+          <p:nvPr/>
+        </p:nvSpPr>
+        <p:spPr>
+          <a:xfrm>
+            <a:off x="826478" y="5679824"/>
+            <a:ext cx="1046284" cy="369332"/>
+          </a:xfrm>
+          <a:prstGeom prst="rect">
+            <a:avLst/>
+          </a:prstGeom>
+          <a:noFill/>
+        </p:spPr>
+        <p:txBody>
+          <a:bodyPr wrap="square" rtlCol="0">
+            <a:spAutoFit/>
+          </a:bodyPr>
+          <a:lstStyle/>
+          <a:p>
+            <a:r>
+              <a:rPr lang="en-US" dirty="0" smtClean="0"/>
+              <a:t>Appends</a:t>
+            </a:r>
+            <a:endParaRPr lang="en-US" dirty="0"/>
+          </a:p>
+        </p:txBody>
+      </p:sp>
+      <p:cxnSp>
+        <p:nvCxnSpPr>
+          <p:cNvPr id="29" name="Straight Arrow Connector 28"/>
+          <p:cNvCxnSpPr>
+            <a:stCxn id="26" idx="3"/>
+          </p:cNvCxnSpPr>
+          <p:nvPr/>
+        </p:nvCxnSpPr>
+        <p:spPr>
+          <a:xfrm>
+            <a:off x="1872762" y="5864490"/>
+            <a:ext cx="820616" cy="0"/>
+          </a:xfrm>
+          <a:prstGeom prst="straightConnector1">
+            <a:avLst/>
+          </a:prstGeom>
+          <a:ln>
+            <a:tailEnd type="arrow"/>
+          </a:ln>
+        </p:spPr>
+        <p:style>
+          <a:lnRef idx="3">
+            <a:schemeClr val="dk1"/>
+          </a:lnRef>
+          <a:fillRef idx="0">
+            <a:schemeClr val="dk1"/>
+          </a:fillRef>
+          <a:effectRef idx="2">
+            <a:schemeClr val="dk1"/>
+          </a:effectRef>
+          <a:fontRef idx="minor">
+            <a:schemeClr val="tx1"/>
+          </a:fontRef>
+        </p:style>
+      </p:cxnSp>
+      <p:cxnSp>
+        <p:nvCxnSpPr>
+          <p:cNvPr id="30" name="Straight Arrow Connector 29"/>
+          <p:cNvCxnSpPr>
+            <a:stCxn id="17" idx="3"/>
+          </p:cNvCxnSpPr>
+          <p:nvPr/>
+        </p:nvCxnSpPr>
+        <p:spPr>
+          <a:xfrm>
+            <a:off x="1723292" y="4035796"/>
+            <a:ext cx="970086" cy="0"/>
+          </a:xfrm>
+          <a:prstGeom prst="straightConnector1">
+            <a:avLst/>
+          </a:prstGeom>
+          <a:ln>
+            <a:tailEnd type="arrow"/>
+          </a:ln>
+        </p:spPr>
+        <p:style>
+          <a:lnRef idx="3">
+            <a:schemeClr val="dk1"/>
+          </a:lnRef>
+          <a:fillRef idx="0">
+            <a:schemeClr val="dk1"/>
+          </a:fillRef>
+          <a:effectRef idx="2">
+            <a:schemeClr val="dk1"/>
+          </a:effectRef>
+          <a:fontRef idx="minor">
+            <a:schemeClr val="tx1"/>
+          </a:fontRef>
+        </p:style>
+      </p:cxnSp>
+      <p:cxnSp>
+        <p:nvCxnSpPr>
+          <p:cNvPr id="33" name="Straight Arrow Connector 32"/>
+          <p:cNvCxnSpPr>
+            <a:stCxn id="23" idx="3"/>
+          </p:cNvCxnSpPr>
+          <p:nvPr/>
+        </p:nvCxnSpPr>
+        <p:spPr>
+          <a:xfrm flipV="1">
+            <a:off x="1591409" y="4413738"/>
+            <a:ext cx="1101969" cy="298960"/>
+          </a:xfrm>
+          <a:prstGeom prst="straightConnector1">
+            <a:avLst/>
+          </a:prstGeom>
+          <a:ln>
+            <a:tailEnd type="arrow"/>
+          </a:ln>
+        </p:spPr>
+        <p:style>
+          <a:lnRef idx="3">
+            <a:schemeClr val="dk1"/>
+          </a:lnRef>
+          <a:fillRef idx="0">
+            <a:schemeClr val="dk1"/>
+          </a:fillRef>
+          <a:effectRef idx="2">
+            <a:schemeClr val="dk1"/>
+          </a:effectRef>
+          <a:fontRef idx="minor">
+            <a:schemeClr val="tx1"/>
+          </a:fontRef>
+        </p:style>
+      </p:cxnSp>
+      <p:cxnSp>
+        <p:nvCxnSpPr>
+          <p:cNvPr id="36" name="Straight Arrow Connector 35"/>
+          <p:cNvCxnSpPr>
+            <a:stCxn id="23" idx="3"/>
+          </p:cNvCxnSpPr>
+          <p:nvPr/>
+        </p:nvCxnSpPr>
+        <p:spPr>
+          <a:xfrm>
+            <a:off x="1591409" y="4712698"/>
+            <a:ext cx="1101969" cy="782494"/>
+          </a:xfrm>
+          <a:prstGeom prst="straightConnector1">
+            <a:avLst/>
+          </a:prstGeom>
+          <a:ln>
+            <a:tailEnd type="arrow"/>
+          </a:ln>
+        </p:spPr>
+        <p:style>
+          <a:lnRef idx="3">
+            <a:schemeClr val="dk1"/>
+          </a:lnRef>
+          <a:fillRef idx="0">
+            <a:schemeClr val="dk1"/>
+          </a:fillRef>
+          <a:effectRef idx="2">
+            <a:schemeClr val="dk1"/>
+          </a:effectRef>
+          <a:fontRef idx="minor">
+            <a:schemeClr val="tx1"/>
+          </a:fontRef>
+        </p:style>
+      </p:cxnSp>
+      <p:cxnSp>
+        <p:nvCxnSpPr>
+          <p:cNvPr id="40" name="Straight Arrow Connector 39"/>
+          <p:cNvCxnSpPr/>
+          <p:nvPr/>
+        </p:nvCxnSpPr>
+        <p:spPr>
+          <a:xfrm flipV="1">
+            <a:off x="5424854" y="3130062"/>
+            <a:ext cx="2242039" cy="896892"/>
+          </a:xfrm>
+          <a:prstGeom prst="straightConnector1">
+            <a:avLst/>
+          </a:prstGeom>
+          <a:ln>
+            <a:tailEnd type="arrow"/>
+          </a:ln>
+        </p:spPr>
+        <p:style>
+          <a:lnRef idx="3">
+            <a:schemeClr val="dk1"/>
+          </a:lnRef>
+          <a:fillRef idx="0">
+            <a:schemeClr val="dk1"/>
+          </a:fillRef>
+          <a:effectRef idx="2">
+            <a:schemeClr val="dk1"/>
+          </a:effectRef>
+          <a:fontRef idx="minor">
+            <a:schemeClr val="tx1"/>
+          </a:fontRef>
+        </p:style>
+      </p:cxnSp>
+      <p:sp>
+        <p:nvSpPr>
+          <p:cNvPr id="62" name="TextBox 61"/>
+          <p:cNvSpPr txBox="1"/>
+          <p:nvPr/>
+        </p:nvSpPr>
+        <p:spPr>
+          <a:xfrm>
+            <a:off x="7666893" y="4677564"/>
+            <a:ext cx="2813538" cy="923330"/>
+          </a:xfrm>
+          <a:prstGeom prst="rect">
+            <a:avLst/>
+          </a:prstGeom>
+          <a:noFill/>
+        </p:spPr>
+        <p:txBody>
+          <a:bodyPr wrap="square" rtlCol="0">
+            <a:spAutoFit/>
+          </a:bodyPr>
+          <a:lstStyle/>
+          <a:p>
+            <a:pPr algn="ctr"/>
+            <a:r>
+              <a:rPr lang="en-US" dirty="0" smtClean="0"/>
+              <a:t>.</a:t>
+            </a:r>
+          </a:p>
+          <a:p>
+            <a:pPr algn="ctr"/>
+            <a:r>
+              <a:rPr lang="en-US" dirty="0" smtClean="0"/>
+              <a:t>.</a:t>
+            </a:r>
+          </a:p>
+          <a:p>
+            <a:pPr algn="ctr"/>
+            <a:r>
+              <a:rPr lang="en-US" dirty="0"/>
+              <a:t>.</a:t>
+            </a:r>
+          </a:p>
+        </p:txBody>
+      </p:sp>
+      <p:sp>
+        <p:nvSpPr>
+          <p:cNvPr id="63" name="Date Placeholder 62"/>
+          <p:cNvSpPr>
+            <a:spLocks noGrp="1"/>
+          </p:cNvSpPr>
+          <p:nvPr>
+            <p:ph type="dt" sz="half" idx="10"/>
+          </p:nvPr>
+        </p:nvSpPr>
+        <p:spPr/>
+        <p:txBody>
+          <a:bodyPr/>
+          <a:lstStyle/>
+          <a:p>
+            <a:fld id="{F4D90CDE-0F3A-4C4C-B014-1801601C6FBB}" type="datetime1">
+              <a:rPr lang="en-US" smtClean="0"/>
+              <a:t>10/10/2015</a:t>
+            </a:fld>
+            <a:endParaRPr lang="en-US"/>
+          </a:p>
+        </p:txBody>
+      </p:sp>
+      <p:sp>
+        <p:nvSpPr>
+          <p:cNvPr id="64" name="Slide Number Placeholder 63"/>
+          <p:cNvSpPr>
+            <a:spLocks noGrp="1"/>
+          </p:cNvSpPr>
+          <p:nvPr>
+            <p:ph type="sldNum" sz="quarter" idx="12"/>
+          </p:nvPr>
+        </p:nvSpPr>
+        <p:spPr/>
+        <p:txBody>
+          <a:bodyPr/>
+          <a:lstStyle/>
+          <a:p>
+            <a:fld id="{F1A2D159-7083-48C9-88DE-3F666ED9E9A2}" type="slidenum">
+              <a:rPr lang="en-US" smtClean="0"/>
+              <a:t>15</a:t>
+            </a:fld>
+            <a:endParaRPr lang="en-US"/>
+          </a:p>
+        </p:txBody>
+      </p:sp>
+    </p:spTree>
+    <p:extLst>
+      <p:ext uri="{BB962C8B-B14F-4D97-AF65-F5344CB8AC3E}">
+        <p14:creationId xmlns:p14="http://schemas.microsoft.com/office/powerpoint/2010/main" val="1395025789"/>
+      </p:ext>
+    </p:extLst>
+  </p:cSld>
+  <p:clrMapOvr>
+    <a:masterClrMapping/>
+  </p:clrMapOvr>
+</p:sld>
+</file>
+
+<file path=ppt/slides/slide16.xml><?xml version="1.0" encoding="utf-8"?>
+<p:sld xmlns:a="http://schemas.openxmlformats.org/drawingml/2006/main" xmlns:r="http://schemas.openxmlformats.org/officeDocument/2006/relationships" xmlns:p="http://schemas.openxmlformats.org/presentationml/2006/main">
+  <p:cSld>
+    <p:spTree>
+      <p:nvGrpSpPr>
+        <p:cNvPr id="1" name=""/>
+        <p:cNvGrpSpPr/>
+        <p:nvPr/>
+      </p:nvGrpSpPr>
+      <p:grpSpPr>
+        <a:xfrm>
+          <a:off x="0" y="0"/>
+          <a:ext cx="0" cy="0"/>
+          <a:chOff x="0" y="0"/>
+          <a:chExt cx="0" cy="0"/>
+        </a:xfrm>
+      </p:grpSpPr>
+      <p:sp>
+        <p:nvSpPr>
+          <p:cNvPr id="2" name="Titel 1"/>
+          <p:cNvSpPr>
+            <a:spLocks noGrp="1"/>
+          </p:cNvSpPr>
+          <p:nvPr>
+            <p:ph type="title"/>
+          </p:nvPr>
+        </p:nvSpPr>
+        <p:spPr/>
+        <p:txBody>
+          <a:bodyPr/>
+          <a:lstStyle/>
+          <a:p>
+            <a:r>
+              <a:rPr lang="en-US" dirty="0" smtClean="0"/>
+              <a:t>Hive</a:t>
+            </a:r>
+            <a:endParaRPr lang="en-US" dirty="0"/>
+          </a:p>
+        </p:txBody>
+      </p:sp>
+      <p:sp>
+        <p:nvSpPr>
+          <p:cNvPr id="3" name="Inhaltsplatzhalter 2"/>
+          <p:cNvSpPr>
+            <a:spLocks noGrp="1"/>
+          </p:cNvSpPr>
+          <p:nvPr>
+            <p:ph idx="1"/>
+          </p:nvPr>
+        </p:nvSpPr>
+        <p:spPr/>
+        <p:txBody>
+          <a:bodyPr/>
+          <a:lstStyle/>
+          <a:p>
+            <a:endParaRPr lang="en-US"/>
+          </a:p>
+        </p:txBody>
+      </p:sp>
+      <p:sp>
+        <p:nvSpPr>
+          <p:cNvPr id="4" name="Date Placeholder 3"/>
+          <p:cNvSpPr>
+            <a:spLocks noGrp="1"/>
+          </p:cNvSpPr>
+          <p:nvPr>
+            <p:ph type="dt" sz="half" idx="10"/>
+          </p:nvPr>
+        </p:nvSpPr>
+        <p:spPr/>
+        <p:txBody>
+          <a:bodyPr/>
+          <a:lstStyle/>
+          <a:p>
+            <a:fld id="{8319928E-7A13-4AAE-BE96-55A560725C33}" type="datetime1">
+              <a:rPr lang="en-US" smtClean="0"/>
+              <a:t>10/10/2015</a:t>
+            </a:fld>
+            <a:endParaRPr lang="en-US"/>
+          </a:p>
+        </p:txBody>
+      </p:sp>
+      <p:sp>
+        <p:nvSpPr>
+          <p:cNvPr id="5" name="Slide Number Placeholder 4"/>
+          <p:cNvSpPr>
+            <a:spLocks noGrp="1"/>
+          </p:cNvSpPr>
+          <p:nvPr>
+            <p:ph type="sldNum" sz="quarter" idx="12"/>
+          </p:nvPr>
+        </p:nvSpPr>
+        <p:spPr/>
+        <p:txBody>
+          <a:bodyPr/>
+          <a:lstStyle/>
+          <a:p>
+            <a:fld id="{F1A2D159-7083-48C9-88DE-3F666ED9E9A2}" type="slidenum">
+              <a:rPr lang="en-US" smtClean="0"/>
+              <a:t>16</a:t>
+            </a:fld>
             <a:endParaRPr lang="en-US"/>
           </a:p>
         </p:txBody>
@@ -3112,7 +9308,7 @@
 </p:sld>
 </file>
 
-<file path=ppt/slides/slide11.xml><?xml version="1.0" encoding="utf-8"?>
+<file path=ppt/slides/slide17.xml><?xml version="1.0" encoding="utf-8"?>
 <p:sld xmlns:a="http://schemas.openxmlformats.org/drawingml/2006/main" xmlns:r="http://schemas.openxmlformats.org/officeDocument/2006/relationships" xmlns:p="http://schemas.openxmlformats.org/presentationml/2006/main">
   <p:cSld>
     <p:spTree>
@@ -4088,6 +10284,52 @@
           </a:p>
         </p:txBody>
       </p:sp>
+      <p:sp>
+        <p:nvSpPr>
+          <p:cNvPr id="4" name="Date Placeholder 3"/>
+          <p:cNvSpPr>
+            <a:spLocks noGrp="1"/>
+          </p:cNvSpPr>
+          <p:nvPr>
+            <p:ph type="dt" sz="half" idx="10"/>
+          </p:nvPr>
+        </p:nvSpPr>
+        <p:spPr/>
+        <p:txBody>
+          <a:bodyPr/>
+          <a:lstStyle/>
+          <a:p>
+            <a:fld id="{51F94355-63F6-4963-8813-AB6C349F5C97}" type="datetime1">
+              <a:rPr lang="en-US" smtClean="0"/>
+              <a:t>10/10/2015</a:t>
+            </a:fld>
+            <a:endParaRPr lang="en-US"/>
+          </a:p>
+        </p:txBody>
+      </p:sp>
+      <p:sp>
+        <p:nvSpPr>
+          <p:cNvPr id="5" name="Slide Number Placeholder 4"/>
+          <p:cNvSpPr>
+            <a:spLocks noGrp="1"/>
+          </p:cNvSpPr>
+          <p:nvPr>
+            <p:ph type="sldNum" sz="quarter" idx="12"/>
+          </p:nvPr>
+        </p:nvSpPr>
+        <p:spPr/>
+        <p:txBody>
+          <a:bodyPr/>
+          <a:lstStyle/>
+          <a:p>
+            <a:fld id="{F1A2D159-7083-48C9-88DE-3F666ED9E9A2}" type="slidenum">
+              <a:rPr lang="en-US" smtClean="0"/>
+              <a:t>17</a:t>
+            </a:fld>
+            <a:endParaRPr lang="en-US"/>
+          </a:p>
+        </p:txBody>
+      </p:sp>
     </p:spTree>
     <p:extLst>
       <p:ext uri="{BB962C8B-B14F-4D97-AF65-F5344CB8AC3E}">
@@ -4101,7 +10343,7 @@
 </p:sld>
 </file>
 
-<file path=ppt/slides/slide12.xml><?xml version="1.0" encoding="utf-8"?>
+<file path=ppt/slides/slide18.xml><?xml version="1.0" encoding="utf-8"?>
 <p:sld xmlns:a="http://schemas.openxmlformats.org/drawingml/2006/main" xmlns:r="http://schemas.openxmlformats.org/officeDocument/2006/relationships" xmlns:p="http://schemas.openxmlformats.org/presentationml/2006/main">
   <p:cSld>
     <p:spTree>
@@ -4135,7 +10377,7 @@
           <a:p>
             <a:r>
               <a:rPr lang="en-US" dirty="0" smtClean="0"/>
-              <a:t>Kafka</a:t>
+              <a:t>Spark</a:t>
             </a:r>
             <a:endParaRPr lang="en-US" dirty="0"/>
           </a:p>
@@ -4156,51 +10398,18 @@
           <a:bodyPr/>
           <a:lstStyle/>
           <a:p>
-            <a:r>
-              <a:rPr lang="en-US" dirty="0"/>
-              <a:t>Kafka is a distributed, partitioned, replicated commit log service</a:t>
-            </a:r>
-          </a:p>
-        </p:txBody>
-      </p:sp>
-    </p:spTree>
-    <p:extLst>
-      <p:ext uri="{BB962C8B-B14F-4D97-AF65-F5344CB8AC3E}">
-        <p14:creationId xmlns:p14="http://schemas.microsoft.com/office/powerpoint/2010/main" val="3974552302"/>
-      </p:ext>
-    </p:extLst>
-  </p:cSld>
-  <p:clrMapOvr>
-    <a:masterClrMapping/>
-  </p:clrMapOvr>
-</p:sld>
-</file>
-
-<file path=ppt/slides/slide13.xml><?xml version="1.0" encoding="utf-8"?>
-<p:sld xmlns:a="http://schemas.openxmlformats.org/drawingml/2006/main" xmlns:r="http://schemas.openxmlformats.org/officeDocument/2006/relationships" xmlns:p="http://schemas.openxmlformats.org/presentationml/2006/main">
-  <p:cSld>
-    <p:spTree>
-      <p:nvGrpSpPr>
-        <p:cNvPr id="1" name=""/>
-        <p:cNvGrpSpPr/>
-        <p:nvPr/>
-      </p:nvGrpSpPr>
-      <p:grpSpPr>
-        <a:xfrm>
-          <a:off x="0" y="0"/>
-          <a:ext cx="0" cy="0"/>
-          <a:chOff x="0" y="0"/>
-          <a:chExt cx="0" cy="0"/>
-        </a:xfrm>
-      </p:grpSpPr>
-      <p:sp>
-        <p:nvSpPr>
-          <p:cNvPr id="2" name="Titel 1"/>
+            <a:endParaRPr lang="en-US" dirty="0"/>
+          </a:p>
+        </p:txBody>
+      </p:sp>
+      <p:sp>
+        <p:nvSpPr>
+          <p:cNvPr id="4" name="Date Placeholder 3"/>
           <p:cNvSpPr>
             <a:spLocks noGrp="1"/>
           </p:cNvSpPr>
           <p:nvPr>
-            <p:ph type="title"/>
+            <p:ph type="dt" sz="half" idx="10"/>
           </p:nvPr>
         </p:nvSpPr>
         <p:spPr/>
@@ -4208,22 +10417,22 @@
           <a:bodyPr/>
           <a:lstStyle/>
           <a:p>
-            <a:r>
-              <a:rPr lang="en-US" dirty="0" smtClean="0"/>
-              <a:t>Spark</a:t>
-            </a:r>
-            <a:endParaRPr lang="en-US" dirty="0"/>
-          </a:p>
-        </p:txBody>
-      </p:sp>
-      <p:sp>
-        <p:nvSpPr>
-          <p:cNvPr id="3" name="Inhaltsplatzhalter 2"/>
+            <a:fld id="{BDE4043E-D578-4A07-A347-C639EE431B8D}" type="datetime1">
+              <a:rPr lang="en-US" smtClean="0"/>
+              <a:t>10/10/2015</a:t>
+            </a:fld>
+            <a:endParaRPr lang="en-US"/>
+          </a:p>
+        </p:txBody>
+      </p:sp>
+      <p:sp>
+        <p:nvSpPr>
+          <p:cNvPr id="5" name="Slide Number Placeholder 4"/>
           <p:cNvSpPr>
             <a:spLocks noGrp="1"/>
           </p:cNvSpPr>
           <p:nvPr>
-            <p:ph idx="1"/>
+            <p:ph type="sldNum" sz="quarter" idx="12"/>
           </p:nvPr>
         </p:nvSpPr>
         <p:spPr/>
@@ -4231,7 +10440,11 @@
           <a:bodyPr/>
           <a:lstStyle/>
           <a:p>
-            <a:endParaRPr lang="en-US" dirty="0"/>
+            <a:fld id="{F1A2D159-7083-48C9-88DE-3F666ED9E9A2}" type="slidenum">
+              <a:rPr lang="en-US" smtClean="0"/>
+              <a:t>18</a:t>
+            </a:fld>
+            <a:endParaRPr lang="en-US"/>
           </a:p>
         </p:txBody>
       </p:sp>
@@ -4280,7 +10493,11 @@
           <a:bodyPr/>
           <a:lstStyle/>
           <a:p>
-            <a:endParaRPr lang="en-US"/>
+            <a:r>
+              <a:rPr lang="en-US" dirty="0" smtClean="0"/>
+              <a:t>Content</a:t>
+            </a:r>
+            <a:endParaRPr lang="en-US" dirty="0"/>
           </a:p>
         </p:txBody>
       </p:sp>
@@ -4345,6 +10562,52 @@
           </a:p>
           <a:p>
             <a:endParaRPr lang="en-US" dirty="0"/>
+          </a:p>
+        </p:txBody>
+      </p:sp>
+      <p:sp>
+        <p:nvSpPr>
+          <p:cNvPr id="4" name="Date Placeholder 3"/>
+          <p:cNvSpPr>
+            <a:spLocks noGrp="1"/>
+          </p:cNvSpPr>
+          <p:nvPr>
+            <p:ph type="dt" sz="half" idx="10"/>
+          </p:nvPr>
+        </p:nvSpPr>
+        <p:spPr/>
+        <p:txBody>
+          <a:bodyPr/>
+          <a:lstStyle/>
+          <a:p>
+            <a:fld id="{6D76168C-3BC9-450E-965B-EE1AB4E67B1D}" type="datetime1">
+              <a:rPr lang="en-US" smtClean="0"/>
+              <a:t>10/10/2015</a:t>
+            </a:fld>
+            <a:endParaRPr lang="en-US"/>
+          </a:p>
+        </p:txBody>
+      </p:sp>
+      <p:sp>
+        <p:nvSpPr>
+          <p:cNvPr id="5" name="Slide Number Placeholder 4"/>
+          <p:cNvSpPr>
+            <a:spLocks noGrp="1"/>
+          </p:cNvSpPr>
+          <p:nvPr>
+            <p:ph type="sldNum" sz="quarter" idx="12"/>
+          </p:nvPr>
+        </p:nvSpPr>
+        <p:spPr/>
+        <p:txBody>
+          <a:bodyPr/>
+          <a:lstStyle/>
+          <a:p>
+            <a:fld id="{F1A2D159-7083-48C9-88DE-3F666ED9E9A2}" type="slidenum">
+              <a:rPr lang="en-US" smtClean="0"/>
+              <a:t>2</a:t>
+            </a:fld>
+            <a:endParaRPr lang="en-US"/>
           </a:p>
         </p:txBody>
       </p:sp>
@@ -4413,26 +10676,17 @@
         </p:nvSpPr>
         <p:spPr/>
         <p:txBody>
-          <a:bodyPr/>
-          <a:lstStyle/>
-          <a:p>
+          <a:bodyPr>
+            <a:normAutofit/>
+          </a:bodyPr>
+          <a:lstStyle/>
+          <a:p>
+            <a:pPr marL="0" indent="0">
+              <a:buNone/>
+            </a:pPr>
             <a:r>
               <a:rPr lang="en-US" dirty="0" smtClean="0"/>
-              <a:t>Find frequent search terms</a:t>
-            </a:r>
-          </a:p>
-          <a:p>
-            <a:pPr lvl="1"/>
-            <a:r>
-              <a:rPr lang="en-US" dirty="0" smtClean="0"/>
-              <a:t>Get search requests from log file</a:t>
-            </a:r>
-          </a:p>
-          <a:p>
-            <a:pPr lvl="1"/>
-            <a:r>
-              <a:rPr lang="en-US" dirty="0" smtClean="0"/>
-              <a:t>Analyze search terms in the </a:t>
+              <a:t>During this talk we will illustrate the usage of some components of the </a:t>
             </a:r>
             <a:r>
               <a:rPr lang="en-US" dirty="0" err="1" smtClean="0"/>
@@ -4440,16 +10694,150 @@
             </a:r>
             <a:r>
               <a:rPr lang="en-US" dirty="0" smtClean="0"/>
-              <a:t> ecosystem</a:t>
-            </a:r>
+              <a:t> Ecosystem.</a:t>
+            </a:r>
+            <a:endParaRPr lang="en-US" dirty="0"/>
+          </a:p>
+          <a:p>
+            <a:endParaRPr lang="en-US" dirty="0" smtClean="0"/>
+          </a:p>
+          <a:p>
+            <a:pPr marL="0" indent="0">
+              <a:buNone/>
+            </a:pPr>
+            <a:r>
+              <a:rPr lang="en-US" dirty="0" smtClean="0"/>
+              <a:t>Running example:</a:t>
+            </a:r>
+            <a:endParaRPr lang="en-US" dirty="0" smtClean="0"/>
+          </a:p>
+          <a:p>
+            <a:pPr lvl="1"/>
+            <a:r>
+              <a:rPr lang="en-US" dirty="0" smtClean="0"/>
+              <a:t>Store entered search terms</a:t>
+            </a:r>
+          </a:p>
+          <a:p>
+            <a:pPr lvl="2"/>
+            <a:r>
+              <a:rPr lang="en-US" b="1" dirty="0" smtClean="0"/>
+              <a:t>Apache HTTP</a:t>
+            </a:r>
+            <a:r>
+              <a:rPr lang="en-US" dirty="0" smtClean="0"/>
+              <a:t>: Provide basic website with search form</a:t>
+            </a:r>
+          </a:p>
+          <a:p>
+            <a:pPr lvl="2"/>
+            <a:r>
+              <a:rPr lang="en-US" b="1" dirty="0" smtClean="0"/>
+              <a:t>Flume</a:t>
+            </a:r>
+            <a:r>
+              <a:rPr lang="en-US" dirty="0" smtClean="0"/>
+              <a:t>: Connector between Apache webserver and </a:t>
+            </a:r>
+            <a:r>
+              <a:rPr lang="en-US" dirty="0" err="1" smtClean="0"/>
+              <a:t>Hadoop</a:t>
+            </a:r>
+            <a:r>
+              <a:rPr lang="en-US" dirty="0" smtClean="0"/>
+              <a:t> Ecosystem</a:t>
+            </a:r>
+          </a:p>
+          <a:p>
+            <a:pPr lvl="2"/>
+            <a:r>
+              <a:rPr lang="en-US" b="1" dirty="0" smtClean="0"/>
+              <a:t>Kafka</a:t>
+            </a:r>
+            <a:r>
+              <a:rPr lang="en-US" dirty="0" smtClean="0"/>
+              <a:t>: </a:t>
+            </a:r>
+            <a:r>
+              <a:rPr lang="en-US" dirty="0"/>
+              <a:t>T</a:t>
+            </a:r>
+            <a:r>
+              <a:rPr lang="en-US" dirty="0" smtClean="0"/>
+              <a:t>ransport of log data to HDFS</a:t>
+            </a:r>
+          </a:p>
+          <a:p>
+            <a:pPr lvl="1"/>
+            <a:r>
+              <a:rPr lang="en-US" dirty="0" smtClean="0"/>
+              <a:t>Analyze frequent search terms</a:t>
+            </a:r>
+          </a:p>
+          <a:p>
+            <a:pPr lvl="2"/>
+            <a:r>
+              <a:rPr lang="en-US" b="1" dirty="0" smtClean="0"/>
+              <a:t>Map/Reduce</a:t>
+            </a:r>
+            <a:r>
+              <a:rPr lang="en-US" dirty="0" smtClean="0"/>
+              <a:t>: Estimate frequent search terms</a:t>
+            </a:r>
+          </a:p>
+          <a:p>
+            <a:pPr lvl="2"/>
+            <a:endParaRPr lang="en-US" dirty="0"/>
           </a:p>
           <a:p>
             <a:pPr lvl="1"/>
             <a:endParaRPr lang="en-US" dirty="0"/>
           </a:p>
-          <a:p>
-            <a:pPr lvl="1"/>
-            <a:endParaRPr lang="en-US" dirty="0"/>
+        </p:txBody>
+      </p:sp>
+      <p:sp>
+        <p:nvSpPr>
+          <p:cNvPr id="4" name="Date Placeholder 3"/>
+          <p:cNvSpPr>
+            <a:spLocks noGrp="1"/>
+          </p:cNvSpPr>
+          <p:nvPr>
+            <p:ph type="dt" sz="half" idx="10"/>
+          </p:nvPr>
+        </p:nvSpPr>
+        <p:spPr/>
+        <p:txBody>
+          <a:bodyPr/>
+          <a:lstStyle/>
+          <a:p>
+            <a:fld id="{7F799983-4BA0-4880-A29B-26757FD278D3}" type="datetime1">
+              <a:rPr lang="en-US" smtClean="0"/>
+              <a:t>10/10/2015</a:t>
+            </a:fld>
+            <a:endParaRPr lang="en-US"/>
+          </a:p>
+        </p:txBody>
+      </p:sp>
+      <p:sp>
+        <p:nvSpPr>
+          <p:cNvPr id="5" name="Slide Number Placeholder 4"/>
+          <p:cNvSpPr>
+            <a:spLocks noGrp="1"/>
+          </p:cNvSpPr>
+          <p:nvPr>
+            <p:ph type="sldNum" sz="quarter" idx="12"/>
+          </p:nvPr>
+        </p:nvSpPr>
+        <p:spPr/>
+        <p:txBody>
+          <a:bodyPr/>
+          <a:lstStyle/>
+          <a:p>
+            <a:fld id="{F1A2D159-7083-48C9-88DE-3F666ED9E9A2}" type="slidenum">
+              <a:rPr lang="en-US" smtClean="0"/>
+              <a:t>3</a:t>
+            </a:fld>
+            <a:endParaRPr lang="en-US"/>
           </a:p>
         </p:txBody>
       </p:sp>
@@ -4526,6 +10914,52 @@
               <a:t>Basic concept of key value</a:t>
             </a:r>
             <a:endParaRPr lang="en-US" dirty="0"/>
+          </a:p>
+        </p:txBody>
+      </p:sp>
+      <p:sp>
+        <p:nvSpPr>
+          <p:cNvPr id="4" name="Date Placeholder 3"/>
+          <p:cNvSpPr>
+            <a:spLocks noGrp="1"/>
+          </p:cNvSpPr>
+          <p:nvPr>
+            <p:ph type="dt" sz="half" idx="10"/>
+          </p:nvPr>
+        </p:nvSpPr>
+        <p:spPr/>
+        <p:txBody>
+          <a:bodyPr/>
+          <a:lstStyle/>
+          <a:p>
+            <a:fld id="{2089E0ED-F6D5-47B8-A530-F867D0CF1482}" type="datetime1">
+              <a:rPr lang="en-US" smtClean="0"/>
+              <a:t>10/10/2015</a:t>
+            </a:fld>
+            <a:endParaRPr lang="en-US"/>
+          </a:p>
+        </p:txBody>
+      </p:sp>
+      <p:sp>
+        <p:nvSpPr>
+          <p:cNvPr id="5" name="Slide Number Placeholder 4"/>
+          <p:cNvSpPr>
+            <a:spLocks noGrp="1"/>
+          </p:cNvSpPr>
+          <p:nvPr>
+            <p:ph type="sldNum" sz="quarter" idx="12"/>
+          </p:nvPr>
+        </p:nvSpPr>
+        <p:spPr/>
+        <p:txBody>
+          <a:bodyPr/>
+          <a:lstStyle/>
+          <a:p>
+            <a:fld id="{F1A2D159-7083-48C9-88DE-3F666ED9E9A2}" type="slidenum">
+              <a:rPr lang="en-US" smtClean="0"/>
+              <a:t>4</a:t>
+            </a:fld>
+            <a:endParaRPr lang="en-US"/>
           </a:p>
         </p:txBody>
       </p:sp>
@@ -5648,6 +12082,52 @@
           </a:p>
         </p:txBody>
       </p:sp>
+      <p:sp>
+        <p:nvSpPr>
+          <p:cNvPr id="12" name="Date Placeholder 11"/>
+          <p:cNvSpPr>
+            <a:spLocks noGrp="1"/>
+          </p:cNvSpPr>
+          <p:nvPr>
+            <p:ph type="dt" sz="half" idx="10"/>
+          </p:nvPr>
+        </p:nvSpPr>
+        <p:spPr/>
+        <p:txBody>
+          <a:bodyPr/>
+          <a:lstStyle/>
+          <a:p>
+            <a:fld id="{A1DC7DA1-10B4-4EE0-B790-78A44FDA1434}" type="datetime1">
+              <a:rPr lang="en-US" smtClean="0"/>
+              <a:t>10/10/2015</a:t>
+            </a:fld>
+            <a:endParaRPr lang="en-US"/>
+          </a:p>
+        </p:txBody>
+      </p:sp>
+      <p:sp>
+        <p:nvSpPr>
+          <p:cNvPr id="15" name="Slide Number Placeholder 14"/>
+          <p:cNvSpPr>
+            <a:spLocks noGrp="1"/>
+          </p:cNvSpPr>
+          <p:nvPr>
+            <p:ph type="sldNum" sz="quarter" idx="12"/>
+          </p:nvPr>
+        </p:nvSpPr>
+        <p:spPr/>
+        <p:txBody>
+          <a:bodyPr/>
+          <a:lstStyle/>
+          <a:p>
+            <a:fld id="{F1A2D159-7083-48C9-88DE-3F666ED9E9A2}" type="slidenum">
+              <a:rPr lang="en-US" smtClean="0"/>
+              <a:t>5</a:t>
+            </a:fld>
+            <a:endParaRPr lang="en-US"/>
+          </a:p>
+        </p:txBody>
+      </p:sp>
     </p:spTree>
     <p:extLst>
       <p:ext uri="{BB962C8B-B14F-4D97-AF65-F5344CB8AC3E}">
@@ -5716,6 +12196,10 @@
           <a:bodyPr/>
           <a:lstStyle/>
           <a:p>
+            <a:r>
+              <a:rPr lang="en-US" dirty="0" smtClean="0"/>
+              <a:t>Store web access logs to HDFS for big data analysis</a:t>
+            </a:r>
             <a:endParaRPr lang="en-US" dirty="0"/>
           </a:p>
         </p:txBody>
@@ -5944,6 +12428,52 @@
               <a:t>Apache Log</a:t>
             </a:r>
             <a:endParaRPr lang="en-US" dirty="0"/>
+          </a:p>
+        </p:txBody>
+      </p:sp>
+      <p:sp>
+        <p:nvSpPr>
+          <p:cNvPr id="4" name="Date Placeholder 3"/>
+          <p:cNvSpPr>
+            <a:spLocks noGrp="1"/>
+          </p:cNvSpPr>
+          <p:nvPr>
+            <p:ph type="dt" sz="half" idx="10"/>
+          </p:nvPr>
+        </p:nvSpPr>
+        <p:spPr/>
+        <p:txBody>
+          <a:bodyPr/>
+          <a:lstStyle/>
+          <a:p>
+            <a:fld id="{2595C061-230B-4226-8E19-508C1D05C879}" type="datetime1">
+              <a:rPr lang="en-US" smtClean="0"/>
+              <a:t>10/10/2015</a:t>
+            </a:fld>
+            <a:endParaRPr lang="en-US"/>
+          </a:p>
+        </p:txBody>
+      </p:sp>
+      <p:sp>
+        <p:nvSpPr>
+          <p:cNvPr id="5" name="Slide Number Placeholder 4"/>
+          <p:cNvSpPr>
+            <a:spLocks noGrp="1"/>
+          </p:cNvSpPr>
+          <p:nvPr>
+            <p:ph type="sldNum" sz="quarter" idx="12"/>
+          </p:nvPr>
+        </p:nvSpPr>
+        <p:spPr/>
+        <p:txBody>
+          <a:bodyPr/>
+          <a:lstStyle/>
+          <a:p>
+            <a:fld id="{F1A2D159-7083-48C9-88DE-3F666ED9E9A2}" type="slidenum">
+              <a:rPr lang="en-US" smtClean="0"/>
+              <a:t>6</a:t>
+            </a:fld>
+            <a:endParaRPr lang="en-US"/>
           </a:p>
         </p:txBody>
       </p:sp>
@@ -6012,7 +12542,9 @@
         </p:nvSpPr>
         <p:spPr/>
         <p:txBody>
-          <a:bodyPr/>
+          <a:bodyPr>
+            <a:normAutofit/>
+          </a:bodyPr>
           <a:lstStyle/>
           <a:p>
             <a:r>
@@ -6029,7 +12561,11 @@
             </a:r>
             <a:r>
               <a:rPr lang="en-US" dirty="0"/>
-              <a:t>, aggregating, and moving large amounts of streaming event data.</a:t>
+              <a:t>, aggregating, and moving large amounts of streaming event data</a:t>
+            </a:r>
+            <a:r>
+              <a:rPr lang="en-US" dirty="0" smtClean="0"/>
+              <a:t>.</a:t>
             </a:r>
           </a:p>
         </p:txBody>
@@ -6469,6 +13005,84 @@
           </p:txBody>
         </p:sp>
       </p:grpSp>
+      <p:sp>
+        <p:nvSpPr>
+          <p:cNvPr id="12" name="TextBox 11"/>
+          <p:cNvSpPr txBox="1"/>
+          <p:nvPr/>
+        </p:nvSpPr>
+        <p:spPr>
+          <a:xfrm>
+            <a:off x="615461" y="6005146"/>
+            <a:ext cx="2998177" cy="369332"/>
+          </a:xfrm>
+          <a:prstGeom prst="rect">
+            <a:avLst/>
+          </a:prstGeom>
+          <a:noFill/>
+        </p:spPr>
+        <p:txBody>
+          <a:bodyPr wrap="square" rtlCol="0">
+            <a:spAutoFit/>
+          </a:bodyPr>
+          <a:lstStyle/>
+          <a:p>
+            <a:r>
+              <a:rPr lang="en-US" dirty="0" smtClean="0">
+                <a:sym typeface="Wingdings" panose="05000000000000000000" pitchFamily="2" charset="2"/>
+              </a:rPr>
+              <a:t> http://flume.apache.org/</a:t>
+            </a:r>
+            <a:endParaRPr lang="en-US" dirty="0"/>
+          </a:p>
+        </p:txBody>
+      </p:sp>
+      <p:sp>
+        <p:nvSpPr>
+          <p:cNvPr id="13" name="Date Placeholder 12"/>
+          <p:cNvSpPr>
+            <a:spLocks noGrp="1"/>
+          </p:cNvSpPr>
+          <p:nvPr>
+            <p:ph type="dt" sz="half" idx="10"/>
+          </p:nvPr>
+        </p:nvSpPr>
+        <p:spPr/>
+        <p:txBody>
+          <a:bodyPr/>
+          <a:lstStyle/>
+          <a:p>
+            <a:fld id="{3F4F4747-6F69-4A44-995F-D7A7CFDAAAEA}" type="datetime1">
+              <a:rPr lang="en-US" smtClean="0"/>
+              <a:t>10/10/2015</a:t>
+            </a:fld>
+            <a:endParaRPr lang="en-US"/>
+          </a:p>
+        </p:txBody>
+      </p:sp>
+      <p:sp>
+        <p:nvSpPr>
+          <p:cNvPr id="14" name="Slide Number Placeholder 13"/>
+          <p:cNvSpPr>
+            <a:spLocks noGrp="1"/>
+          </p:cNvSpPr>
+          <p:nvPr>
+            <p:ph type="sldNum" sz="quarter" idx="12"/>
+          </p:nvPr>
+        </p:nvSpPr>
+        <p:spPr/>
+        <p:txBody>
+          <a:bodyPr/>
+          <a:lstStyle/>
+          <a:p>
+            <a:fld id="{F1A2D159-7083-48C9-88DE-3F666ED9E9A2}" type="slidenum">
+              <a:rPr lang="en-US" smtClean="0"/>
+              <a:t>7</a:t>
+            </a:fld>
+            <a:endParaRPr lang="en-US"/>
+          </a:p>
+        </p:txBody>
+      </p:sp>
     </p:spTree>
     <p:extLst>
       <p:ext uri="{BB962C8B-B14F-4D97-AF65-F5344CB8AC3E}">
@@ -6899,6 +13513,52 @@
           </a:p>
         </p:txBody>
       </p:sp>
+      <p:sp>
+        <p:nvSpPr>
+          <p:cNvPr id="4" name="Date Placeholder 3"/>
+          <p:cNvSpPr>
+            <a:spLocks noGrp="1"/>
+          </p:cNvSpPr>
+          <p:nvPr>
+            <p:ph type="dt" sz="half" idx="10"/>
+          </p:nvPr>
+        </p:nvSpPr>
+        <p:spPr/>
+        <p:txBody>
+          <a:bodyPr/>
+          <a:lstStyle/>
+          <a:p>
+            <a:fld id="{4AA13F05-B839-4D99-804F-C7393ABAC84B}" type="datetime1">
+              <a:rPr lang="en-US" smtClean="0"/>
+              <a:t>10/10/2015</a:t>
+            </a:fld>
+            <a:endParaRPr lang="en-US"/>
+          </a:p>
+        </p:txBody>
+      </p:sp>
+      <p:sp>
+        <p:nvSpPr>
+          <p:cNvPr id="5" name="Slide Number Placeholder 4"/>
+          <p:cNvSpPr>
+            <a:spLocks noGrp="1"/>
+          </p:cNvSpPr>
+          <p:nvPr>
+            <p:ph type="sldNum" sz="quarter" idx="12"/>
+          </p:nvPr>
+        </p:nvSpPr>
+        <p:spPr/>
+        <p:txBody>
+          <a:bodyPr/>
+          <a:lstStyle/>
+          <a:p>
+            <a:fld id="{F1A2D159-7083-48C9-88DE-3F666ED9E9A2}" type="slidenum">
+              <a:rPr lang="en-US" smtClean="0"/>
+              <a:t>8</a:t>
+            </a:fld>
+            <a:endParaRPr lang="en-US"/>
+          </a:p>
+        </p:txBody>
+      </p:sp>
     </p:spTree>
     <p:extLst>
       <p:ext uri="{BB962C8B-B14F-4D97-AF65-F5344CB8AC3E}">
@@ -6931,7 +13591,7 @@
       </p:grpSpPr>
       <p:sp>
         <p:nvSpPr>
-          <p:cNvPr id="2" name="Titel 1"/>
+          <p:cNvPr id="2" name="Title 1"/>
           <p:cNvSpPr>
             <a:spLocks noGrp="1"/>
           </p:cNvSpPr>
@@ -6946,7 +13606,7 @@
           <a:p>
             <a:r>
               <a:rPr lang="en-US" dirty="0" smtClean="0"/>
-              <a:t>Map/Reduce</a:t>
+              <a:t>Example – Run Flume</a:t>
             </a:r>
             <a:endParaRPr lang="en-US" dirty="0"/>
           </a:p>
@@ -6954,7 +13614,7 @@
       </p:sp>
       <p:sp>
         <p:nvSpPr>
-          <p:cNvPr id="3" name="Inhaltsplatzhalter 2"/>
+          <p:cNvPr id="3" name="Content Placeholder 2"/>
           <p:cNvSpPr>
             <a:spLocks noGrp="1"/>
           </p:cNvSpPr>
@@ -6969,471 +13629,597 @@
           <a:p>
             <a:r>
               <a:rPr lang="en-US" dirty="0" smtClean="0"/>
-              <a:t>Main execution framework for distributed parallel data processing</a:t>
+              <a:t>Start Flume </a:t>
+            </a:r>
+          </a:p>
+          <a:p>
+            <a:pPr marL="457200" lvl="1" indent="0">
+              <a:buNone/>
+            </a:pPr>
+            <a:r>
+              <a:rPr lang="en-US" dirty="0"/>
+              <a:t>$&gt; flume-</a:t>
+            </a:r>
+            <a:r>
+              <a:rPr lang="en-US" dirty="0" err="1"/>
+              <a:t>ng</a:t>
+            </a:r>
+            <a:r>
+              <a:rPr lang="en-US" dirty="0"/>
+              <a:t> agent -c </a:t>
+            </a:r>
+            <a:r>
+              <a:rPr lang="en-US" dirty="0" err="1"/>
+              <a:t>conf</a:t>
+            </a:r>
+            <a:r>
+              <a:rPr lang="en-US" dirty="0"/>
+              <a:t> -f </a:t>
+            </a:r>
+            <a:r>
+              <a:rPr lang="en-US" dirty="0" err="1" smtClean="0"/>
+              <a:t>conf</a:t>
+            </a:r>
+            <a:r>
+              <a:rPr lang="en-US" dirty="0" smtClean="0"/>
+              <a:t>/flume-</a:t>
+            </a:r>
+            <a:r>
+              <a:rPr lang="en-US" dirty="0" err="1" smtClean="0"/>
+              <a:t>conf.properties</a:t>
+            </a:r>
+            <a:r>
+              <a:rPr lang="en-US" dirty="0" smtClean="0"/>
+              <a:t> </a:t>
             </a:r>
             <a:endParaRPr lang="en-US" dirty="0"/>
           </a:p>
-          <a:p>
+        </p:txBody>
+      </p:sp>
+      <p:sp>
+        <p:nvSpPr>
+          <p:cNvPr id="4" name="Rectangle 3"/>
+          <p:cNvSpPr/>
+          <p:nvPr/>
+        </p:nvSpPr>
+        <p:spPr>
+          <a:xfrm>
+            <a:off x="1468315" y="5086340"/>
+            <a:ext cx="1230924" cy="764931"/>
+          </a:xfrm>
+          <a:prstGeom prst="rect">
+            <a:avLst/>
+          </a:prstGeom>
+        </p:spPr>
+        <p:style>
+          <a:lnRef idx="2">
+            <a:schemeClr val="accent3">
+              <a:shade val="50000"/>
+            </a:schemeClr>
+          </a:lnRef>
+          <a:fillRef idx="1">
+            <a:schemeClr val="accent3"/>
+          </a:fillRef>
+          <a:effectRef idx="0">
+            <a:schemeClr val="accent3"/>
+          </a:effectRef>
+          <a:fontRef idx="minor">
+            <a:schemeClr val="lt1"/>
+          </a:fontRef>
+        </p:style>
+        <p:txBody>
+          <a:bodyPr rtlCol="0" anchor="ctr"/>
+          <a:lstStyle/>
+          <a:p>
+            <a:pPr algn="ctr"/>
             <a:r>
               <a:rPr lang="en-US" dirty="0" smtClean="0"/>
-              <a:t>2 Phases:</a:t>
-            </a:r>
-          </a:p>
-          <a:p>
-            <a:pPr lvl="1"/>
+              <a:t>Apache</a:t>
+            </a:r>
+            <a:endParaRPr lang="en-US" dirty="0"/>
+          </a:p>
+        </p:txBody>
+      </p:sp>
+      <p:sp>
+        <p:nvSpPr>
+          <p:cNvPr id="5" name="Rectangle 4"/>
+          <p:cNvSpPr/>
+          <p:nvPr/>
+        </p:nvSpPr>
+        <p:spPr>
+          <a:xfrm>
+            <a:off x="3968261" y="5086340"/>
+            <a:ext cx="1230924" cy="764931"/>
+          </a:xfrm>
+          <a:prstGeom prst="rect">
+            <a:avLst/>
+          </a:prstGeom>
+        </p:spPr>
+        <p:style>
+          <a:lnRef idx="2">
+            <a:schemeClr val="accent3">
+              <a:shade val="50000"/>
+            </a:schemeClr>
+          </a:lnRef>
+          <a:fillRef idx="1">
+            <a:schemeClr val="accent3"/>
+          </a:fillRef>
+          <a:effectRef idx="0">
+            <a:schemeClr val="accent3"/>
+          </a:effectRef>
+          <a:fontRef idx="minor">
+            <a:schemeClr val="lt1"/>
+          </a:fontRef>
+        </p:style>
+        <p:txBody>
+          <a:bodyPr rtlCol="0" anchor="ctr"/>
+          <a:lstStyle/>
+          <a:p>
+            <a:pPr algn="ctr"/>
             <a:r>
               <a:rPr lang="en-US" dirty="0" smtClean="0"/>
-              <a:t>Map</a:t>
-            </a:r>
-          </a:p>
-          <a:p>
-            <a:pPr lvl="1"/>
+              <a:t>Flume Client</a:t>
+            </a:r>
+            <a:endParaRPr lang="en-US" dirty="0"/>
+          </a:p>
+        </p:txBody>
+      </p:sp>
+      <p:cxnSp>
+        <p:nvCxnSpPr>
+          <p:cNvPr id="7" name="Straight Arrow Connector 6"/>
+          <p:cNvCxnSpPr>
+            <a:stCxn id="4" idx="3"/>
+            <a:endCxn id="5" idx="1"/>
+          </p:cNvCxnSpPr>
+          <p:nvPr/>
+        </p:nvCxnSpPr>
+        <p:spPr>
+          <a:xfrm>
+            <a:off x="2699239" y="5468806"/>
+            <a:ext cx="1269022" cy="0"/>
+          </a:xfrm>
+          <a:prstGeom prst="straightConnector1">
+            <a:avLst/>
+          </a:prstGeom>
+          <a:ln>
+            <a:tailEnd type="triangle"/>
+          </a:ln>
+        </p:spPr>
+        <p:style>
+          <a:lnRef idx="3">
+            <a:schemeClr val="dk1"/>
+          </a:lnRef>
+          <a:fillRef idx="0">
+            <a:schemeClr val="dk1"/>
+          </a:fillRef>
+          <a:effectRef idx="2">
+            <a:schemeClr val="dk1"/>
+          </a:effectRef>
+          <a:fontRef idx="minor">
+            <a:schemeClr val="tx1"/>
+          </a:fontRef>
+        </p:style>
+      </p:cxnSp>
+      <p:sp>
+        <p:nvSpPr>
+          <p:cNvPr id="8" name="Gefaltete Ecke 5"/>
+          <p:cNvSpPr/>
+          <p:nvPr/>
+        </p:nvSpPr>
+        <p:spPr>
+          <a:xfrm>
+            <a:off x="2924101" y="4356727"/>
+            <a:ext cx="836909" cy="1046136"/>
+          </a:xfrm>
+          <a:prstGeom prst="foldedCorner">
+            <a:avLst/>
+          </a:prstGeom>
+        </p:spPr>
+        <p:style>
+          <a:lnRef idx="2">
+            <a:schemeClr val="accent3"/>
+          </a:lnRef>
+          <a:fillRef idx="1">
+            <a:schemeClr val="lt1"/>
+          </a:fillRef>
+          <a:effectRef idx="0">
+            <a:schemeClr val="accent3"/>
+          </a:effectRef>
+          <a:fontRef idx="minor">
+            <a:schemeClr val="dk1"/>
+          </a:fontRef>
+        </p:style>
+        <p:txBody>
+          <a:bodyPr rtlCol="0" anchor="ctr"/>
+          <a:lstStyle/>
+          <a:p>
+            <a:pPr algn="ctr"/>
+            <a:r>
+              <a:rPr lang="en-US" sz="1400" dirty="0" smtClean="0"/>
+              <a:t>Apache Log</a:t>
+            </a:r>
+            <a:endParaRPr lang="en-US" sz="1400" dirty="0"/>
+          </a:p>
+        </p:txBody>
+      </p:sp>
+      <p:cxnSp>
+        <p:nvCxnSpPr>
+          <p:cNvPr id="13" name="Gerade Verbindung mit Pfeil 7"/>
+          <p:cNvCxnSpPr>
+            <a:stCxn id="5" idx="3"/>
+            <a:endCxn id="15" idx="2"/>
+          </p:cNvCxnSpPr>
+          <p:nvPr/>
+        </p:nvCxnSpPr>
+        <p:spPr>
+          <a:xfrm>
+            <a:off x="5199185" y="5468806"/>
+            <a:ext cx="3053935" cy="1"/>
+          </a:xfrm>
+          <a:prstGeom prst="straightConnector1">
+            <a:avLst/>
+          </a:prstGeom>
+          <a:ln>
+            <a:tailEnd type="triangle"/>
+          </a:ln>
+        </p:spPr>
+        <p:style>
+          <a:lnRef idx="3">
+            <a:schemeClr val="dk1"/>
+          </a:lnRef>
+          <a:fillRef idx="0">
+            <a:schemeClr val="dk1"/>
+          </a:fillRef>
+          <a:effectRef idx="2">
+            <a:schemeClr val="dk1"/>
+          </a:effectRef>
+          <a:fontRef idx="minor">
+            <a:schemeClr val="tx1"/>
+          </a:fontRef>
+        </p:style>
+      </p:cxnSp>
+      <p:sp>
+        <p:nvSpPr>
+          <p:cNvPr id="15" name="Oval 14"/>
+          <p:cNvSpPr/>
+          <p:nvPr/>
+        </p:nvSpPr>
+        <p:spPr>
+          <a:xfrm>
+            <a:off x="8253120" y="5290576"/>
+            <a:ext cx="356461" cy="356461"/>
+          </a:xfrm>
+          <a:prstGeom prst="ellipse">
+            <a:avLst/>
+          </a:prstGeom>
+        </p:spPr>
+        <p:style>
+          <a:lnRef idx="2">
+            <a:schemeClr val="accent2">
+              <a:shade val="50000"/>
+            </a:schemeClr>
+          </a:lnRef>
+          <a:fillRef idx="1">
+            <a:schemeClr val="accent2"/>
+          </a:fillRef>
+          <a:effectRef idx="0">
+            <a:schemeClr val="accent2"/>
+          </a:effectRef>
+          <a:fontRef idx="minor">
+            <a:schemeClr val="lt1"/>
+          </a:fontRef>
+        </p:style>
+        <p:txBody>
+          <a:bodyPr rtlCol="0" anchor="ctr"/>
+          <a:lstStyle/>
+          <a:p>
+            <a:pPr algn="ctr"/>
+            <a:endParaRPr lang="en-US"/>
+          </a:p>
+        </p:txBody>
+      </p:sp>
+      <p:sp>
+        <p:nvSpPr>
+          <p:cNvPr id="16" name="Zylinder 3"/>
+          <p:cNvSpPr/>
+          <p:nvPr/>
+        </p:nvSpPr>
+        <p:spPr>
+          <a:xfrm rot="5400000">
+            <a:off x="8952052" y="4313107"/>
+            <a:ext cx="1270000" cy="2311400"/>
+          </a:xfrm>
+          <a:prstGeom prst="can">
+            <a:avLst/>
+          </a:prstGeom>
+        </p:spPr>
+        <p:style>
+          <a:lnRef idx="2">
+            <a:schemeClr val="accent1">
+              <a:shade val="50000"/>
+            </a:schemeClr>
+          </a:lnRef>
+          <a:fillRef idx="1">
+            <a:schemeClr val="accent1"/>
+          </a:fillRef>
+          <a:effectRef idx="0">
+            <a:schemeClr val="accent1"/>
+          </a:effectRef>
+          <a:fontRef idx="minor">
+            <a:schemeClr val="lt1"/>
+          </a:fontRef>
+        </p:style>
+        <p:txBody>
+          <a:bodyPr vert="vert270" rtlCol="0" anchor="ctr"/>
+          <a:lstStyle/>
+          <a:p>
+            <a:pPr algn="ctr"/>
             <a:r>
               <a:rPr lang="en-US" dirty="0" smtClean="0"/>
-              <a:t>Reduce</a:t>
-            </a:r>
-          </a:p>
-        </p:txBody>
-      </p:sp>
-      <p:grpSp>
-        <p:nvGrpSpPr>
-          <p:cNvPr id="4" name="Group 3"/>
-          <p:cNvGrpSpPr/>
+              <a:t>Flume</a:t>
+            </a:r>
+            <a:endParaRPr lang="en-US" dirty="0"/>
+          </a:p>
+        </p:txBody>
+      </p:sp>
+      <p:sp>
+        <p:nvSpPr>
+          <p:cNvPr id="17" name="Oval 16"/>
+          <p:cNvSpPr/>
           <p:nvPr/>
-        </p:nvGrpSpPr>
-        <p:grpSpPr>
+        </p:nvSpPr>
+        <p:spPr>
           <a:xfrm>
-            <a:off x="1205210" y="4171950"/>
-            <a:ext cx="4854856" cy="1045638"/>
-            <a:chOff x="1205210" y="3187700"/>
-            <a:chExt cx="9424690" cy="2029888"/>
-          </a:xfrm>
-        </p:grpSpPr>
-        <p:sp>
-          <p:nvSpPr>
-            <p:cNvPr id="5" name="Zylinder 4"/>
-            <p:cNvSpPr/>
-            <p:nvPr/>
-          </p:nvSpPr>
-          <p:spPr>
-            <a:xfrm>
-              <a:off x="8229600" y="3187700"/>
-              <a:ext cx="2400300" cy="1968500"/>
-            </a:xfrm>
-            <a:prstGeom prst="can">
-              <a:avLst/>
-            </a:prstGeom>
-          </p:spPr>
-          <p:style>
-            <a:lnRef idx="2">
-              <a:schemeClr val="accent6">
-                <a:shade val="50000"/>
-              </a:schemeClr>
-            </a:lnRef>
-            <a:fillRef idx="1">
-              <a:schemeClr val="accent6"/>
-            </a:fillRef>
-            <a:effectRef idx="0">
-              <a:schemeClr val="accent6"/>
-            </a:effectRef>
-            <a:fontRef idx="minor">
-              <a:schemeClr val="lt1"/>
-            </a:fontRef>
-          </p:style>
-          <p:txBody>
-            <a:bodyPr rtlCol="0" anchor="ctr"/>
-            <a:lstStyle/>
-            <a:p>
-              <a:pPr algn="ctr"/>
-              <a:r>
-                <a:rPr lang="en-US" dirty="0" err="1" smtClean="0"/>
-                <a:t>HDFS</a:t>
-              </a:r>
-              <a:endParaRPr lang="en-US" dirty="0"/>
-            </a:p>
-          </p:txBody>
-        </p:sp>
-        <p:sp>
-          <p:nvSpPr>
-            <p:cNvPr id="6" name="Gefaltete Ecke 5"/>
-            <p:cNvSpPr/>
-            <p:nvPr/>
-          </p:nvSpPr>
-          <p:spPr>
-            <a:xfrm>
-              <a:off x="1205210" y="3187700"/>
-              <a:ext cx="1722044" cy="1968500"/>
-            </a:xfrm>
-            <a:prstGeom prst="foldedCorner">
-              <a:avLst/>
-            </a:prstGeom>
-          </p:spPr>
-          <p:style>
-            <a:lnRef idx="2">
-              <a:schemeClr val="accent3"/>
-            </a:lnRef>
-            <a:fillRef idx="1">
-              <a:schemeClr val="lt1"/>
-            </a:fillRef>
-            <a:effectRef idx="0">
-              <a:schemeClr val="accent3"/>
-            </a:effectRef>
-            <a:fontRef idx="minor">
-              <a:schemeClr val="dk1"/>
-            </a:fontRef>
-          </p:style>
-          <p:txBody>
-            <a:bodyPr rtlCol="0" anchor="ctr"/>
-            <a:lstStyle/>
-            <a:p>
-              <a:pPr algn="ctr"/>
-              <a:r>
-                <a:rPr lang="en-US" dirty="0" smtClean="0"/>
-                <a:t>Apache Log</a:t>
-              </a:r>
-              <a:endParaRPr lang="en-US" dirty="0"/>
-            </a:p>
-          </p:txBody>
-        </p:sp>
-        <p:cxnSp>
-          <p:nvCxnSpPr>
-            <p:cNvPr id="7" name="Gerade Verbindung mit Pfeil 7"/>
-            <p:cNvCxnSpPr>
-              <a:stCxn id="6" idx="3"/>
-              <a:endCxn id="9" idx="2"/>
-            </p:cNvCxnSpPr>
-            <p:nvPr/>
-          </p:nvCxnSpPr>
-          <p:spPr>
-            <a:xfrm>
-              <a:off x="2927254" y="4171950"/>
-              <a:ext cx="1243620" cy="0"/>
-            </a:xfrm>
-            <a:prstGeom prst="straightConnector1">
-              <a:avLst/>
-            </a:prstGeom>
-            <a:ln>
-              <a:tailEnd type="triangle"/>
-            </a:ln>
-          </p:spPr>
-          <p:style>
-            <a:lnRef idx="3">
-              <a:schemeClr val="dk1"/>
-            </a:lnRef>
-            <a:fillRef idx="0">
-              <a:schemeClr val="dk1"/>
-            </a:fillRef>
-            <a:effectRef idx="2">
-              <a:schemeClr val="dk1"/>
-            </a:effectRef>
-            <a:fontRef idx="minor">
-              <a:schemeClr val="tx1"/>
-            </a:fontRef>
-          </p:style>
-        </p:cxnSp>
-        <p:cxnSp>
-          <p:nvCxnSpPr>
-            <p:cNvPr id="8" name="Gerade Verbindung mit Pfeil 9"/>
-            <p:cNvCxnSpPr>
-              <a:stCxn id="11" idx="6"/>
-              <a:endCxn id="5" idx="2"/>
-            </p:cNvCxnSpPr>
-            <p:nvPr/>
-          </p:nvCxnSpPr>
-          <p:spPr>
-            <a:xfrm>
-              <a:off x="6838736" y="4171950"/>
-              <a:ext cx="1390864" cy="0"/>
-            </a:xfrm>
-            <a:prstGeom prst="straightConnector1">
-              <a:avLst/>
-            </a:prstGeom>
-            <a:ln>
-              <a:tailEnd type="triangle"/>
-            </a:ln>
-          </p:spPr>
-          <p:style>
-            <a:lnRef idx="3">
-              <a:schemeClr val="dk1"/>
-            </a:lnRef>
-            <a:fillRef idx="0">
-              <a:schemeClr val="dk1"/>
-            </a:fillRef>
-            <a:effectRef idx="2">
-              <a:schemeClr val="dk1"/>
-            </a:effectRef>
-            <a:fontRef idx="minor">
-              <a:schemeClr val="tx1"/>
-            </a:fontRef>
-          </p:style>
-        </p:cxnSp>
-        <p:sp>
-          <p:nvSpPr>
-            <p:cNvPr id="9" name="Oval 8"/>
-            <p:cNvSpPr/>
-            <p:nvPr/>
-          </p:nvSpPr>
-          <p:spPr>
-            <a:xfrm>
-              <a:off x="4170874" y="3993719"/>
-              <a:ext cx="356461" cy="356461"/>
-            </a:xfrm>
-            <a:prstGeom prst="ellipse">
-              <a:avLst/>
-            </a:prstGeom>
-          </p:spPr>
-          <p:style>
-            <a:lnRef idx="2">
-              <a:schemeClr val="accent2">
-                <a:shade val="50000"/>
-              </a:schemeClr>
-            </a:lnRef>
-            <a:fillRef idx="1">
-              <a:schemeClr val="accent2"/>
-            </a:fillRef>
-            <a:effectRef idx="0">
-              <a:schemeClr val="accent2"/>
-            </a:effectRef>
-            <a:fontRef idx="minor">
-              <a:schemeClr val="lt1"/>
-            </a:fontRef>
-          </p:style>
-          <p:txBody>
-            <a:bodyPr rtlCol="0" anchor="ctr"/>
-            <a:lstStyle/>
-            <a:p>
-              <a:pPr algn="ctr"/>
-              <a:endParaRPr lang="en-US"/>
-            </a:p>
-          </p:txBody>
-        </p:sp>
-        <p:sp>
-          <p:nvSpPr>
-            <p:cNvPr id="10" name="Zylinder 3"/>
-            <p:cNvSpPr/>
-            <p:nvPr/>
-          </p:nvSpPr>
-          <p:spPr>
-            <a:xfrm rot="5400000">
-              <a:off x="4869806" y="3016250"/>
-              <a:ext cx="1270000" cy="2311400"/>
-            </a:xfrm>
-            <a:prstGeom prst="can">
-              <a:avLst/>
-            </a:prstGeom>
-          </p:spPr>
-          <p:style>
-            <a:lnRef idx="2">
-              <a:schemeClr val="accent1">
-                <a:shade val="50000"/>
-              </a:schemeClr>
-            </a:lnRef>
-            <a:fillRef idx="1">
-              <a:schemeClr val="accent1"/>
-            </a:fillRef>
-            <a:effectRef idx="0">
-              <a:schemeClr val="accent1"/>
-            </a:effectRef>
-            <a:fontRef idx="minor">
-              <a:schemeClr val="lt1"/>
-            </a:fontRef>
-          </p:style>
-          <p:txBody>
-            <a:bodyPr vert="vert270" rtlCol="0" anchor="ctr"/>
-            <a:lstStyle/>
-            <a:p>
-              <a:pPr algn="ctr"/>
-              <a:r>
-                <a:rPr lang="en-US" dirty="0" smtClean="0"/>
-                <a:t>Flume</a:t>
-              </a:r>
-              <a:endParaRPr lang="en-US" dirty="0"/>
-            </a:p>
-          </p:txBody>
-        </p:sp>
-        <p:sp>
-          <p:nvSpPr>
-            <p:cNvPr id="11" name="Oval 10"/>
-            <p:cNvSpPr/>
-            <p:nvPr/>
-          </p:nvSpPr>
-          <p:spPr>
-            <a:xfrm>
-              <a:off x="6482275" y="3993719"/>
-              <a:ext cx="356461" cy="356461"/>
-            </a:xfrm>
-            <a:prstGeom prst="ellipse">
-              <a:avLst/>
-            </a:prstGeom>
-          </p:spPr>
-          <p:style>
-            <a:lnRef idx="2">
-              <a:schemeClr val="accent2">
-                <a:shade val="50000"/>
-              </a:schemeClr>
-            </a:lnRef>
-            <a:fillRef idx="1">
-              <a:schemeClr val="accent2"/>
-            </a:fillRef>
-            <a:effectRef idx="0">
-              <a:schemeClr val="accent2"/>
-            </a:effectRef>
-            <a:fontRef idx="minor">
-              <a:schemeClr val="lt1"/>
-            </a:fontRef>
-          </p:style>
-          <p:txBody>
-            <a:bodyPr rtlCol="0" anchor="ctr"/>
-            <a:lstStyle/>
-            <a:p>
-              <a:pPr algn="ctr"/>
-              <a:endParaRPr lang="en-US"/>
-            </a:p>
-          </p:txBody>
-        </p:sp>
-        <p:sp>
-          <p:nvSpPr>
-            <p:cNvPr id="12" name="TextBox 11"/>
-            <p:cNvSpPr txBox="1"/>
-            <p:nvPr/>
-          </p:nvSpPr>
-          <p:spPr>
-            <a:xfrm>
-              <a:off x="6368835" y="4848255"/>
-              <a:ext cx="651897" cy="369333"/>
-            </a:xfrm>
-            <a:prstGeom prst="rect">
-              <a:avLst/>
-            </a:prstGeom>
-            <a:noFill/>
-          </p:spPr>
-          <p:txBody>
-            <a:bodyPr wrap="square" rtlCol="0">
-              <a:normAutofit fontScale="40000" lnSpcReduction="20000"/>
-            </a:bodyPr>
-            <a:lstStyle/>
-            <a:p>
-              <a:pPr algn="ctr"/>
-              <a:r>
-                <a:rPr lang="en-US" dirty="0" smtClean="0"/>
-                <a:t>Sink</a:t>
-              </a:r>
-              <a:endParaRPr lang="en-US" dirty="0"/>
-            </a:p>
-          </p:txBody>
-        </p:sp>
-        <p:sp>
-          <p:nvSpPr>
-            <p:cNvPr id="13" name="TextBox 12"/>
-            <p:cNvSpPr txBox="1"/>
-            <p:nvPr/>
-          </p:nvSpPr>
-          <p:spPr>
-            <a:xfrm>
-              <a:off x="3906650" y="4848256"/>
-              <a:ext cx="884912" cy="369332"/>
-            </a:xfrm>
-            <a:prstGeom prst="rect">
-              <a:avLst/>
-            </a:prstGeom>
-            <a:noFill/>
-          </p:spPr>
-          <p:txBody>
-            <a:bodyPr wrap="square" rtlCol="0">
-              <a:normAutofit fontScale="40000" lnSpcReduction="20000"/>
-            </a:bodyPr>
-            <a:lstStyle/>
-            <a:p>
-              <a:pPr algn="ctr"/>
-              <a:r>
-                <a:rPr lang="en-US" dirty="0" smtClean="0"/>
-                <a:t>Source</a:t>
-              </a:r>
-              <a:endParaRPr lang="en-US" dirty="0"/>
-            </a:p>
-          </p:txBody>
-        </p:sp>
-        <p:sp>
-          <p:nvSpPr>
-            <p:cNvPr id="14" name="TextBox 13"/>
-            <p:cNvSpPr txBox="1"/>
-            <p:nvPr/>
-          </p:nvSpPr>
-          <p:spPr>
-            <a:xfrm>
-              <a:off x="5059014" y="4848255"/>
-              <a:ext cx="1042370" cy="369332"/>
-            </a:xfrm>
-            <a:prstGeom prst="rect">
-              <a:avLst/>
-            </a:prstGeom>
-            <a:noFill/>
-          </p:spPr>
-          <p:txBody>
-            <a:bodyPr wrap="square" rtlCol="0">
-              <a:normAutofit fontScale="40000" lnSpcReduction="20000"/>
-            </a:bodyPr>
-            <a:lstStyle/>
-            <a:p>
-              <a:pPr algn="ctr"/>
-              <a:r>
-                <a:rPr lang="en-US" dirty="0" smtClean="0"/>
-                <a:t>Channel</a:t>
-              </a:r>
-              <a:endParaRPr lang="en-US" dirty="0"/>
-            </a:p>
-          </p:txBody>
-        </p:sp>
-        <p:sp>
-          <p:nvSpPr>
-            <p:cNvPr id="15" name="Rectangle 14"/>
-            <p:cNvSpPr/>
-            <p:nvPr/>
-          </p:nvSpPr>
-          <p:spPr>
-            <a:xfrm>
-              <a:off x="3906649" y="3187700"/>
-              <a:ext cx="3114083" cy="2029888"/>
-            </a:xfrm>
-            <a:prstGeom prst="rect">
-              <a:avLst/>
-            </a:prstGeom>
-            <a:noFill/>
-            <a:ln>
-              <a:prstDash val="dash"/>
-            </a:ln>
-          </p:spPr>
-          <p:style>
-            <a:lnRef idx="2">
-              <a:schemeClr val="dk1"/>
-            </a:lnRef>
-            <a:fillRef idx="1">
-              <a:schemeClr val="lt1"/>
-            </a:fillRef>
-            <a:effectRef idx="0">
-              <a:schemeClr val="dk1"/>
-            </a:effectRef>
-            <a:fontRef idx="minor">
-              <a:schemeClr val="dk1"/>
-            </a:fontRef>
-          </p:style>
-          <p:txBody>
-            <a:bodyPr rtlCol="0" anchor="t"/>
-            <a:lstStyle/>
-            <a:p>
-              <a:r>
-                <a:rPr lang="en-US" sz="800" dirty="0" smtClean="0"/>
-                <a:t>Agent</a:t>
-              </a:r>
-              <a:endParaRPr lang="en-US" sz="1400" dirty="0"/>
-            </a:p>
-          </p:txBody>
-        </p:sp>
-      </p:grpSp>
+            <a:off x="10564521" y="5290576"/>
+            <a:ext cx="356461" cy="356461"/>
+          </a:xfrm>
+          <a:prstGeom prst="ellipse">
+            <a:avLst/>
+          </a:prstGeom>
+        </p:spPr>
+        <p:style>
+          <a:lnRef idx="2">
+            <a:schemeClr val="accent2">
+              <a:shade val="50000"/>
+            </a:schemeClr>
+          </a:lnRef>
+          <a:fillRef idx="1">
+            <a:schemeClr val="accent2"/>
+          </a:fillRef>
+          <a:effectRef idx="0">
+            <a:schemeClr val="accent2"/>
+          </a:effectRef>
+          <a:fontRef idx="minor">
+            <a:schemeClr val="lt1"/>
+          </a:fontRef>
+        </p:style>
+        <p:txBody>
+          <a:bodyPr rtlCol="0" anchor="ctr"/>
+          <a:lstStyle/>
+          <a:p>
+            <a:pPr algn="ctr"/>
+            <a:endParaRPr lang="en-US"/>
+          </a:p>
+        </p:txBody>
+      </p:sp>
+      <p:sp>
+        <p:nvSpPr>
+          <p:cNvPr id="18" name="TextBox 17"/>
+          <p:cNvSpPr txBox="1"/>
+          <p:nvPr/>
+        </p:nvSpPr>
+        <p:spPr>
+          <a:xfrm>
+            <a:off x="10451082" y="6145113"/>
+            <a:ext cx="583339" cy="369332"/>
+          </a:xfrm>
+          <a:prstGeom prst="rect">
+            <a:avLst/>
+          </a:prstGeom>
+          <a:noFill/>
+        </p:spPr>
+        <p:txBody>
+          <a:bodyPr wrap="square" rtlCol="0">
+            <a:spAutoFit/>
+          </a:bodyPr>
+          <a:lstStyle/>
+          <a:p>
+            <a:pPr algn="ctr"/>
+            <a:r>
+              <a:rPr lang="en-US" dirty="0" smtClean="0"/>
+              <a:t>Sink</a:t>
+            </a:r>
+            <a:endParaRPr lang="en-US" dirty="0"/>
+          </a:p>
+        </p:txBody>
+      </p:sp>
+      <p:sp>
+        <p:nvSpPr>
+          <p:cNvPr id="19" name="TextBox 18"/>
+          <p:cNvSpPr txBox="1"/>
+          <p:nvPr/>
+        </p:nvSpPr>
+        <p:spPr>
+          <a:xfrm>
+            <a:off x="7988896" y="6145113"/>
+            <a:ext cx="884912" cy="369332"/>
+          </a:xfrm>
+          <a:prstGeom prst="rect">
+            <a:avLst/>
+          </a:prstGeom>
+          <a:noFill/>
+        </p:spPr>
+        <p:txBody>
+          <a:bodyPr wrap="square" rtlCol="0">
+            <a:spAutoFit/>
+          </a:bodyPr>
+          <a:lstStyle/>
+          <a:p>
+            <a:pPr algn="ctr"/>
+            <a:r>
+              <a:rPr lang="en-US" dirty="0" smtClean="0"/>
+              <a:t>Source</a:t>
+            </a:r>
+            <a:endParaRPr lang="en-US" dirty="0"/>
+          </a:p>
+        </p:txBody>
+      </p:sp>
+      <p:sp>
+        <p:nvSpPr>
+          <p:cNvPr id="20" name="TextBox 19"/>
+          <p:cNvSpPr txBox="1"/>
+          <p:nvPr/>
+        </p:nvSpPr>
+        <p:spPr>
+          <a:xfrm>
+            <a:off x="9141260" y="6145112"/>
+            <a:ext cx="1042370" cy="369332"/>
+          </a:xfrm>
+          <a:prstGeom prst="rect">
+            <a:avLst/>
+          </a:prstGeom>
+          <a:noFill/>
+        </p:spPr>
+        <p:txBody>
+          <a:bodyPr wrap="square" rtlCol="0">
+            <a:spAutoFit/>
+          </a:bodyPr>
+          <a:lstStyle/>
+          <a:p>
+            <a:pPr algn="ctr"/>
+            <a:r>
+              <a:rPr lang="en-US" dirty="0" smtClean="0"/>
+              <a:t>Channel</a:t>
+            </a:r>
+            <a:endParaRPr lang="en-US" dirty="0"/>
+          </a:p>
+        </p:txBody>
+      </p:sp>
+      <p:sp>
+        <p:nvSpPr>
+          <p:cNvPr id="21" name="Rectangle 20"/>
+          <p:cNvSpPr/>
+          <p:nvPr/>
+        </p:nvSpPr>
+        <p:spPr>
+          <a:xfrm>
+            <a:off x="7988895" y="4484557"/>
+            <a:ext cx="3114083" cy="2029888"/>
+          </a:xfrm>
+          <a:prstGeom prst="rect">
+            <a:avLst/>
+          </a:prstGeom>
+          <a:noFill/>
+          <a:ln>
+            <a:prstDash val="dash"/>
+          </a:ln>
+        </p:spPr>
+        <p:style>
+          <a:lnRef idx="2">
+            <a:schemeClr val="dk1"/>
+          </a:lnRef>
+          <a:fillRef idx="1">
+            <a:schemeClr val="lt1"/>
+          </a:fillRef>
+          <a:effectRef idx="0">
+            <a:schemeClr val="dk1"/>
+          </a:effectRef>
+          <a:fontRef idx="minor">
+            <a:schemeClr val="dk1"/>
+          </a:fontRef>
+        </p:style>
+        <p:txBody>
+          <a:bodyPr rtlCol="0" anchor="t"/>
+          <a:lstStyle/>
+          <a:p>
+            <a:r>
+              <a:rPr lang="en-US" sz="1400" dirty="0" smtClean="0"/>
+              <a:t>Agent</a:t>
+            </a:r>
+            <a:endParaRPr lang="en-US" sz="1400" dirty="0"/>
+          </a:p>
+        </p:txBody>
+      </p:sp>
+      <p:sp>
+        <p:nvSpPr>
+          <p:cNvPr id="23" name="TextBox 22"/>
+          <p:cNvSpPr txBox="1"/>
+          <p:nvPr/>
+        </p:nvSpPr>
+        <p:spPr>
+          <a:xfrm>
+            <a:off x="6321669" y="5086340"/>
+            <a:ext cx="1485900" cy="369332"/>
+          </a:xfrm>
+          <a:prstGeom prst="rect">
+            <a:avLst/>
+          </a:prstGeom>
+          <a:noFill/>
+        </p:spPr>
+        <p:txBody>
+          <a:bodyPr wrap="square" rtlCol="0">
+            <a:spAutoFit/>
+          </a:bodyPr>
+          <a:lstStyle/>
+          <a:p>
+            <a:r>
+              <a:rPr lang="en-US" dirty="0" smtClean="0"/>
+              <a:t>AVRO</a:t>
+            </a:r>
+            <a:endParaRPr lang="en-US" dirty="0"/>
+          </a:p>
+        </p:txBody>
+      </p:sp>
+      <p:sp>
+        <p:nvSpPr>
+          <p:cNvPr id="26" name="Date Placeholder 25"/>
+          <p:cNvSpPr>
+            <a:spLocks noGrp="1"/>
+          </p:cNvSpPr>
+          <p:nvPr>
+            <p:ph type="dt" sz="half" idx="10"/>
+          </p:nvPr>
+        </p:nvSpPr>
+        <p:spPr/>
+        <p:txBody>
+          <a:bodyPr/>
+          <a:lstStyle/>
+          <a:p>
+            <a:fld id="{F49A0863-AE88-4164-AF3E-F1E66148A34B}" type="datetime1">
+              <a:rPr lang="en-US" smtClean="0"/>
+              <a:t>10/10/2015</a:t>
+            </a:fld>
+            <a:endParaRPr lang="en-US"/>
+          </a:p>
+        </p:txBody>
+      </p:sp>
+      <p:sp>
+        <p:nvSpPr>
+          <p:cNvPr id="27" name="Slide Number Placeholder 26"/>
+          <p:cNvSpPr>
+            <a:spLocks noGrp="1"/>
+          </p:cNvSpPr>
+          <p:nvPr>
+            <p:ph type="sldNum" sz="quarter" idx="12"/>
+          </p:nvPr>
+        </p:nvSpPr>
+        <p:spPr/>
+        <p:txBody>
+          <a:bodyPr/>
+          <a:lstStyle/>
+          <a:p>
+            <a:fld id="{F1A2D159-7083-48C9-88DE-3F666ED9E9A2}" type="slidenum">
+              <a:rPr lang="en-US" smtClean="0"/>
+              <a:t>9</a:t>
+            </a:fld>
+            <a:endParaRPr lang="en-US"/>
+          </a:p>
+        </p:txBody>
+      </p:sp>
     </p:spTree>
     <p:extLst>
       <p:ext uri="{BB962C8B-B14F-4D97-AF65-F5344CB8AC3E}">
-        <p14:creationId xmlns:p14="http://schemas.microsoft.com/office/powerpoint/2010/main" val="855395191"/>
+        <p14:creationId xmlns:p14="http://schemas.microsoft.com/office/powerpoint/2010/main" val="3860040681"/>
       </p:ext>
     </p:extLst>
   </p:cSld>
@@ -7698,8 +14484,293 @@
   <a:extraClrSchemeLst/>
   <a:extLst>
     <a:ext uri="{05A4C25C-085E-4340-85A3-A5531E510DB2}">
-      <thm15:themeFamily xmlns:thm15="http://schemas.microsoft.com/office/thememl/2012/main" xmlns="" name="Office Theme" id="{62F939B6-93AF-4DB8-9C6B-D6C7DFDC589F}" vid="{4A3C46E8-61CC-4603-A589-7422A47A8E4A}"/>
+      <thm15:themeFamily xmlns="" xmlns:thm15="http://schemas.microsoft.com/office/thememl/2012/main" name="Office Theme" id="{62F939B6-93AF-4DB8-9C6B-D6C7DFDC589F}" vid="{4A3C46E8-61CC-4603-A589-7422A47A8E4A}"/>
     </a:ext>
   </a:extLst>
 </a:theme>
+</file>
+
+<file path=ppt/theme/theme2.xml><?xml version="1.0" encoding="utf-8"?>
+<a:theme xmlns:a="http://schemas.openxmlformats.org/drawingml/2006/main" name="Office Theme">
+  <a:themeElements>
+    <a:clrScheme name="Office">
+      <a:dk1>
+        <a:sysClr val="windowText" lastClr="000000"/>
+      </a:dk1>
+      <a:lt1>
+        <a:sysClr val="window" lastClr="FFFFFF"/>
+      </a:lt1>
+      <a:dk2>
+        <a:srgbClr val="1F497D"/>
+      </a:dk2>
+      <a:lt2>
+        <a:srgbClr val="EEECE1"/>
+      </a:lt2>
+      <a:accent1>
+        <a:srgbClr val="4F81BD"/>
+      </a:accent1>
+      <a:accent2>
+        <a:srgbClr val="C0504D"/>
+      </a:accent2>
+      <a:accent3>
+        <a:srgbClr val="9BBB59"/>
+      </a:accent3>
+      <a:accent4>
+        <a:srgbClr val="8064A2"/>
+      </a:accent4>
+      <a:accent5>
+        <a:srgbClr val="4BACC6"/>
+      </a:accent5>
+      <a:accent6>
+        <a:srgbClr val="F79646"/>
+      </a:accent6>
+      <a:hlink>
+        <a:srgbClr val="0000FF"/>
+      </a:hlink>
+      <a:folHlink>
+        <a:srgbClr val="800080"/>
+      </a:folHlink>
+    </a:clrScheme>
+    <a:fontScheme name="Office">
+      <a:majorFont>
+        <a:latin typeface="Calibri"/>
+        <a:ea typeface=""/>
+        <a:cs typeface=""/>
+        <a:font script="Jpan" typeface="ＭＳ Ｐゴシック"/>
+        <a:font script="Hang" typeface="맑은 고딕"/>
+        <a:font script="Hans" typeface="宋体"/>
+        <a:font script="Hant" typeface="新細明體"/>
+        <a:font script="Arab" typeface="Times New Roman"/>
+        <a:font script="Hebr" typeface="Times New Roman"/>
+        <a:font script="Thai" typeface="Angsana New"/>
+        <a:font script="Ethi" typeface="Nyala"/>
+        <a:font script="Beng" typeface="Vrinda"/>
+        <a:font script="Gujr" typeface="Shruti"/>
+        <a:font script="Khmr" typeface="MoolBoran"/>
+        <a:font script="Knda" typeface="Tunga"/>
+        <a:font script="Guru" typeface="Raavi"/>
+        <a:font script="Cans" typeface="Euphemia"/>
+        <a:font script="Cher" typeface="Plantagenet Cherokee"/>
+        <a:font script="Yiii" typeface="Microsoft Yi Baiti"/>
+        <a:font script="Tibt" typeface="Microsoft Himalaya"/>
+        <a:font script="Thaa" typeface="MV Boli"/>
+        <a:font script="Deva" typeface="Mangal"/>
+        <a:font script="Telu" typeface="Gautami"/>
+        <a:font script="Taml" typeface="Latha"/>
+        <a:font script="Syrc" typeface="Estrangelo Edessa"/>
+        <a:font script="Orya" typeface="Kalinga"/>
+        <a:font script="Mlym" typeface="Kartika"/>
+        <a:font script="Laoo" typeface="DokChampa"/>
+        <a:font script="Sinh" typeface="Iskoola Pota"/>
+        <a:font script="Mong" typeface="Mongolian Baiti"/>
+        <a:font script="Viet" typeface="Times New Roman"/>
+        <a:font script="Uigh" typeface="Microsoft Uighur"/>
+        <a:font script="Geor" typeface="Sylfaen"/>
+      </a:majorFont>
+      <a:minorFont>
+        <a:latin typeface="Calibri"/>
+        <a:ea typeface=""/>
+        <a:cs typeface=""/>
+        <a:font script="Jpan" typeface="ＭＳ Ｐゴシック"/>
+        <a:font script="Hang" typeface="맑은 고딕"/>
+        <a:font script="Hans" typeface="宋体"/>
+        <a:font script="Hant" typeface="新細明體"/>
+        <a:font script="Arab" typeface="Arial"/>
+        <a:font script="Hebr" typeface="Arial"/>
+        <a:font script="Thai" typeface="Cordia New"/>
+        <a:font script="Ethi" typeface="Nyala"/>
+        <a:font script="Beng" typeface="Vrinda"/>
+        <a:font script="Gujr" typeface="Shruti"/>
+        <a:font script="Khmr" typeface="DaunPenh"/>
+        <a:font script="Knda" typeface="Tunga"/>
+        <a:font script="Guru" typeface="Raavi"/>
+        <a:font script="Cans" typeface="Euphemia"/>
+        <a:font script="Cher" typeface="Plantagenet Cherokee"/>
+        <a:font script="Yiii" typeface="Microsoft Yi Baiti"/>
+        <a:font script="Tibt" typeface="Microsoft Himalaya"/>
+        <a:font script="Thaa" typeface="MV Boli"/>
+        <a:font script="Deva" typeface="Mangal"/>
+        <a:font script="Telu" typeface="Gautami"/>
+        <a:font script="Taml" typeface="Latha"/>
+        <a:font script="Syrc" typeface="Estrangelo Edessa"/>
+        <a:font script="Orya" typeface="Kalinga"/>
+        <a:font script="Mlym" typeface="Kartika"/>
+        <a:font script="Laoo" typeface="DokChampa"/>
+        <a:font script="Sinh" typeface="Iskoola Pota"/>
+        <a:font script="Mong" typeface="Mongolian Baiti"/>
+        <a:font script="Viet" typeface="Arial"/>
+        <a:font script="Uigh" typeface="Microsoft Uighur"/>
+        <a:font script="Geor" typeface="Sylfaen"/>
+      </a:minorFont>
+    </a:fontScheme>
+    <a:fmtScheme name="Office">
+      <a:fillStyleLst>
+        <a:solidFill>
+          <a:schemeClr val="phClr"/>
+        </a:solidFill>
+        <a:gradFill rotWithShape="1">
+          <a:gsLst>
+            <a:gs pos="0">
+              <a:schemeClr val="phClr">
+                <a:tint val="50000"/>
+                <a:satMod val="300000"/>
+              </a:schemeClr>
+            </a:gs>
+            <a:gs pos="35000">
+              <a:schemeClr val="phClr">
+                <a:tint val="37000"/>
+                <a:satMod val="300000"/>
+              </a:schemeClr>
+            </a:gs>
+            <a:gs pos="100000">
+              <a:schemeClr val="phClr">
+                <a:tint val="15000"/>
+                <a:satMod val="350000"/>
+              </a:schemeClr>
+            </a:gs>
+          </a:gsLst>
+          <a:lin ang="16200000" scaled="1"/>
+        </a:gradFill>
+        <a:gradFill rotWithShape="1">
+          <a:gsLst>
+            <a:gs pos="0">
+              <a:schemeClr val="phClr">
+                <a:shade val="51000"/>
+                <a:satMod val="130000"/>
+              </a:schemeClr>
+            </a:gs>
+            <a:gs pos="80000">
+              <a:schemeClr val="phClr">
+                <a:shade val="93000"/>
+                <a:satMod val="130000"/>
+              </a:schemeClr>
+            </a:gs>
+            <a:gs pos="100000">
+              <a:schemeClr val="phClr">
+                <a:shade val="94000"/>
+                <a:satMod val="135000"/>
+              </a:schemeClr>
+            </a:gs>
+          </a:gsLst>
+          <a:lin ang="16200000" scaled="0"/>
+        </a:gradFill>
+      </a:fillStyleLst>
+      <a:lnStyleLst>
+        <a:ln w="9525" cap="flat" cmpd="sng" algn="ctr">
+          <a:solidFill>
+            <a:schemeClr val="phClr">
+              <a:shade val="95000"/>
+              <a:satMod val="105000"/>
+            </a:schemeClr>
+          </a:solidFill>
+          <a:prstDash val="solid"/>
+        </a:ln>
+        <a:ln w="25400" cap="flat" cmpd="sng" algn="ctr">
+          <a:solidFill>
+            <a:schemeClr val="phClr"/>
+          </a:solidFill>
+          <a:prstDash val="solid"/>
+        </a:ln>
+        <a:ln w="38100" cap="flat" cmpd="sng" algn="ctr">
+          <a:solidFill>
+            <a:schemeClr val="phClr"/>
+          </a:solidFill>
+          <a:prstDash val="solid"/>
+        </a:ln>
+      </a:lnStyleLst>
+      <a:effectStyleLst>
+        <a:effectStyle>
+          <a:effectLst>
+            <a:outerShdw blurRad="40000" dist="20000" dir="5400000" rotWithShape="0">
+              <a:srgbClr val="000000">
+                <a:alpha val="38000"/>
+              </a:srgbClr>
+            </a:outerShdw>
+          </a:effectLst>
+        </a:effectStyle>
+        <a:effectStyle>
+          <a:effectLst>
+            <a:outerShdw blurRad="40000" dist="23000" dir="5400000" rotWithShape="0">
+              <a:srgbClr val="000000">
+                <a:alpha val="35000"/>
+              </a:srgbClr>
+            </a:outerShdw>
+          </a:effectLst>
+        </a:effectStyle>
+        <a:effectStyle>
+          <a:effectLst>
+            <a:outerShdw blurRad="40000" dist="23000" dir="5400000" rotWithShape="0">
+              <a:srgbClr val="000000">
+                <a:alpha val="35000"/>
+              </a:srgbClr>
+            </a:outerShdw>
+          </a:effectLst>
+          <a:scene3d>
+            <a:camera prst="orthographicFront">
+              <a:rot lat="0" lon="0" rev="0"/>
+            </a:camera>
+            <a:lightRig rig="threePt" dir="t">
+              <a:rot lat="0" lon="0" rev="1200000"/>
+            </a:lightRig>
+          </a:scene3d>
+          <a:sp3d>
+            <a:bevelT w="63500" h="25400"/>
+          </a:sp3d>
+        </a:effectStyle>
+      </a:effectStyleLst>
+      <a:bgFillStyleLst>
+        <a:solidFill>
+          <a:schemeClr val="phClr"/>
+        </a:solidFill>
+        <a:gradFill rotWithShape="1">
+          <a:gsLst>
+            <a:gs pos="0">
+              <a:schemeClr val="phClr">
+                <a:tint val="40000"/>
+                <a:satMod val="350000"/>
+              </a:schemeClr>
+            </a:gs>
+            <a:gs pos="40000">
+              <a:schemeClr val="phClr">
+                <a:tint val="45000"/>
+                <a:shade val="99000"/>
+                <a:satMod val="350000"/>
+              </a:schemeClr>
+            </a:gs>
+            <a:gs pos="100000">
+              <a:schemeClr val="phClr">
+                <a:shade val="20000"/>
+                <a:satMod val="255000"/>
+              </a:schemeClr>
+            </a:gs>
+          </a:gsLst>
+          <a:path path="circle">
+            <a:fillToRect l="50000" t="-80000" r="50000" b="180000"/>
+          </a:path>
+        </a:gradFill>
+        <a:gradFill rotWithShape="1">
+          <a:gsLst>
+            <a:gs pos="0">
+              <a:schemeClr val="phClr">
+                <a:tint val="80000"/>
+                <a:satMod val="300000"/>
+              </a:schemeClr>
+            </a:gs>
+            <a:gs pos="100000">
+              <a:schemeClr val="phClr">
+                <a:shade val="30000"/>
+                <a:satMod val="200000"/>
+              </a:schemeClr>
+            </a:gs>
+          </a:gsLst>
+          <a:path path="circle">
+            <a:fillToRect l="50000" t="50000" r="50000" b="50000"/>
+          </a:path>
+        </a:gradFill>
+      </a:bgFillStyleLst>
+    </a:fmtScheme>
+  </a:themeElements>
+  <a:objectDefaults/>
+  <a:extraClrSchemeLst/>
+</a:theme>
 </file>